--- a/Presentation_1212_JiayuChen.pptx
+++ b/Presentation_1212_JiayuChen.pptx
@@ -264,7 +264,7 @@
       <p15:sldGuideLst xmlns:p15="http://schemas.microsoft.com/office/powerpoint/2012/main"/>
     </p:ext>
     <p:ext uri="GoogleSlidesCustomDataVersion2">
-      <go:slidesCustomData xmlns="" xmlns:mc="http://schemas.openxmlformats.org/markup-compatibility/2006" xmlns:mv="urn:schemas-microsoft-com:mac:vml" xmlns:c="http://schemas.openxmlformats.org/drawingml/2006/chart" xmlns:dgm="http://schemas.openxmlformats.org/drawingml/2006/diagram" xmlns:o="urn:schemas-microsoft-com:office:office" xmlns:v="urn:schemas-microsoft-com:vml" xmlns:pvml="urn:schemas-microsoft-com:office:powerpoint" xmlns:com="http://schemas.openxmlformats.org/drawingml/2006/compatibility" xmlns:p14="http://schemas.microsoft.com/office/powerpoint/2010/main" xmlns:p15="http://schemas.microsoft.com/office/powerpoint/2012/main" xmlns:ahyp="http://schemas.microsoft.com/office/drawing/2018/hyperlinkcolor" xmlns:go="http://customooxmlschemas.google.com/" r:id="rId30" roundtripDataSignature="AMtx7mi7AOUiGfioVPTFrFzTi+gJGDXQ/w=="/>
+      <go:slidesCustomData xmlns:go="http://customooxmlschemas.google.com/" xmlns:ahyp="http://schemas.microsoft.com/office/drawing/2018/hyperlinkcolor" xmlns:p15="http://schemas.microsoft.com/office/powerpoint/2012/main" xmlns:p14="http://schemas.microsoft.com/office/powerpoint/2010/main" xmlns:com="http://schemas.openxmlformats.org/drawingml/2006/compatibility" xmlns:pvml="urn:schemas-microsoft-com:office:powerpoint" xmlns:v="urn:schemas-microsoft-com:vml" xmlns:o="urn:schemas-microsoft-com:office:office" xmlns:dgm="http://schemas.openxmlformats.org/drawingml/2006/diagram" xmlns:c="http://schemas.openxmlformats.org/drawingml/2006/chart" xmlns:mv="urn:schemas-microsoft-com:mac:vml" xmlns:mc="http://schemas.openxmlformats.org/markup-compatibility/2006" xmlns="" r:id="rId30" roundtripDataSignature="AMtx7mi7AOUiGfioVPTFrFzTi+gJGDXQ/w=="/>
     </p:ext>
   </p:extLst>
 </p:presentation>
@@ -21021,7 +21021,7 @@
         <p:spPr>
           <a:xfrm>
             <a:off x="609600" y="2451965"/>
-            <a:ext cx="9861030" cy="1785064"/>
+            <a:ext cx="9861030" cy="1569620"/>
           </a:xfrm>
           <a:prstGeom prst="rect">
             <a:avLst/>
@@ -21060,7 +21060,7 @@
             </a:r>
           </a:p>
           <a:p>
-            <a:pPr marL="342900" marR="0" lvl="0" indent="-342900" algn="l" rtl="0">
+            <a:pPr marL="457200" marR="0" lvl="0" indent="-457200" algn="l" rtl="0">
               <a:spcBef>
                 <a:spcPts val="0"/>
               </a:spcBef>
@@ -21070,7 +21070,7 @@
               <a:buAutoNum type="arabicPeriod"/>
             </a:pPr>
             <a:r>
-              <a:rPr lang="zh-CN" altLang="en-US" sz="1800" dirty="0">
+              <a:rPr lang="zh-CN" altLang="en-US" sz="2000" b="1" dirty="0">
                 <a:solidFill>
                   <a:schemeClr val="dk1"/>
                 </a:solidFill>
@@ -21079,10 +21079,30 @@
                 <a:cs typeface="Consolas"/>
                 <a:sym typeface="Consolas"/>
               </a:rPr>
-              <a:t>越是显著的特征（幅度大的峰或者谷）越是关注，从而会忽视小的</a:t>
+              <a:t>必须将单周期信号分解成足够多的分解量后，才能关注到较小的峰</a:t>
             </a:r>
+            <a:endParaRPr lang="en-US" altLang="zh-CN" sz="2000" b="1" dirty="0">
+              <a:solidFill>
+                <a:schemeClr val="dk1"/>
+              </a:solidFill>
+              <a:latin typeface="Consolas"/>
+              <a:ea typeface="Consolas"/>
+              <a:cs typeface="Consolas"/>
+              <a:sym typeface="Consolas"/>
+            </a:endParaRPr>
+          </a:p>
+          <a:p>
+            <a:pPr marL="457200" marR="0" lvl="0" indent="-457200" algn="l" rtl="0">
+              <a:spcBef>
+                <a:spcPts val="0"/>
+              </a:spcBef>
+              <a:spcAft>
+                <a:spcPts val="0"/>
+              </a:spcAft>
+              <a:buAutoNum type="arabicPeriod"/>
+            </a:pPr>
             <a:r>
-              <a:rPr lang="en-US" altLang="zh-CN" sz="1800" dirty="0">
+              <a:rPr lang="zh-CN" altLang="en-US" sz="2000" b="1" dirty="0">
                 <a:solidFill>
                   <a:schemeClr val="dk1"/>
                 </a:solidFill>
@@ -21091,140 +21111,9 @@
                 <a:cs typeface="Consolas"/>
                 <a:sym typeface="Consolas"/>
               </a:rPr>
-              <a:t>peak</a:t>
+              <a:t>经过分解后，各个分量之间比较混乱，分解过后已经没有可解释性了。</a:t>
             </a:r>
-          </a:p>
-          <a:p>
-            <a:pPr marL="342900" marR="0" lvl="0" indent="-342900" algn="l" rtl="0">
-              <a:spcBef>
-                <a:spcPts val="0"/>
-              </a:spcBef>
-              <a:spcAft>
-                <a:spcPts val="0"/>
-              </a:spcAft>
-              <a:buAutoNum type="arabicPeriod"/>
-            </a:pPr>
-            <a:r>
-              <a:rPr lang="zh-CN" altLang="en-US" sz="1800" dirty="0">
-                <a:solidFill>
-                  <a:schemeClr val="dk1"/>
-                </a:solidFill>
-                <a:latin typeface="Consolas"/>
-                <a:ea typeface="Consolas"/>
-                <a:cs typeface="Consolas"/>
-                <a:sym typeface="Consolas"/>
-              </a:rPr>
-              <a:t>算法能从一段信号中分解出的</a:t>
-            </a:r>
-            <a:r>
-              <a:rPr lang="en-US" altLang="zh-CN" sz="1800" dirty="0">
-                <a:solidFill>
-                  <a:schemeClr val="dk1"/>
-                </a:solidFill>
-                <a:latin typeface="Consolas"/>
-                <a:ea typeface="Consolas"/>
-                <a:cs typeface="Consolas"/>
-                <a:sym typeface="Consolas"/>
-              </a:rPr>
-              <a:t>components</a:t>
-            </a:r>
-            <a:r>
-              <a:rPr lang="zh-CN" altLang="en-US" sz="1800" dirty="0">
-                <a:solidFill>
-                  <a:schemeClr val="dk1"/>
-                </a:solidFill>
-                <a:latin typeface="Consolas"/>
-                <a:ea typeface="Consolas"/>
-                <a:cs typeface="Consolas"/>
-                <a:sym typeface="Consolas"/>
-              </a:rPr>
-              <a:t>的个数是有限的，对于我们的真实数据，最多是</a:t>
-            </a:r>
-            <a:r>
-              <a:rPr lang="en-US" altLang="zh-CN" sz="1800" dirty="0">
-                <a:solidFill>
-                  <a:schemeClr val="dk1"/>
-                </a:solidFill>
-                <a:latin typeface="Consolas"/>
-                <a:ea typeface="Consolas"/>
-                <a:cs typeface="Consolas"/>
-                <a:sym typeface="Consolas"/>
-              </a:rPr>
-              <a:t>4</a:t>
-            </a:r>
-            <a:r>
-              <a:rPr lang="zh-CN" altLang="en-US" sz="1800" dirty="0">
-                <a:solidFill>
-                  <a:schemeClr val="dk1"/>
-                </a:solidFill>
-                <a:latin typeface="Consolas"/>
-                <a:ea typeface="Consolas"/>
-                <a:cs typeface="Consolas"/>
-                <a:sym typeface="Consolas"/>
-              </a:rPr>
-              <a:t>，即使你摄者</a:t>
-            </a:r>
-            <a:r>
-              <a:rPr lang="en-US" altLang="zh-CN" sz="1800" dirty="0" err="1">
-                <a:solidFill>
-                  <a:schemeClr val="dk1"/>
-                </a:solidFill>
-                <a:latin typeface="Consolas"/>
-                <a:ea typeface="Consolas"/>
-                <a:cs typeface="Consolas"/>
-                <a:sym typeface="Consolas"/>
-              </a:rPr>
-              <a:t>n_components</a:t>
-            </a:r>
-            <a:r>
-              <a:rPr lang="en-US" altLang="zh-CN" sz="1800" dirty="0">
-                <a:solidFill>
-                  <a:schemeClr val="dk1"/>
-                </a:solidFill>
-                <a:latin typeface="Consolas"/>
-                <a:ea typeface="Consolas"/>
-                <a:cs typeface="Consolas"/>
-                <a:sym typeface="Consolas"/>
-              </a:rPr>
-              <a:t> &gt; 4, </a:t>
-            </a:r>
-            <a:r>
-              <a:rPr lang="zh-CN" altLang="en-US" sz="1800" dirty="0">
-                <a:solidFill>
-                  <a:schemeClr val="dk1"/>
-                </a:solidFill>
-                <a:latin typeface="Consolas"/>
-                <a:ea typeface="Consolas"/>
-                <a:cs typeface="Consolas"/>
-                <a:sym typeface="Consolas"/>
-              </a:rPr>
-              <a:t>依然分解出</a:t>
-            </a:r>
-            <a:r>
-              <a:rPr lang="en-US" altLang="zh-CN" sz="1800" dirty="0">
-                <a:solidFill>
-                  <a:schemeClr val="dk1"/>
-                </a:solidFill>
-                <a:latin typeface="Consolas"/>
-                <a:ea typeface="Consolas"/>
-                <a:cs typeface="Consolas"/>
-                <a:sym typeface="Consolas"/>
-              </a:rPr>
-              <a:t>4</a:t>
-            </a:r>
-            <a:r>
-              <a:rPr lang="zh-CN" altLang="en-US" sz="1800" dirty="0">
-                <a:solidFill>
-                  <a:schemeClr val="dk1"/>
-                </a:solidFill>
-                <a:latin typeface="Consolas"/>
-                <a:ea typeface="Consolas"/>
-                <a:cs typeface="Consolas"/>
-                <a:sym typeface="Consolas"/>
-              </a:rPr>
-              <a:t>个。</a:t>
-            </a:r>
-            <a:endParaRPr lang="en-US" altLang="zh-CN" sz="1800" dirty="0">
+            <a:endParaRPr lang="en-US" altLang="zh-CN" sz="2000" b="1" dirty="0">
               <a:solidFill>
                 <a:schemeClr val="dk1"/>
               </a:solidFill>
@@ -21364,6 +21253,126 @@
           </a:p>
         </p:txBody>
       </p:sp>
+      <p:pic>
+        <p:nvPicPr>
+          <p:cNvPr id="3" name="图片 2">
+            <a:extLst>
+              <a:ext uri="{FF2B5EF4-FFF2-40B4-BE49-F238E27FC236}">
+                <a16:creationId xmlns:a16="http://schemas.microsoft.com/office/drawing/2014/main" id="{65F3FB5C-7647-2E11-799E-E8A897B027D8}"/>
+              </a:ext>
+            </a:extLst>
+          </p:cNvPr>
+          <p:cNvPicPr>
+            <a:picLocks noChangeAspect="1"/>
+          </p:cNvPicPr>
+          <p:nvPr/>
+        </p:nvPicPr>
+        <p:blipFill>
+          <a:blip r:embed="rId3"/>
+          <a:stretch>
+            <a:fillRect/>
+          </a:stretch>
+        </p:blipFill>
+        <p:spPr>
+          <a:xfrm>
+            <a:off x="2978943" y="1395412"/>
+            <a:ext cx="6234113" cy="4067175"/>
+          </a:xfrm>
+          <a:prstGeom prst="rect">
+            <a:avLst/>
+          </a:prstGeom>
+        </p:spPr>
+      </p:pic>
+      <p:pic>
+        <p:nvPicPr>
+          <p:cNvPr id="5" name="图片 4">
+            <a:extLst>
+              <a:ext uri="{FF2B5EF4-FFF2-40B4-BE49-F238E27FC236}">
+                <a16:creationId xmlns:a16="http://schemas.microsoft.com/office/drawing/2014/main" id="{F3DE8524-0DF2-D4B0-C537-D383018B52AC}"/>
+              </a:ext>
+            </a:extLst>
+          </p:cNvPr>
+          <p:cNvPicPr>
+            <a:picLocks noChangeAspect="1"/>
+          </p:cNvPicPr>
+          <p:nvPr/>
+        </p:nvPicPr>
+        <p:blipFill>
+          <a:blip r:embed="rId4"/>
+          <a:stretch>
+            <a:fillRect/>
+          </a:stretch>
+        </p:blipFill>
+        <p:spPr>
+          <a:xfrm>
+            <a:off x="2357418" y="1550175"/>
+            <a:ext cx="7777163" cy="4057650"/>
+          </a:xfrm>
+          <a:prstGeom prst="rect">
+            <a:avLst/>
+          </a:prstGeom>
+        </p:spPr>
+      </p:pic>
+      <p:pic>
+        <p:nvPicPr>
+          <p:cNvPr id="7" name="图片 6">
+            <a:extLst>
+              <a:ext uri="{FF2B5EF4-FFF2-40B4-BE49-F238E27FC236}">
+                <a16:creationId xmlns:a16="http://schemas.microsoft.com/office/drawing/2014/main" id="{B239EBEF-50B5-E376-632D-9463DAEA86AF}"/>
+              </a:ext>
+            </a:extLst>
+          </p:cNvPr>
+          <p:cNvPicPr>
+            <a:picLocks noChangeAspect="1"/>
+          </p:cNvPicPr>
+          <p:nvPr/>
+        </p:nvPicPr>
+        <p:blipFill>
+          <a:blip r:embed="rId5"/>
+          <a:stretch>
+            <a:fillRect/>
+          </a:stretch>
+        </p:blipFill>
+        <p:spPr>
+          <a:xfrm>
+            <a:off x="3362287" y="1700175"/>
+            <a:ext cx="6067425" cy="4057650"/>
+          </a:xfrm>
+          <a:prstGeom prst="rect">
+            <a:avLst/>
+          </a:prstGeom>
+        </p:spPr>
+      </p:pic>
+      <p:pic>
+        <p:nvPicPr>
+          <p:cNvPr id="9" name="图片 8">
+            <a:extLst>
+              <a:ext uri="{FF2B5EF4-FFF2-40B4-BE49-F238E27FC236}">
+                <a16:creationId xmlns:a16="http://schemas.microsoft.com/office/drawing/2014/main" id="{124A94D5-772E-FE6D-2958-6D64836E3E17}"/>
+              </a:ext>
+            </a:extLst>
+          </p:cNvPr>
+          <p:cNvPicPr>
+            <a:picLocks noChangeAspect="1"/>
+          </p:cNvPicPr>
+          <p:nvPr/>
+        </p:nvPicPr>
+        <p:blipFill>
+          <a:blip r:embed="rId6"/>
+          <a:stretch>
+            <a:fillRect/>
+          </a:stretch>
+        </p:blipFill>
+        <p:spPr>
+          <a:xfrm>
+            <a:off x="3512287" y="1840650"/>
+            <a:ext cx="6067425" cy="4076700"/>
+          </a:xfrm>
+          <a:prstGeom prst="rect">
+            <a:avLst/>
+          </a:prstGeom>
+        </p:spPr>
+      </p:pic>
     </p:spTree>
     <p:extLst>
       <p:ext uri="{BB962C8B-B14F-4D97-AF65-F5344CB8AC3E}">
@@ -21482,8 +21491,8 @@
         </p:nvSpPr>
         <p:spPr>
           <a:xfrm>
-            <a:off x="609600" y="106251"/>
-            <a:ext cx="4584920" cy="369332"/>
+            <a:off x="0" y="0"/>
+            <a:ext cx="5141119" cy="369291"/>
           </a:xfrm>
           <a:prstGeom prst="rect">
             <a:avLst/>
@@ -21509,7 +21518,7 @@
               <a:buNone/>
             </a:pPr>
             <a:r>
-              <a:rPr lang="en-US" sz="1800" b="1">
+              <a:rPr lang="en-US" altLang="zh-CN" sz="1800" b="1" dirty="0">
                 <a:solidFill>
                   <a:schemeClr val="dk1"/>
                 </a:solidFill>
@@ -21518,17 +21527,9 @@
                 <a:cs typeface="Consolas"/>
                 <a:sym typeface="Consolas"/>
               </a:rPr>
-              <a:t>Analysis of Experimental Results</a:t>
+              <a:t>An easy experiment about sampling rate.</a:t>
             </a:r>
-            <a:endParaRPr sz="1100" b="1">
-              <a:solidFill>
-                <a:schemeClr val="dk1"/>
-              </a:solidFill>
-              <a:latin typeface="Consolas"/>
-              <a:ea typeface="Consolas"/>
-              <a:cs typeface="Consolas"/>
-              <a:sym typeface="Consolas"/>
-            </a:endParaRPr>
+            <a:endParaRPr lang="en-US" altLang="zh-CN" sz="1800" b="1" dirty="0"/>
           </a:p>
         </p:txBody>
       </p:sp>
@@ -21539,14 +21540,14 @@
           <p:nvPr>
             <p:extLst>
               <p:ext uri="{D42A27DB-BD31-4B8C-83A1-F6EECF244321}">
-                <p14:modId xmlns:p14="http://schemas.microsoft.com/office/powerpoint/2010/main" val="1363218290"/>
+                <p14:modId xmlns:p14="http://schemas.microsoft.com/office/powerpoint/2010/main" val="752457277"/>
               </p:ext>
             </p:extLst>
           </p:nvPr>
         </p:nvGraphicFramePr>
         <p:xfrm>
-          <a:off x="1375447" y="1203900"/>
-          <a:ext cx="8492012" cy="2961720"/>
+          <a:off x="1109315" y="3317813"/>
+          <a:ext cx="9369899" cy="1849170"/>
         </p:xfrm>
         <a:graphic>
           <a:graphicData uri="http://schemas.openxmlformats.org/drawingml/2006/table">
@@ -21577,7 +21578,7 @@
                     </a:ext>
                   </a:extLst>
                 </a:gridCol>
-                <a:gridCol w="1311613">
+                <a:gridCol w="2189500">
                   <a:extLst>
                     <a:ext uri="{9D8B030D-6E8A-4147-A177-3AD203B41FA5}">
                       <a16:colId xmlns:a16="http://schemas.microsoft.com/office/drawing/2014/main" val="3073676540"/>
@@ -21685,7 +21686,11 @@
                       </a:pPr>
                       <a:r>
                         <a:rPr lang="en-US" sz="1800" u="none" strike="noStrike" cap="none" dirty="0"/>
-                        <a:t>Resample</a:t>
+                        <a:t>Resample </a:t>
+                      </a:r>
+                      <a:r>
+                        <a:rPr lang="en-US" altLang="zh-CN" sz="1800" u="none" strike="noStrike" cap="none" dirty="0"/>
+                        <a:t>Method</a:t>
                       </a:r>
                       <a:endParaRPr sz="1800" u="none" strike="noStrike" cap="none" dirty="0"/>
                     </a:p>
@@ -21989,6 +21994,992 @@
                     <a:bodyPr/>
                     <a:lstStyle/>
                     <a:p>
+                      <a:pPr marL="0" marR="0" lvl="0" indent="0" algn="ctr" defTabSz="914400" rtl="0" eaLnBrk="1" fontAlgn="auto" latinLnBrk="0" hangingPunct="1">
+                        <a:lnSpc>
+                          <a:spcPct val="100000"/>
+                        </a:lnSpc>
+                        <a:spcBef>
+                          <a:spcPts val="0"/>
+                        </a:spcBef>
+                        <a:spcAft>
+                          <a:spcPts val="0"/>
+                        </a:spcAft>
+                        <a:buClr>
+                          <a:schemeClr val="dk1"/>
+                        </a:buClr>
+                        <a:buSzPts val="1800"/>
+                        <a:buFont typeface="Consolas"/>
+                        <a:buNone/>
+                        <a:tabLst/>
+                        <a:defRPr/>
+                      </a:pPr>
+                      <a:r>
+                        <a:rPr lang="en-US" altLang="zh-CN" sz="1800" u="none" strike="noStrike" cap="none" dirty="0"/>
+                        <a:t>100-&gt;200</a:t>
+                      </a:r>
+                    </a:p>
+                  </a:txBody>
+                  <a:tcPr marL="91450" marR="91450" marT="45725" marB="45725"/>
+                </a:tc>
+                <a:tc>
+                  <a:txBody>
+                    <a:bodyPr/>
+                    <a:lstStyle/>
+                    <a:p>
+                      <a:pPr marL="0" marR="0" lvl="0" indent="0" algn="ctr" rtl="0">
+                        <a:lnSpc>
+                          <a:spcPct val="100000"/>
+                        </a:lnSpc>
+                        <a:spcBef>
+                          <a:spcPts val="0"/>
+                        </a:spcBef>
+                        <a:spcAft>
+                          <a:spcPts val="0"/>
+                        </a:spcAft>
+                        <a:buClr>
+                          <a:schemeClr val="dk1"/>
+                        </a:buClr>
+                        <a:buSzPts val="1800"/>
+                        <a:buFont typeface="Consolas"/>
+                        <a:buNone/>
+                      </a:pPr>
+                      <a:r>
+                        <a:rPr lang="en-US" sz="1800" u="none" strike="noStrike" cap="none" dirty="0"/>
+                        <a:t>FFT</a:t>
+                      </a:r>
+                      <a:endParaRPr sz="1800" u="none" strike="noStrike" cap="none" dirty="0"/>
+                    </a:p>
+                  </a:txBody>
+                  <a:tcPr marL="91450" marR="91450" marT="45725" marB="45725"/>
+                </a:tc>
+                <a:tc>
+                  <a:txBody>
+                    <a:bodyPr/>
+                    <a:lstStyle/>
+                    <a:p>
+                      <a:pPr marL="0" marR="0" lvl="0" indent="0" algn="ctr" rtl="0">
+                        <a:lnSpc>
+                          <a:spcPct val="100000"/>
+                        </a:lnSpc>
+                        <a:spcBef>
+                          <a:spcPts val="0"/>
+                        </a:spcBef>
+                        <a:spcAft>
+                          <a:spcPts val="0"/>
+                        </a:spcAft>
+                        <a:buClr>
+                          <a:schemeClr val="dk1"/>
+                        </a:buClr>
+                        <a:buSzPts val="1800"/>
+                        <a:buFont typeface="Consolas"/>
+                        <a:buNone/>
+                      </a:pPr>
+                      <a:r>
+                        <a:rPr lang="en-US" sz="1800" u="none" strike="noStrike" cap="none" dirty="0"/>
+                        <a:t>0.70</a:t>
+                      </a:r>
+                      <a:endParaRPr sz="1800" u="none" strike="noStrike" cap="none" dirty="0"/>
+                    </a:p>
+                  </a:txBody>
+                  <a:tcPr marL="91450" marR="91450" marT="45725" marB="45725"/>
+                </a:tc>
+                <a:tc>
+                  <a:txBody>
+                    <a:bodyPr/>
+                    <a:lstStyle/>
+                    <a:p>
+                      <a:pPr marL="0" marR="0" lvl="0" indent="0" algn="ctr" rtl="0">
+                        <a:lnSpc>
+                          <a:spcPct val="100000"/>
+                        </a:lnSpc>
+                        <a:spcBef>
+                          <a:spcPts val="0"/>
+                        </a:spcBef>
+                        <a:spcAft>
+                          <a:spcPts val="0"/>
+                        </a:spcAft>
+                        <a:buClr>
+                          <a:schemeClr val="dk1"/>
+                        </a:buClr>
+                        <a:buSzPts val="1800"/>
+                        <a:buFont typeface="Consolas"/>
+                        <a:buNone/>
+                      </a:pPr>
+                      <a:r>
+                        <a:rPr lang="en-US" sz="1800" u="none" strike="noStrike" cap="none" dirty="0"/>
+                        <a:t>2.47</a:t>
+                      </a:r>
+                      <a:endParaRPr sz="1800" u="none" strike="noStrike" cap="none" dirty="0"/>
+                    </a:p>
+                  </a:txBody>
+                  <a:tcPr marL="91450" marR="91450" marT="45725" marB="45725"/>
+                </a:tc>
+                <a:extLst>
+                  <a:ext uri="{0D108BD9-81ED-4DB2-BD59-A6C34878D82A}">
+                    <a16:rowId xmlns:a16="http://schemas.microsoft.com/office/drawing/2014/main" val="2956886552"/>
+                  </a:ext>
+                </a:extLst>
+              </a:tr>
+              <a:tr h="370850">
+                <a:tc>
+                  <a:txBody>
+                    <a:bodyPr/>
+                    <a:lstStyle/>
+                    <a:p>
+                      <a:pPr marL="0" marR="0" lvl="0" indent="0" algn="ctr" rtl="0">
+                        <a:spcBef>
+                          <a:spcPts val="0"/>
+                        </a:spcBef>
+                        <a:spcAft>
+                          <a:spcPts val="0"/>
+                        </a:spcAft>
+                        <a:buNone/>
+                      </a:pPr>
+                      <a:r>
+                        <a:rPr lang="en-US" sz="1800" u="none" strike="noStrike" cap="none" dirty="0"/>
+                        <a:t>Template: Mean</a:t>
+                      </a:r>
+                      <a:endParaRPr dirty="0"/>
+                    </a:p>
+                  </a:txBody>
+                  <a:tcPr marL="91450" marR="91450" marT="45725" marB="45725"/>
+                </a:tc>
+                <a:tc>
+                  <a:txBody>
+                    <a:bodyPr/>
+                    <a:lstStyle/>
+                    <a:p>
+                      <a:pPr marL="0" marR="0" lvl="0" indent="0" algn="ctr" rtl="0">
+                        <a:lnSpc>
+                          <a:spcPct val="100000"/>
+                        </a:lnSpc>
+                        <a:spcBef>
+                          <a:spcPts val="0"/>
+                        </a:spcBef>
+                        <a:spcAft>
+                          <a:spcPts val="0"/>
+                        </a:spcAft>
+                        <a:buClr>
+                          <a:schemeClr val="dk1"/>
+                        </a:buClr>
+                        <a:buSzPts val="1800"/>
+                        <a:buFont typeface="Consolas"/>
+                        <a:buNone/>
+                      </a:pPr>
+                      <a:r>
+                        <a:rPr lang="en-US" sz="1800" u="none" strike="noStrike" cap="none" dirty="0"/>
+                        <a:t>Simulation</a:t>
+                      </a:r>
+                      <a:endParaRPr sz="1800" u="none" strike="noStrike" cap="none" dirty="0"/>
+                    </a:p>
+                  </a:txBody>
+                  <a:tcPr marL="91450" marR="91450" marT="45725" marB="45725"/>
+                </a:tc>
+                <a:tc>
+                  <a:txBody>
+                    <a:bodyPr/>
+                    <a:lstStyle/>
+                    <a:p>
+                      <a:pPr marL="0" marR="0" lvl="0" indent="0" algn="ctr" defTabSz="914400" rtl="0" eaLnBrk="1" fontAlgn="auto" latinLnBrk="0" hangingPunct="1">
+                        <a:lnSpc>
+                          <a:spcPct val="100000"/>
+                        </a:lnSpc>
+                        <a:spcBef>
+                          <a:spcPts val="0"/>
+                        </a:spcBef>
+                        <a:spcAft>
+                          <a:spcPts val="0"/>
+                        </a:spcAft>
+                        <a:buClr>
+                          <a:schemeClr val="dk1"/>
+                        </a:buClr>
+                        <a:buSzPts val="1800"/>
+                        <a:buFont typeface="Consolas"/>
+                        <a:buNone/>
+                        <a:tabLst/>
+                        <a:defRPr/>
+                      </a:pPr>
+                      <a:r>
+                        <a:rPr lang="en-US" altLang="zh-CN" sz="1800" u="none" strike="noStrike" cap="none" dirty="0"/>
+                        <a:t>100-&gt;200</a:t>
+                      </a:r>
+                    </a:p>
+                  </a:txBody>
+                  <a:tcPr marL="91450" marR="91450" marT="45725" marB="45725"/>
+                </a:tc>
+                <a:tc>
+                  <a:txBody>
+                    <a:bodyPr/>
+                    <a:lstStyle/>
+                    <a:p>
+                      <a:pPr marL="0" marR="0" lvl="0" indent="0" algn="ctr" rtl="0">
+                        <a:lnSpc>
+                          <a:spcPct val="100000"/>
+                        </a:lnSpc>
+                        <a:spcBef>
+                          <a:spcPts val="0"/>
+                        </a:spcBef>
+                        <a:spcAft>
+                          <a:spcPts val="0"/>
+                        </a:spcAft>
+                        <a:buClr>
+                          <a:schemeClr val="dk1"/>
+                        </a:buClr>
+                        <a:buSzPts val="1800"/>
+                        <a:buFont typeface="Consolas"/>
+                        <a:buNone/>
+                      </a:pPr>
+                      <a:r>
+                        <a:rPr lang="en-US" sz="1800" u="none" strike="noStrike" cap="none" dirty="0"/>
+                        <a:t>POLY</a:t>
+                      </a:r>
+                      <a:endParaRPr sz="1800" u="none" strike="noStrike" cap="none" dirty="0"/>
+                    </a:p>
+                  </a:txBody>
+                  <a:tcPr marL="91450" marR="91450" marT="45725" marB="45725"/>
+                </a:tc>
+                <a:tc>
+                  <a:txBody>
+                    <a:bodyPr/>
+                    <a:lstStyle/>
+                    <a:p>
+                      <a:pPr marL="0" marR="0" lvl="0" indent="0" algn="ctr" rtl="0">
+                        <a:lnSpc>
+                          <a:spcPct val="100000"/>
+                        </a:lnSpc>
+                        <a:spcBef>
+                          <a:spcPts val="0"/>
+                        </a:spcBef>
+                        <a:spcAft>
+                          <a:spcPts val="0"/>
+                        </a:spcAft>
+                        <a:buClr>
+                          <a:schemeClr val="dk1"/>
+                        </a:buClr>
+                        <a:buSzPts val="1800"/>
+                        <a:buFont typeface="Consolas"/>
+                        <a:buNone/>
+                      </a:pPr>
+                      <a:r>
+                        <a:rPr lang="en-US" sz="1800" b="1" u="sng" strike="noStrike" cap="none" dirty="0"/>
+                        <a:t>0.64</a:t>
+                      </a:r>
+                      <a:endParaRPr sz="1800" b="1" u="sng" strike="noStrike" cap="none" dirty="0"/>
+                    </a:p>
+                  </a:txBody>
+                  <a:tcPr marL="91450" marR="91450" marT="45725" marB="45725"/>
+                </a:tc>
+                <a:tc>
+                  <a:txBody>
+                    <a:bodyPr/>
+                    <a:lstStyle/>
+                    <a:p>
+                      <a:pPr marL="0" marR="0" lvl="0" indent="0" algn="ctr" rtl="0">
+                        <a:lnSpc>
+                          <a:spcPct val="100000"/>
+                        </a:lnSpc>
+                        <a:spcBef>
+                          <a:spcPts val="0"/>
+                        </a:spcBef>
+                        <a:spcAft>
+                          <a:spcPts val="0"/>
+                        </a:spcAft>
+                        <a:buClr>
+                          <a:schemeClr val="dk1"/>
+                        </a:buClr>
+                        <a:buSzPts val="1800"/>
+                        <a:buFont typeface="Consolas"/>
+                        <a:buNone/>
+                      </a:pPr>
+                      <a:r>
+                        <a:rPr lang="en-US" sz="1800" u="none" strike="noStrike" cap="none" dirty="0"/>
+                        <a:t>2.07</a:t>
+                      </a:r>
+                      <a:endParaRPr sz="1800" u="none" strike="noStrike" cap="none" dirty="0"/>
+                    </a:p>
+                  </a:txBody>
+                  <a:tcPr marL="91450" marR="91450" marT="45725" marB="45725"/>
+                </a:tc>
+                <a:extLst>
+                  <a:ext uri="{0D108BD9-81ED-4DB2-BD59-A6C34878D82A}">
+                    <a16:rowId xmlns:a16="http://schemas.microsoft.com/office/drawing/2014/main" val="4028608685"/>
+                  </a:ext>
+                </a:extLst>
+              </a:tr>
+              <a:tr h="231823">
+                <a:tc>
+                  <a:txBody>
+                    <a:bodyPr/>
+                    <a:lstStyle/>
+                    <a:p>
+                      <a:pPr marL="0" marR="0" lvl="0" indent="0" algn="ctr" rtl="0">
+                        <a:spcBef>
+                          <a:spcPts val="0"/>
+                        </a:spcBef>
+                        <a:spcAft>
+                          <a:spcPts val="0"/>
+                        </a:spcAft>
+                        <a:buNone/>
+                      </a:pPr>
+                      <a:r>
+                        <a:rPr lang="en-US" sz="1800" u="none" strike="noStrike" cap="none" dirty="0"/>
+                        <a:t>Template: Mean</a:t>
+                      </a:r>
+                      <a:endParaRPr dirty="0"/>
+                    </a:p>
+                  </a:txBody>
+                  <a:tcPr marL="91450" marR="91450" marT="45725" marB="45725"/>
+                </a:tc>
+                <a:tc>
+                  <a:txBody>
+                    <a:bodyPr/>
+                    <a:lstStyle/>
+                    <a:p>
+                      <a:pPr marL="0" marR="0" lvl="0" indent="0" algn="ctr" rtl="0">
+                        <a:spcBef>
+                          <a:spcPts val="0"/>
+                        </a:spcBef>
+                        <a:spcAft>
+                          <a:spcPts val="0"/>
+                        </a:spcAft>
+                        <a:buNone/>
+                      </a:pPr>
+                      <a:r>
+                        <a:rPr lang="en-US" altLang="zh-CN" sz="1800" u="none" strike="noStrike" cap="none" dirty="0"/>
+                        <a:t>Simulation</a:t>
+                      </a:r>
+                      <a:endParaRPr sz="1800" u="none" strike="noStrike" cap="none" dirty="0"/>
+                    </a:p>
+                  </a:txBody>
+                  <a:tcPr marL="91450" marR="91450" marT="45725" marB="45725"/>
+                </a:tc>
+                <a:tc>
+                  <a:txBody>
+                    <a:bodyPr/>
+                    <a:lstStyle/>
+                    <a:p>
+                      <a:pPr marL="0" marR="0" lvl="0" indent="0" algn="ctr" rtl="0">
+                        <a:spcBef>
+                          <a:spcPts val="0"/>
+                        </a:spcBef>
+                        <a:spcAft>
+                          <a:spcPts val="0"/>
+                        </a:spcAft>
+                        <a:buNone/>
+                      </a:pPr>
+                      <a:r>
+                        <a:rPr lang="en-US" sz="1800" u="none" strike="noStrike" cap="none" dirty="0"/>
+                        <a:t>200</a:t>
+                      </a:r>
+                      <a:endParaRPr sz="1800" u="none" strike="noStrike" cap="none" dirty="0"/>
+                    </a:p>
+                  </a:txBody>
+                  <a:tcPr marL="91450" marR="91450" marT="45725" marB="45725"/>
+                </a:tc>
+                <a:tc>
+                  <a:txBody>
+                    <a:bodyPr/>
+                    <a:lstStyle/>
+                    <a:p>
+                      <a:pPr marL="0" marR="0" lvl="0" indent="0" algn="ctr" rtl="0">
+                        <a:spcBef>
+                          <a:spcPts val="0"/>
+                        </a:spcBef>
+                        <a:spcAft>
+                          <a:spcPts val="0"/>
+                        </a:spcAft>
+                        <a:buNone/>
+                      </a:pPr>
+                      <a:r>
+                        <a:rPr lang="en-US" sz="1800" u="none" strike="noStrike" cap="none" dirty="0"/>
+                        <a:t>-</a:t>
+                      </a:r>
+                      <a:endParaRPr sz="1800" u="none" strike="noStrike" cap="none" dirty="0"/>
+                    </a:p>
+                  </a:txBody>
+                  <a:tcPr marL="91450" marR="91450" marT="45725" marB="45725"/>
+                </a:tc>
+                <a:tc>
+                  <a:txBody>
+                    <a:bodyPr/>
+                    <a:lstStyle/>
+                    <a:p>
+                      <a:pPr marL="0" marR="0" lvl="0" indent="0" algn="ctr" rtl="0">
+                        <a:spcBef>
+                          <a:spcPts val="0"/>
+                        </a:spcBef>
+                        <a:spcAft>
+                          <a:spcPts val="0"/>
+                        </a:spcAft>
+                        <a:buNone/>
+                      </a:pPr>
+                      <a:r>
+                        <a:rPr lang="en-US" sz="1800" u="none" strike="noStrike" cap="none" dirty="0"/>
+                        <a:t>0.65</a:t>
+                      </a:r>
+                      <a:endParaRPr sz="1800" u="none" strike="noStrike" cap="none" dirty="0"/>
+                    </a:p>
+                  </a:txBody>
+                  <a:tcPr marL="91450" marR="91450" marT="45725" marB="45725"/>
+                </a:tc>
+                <a:tc>
+                  <a:txBody>
+                    <a:bodyPr/>
+                    <a:lstStyle/>
+                    <a:p>
+                      <a:pPr marL="0" marR="0" lvl="0" indent="0" algn="ctr" rtl="0">
+                        <a:spcBef>
+                          <a:spcPts val="0"/>
+                        </a:spcBef>
+                        <a:spcAft>
+                          <a:spcPts val="0"/>
+                        </a:spcAft>
+                        <a:buNone/>
+                      </a:pPr>
+                      <a:r>
+                        <a:rPr lang="en-US" sz="1800" b="1" i="0" u="sng" strike="noStrike" cap="none" dirty="0"/>
+                        <a:t>1.75</a:t>
+                      </a:r>
+                      <a:endParaRPr sz="1800" b="1" i="0" u="sng" strike="noStrike" cap="none" dirty="0"/>
+                    </a:p>
+                  </a:txBody>
+                  <a:tcPr marL="91450" marR="91450" marT="45725" marB="45725"/>
+                </a:tc>
+                <a:extLst>
+                  <a:ext uri="{0D108BD9-81ED-4DB2-BD59-A6C34878D82A}">
+                    <a16:rowId xmlns:a16="http://schemas.microsoft.com/office/drawing/2014/main" val="10003"/>
+                  </a:ext>
+                </a:extLst>
+              </a:tr>
+            </a:tbl>
+          </a:graphicData>
+        </a:graphic>
+      </p:graphicFrame>
+      <p:sp>
+        <p:nvSpPr>
+          <p:cNvPr id="224" name="Google Shape;224;p8"/>
+          <p:cNvSpPr txBox="1"/>
+          <p:nvPr/>
+        </p:nvSpPr>
+        <p:spPr>
+          <a:xfrm>
+            <a:off x="1023938" y="593330"/>
+            <a:ext cx="8420100" cy="369291"/>
+          </a:xfrm>
+          <a:prstGeom prst="rect">
+            <a:avLst/>
+          </a:prstGeom>
+          <a:noFill/>
+          <a:ln>
+            <a:noFill/>
+          </a:ln>
+        </p:spPr>
+        <p:txBody>
+          <a:bodyPr spcFirstLastPara="1" wrap="square" lIns="91425" tIns="45700" rIns="91425" bIns="45700" anchor="t" anchorCtr="0">
+            <a:spAutoFit/>
+          </a:bodyPr>
+          <a:lstStyle/>
+          <a:p>
+            <a:pPr marL="0" marR="0" lvl="0" indent="0" algn="l" rtl="0">
+              <a:spcBef>
+                <a:spcPts val="0"/>
+              </a:spcBef>
+              <a:spcAft>
+                <a:spcPts val="0"/>
+              </a:spcAft>
+              <a:buNone/>
+            </a:pPr>
+            <a:r>
+              <a:rPr lang="en-US" sz="1800" dirty="0">
+                <a:solidFill>
+                  <a:schemeClr val="dk1"/>
+                </a:solidFill>
+                <a:latin typeface="Consolas"/>
+                <a:ea typeface="Consolas"/>
+                <a:cs typeface="Consolas"/>
+                <a:sym typeface="Consolas"/>
+              </a:rPr>
+              <a:t>The impact of different sampling rates on time series alignment.</a:t>
+            </a:r>
+            <a:endParaRPr sz="1800" dirty="0">
+              <a:solidFill>
+                <a:schemeClr val="dk1"/>
+              </a:solidFill>
+              <a:latin typeface="Consolas"/>
+              <a:ea typeface="Consolas"/>
+              <a:cs typeface="Consolas"/>
+              <a:sym typeface="Consolas"/>
+            </a:endParaRPr>
+          </a:p>
+        </p:txBody>
+      </p:sp>
+      <p:graphicFrame>
+        <p:nvGraphicFramePr>
+          <p:cNvPr id="2" name="Google Shape;223;p8">
+            <a:extLst>
+              <a:ext uri="{FF2B5EF4-FFF2-40B4-BE49-F238E27FC236}">
+                <a16:creationId xmlns:a16="http://schemas.microsoft.com/office/drawing/2014/main" id="{7DBDC2FF-7D04-9901-C96A-228E909B5F0D}"/>
+              </a:ext>
+            </a:extLst>
+          </p:cNvPr>
+          <p:cNvGraphicFramePr/>
+          <p:nvPr>
+            <p:extLst>
+              <p:ext uri="{D42A27DB-BD31-4B8C-83A1-F6EECF244321}">
+                <p14:modId xmlns:p14="http://schemas.microsoft.com/office/powerpoint/2010/main" val="541158630"/>
+              </p:ext>
+            </p:extLst>
+          </p:nvPr>
+        </p:nvGraphicFramePr>
+        <p:xfrm>
+          <a:off x="1109315" y="1269242"/>
+          <a:ext cx="9369899" cy="1864486"/>
+        </p:xfrm>
+        <a:graphic>
+          <a:graphicData uri="http://schemas.openxmlformats.org/drawingml/2006/table">
+            <a:tbl>
+              <a:tblPr firstRow="1" bandRow="1">
+                <a:noFill/>
+                <a:tableStyleId>{AB4F9DF2-0438-42AD-B170-30067649D97E}</a:tableStyleId>
+              </a:tblPr>
+              <a:tblGrid>
+                <a:gridCol w="2064087">
+                  <a:extLst>
+                    <a:ext uri="{9D8B030D-6E8A-4147-A177-3AD203B41FA5}">
+                      <a16:colId xmlns:a16="http://schemas.microsoft.com/office/drawing/2014/main" val="20000"/>
+                    </a:ext>
+                  </a:extLst>
+                </a:gridCol>
+                <a:gridCol w="1562437">
+                  <a:extLst>
+                    <a:ext uri="{9D8B030D-6E8A-4147-A177-3AD203B41FA5}">
+                      <a16:colId xmlns:a16="http://schemas.microsoft.com/office/drawing/2014/main" val="2274870688"/>
+                    </a:ext>
+                  </a:extLst>
+                </a:gridCol>
+                <a:gridCol w="1938675">
+                  <a:extLst>
+                    <a:ext uri="{9D8B030D-6E8A-4147-A177-3AD203B41FA5}">
+                      <a16:colId xmlns:a16="http://schemas.microsoft.com/office/drawing/2014/main" val="20001"/>
+                    </a:ext>
+                  </a:extLst>
+                </a:gridCol>
+                <a:gridCol w="2189500">
+                  <a:extLst>
+                    <a:ext uri="{9D8B030D-6E8A-4147-A177-3AD203B41FA5}">
+                      <a16:colId xmlns:a16="http://schemas.microsoft.com/office/drawing/2014/main" val="3073676540"/>
+                    </a:ext>
+                  </a:extLst>
+                </a:gridCol>
+                <a:gridCol w="805237">
+                  <a:extLst>
+                    <a:ext uri="{9D8B030D-6E8A-4147-A177-3AD203B41FA5}">
+                      <a16:colId xmlns:a16="http://schemas.microsoft.com/office/drawing/2014/main" val="20002"/>
+                    </a:ext>
+                  </a:extLst>
+                </a:gridCol>
+                <a:gridCol w="809963">
+                  <a:extLst>
+                    <a:ext uri="{9D8B030D-6E8A-4147-A177-3AD203B41FA5}">
+                      <a16:colId xmlns:a16="http://schemas.microsoft.com/office/drawing/2014/main" val="20003"/>
+                    </a:ext>
+                  </a:extLst>
+                </a:gridCol>
+              </a:tblGrid>
+              <a:tr h="381086">
+                <a:tc>
+                  <a:txBody>
+                    <a:bodyPr/>
+                    <a:lstStyle/>
+                    <a:p>
+                      <a:pPr marL="0" marR="0" lvl="0" indent="0" algn="ctr" rtl="0">
+                        <a:spcBef>
+                          <a:spcPts val="0"/>
+                        </a:spcBef>
+                        <a:spcAft>
+                          <a:spcPts val="0"/>
+                        </a:spcAft>
+                        <a:buNone/>
+                      </a:pPr>
+                      <a:r>
+                        <a:rPr lang="en-US" sz="1800" u="none" strike="noStrike" cap="none" dirty="0"/>
+                        <a:t>Model</a:t>
+                      </a:r>
+                      <a:endParaRPr sz="1800" u="none" strike="noStrike" cap="none" dirty="0"/>
+                    </a:p>
+                  </a:txBody>
+                  <a:tcPr marL="91450" marR="91450" marT="45725" marB="45725"/>
+                </a:tc>
+                <a:tc>
+                  <a:txBody>
+                    <a:bodyPr/>
+                    <a:lstStyle/>
+                    <a:p>
+                      <a:pPr marL="0" marR="0" lvl="0" indent="0" algn="ctr" rtl="0">
+                        <a:spcBef>
+                          <a:spcPts val="0"/>
+                        </a:spcBef>
+                        <a:spcAft>
+                          <a:spcPts val="0"/>
+                        </a:spcAft>
+                        <a:buNone/>
+                      </a:pPr>
+                      <a:r>
+                        <a:rPr lang="en-US" sz="1800" u="none" strike="noStrike" cap="none" dirty="0"/>
+                        <a:t>Data</a:t>
+                      </a:r>
+                      <a:endParaRPr sz="1800" u="none" strike="noStrike" cap="none" dirty="0"/>
+                    </a:p>
+                  </a:txBody>
+                  <a:tcPr marL="91450" marR="91450" marT="45725" marB="45725"/>
+                </a:tc>
+                <a:tc>
+                  <a:txBody>
+                    <a:bodyPr/>
+                    <a:lstStyle/>
+                    <a:p>
+                      <a:pPr marL="0" marR="0" lvl="0" indent="0" algn="ctr" rtl="0">
+                        <a:spcBef>
+                          <a:spcPts val="0"/>
+                        </a:spcBef>
+                        <a:spcAft>
+                          <a:spcPts val="0"/>
+                        </a:spcAft>
+                        <a:buNone/>
+                      </a:pPr>
+                      <a:r>
+                        <a:rPr lang="en-US" sz="1800" u="none" strike="noStrike" cap="none" dirty="0"/>
+                        <a:t>Sampling Rate</a:t>
+                      </a:r>
+                      <a:endParaRPr sz="1800" u="none" strike="noStrike" cap="none" dirty="0"/>
+                    </a:p>
+                  </a:txBody>
+                  <a:tcPr marL="91450" marR="91450" marT="45725" marB="45725"/>
+                </a:tc>
+                <a:tc>
+                  <a:txBody>
+                    <a:bodyPr/>
+                    <a:lstStyle/>
+                    <a:p>
+                      <a:pPr marL="0" marR="0" lvl="0" indent="0" algn="ctr" rtl="0">
+                        <a:spcBef>
+                          <a:spcPts val="0"/>
+                        </a:spcBef>
+                        <a:spcAft>
+                          <a:spcPts val="0"/>
+                        </a:spcAft>
+                        <a:buNone/>
+                      </a:pPr>
+                      <a:r>
+                        <a:rPr lang="en-US" sz="1800" u="none" strike="noStrike" cap="none" dirty="0"/>
+                        <a:t>Resample </a:t>
+                      </a:r>
+                      <a:r>
+                        <a:rPr lang="en-US" altLang="zh-CN" sz="1800" u="none" strike="noStrike" cap="none" dirty="0"/>
+                        <a:t>Method</a:t>
+                      </a:r>
+                      <a:endParaRPr sz="1800" u="none" strike="noStrike" cap="none" dirty="0"/>
+                    </a:p>
+                  </a:txBody>
+                  <a:tcPr marL="91450" marR="91450" marT="45725" marB="45725"/>
+                </a:tc>
+                <a:tc>
+                  <a:txBody>
+                    <a:bodyPr/>
+                    <a:lstStyle/>
+                    <a:p>
+                      <a:pPr marL="0" marR="0" lvl="0" indent="0" algn="ctr" rtl="0">
+                        <a:spcBef>
+                          <a:spcPts val="0"/>
+                        </a:spcBef>
+                        <a:spcAft>
+                          <a:spcPts val="0"/>
+                        </a:spcAft>
+                        <a:buNone/>
+                      </a:pPr>
+                      <a:r>
+                        <a:rPr lang="en-US" sz="1800" u="none" strike="noStrike" cap="none" dirty="0"/>
+                        <a:t>S</a:t>
+                      </a:r>
+                      <a:endParaRPr sz="1800" u="none" strike="noStrike" cap="none" dirty="0"/>
+                    </a:p>
+                  </a:txBody>
+                  <a:tcPr marL="91450" marR="91450" marT="45725" marB="45725"/>
+                </a:tc>
+                <a:tc>
+                  <a:txBody>
+                    <a:bodyPr/>
+                    <a:lstStyle/>
+                    <a:p>
+                      <a:pPr marL="0" marR="0" lvl="0" indent="0" algn="ctr" rtl="0">
+                        <a:spcBef>
+                          <a:spcPts val="0"/>
+                        </a:spcBef>
+                        <a:spcAft>
+                          <a:spcPts val="0"/>
+                        </a:spcAft>
+                        <a:buNone/>
+                      </a:pPr>
+                      <a:r>
+                        <a:rPr lang="en-US" sz="1800" u="none" strike="noStrike" cap="none" dirty="0"/>
+                        <a:t>D</a:t>
+                      </a:r>
+                      <a:endParaRPr sz="1800" u="none" strike="noStrike" cap="none" dirty="0"/>
+                    </a:p>
+                  </a:txBody>
+                  <a:tcPr marL="91450" marR="91450" marT="45725" marB="45725"/>
+                </a:tc>
+                <a:extLst>
+                  <a:ext uri="{0D108BD9-81ED-4DB2-BD59-A6C34878D82A}">
+                    <a16:rowId xmlns:a16="http://schemas.microsoft.com/office/drawing/2014/main" val="10000"/>
+                  </a:ext>
+                </a:extLst>
+              </a:tr>
+              <a:tr h="370850">
+                <a:tc>
+                  <a:txBody>
+                    <a:bodyPr/>
+                    <a:lstStyle/>
+                    <a:p>
+                      <a:pPr marL="0" marR="0" lvl="0" indent="0" algn="ctr" rtl="0">
+                        <a:spcBef>
+                          <a:spcPts val="0"/>
+                        </a:spcBef>
+                        <a:spcAft>
+                          <a:spcPts val="0"/>
+                        </a:spcAft>
+                        <a:buNone/>
+                      </a:pPr>
+                      <a:r>
+                        <a:rPr lang="en-US" sz="1800" u="none" strike="noStrike" cap="none" dirty="0"/>
+                        <a:t>Template: Mean</a:t>
+                      </a:r>
+                      <a:endParaRPr dirty="0"/>
+                    </a:p>
+                  </a:txBody>
+                  <a:tcPr marL="91450" marR="91450" marT="45725" marB="45725"/>
+                </a:tc>
+                <a:tc>
+                  <a:txBody>
+                    <a:bodyPr/>
+                    <a:lstStyle/>
+                    <a:p>
+                      <a:pPr marL="0" marR="0" lvl="0" indent="0" algn="ctr" rtl="0">
+                        <a:lnSpc>
+                          <a:spcPct val="100000"/>
+                        </a:lnSpc>
+                        <a:spcBef>
+                          <a:spcPts val="0"/>
+                        </a:spcBef>
+                        <a:spcAft>
+                          <a:spcPts val="0"/>
+                        </a:spcAft>
+                        <a:buClr>
+                          <a:schemeClr val="dk1"/>
+                        </a:buClr>
+                        <a:buSzPts val="1800"/>
+                        <a:buFont typeface="Consolas"/>
+                        <a:buNone/>
+                      </a:pPr>
+                      <a:r>
+                        <a:rPr lang="en-US" sz="1800" u="none" strike="noStrike" cap="none" dirty="0"/>
+                        <a:t>Simulation</a:t>
+                      </a:r>
+                      <a:endParaRPr sz="1800" u="none" strike="noStrike" cap="none" dirty="0"/>
+                    </a:p>
+                  </a:txBody>
+                  <a:tcPr marL="91450" marR="91450" marT="45725" marB="45725"/>
+                </a:tc>
+                <a:tc>
+                  <a:txBody>
+                    <a:bodyPr/>
+                    <a:lstStyle/>
+                    <a:p>
+                      <a:pPr marL="0" marR="0" lvl="0" indent="0" algn="ctr" rtl="0">
+                        <a:lnSpc>
+                          <a:spcPct val="100000"/>
+                        </a:lnSpc>
+                        <a:spcBef>
+                          <a:spcPts val="0"/>
+                        </a:spcBef>
+                        <a:spcAft>
+                          <a:spcPts val="0"/>
+                        </a:spcAft>
+                        <a:buClr>
+                          <a:schemeClr val="dk1"/>
+                        </a:buClr>
+                        <a:buSzPts val="1800"/>
+                        <a:buFont typeface="Consolas"/>
+                        <a:buNone/>
+                      </a:pPr>
+                      <a:r>
+                        <a:rPr lang="en-US" sz="1800" u="none" strike="noStrike" cap="none"/>
+                        <a:t>100</a:t>
+                      </a:r>
+                      <a:endParaRPr sz="1800" u="none" strike="noStrike" cap="none"/>
+                    </a:p>
+                  </a:txBody>
+                  <a:tcPr marL="91450" marR="91450" marT="45725" marB="45725"/>
+                </a:tc>
+                <a:tc>
+                  <a:txBody>
+                    <a:bodyPr/>
+                    <a:lstStyle/>
+                    <a:p>
+                      <a:pPr marL="0" marR="0" lvl="0" indent="0" algn="ctr" rtl="0">
+                        <a:lnSpc>
+                          <a:spcPct val="100000"/>
+                        </a:lnSpc>
+                        <a:spcBef>
+                          <a:spcPts val="0"/>
+                        </a:spcBef>
+                        <a:spcAft>
+                          <a:spcPts val="0"/>
+                        </a:spcAft>
+                        <a:buClr>
+                          <a:schemeClr val="dk1"/>
+                        </a:buClr>
+                        <a:buSzPts val="1800"/>
+                        <a:buFont typeface="Consolas"/>
+                        <a:buNone/>
+                      </a:pPr>
+                      <a:r>
+                        <a:rPr lang="en-US" sz="1800" u="none" strike="noStrike" cap="none" dirty="0"/>
+                        <a:t>-</a:t>
+                      </a:r>
+                      <a:endParaRPr sz="1800" u="none" strike="noStrike" cap="none" dirty="0"/>
+                    </a:p>
+                  </a:txBody>
+                  <a:tcPr marL="91450" marR="91450" marT="45725" marB="45725"/>
+                </a:tc>
+                <a:tc>
+                  <a:txBody>
+                    <a:bodyPr/>
+                    <a:lstStyle/>
+                    <a:p>
+                      <a:pPr marL="0" marR="0" lvl="0" indent="0" algn="ctr" rtl="0">
+                        <a:lnSpc>
+                          <a:spcPct val="100000"/>
+                        </a:lnSpc>
+                        <a:spcBef>
+                          <a:spcPts val="0"/>
+                        </a:spcBef>
+                        <a:spcAft>
+                          <a:spcPts val="0"/>
+                        </a:spcAft>
+                        <a:buClr>
+                          <a:schemeClr val="dk1"/>
+                        </a:buClr>
+                        <a:buSzPts val="1800"/>
+                        <a:buFont typeface="Consolas"/>
+                        <a:buNone/>
+                      </a:pPr>
+                      <a:r>
+                        <a:rPr lang="en-US" sz="1800" u="none" strike="noStrike" cap="none" dirty="0"/>
+                        <a:t>1.35</a:t>
+                      </a:r>
+                      <a:endParaRPr sz="1800" u="none" strike="noStrike" cap="none" dirty="0"/>
+                    </a:p>
+                  </a:txBody>
+                  <a:tcPr marL="91450" marR="91450" marT="45725" marB="45725"/>
+                </a:tc>
+                <a:tc>
+                  <a:txBody>
+                    <a:bodyPr/>
+                    <a:lstStyle/>
+                    <a:p>
+                      <a:pPr marL="0" marR="0" lvl="0" indent="0" algn="ctr" rtl="0">
+                        <a:lnSpc>
+                          <a:spcPct val="100000"/>
+                        </a:lnSpc>
+                        <a:spcBef>
+                          <a:spcPts val="0"/>
+                        </a:spcBef>
+                        <a:spcAft>
+                          <a:spcPts val="0"/>
+                        </a:spcAft>
+                        <a:buClr>
+                          <a:schemeClr val="dk1"/>
+                        </a:buClr>
+                        <a:buSzPts val="1800"/>
+                        <a:buFont typeface="Consolas"/>
+                        <a:buNone/>
+                      </a:pPr>
+                      <a:r>
+                        <a:rPr lang="en-US" sz="1800" u="none" strike="noStrike" cap="none" dirty="0"/>
+                        <a:t>4.53</a:t>
+                      </a:r>
+                      <a:endParaRPr sz="1800" u="none" strike="noStrike" cap="none" dirty="0"/>
+                    </a:p>
+                  </a:txBody>
+                  <a:tcPr marL="91450" marR="91450" marT="45725" marB="45725"/>
+                </a:tc>
+                <a:extLst>
+                  <a:ext uri="{0D108BD9-81ED-4DB2-BD59-A6C34878D82A}">
+                    <a16:rowId xmlns:a16="http://schemas.microsoft.com/office/drawing/2014/main" val="10001"/>
+                  </a:ext>
+                </a:extLst>
+              </a:tr>
+              <a:tr h="370850">
+                <a:tc>
+                  <a:txBody>
+                    <a:bodyPr/>
+                    <a:lstStyle/>
+                    <a:p>
+                      <a:pPr marL="0" marR="0" lvl="0" indent="0" algn="ctr" rtl="0">
+                        <a:spcBef>
+                          <a:spcPts val="0"/>
+                        </a:spcBef>
+                        <a:spcAft>
+                          <a:spcPts val="0"/>
+                        </a:spcAft>
+                        <a:buNone/>
+                      </a:pPr>
+                      <a:r>
+                        <a:rPr lang="en-US" sz="1800" u="none" strike="noStrike" cap="none" dirty="0"/>
+                        <a:t>Template: Mean</a:t>
+                      </a:r>
+                      <a:endParaRPr dirty="0"/>
+                    </a:p>
+                  </a:txBody>
+                  <a:tcPr marL="91450" marR="91450" marT="45725" marB="45725"/>
+                </a:tc>
+                <a:tc>
+                  <a:txBody>
+                    <a:bodyPr/>
+                    <a:lstStyle/>
+                    <a:p>
+                      <a:pPr marL="0" marR="0" lvl="0" indent="0" algn="ctr" rtl="0">
+                        <a:lnSpc>
+                          <a:spcPct val="100000"/>
+                        </a:lnSpc>
+                        <a:spcBef>
+                          <a:spcPts val="0"/>
+                        </a:spcBef>
+                        <a:spcAft>
+                          <a:spcPts val="0"/>
+                        </a:spcAft>
+                        <a:buClr>
+                          <a:schemeClr val="dk1"/>
+                        </a:buClr>
+                        <a:buSzPts val="1800"/>
+                        <a:buFont typeface="Consolas"/>
+                        <a:buNone/>
+                      </a:pPr>
+                      <a:r>
+                        <a:rPr lang="en-US" sz="1800" u="none" strike="noStrike" cap="none" dirty="0"/>
+                        <a:t>Simulation</a:t>
+                      </a:r>
+                      <a:endParaRPr sz="1800" u="none" strike="noStrike" cap="none" dirty="0"/>
+                    </a:p>
+                  </a:txBody>
+                  <a:tcPr marL="91450" marR="91450" marT="45725" marB="45725"/>
+                </a:tc>
+                <a:tc>
+                  <a:txBody>
+                    <a:bodyPr/>
+                    <a:lstStyle/>
+                    <a:p>
                       <a:pPr marL="0" marR="0" lvl="0" indent="0" algn="ctr" rtl="0">
                         <a:lnSpc>
                           <a:spcPct val="100000"/>
@@ -22174,192 +23165,6 @@
                     <a:bodyPr/>
                     <a:lstStyle/>
                     <a:p>
-                      <a:pPr marL="0" marR="0" lvl="0" indent="0" algn="ctr" defTabSz="914400" rtl="0" eaLnBrk="1" fontAlgn="auto" latinLnBrk="0" hangingPunct="1">
-                        <a:lnSpc>
-                          <a:spcPct val="100000"/>
-                        </a:lnSpc>
-                        <a:spcBef>
-                          <a:spcPts val="0"/>
-                        </a:spcBef>
-                        <a:spcAft>
-                          <a:spcPts val="0"/>
-                        </a:spcAft>
-                        <a:buClr>
-                          <a:schemeClr val="dk1"/>
-                        </a:buClr>
-                        <a:buSzPts val="1800"/>
-                        <a:buFont typeface="Consolas"/>
-                        <a:buNone/>
-                        <a:tabLst/>
-                        <a:defRPr/>
-                      </a:pPr>
-                      <a:r>
-                        <a:rPr lang="en-US" altLang="zh-CN" sz="1800" u="none" strike="noStrike" cap="none" dirty="0"/>
-                        <a:t>100-&gt;200</a:t>
-                      </a:r>
-                    </a:p>
-                  </a:txBody>
-                  <a:tcPr marL="91450" marR="91450" marT="45725" marB="45725"/>
-                </a:tc>
-                <a:tc>
-                  <a:txBody>
-                    <a:bodyPr/>
-                    <a:lstStyle/>
-                    <a:p>
-                      <a:pPr marL="0" marR="0" lvl="0" indent="0" algn="ctr" rtl="0">
-                        <a:lnSpc>
-                          <a:spcPct val="100000"/>
-                        </a:lnSpc>
-                        <a:spcBef>
-                          <a:spcPts val="0"/>
-                        </a:spcBef>
-                        <a:spcAft>
-                          <a:spcPts val="0"/>
-                        </a:spcAft>
-                        <a:buClr>
-                          <a:schemeClr val="dk1"/>
-                        </a:buClr>
-                        <a:buSzPts val="1800"/>
-                        <a:buFont typeface="Consolas"/>
-                        <a:buNone/>
-                      </a:pPr>
-                      <a:r>
-                        <a:rPr lang="en-US" sz="1800" u="none" strike="noStrike" cap="none" dirty="0"/>
-                        <a:t>FFT</a:t>
-                      </a:r>
-                      <a:endParaRPr sz="1800" u="none" strike="noStrike" cap="none" dirty="0"/>
-                    </a:p>
-                  </a:txBody>
-                  <a:tcPr marL="91450" marR="91450" marT="45725" marB="45725"/>
-                </a:tc>
-                <a:tc>
-                  <a:txBody>
-                    <a:bodyPr/>
-                    <a:lstStyle/>
-                    <a:p>
-                      <a:pPr marL="0" marR="0" lvl="0" indent="0" algn="ctr" rtl="0">
-                        <a:lnSpc>
-                          <a:spcPct val="100000"/>
-                        </a:lnSpc>
-                        <a:spcBef>
-                          <a:spcPts val="0"/>
-                        </a:spcBef>
-                        <a:spcAft>
-                          <a:spcPts val="0"/>
-                        </a:spcAft>
-                        <a:buClr>
-                          <a:schemeClr val="dk1"/>
-                        </a:buClr>
-                        <a:buSzPts val="1800"/>
-                        <a:buFont typeface="Consolas"/>
-                        <a:buNone/>
-                      </a:pPr>
-                      <a:r>
-                        <a:rPr lang="en-US" sz="1800" u="none" strike="noStrike" cap="none" dirty="0"/>
-                        <a:t>0.70</a:t>
-                      </a:r>
-                      <a:endParaRPr sz="1800" u="none" strike="noStrike" cap="none" dirty="0"/>
-                    </a:p>
-                  </a:txBody>
-                  <a:tcPr marL="91450" marR="91450" marT="45725" marB="45725"/>
-                </a:tc>
-                <a:tc>
-                  <a:txBody>
-                    <a:bodyPr/>
-                    <a:lstStyle/>
-                    <a:p>
-                      <a:pPr marL="0" marR="0" lvl="0" indent="0" algn="ctr" rtl="0">
-                        <a:lnSpc>
-                          <a:spcPct val="100000"/>
-                        </a:lnSpc>
-                        <a:spcBef>
-                          <a:spcPts val="0"/>
-                        </a:spcBef>
-                        <a:spcAft>
-                          <a:spcPts val="0"/>
-                        </a:spcAft>
-                        <a:buClr>
-                          <a:schemeClr val="dk1"/>
-                        </a:buClr>
-                        <a:buSzPts val="1800"/>
-                        <a:buFont typeface="Consolas"/>
-                        <a:buNone/>
-                      </a:pPr>
-                      <a:r>
-                        <a:rPr lang="en-US" sz="1800" u="none" strike="noStrike" cap="none" dirty="0"/>
-                        <a:t>2.47</a:t>
-                      </a:r>
-                      <a:endParaRPr sz="1800" u="none" strike="noStrike" cap="none" dirty="0"/>
-                    </a:p>
-                  </a:txBody>
-                  <a:tcPr marL="91450" marR="91450" marT="45725" marB="45725"/>
-                </a:tc>
-                <a:extLst>
-                  <a:ext uri="{0D108BD9-81ED-4DB2-BD59-A6C34878D82A}">
-                    <a16:rowId xmlns:a16="http://schemas.microsoft.com/office/drawing/2014/main" val="2956886552"/>
-                  </a:ext>
-                </a:extLst>
-              </a:tr>
-              <a:tr h="370850">
-                <a:tc>
-                  <a:txBody>
-                    <a:bodyPr/>
-                    <a:lstStyle/>
-                    <a:p>
-                      <a:pPr marL="0" marR="0" lvl="0" indent="0" algn="ctr" rtl="0">
-                        <a:spcBef>
-                          <a:spcPts val="0"/>
-                        </a:spcBef>
-                        <a:spcAft>
-                          <a:spcPts val="0"/>
-                        </a:spcAft>
-                        <a:buNone/>
-                      </a:pPr>
-                      <a:r>
-                        <a:rPr lang="en-US" sz="1800" u="none" strike="noStrike" cap="none" dirty="0"/>
-                        <a:t>Template: Mean</a:t>
-                      </a:r>
-                      <a:endParaRPr dirty="0"/>
-                    </a:p>
-                  </a:txBody>
-                  <a:tcPr marL="91450" marR="91450" marT="45725" marB="45725"/>
-                </a:tc>
-                <a:tc>
-                  <a:txBody>
-                    <a:bodyPr/>
-                    <a:lstStyle/>
-                    <a:p>
-                      <a:pPr marL="0" marR="0" lvl="0" indent="0" algn="ctr" rtl="0">
-                        <a:lnSpc>
-                          <a:spcPct val="100000"/>
-                        </a:lnSpc>
-                        <a:spcBef>
-                          <a:spcPts val="0"/>
-                        </a:spcBef>
-                        <a:spcAft>
-                          <a:spcPts val="0"/>
-                        </a:spcAft>
-                        <a:buClr>
-                          <a:schemeClr val="dk1"/>
-                        </a:buClr>
-                        <a:buSzPts val="1800"/>
-                        <a:buFont typeface="Consolas"/>
-                        <a:buNone/>
-                      </a:pPr>
-                      <a:r>
-                        <a:rPr lang="en-US" sz="1800" u="none" strike="noStrike" cap="none" dirty="0"/>
-                        <a:t>Simulation</a:t>
-                      </a:r>
-                      <a:endParaRPr sz="1800" u="none" strike="noStrike" cap="none" dirty="0"/>
-                    </a:p>
-                  </a:txBody>
-                  <a:tcPr marL="91450" marR="91450" marT="45725" marB="45725"/>
-                </a:tc>
-                <a:tc>
-                  <a:txBody>
-                    <a:bodyPr/>
-                    <a:lstStyle/>
-                    <a:p>
                       <a:pPr marL="0" marR="0" lvl="0" indent="0" algn="ctr" rtl="0">
                         <a:lnSpc>
                           <a:spcPct val="100000"/>
@@ -22501,192 +23306,6 @@
                         <a:buNone/>
                       </a:pPr>
                       <a:r>
-                        <a:rPr lang="en-US" sz="1800" u="none" strike="noStrike" cap="none" dirty="0"/>
-                        <a:t>Template: Mean</a:t>
-                      </a:r>
-                      <a:endParaRPr dirty="0"/>
-                    </a:p>
-                  </a:txBody>
-                  <a:tcPr marL="91450" marR="91450" marT="45725" marB="45725"/>
-                </a:tc>
-                <a:tc>
-                  <a:txBody>
-                    <a:bodyPr/>
-                    <a:lstStyle/>
-                    <a:p>
-                      <a:pPr marL="0" marR="0" lvl="0" indent="0" algn="ctr" rtl="0">
-                        <a:lnSpc>
-                          <a:spcPct val="100000"/>
-                        </a:lnSpc>
-                        <a:spcBef>
-                          <a:spcPts val="0"/>
-                        </a:spcBef>
-                        <a:spcAft>
-                          <a:spcPts val="0"/>
-                        </a:spcAft>
-                        <a:buClr>
-                          <a:schemeClr val="dk1"/>
-                        </a:buClr>
-                        <a:buSzPts val="1800"/>
-                        <a:buFont typeface="Consolas"/>
-                        <a:buNone/>
-                      </a:pPr>
-                      <a:r>
-                        <a:rPr lang="en-US" sz="1800" u="none" strike="noStrike" cap="none" dirty="0"/>
-                        <a:t>Simulation</a:t>
-                      </a:r>
-                      <a:endParaRPr sz="1800" u="none" strike="noStrike" cap="none" dirty="0"/>
-                    </a:p>
-                  </a:txBody>
-                  <a:tcPr marL="91450" marR="91450" marT="45725" marB="45725"/>
-                </a:tc>
-                <a:tc>
-                  <a:txBody>
-                    <a:bodyPr/>
-                    <a:lstStyle/>
-                    <a:p>
-                      <a:pPr marL="0" marR="0" lvl="0" indent="0" algn="ctr" defTabSz="914400" rtl="0" eaLnBrk="1" fontAlgn="auto" latinLnBrk="0" hangingPunct="1">
-                        <a:lnSpc>
-                          <a:spcPct val="100000"/>
-                        </a:lnSpc>
-                        <a:spcBef>
-                          <a:spcPts val="0"/>
-                        </a:spcBef>
-                        <a:spcAft>
-                          <a:spcPts val="0"/>
-                        </a:spcAft>
-                        <a:buClr>
-                          <a:schemeClr val="dk1"/>
-                        </a:buClr>
-                        <a:buSzPts val="1800"/>
-                        <a:buFont typeface="Consolas"/>
-                        <a:buNone/>
-                        <a:tabLst/>
-                        <a:defRPr/>
-                      </a:pPr>
-                      <a:r>
-                        <a:rPr lang="en-US" altLang="zh-CN" sz="1800" u="none" strike="noStrike" cap="none" dirty="0"/>
-                        <a:t>100-&gt;200</a:t>
-                      </a:r>
-                    </a:p>
-                  </a:txBody>
-                  <a:tcPr marL="91450" marR="91450" marT="45725" marB="45725"/>
-                </a:tc>
-                <a:tc>
-                  <a:txBody>
-                    <a:bodyPr/>
-                    <a:lstStyle/>
-                    <a:p>
-                      <a:pPr marL="0" marR="0" lvl="0" indent="0" algn="ctr" rtl="0">
-                        <a:lnSpc>
-                          <a:spcPct val="100000"/>
-                        </a:lnSpc>
-                        <a:spcBef>
-                          <a:spcPts val="0"/>
-                        </a:spcBef>
-                        <a:spcAft>
-                          <a:spcPts val="0"/>
-                        </a:spcAft>
-                        <a:buClr>
-                          <a:schemeClr val="dk1"/>
-                        </a:buClr>
-                        <a:buSzPts val="1800"/>
-                        <a:buFont typeface="Consolas"/>
-                        <a:buNone/>
-                      </a:pPr>
-                      <a:r>
-                        <a:rPr lang="en-US" sz="1800" u="none" strike="noStrike" cap="none" dirty="0"/>
-                        <a:t>POLY</a:t>
-                      </a:r>
-                      <a:endParaRPr sz="1800" u="none" strike="noStrike" cap="none" dirty="0"/>
-                    </a:p>
-                  </a:txBody>
-                  <a:tcPr marL="91450" marR="91450" marT="45725" marB="45725"/>
-                </a:tc>
-                <a:tc>
-                  <a:txBody>
-                    <a:bodyPr/>
-                    <a:lstStyle/>
-                    <a:p>
-                      <a:pPr marL="0" marR="0" lvl="0" indent="0" algn="ctr" rtl="0">
-                        <a:lnSpc>
-                          <a:spcPct val="100000"/>
-                        </a:lnSpc>
-                        <a:spcBef>
-                          <a:spcPts val="0"/>
-                        </a:spcBef>
-                        <a:spcAft>
-                          <a:spcPts val="0"/>
-                        </a:spcAft>
-                        <a:buClr>
-                          <a:schemeClr val="dk1"/>
-                        </a:buClr>
-                        <a:buSzPts val="1800"/>
-                        <a:buFont typeface="Consolas"/>
-                        <a:buNone/>
-                      </a:pPr>
-                      <a:r>
-                        <a:rPr lang="en-US" sz="1800" u="none" strike="noStrike" cap="none" dirty="0"/>
-                        <a:t>0.64</a:t>
-                      </a:r>
-                      <a:endParaRPr sz="1800" u="none" strike="noStrike" cap="none" dirty="0"/>
-                    </a:p>
-                  </a:txBody>
-                  <a:tcPr marL="91450" marR="91450" marT="45725" marB="45725"/>
-                </a:tc>
-                <a:tc>
-                  <a:txBody>
-                    <a:bodyPr/>
-                    <a:lstStyle/>
-                    <a:p>
-                      <a:pPr marL="0" marR="0" lvl="0" indent="0" algn="ctr" rtl="0">
-                        <a:lnSpc>
-                          <a:spcPct val="100000"/>
-                        </a:lnSpc>
-                        <a:spcBef>
-                          <a:spcPts val="0"/>
-                        </a:spcBef>
-                        <a:spcAft>
-                          <a:spcPts val="0"/>
-                        </a:spcAft>
-                        <a:buClr>
-                          <a:schemeClr val="dk1"/>
-                        </a:buClr>
-                        <a:buSzPts val="1800"/>
-                        <a:buFont typeface="Consolas"/>
-                        <a:buNone/>
-                      </a:pPr>
-                      <a:r>
-                        <a:rPr lang="en-US" sz="1800" u="none" strike="noStrike" cap="none" dirty="0"/>
-                        <a:t>2.07</a:t>
-                      </a:r>
-                      <a:endParaRPr sz="1800" u="none" strike="noStrike" cap="none" dirty="0"/>
-                    </a:p>
-                  </a:txBody>
-                  <a:tcPr marL="91450" marR="91450" marT="45725" marB="45725"/>
-                </a:tc>
-                <a:extLst>
-                  <a:ext uri="{0D108BD9-81ED-4DB2-BD59-A6C34878D82A}">
-                    <a16:rowId xmlns:a16="http://schemas.microsoft.com/office/drawing/2014/main" val="4028608685"/>
-                  </a:ext>
-                </a:extLst>
-              </a:tr>
-              <a:tr h="370850">
-                <a:tc>
-                  <a:txBody>
-                    <a:bodyPr/>
-                    <a:lstStyle/>
-                    <a:p>
-                      <a:pPr marL="0" marR="0" lvl="0" indent="0" algn="ctr" rtl="0">
-                        <a:spcBef>
-                          <a:spcPts val="0"/>
-                        </a:spcBef>
-                        <a:spcAft>
-                          <a:spcPts val="0"/>
-                        </a:spcAft>
-                        <a:buNone/>
-                      </a:pPr>
-                      <a:r>
                         <a:rPr lang="en-US" sz="1800" u="none" strike="noStrike" cap="none"/>
                         <a:t>Template: Mean</a:t>
                       </a:r>
@@ -22779,10 +23398,10 @@
                         <a:buNone/>
                       </a:pPr>
                       <a:r>
-                        <a:rPr lang="en-US" sz="1800" u="none" strike="noStrike" cap="none"/>
+                        <a:rPr lang="en-US" sz="1800" u="none" strike="noStrike" cap="none" dirty="0"/>
                         <a:t>0.92 </a:t>
                       </a:r>
-                      <a:endParaRPr sz="1800" u="none" strike="noStrike" cap="none"/>
+                      <a:endParaRPr sz="1800" u="none" strike="noStrike" cap="none" dirty="0"/>
                     </a:p>
                   </a:txBody>
                   <a:tcPr marL="91450" marR="91450" marT="45725" marB="45725"/>
@@ -22824,210 +23443,73 @@
                   </a:ext>
                 </a:extLst>
               </a:tr>
-              <a:tr h="231823">
-                <a:tc>
-                  <a:txBody>
-                    <a:bodyPr/>
-                    <a:lstStyle/>
-                    <a:p>
-                      <a:pPr marL="0" marR="0" lvl="0" indent="0" algn="ctr" rtl="0">
-                        <a:spcBef>
-                          <a:spcPts val="0"/>
-                        </a:spcBef>
-                        <a:spcAft>
-                          <a:spcPts val="0"/>
-                        </a:spcAft>
-                        <a:buNone/>
-                      </a:pPr>
-                      <a:r>
-                        <a:rPr lang="en-US" sz="1800" u="none" strike="noStrike" cap="none"/>
-                        <a:t>Template: Mean</a:t>
-                      </a:r>
-                      <a:endParaRPr/>
-                    </a:p>
-                  </a:txBody>
-                  <a:tcPr marL="91450" marR="91450" marT="45725" marB="45725"/>
-                </a:tc>
-                <a:tc>
-                  <a:txBody>
-                    <a:bodyPr/>
-                    <a:lstStyle/>
-                    <a:p>
-                      <a:pPr marL="0" marR="0" lvl="0" indent="0" algn="ctr" rtl="0">
-                        <a:spcBef>
-                          <a:spcPts val="0"/>
-                        </a:spcBef>
-                        <a:spcAft>
-                          <a:spcPts val="0"/>
-                        </a:spcAft>
-                        <a:buNone/>
-                      </a:pPr>
-                      <a:r>
-                        <a:rPr lang="en-US" altLang="zh-CN" sz="1800" u="none" strike="noStrike" cap="none" dirty="0"/>
-                        <a:t>Simulation</a:t>
-                      </a:r>
-                      <a:endParaRPr sz="1800" u="none" strike="noStrike" cap="none" dirty="0"/>
-                    </a:p>
-                  </a:txBody>
-                  <a:tcPr marL="91450" marR="91450" marT="45725" marB="45725"/>
-                </a:tc>
-                <a:tc>
-                  <a:txBody>
-                    <a:bodyPr/>
-                    <a:lstStyle/>
-                    <a:p>
-                      <a:pPr marL="0" marR="0" lvl="0" indent="0" algn="ctr" rtl="0">
-                        <a:spcBef>
-                          <a:spcPts val="0"/>
-                        </a:spcBef>
-                        <a:spcAft>
-                          <a:spcPts val="0"/>
-                        </a:spcAft>
-                        <a:buNone/>
-                      </a:pPr>
-                      <a:r>
-                        <a:rPr lang="en-US" sz="1800" u="none" strike="noStrike" cap="none" dirty="0"/>
-                        <a:t>200</a:t>
-                      </a:r>
-                      <a:endParaRPr sz="1800" u="none" strike="noStrike" cap="none" dirty="0"/>
-                    </a:p>
-                  </a:txBody>
-                  <a:tcPr marL="91450" marR="91450" marT="45725" marB="45725"/>
-                </a:tc>
-                <a:tc>
-                  <a:txBody>
-                    <a:bodyPr/>
-                    <a:lstStyle/>
-                    <a:p>
-                      <a:pPr marL="0" marR="0" lvl="0" indent="0" algn="ctr" rtl="0">
-                        <a:spcBef>
-                          <a:spcPts val="0"/>
-                        </a:spcBef>
-                        <a:spcAft>
-                          <a:spcPts val="0"/>
-                        </a:spcAft>
-                        <a:buNone/>
-                      </a:pPr>
-                      <a:r>
-                        <a:rPr lang="en-US" sz="1800" u="none" strike="noStrike" cap="none" dirty="0"/>
-                        <a:t>-</a:t>
-                      </a:r>
-                      <a:endParaRPr sz="1800" u="none" strike="noStrike" cap="none" dirty="0"/>
-                    </a:p>
-                  </a:txBody>
-                  <a:tcPr marL="91450" marR="91450" marT="45725" marB="45725"/>
-                </a:tc>
-                <a:tc>
-                  <a:txBody>
-                    <a:bodyPr/>
-                    <a:lstStyle/>
-                    <a:p>
-                      <a:pPr marL="0" marR="0" lvl="0" indent="0" algn="ctr" rtl="0">
-                        <a:spcBef>
-                          <a:spcPts val="0"/>
-                        </a:spcBef>
-                        <a:spcAft>
-                          <a:spcPts val="0"/>
-                        </a:spcAft>
-                        <a:buNone/>
-                      </a:pPr>
-                      <a:r>
-                        <a:rPr lang="en-US" sz="1800" u="none" strike="noStrike" cap="none"/>
-                        <a:t>0.65</a:t>
-                      </a:r>
-                      <a:endParaRPr sz="1800" u="none" strike="noStrike" cap="none"/>
-                    </a:p>
-                  </a:txBody>
-                  <a:tcPr marL="91450" marR="91450" marT="45725" marB="45725"/>
-                </a:tc>
-                <a:tc>
-                  <a:txBody>
-                    <a:bodyPr/>
-                    <a:lstStyle/>
-                    <a:p>
-                      <a:pPr marL="0" marR="0" lvl="0" indent="0" algn="ctr" rtl="0">
-                        <a:spcBef>
-                          <a:spcPts val="0"/>
-                        </a:spcBef>
-                        <a:spcAft>
-                          <a:spcPts val="0"/>
-                        </a:spcAft>
-                        <a:buNone/>
-                      </a:pPr>
-                      <a:r>
-                        <a:rPr lang="en-US" sz="1800" u="none" strike="noStrike" cap="none" dirty="0"/>
-                        <a:t>1.75</a:t>
-                      </a:r>
-                      <a:endParaRPr sz="1800" u="none" strike="noStrike" cap="none" dirty="0"/>
-                    </a:p>
-                  </a:txBody>
-                  <a:tcPr marL="91450" marR="91450" marT="45725" marB="45725"/>
-                </a:tc>
-                <a:extLst>
-                  <a:ext uri="{0D108BD9-81ED-4DB2-BD59-A6C34878D82A}">
-                    <a16:rowId xmlns:a16="http://schemas.microsoft.com/office/drawing/2014/main" val="10003"/>
-                  </a:ext>
-                </a:extLst>
-              </a:tr>
             </a:tbl>
           </a:graphicData>
         </a:graphic>
       </p:graphicFrame>
       <p:sp>
         <p:nvSpPr>
-          <p:cNvPr id="224" name="Google Shape;224;p8"/>
+          <p:cNvPr id="3" name="文本框 2">
+            <a:extLst>
+              <a:ext uri="{FF2B5EF4-FFF2-40B4-BE49-F238E27FC236}">
+                <a16:creationId xmlns:a16="http://schemas.microsoft.com/office/drawing/2014/main" id="{ADB6A530-F0B8-2322-8EF4-89E68ABC5CA9}"/>
+              </a:ext>
+            </a:extLst>
+          </p:cNvPr>
           <p:cNvSpPr txBox="1"/>
           <p:nvPr/>
         </p:nvSpPr>
         <p:spPr>
           <a:xfrm>
-            <a:off x="609600" y="598181"/>
-            <a:ext cx="8420100" cy="369291"/>
+            <a:off x="835819" y="5372100"/>
+            <a:ext cx="10086975" cy="738664"/>
           </a:xfrm>
           <a:prstGeom prst="rect">
             <a:avLst/>
           </a:prstGeom>
           <a:noFill/>
-          <a:ln>
-            <a:noFill/>
-          </a:ln>
         </p:spPr>
         <p:txBody>
-          <a:bodyPr spcFirstLastPara="1" wrap="square" lIns="91425" tIns="45700" rIns="91425" bIns="45700" anchor="t" anchorCtr="0">
+          <a:bodyPr wrap="square" rtlCol="0">
             <a:spAutoFit/>
           </a:bodyPr>
           <a:lstStyle/>
           <a:p>
-            <a:pPr marL="0" marR="0" lvl="0" indent="0" algn="l" rtl="0">
-              <a:spcBef>
-                <a:spcPts val="0"/>
-              </a:spcBef>
-              <a:spcAft>
-                <a:spcPts val="0"/>
-              </a:spcAft>
-              <a:buNone/>
+            <a:r>
+              <a:rPr lang="en-US" altLang="zh-CN" dirty="0"/>
+              <a:t>Conclusion:</a:t>
+            </a:r>
+          </a:p>
+          <a:p>
+            <a:pPr marL="342900" indent="-342900">
+              <a:buAutoNum type="arabicPeriod"/>
             </a:pPr>
             <a:r>
-              <a:rPr lang="en-US" sz="1800" dirty="0">
-                <a:solidFill>
-                  <a:schemeClr val="dk1"/>
-                </a:solidFill>
-                <a:latin typeface="Consolas"/>
-                <a:ea typeface="Consolas"/>
-                <a:cs typeface="Consolas"/>
-                <a:sym typeface="Consolas"/>
-              </a:rPr>
-              <a:t>The impact of different sampling rates on time series alignment.</a:t>
+              <a:rPr lang="zh-CN" altLang="en-US" dirty="0"/>
+              <a:t>对低采样率的信号重采样，能够大幅度的提升模型效果。一定范围内，采样率越高越好。</a:t>
             </a:r>
-            <a:endParaRPr sz="1800" dirty="0">
-              <a:solidFill>
-                <a:schemeClr val="dk1"/>
-              </a:solidFill>
-              <a:latin typeface="Consolas"/>
-              <a:ea typeface="Consolas"/>
-              <a:cs typeface="Consolas"/>
-              <a:sym typeface="Consolas"/>
-            </a:endParaRPr>
+            <a:endParaRPr lang="en-US" altLang="zh-CN" dirty="0"/>
+          </a:p>
+          <a:p>
+            <a:pPr marL="342900" indent="-342900">
+              <a:buAutoNum type="arabicPeriod"/>
+            </a:pPr>
+            <a:r>
+              <a:rPr lang="zh-CN" altLang="en-US" dirty="0"/>
+              <a:t>重采样模式对结果有重大的影响，</a:t>
+            </a:r>
+            <a:r>
+              <a:rPr lang="en-US" altLang="zh-CN" dirty="0"/>
+              <a:t>FFT</a:t>
+            </a:r>
+            <a:r>
+              <a:rPr lang="zh-CN" altLang="en-US" dirty="0"/>
+              <a:t>和</a:t>
+            </a:r>
+            <a:r>
+              <a:rPr lang="en-US" altLang="zh-CN" dirty="0"/>
+              <a:t>POLY</a:t>
+            </a:r>
           </a:p>
         </p:txBody>
       </p:sp>

--- a/Presentation_1212_JiayuChen.pptx
+++ b/Presentation_1212_JiayuChen.pptx
@@ -16,9 +16,9 @@
     <p:sldId id="350" r:id="rId7"/>
     <p:sldId id="346" r:id="rId8"/>
     <p:sldId id="263" r:id="rId9"/>
-    <p:sldId id="347" r:id="rId10"/>
-    <p:sldId id="269" r:id="rId11"/>
-    <p:sldId id="351" r:id="rId12"/>
+    <p:sldId id="361" r:id="rId10"/>
+    <p:sldId id="347" r:id="rId11"/>
+    <p:sldId id="269" r:id="rId12"/>
     <p:sldId id="352" r:id="rId13"/>
     <p:sldId id="353" r:id="rId14"/>
     <p:sldId id="354" r:id="rId15"/>
@@ -268,7 +268,7 @@
       <p15:sldGuideLst xmlns:p15="http://schemas.microsoft.com/office/powerpoint/2012/main"/>
     </p:ext>
     <p:ext uri="GoogleSlidesCustomDataVersion2">
-      <go:slidesCustomData xmlns="" xmlns:mc="http://schemas.openxmlformats.org/markup-compatibility/2006" xmlns:mv="urn:schemas-microsoft-com:mac:vml" xmlns:c="http://schemas.openxmlformats.org/drawingml/2006/chart" xmlns:dgm="http://schemas.openxmlformats.org/drawingml/2006/diagram" xmlns:o="urn:schemas-microsoft-com:office:office" xmlns:v="urn:schemas-microsoft-com:vml" xmlns:pvml="urn:schemas-microsoft-com:office:powerpoint" xmlns:com="http://schemas.openxmlformats.org/drawingml/2006/compatibility" xmlns:p14="http://schemas.microsoft.com/office/powerpoint/2010/main" xmlns:p15="http://schemas.microsoft.com/office/powerpoint/2012/main" xmlns:ahyp="http://schemas.microsoft.com/office/drawing/2018/hyperlinkcolor" xmlns:go="http://customooxmlschemas.google.com/" r:id="rId30" roundtripDataSignature="AMtx7mi7AOUiGfioVPTFrFzTi+gJGDXQ/w=="/>
+      <go:slidesCustomData xmlns:go="http://customooxmlschemas.google.com/" xmlns:ahyp="http://schemas.microsoft.com/office/drawing/2018/hyperlinkcolor" xmlns:p15="http://schemas.microsoft.com/office/powerpoint/2012/main" xmlns:p14="http://schemas.microsoft.com/office/powerpoint/2010/main" xmlns:com="http://schemas.openxmlformats.org/drawingml/2006/compatibility" xmlns:pvml="urn:schemas-microsoft-com:office:powerpoint" xmlns:v="urn:schemas-microsoft-com:vml" xmlns:o="urn:schemas-microsoft-com:office:office" xmlns:dgm="http://schemas.openxmlformats.org/drawingml/2006/diagram" xmlns:c="http://schemas.openxmlformats.org/drawingml/2006/chart" xmlns:mv="urn:schemas-microsoft-com:mac:vml" xmlns:mc="http://schemas.openxmlformats.org/markup-compatibility/2006" xmlns="" r:id="rId30" roundtripDataSignature="AMtx7mi7AOUiGfioVPTFrFzTi+gJGDXQ/w=="/>
     </p:ext>
   </p:extLst>
 </p:presentation>
@@ -1648,7 +1648,7 @@
   <p:cSld>
     <p:spTree>
       <p:nvGrpSpPr>
-        <p:cNvPr id="1" name="Shape 303"/>
+        <p:cNvPr id="1" name="Shape 98"/>
         <p:cNvGrpSpPr/>
         <p:nvPr/>
       </p:nvGrpSpPr>
@@ -1662,7 +1662,7 @@
       </p:grpSpPr>
       <p:sp>
         <p:nvSpPr>
-          <p:cNvPr id="304" name="Google Shape;304;p14:notes"/>
+          <p:cNvPr id="99" name="Google Shape;99;p3:notes"/>
           <p:cNvSpPr>
             <a:spLocks noGrp="1" noRot="1" noChangeAspect="1"/>
           </p:cNvSpPr>
@@ -1713,7 +1713,7 @@
       </p:sp>
       <p:sp>
         <p:nvSpPr>
-          <p:cNvPr id="305" name="Google Shape;305;p14:notes"/>
+          <p:cNvPr id="100" name="Google Shape;100;p3:notes"/>
           <p:cNvSpPr txBox="1">
             <a:spLocks noGrp="1"/>
           </p:cNvSpPr>
@@ -1740,18 +1740,13 @@
           </a:bodyPr>
           <a:lstStyle/>
           <a:p>
-            <a:pPr marL="228600" lvl="0" indent="-152400" algn="l" rtl="0">
-              <a:spcBef>
-                <a:spcPts val="0"/>
-              </a:spcBef>
-              <a:spcAft>
-                <a:spcPts val="0"/>
-              </a:spcAft>
-              <a:buClr>
-                <a:schemeClr val="dk1"/>
-              </a:buClr>
-              <a:buSzPts val="1200"/>
-              <a:buFont typeface="Arial"/>
+            <a:pPr marL="0" lvl="0" indent="0" algn="l" rtl="0">
+              <a:spcBef>
+                <a:spcPts val="0"/>
+              </a:spcBef>
+              <a:spcAft>
+                <a:spcPts val="0"/>
+              </a:spcAft>
               <a:buNone/>
             </a:pPr>
             <a:endParaRPr/>
@@ -1760,7 +1755,7 @@
       </p:sp>
       <p:sp>
         <p:nvSpPr>
-          <p:cNvPr id="306" name="Google Shape;306;p14:notes"/>
+          <p:cNvPr id="101" name="Google Shape;101;p3:notes"/>
           <p:cNvSpPr txBox="1">
             <a:spLocks noGrp="1"/>
           </p:cNvSpPr>
@@ -1807,7 +1802,7 @@
     </p:spTree>
     <p:extLst>
       <p:ext uri="{BB962C8B-B14F-4D97-AF65-F5344CB8AC3E}">
-        <p14:creationId xmlns:p14="http://schemas.microsoft.com/office/powerpoint/2010/main" val="467277889"/>
+        <p14:creationId xmlns:p14="http://schemas.microsoft.com/office/powerpoint/2010/main" val="3715802646"/>
       </p:ext>
     </p:extLst>
   </p:cSld>
@@ -1981,7 +1976,7 @@
     </p:spTree>
     <p:extLst>
       <p:ext uri="{BB962C8B-B14F-4D97-AF65-F5344CB8AC3E}">
-        <p14:creationId xmlns:p14="http://schemas.microsoft.com/office/powerpoint/2010/main" val="4144823126"/>
+        <p14:creationId xmlns:p14="http://schemas.microsoft.com/office/powerpoint/2010/main" val="467277889"/>
       </p:ext>
     </p:extLst>
   </p:cSld>
@@ -4836,7 +4831,7 @@
               <a:buFont typeface="Arial"/>
               <a:buNone/>
             </a:pPr>
-            <a:endParaRPr/>
+            <a:endParaRPr dirty="0"/>
           </a:p>
         </p:txBody>
       </p:sp>
@@ -5242,7 +5237,7 @@
   <p:cSld>
     <p:spTree>
       <p:nvGrpSpPr>
-        <p:cNvPr id="1" name="Shape 98"/>
+        <p:cNvPr id="1" name="Shape 217"/>
         <p:cNvGrpSpPr/>
         <p:nvPr/>
       </p:nvGrpSpPr>
@@ -5256,7 +5251,7 @@
       </p:grpSpPr>
       <p:sp>
         <p:nvSpPr>
-          <p:cNvPr id="99" name="Google Shape;99;p3:notes"/>
+          <p:cNvPr id="218" name="Google Shape;218;p8:notes"/>
           <p:cNvSpPr>
             <a:spLocks noGrp="1" noRot="1" noChangeAspect="1"/>
           </p:cNvSpPr>
@@ -5307,7 +5302,7 @@
       </p:sp>
       <p:sp>
         <p:nvSpPr>
-          <p:cNvPr id="100" name="Google Shape;100;p3:notes"/>
+          <p:cNvPr id="219" name="Google Shape;219;p8:notes"/>
           <p:cNvSpPr txBox="1">
             <a:spLocks noGrp="1"/>
           </p:cNvSpPr>
@@ -5334,22 +5329,27 @@
           </a:bodyPr>
           <a:lstStyle/>
           <a:p>
-            <a:pPr marL="0" lvl="0" indent="0" algn="l" rtl="0">
-              <a:spcBef>
-                <a:spcPts val="0"/>
-              </a:spcBef>
-              <a:spcAft>
-                <a:spcPts val="0"/>
-              </a:spcAft>
+            <a:pPr marL="228600" lvl="0" indent="-152400" algn="l" rtl="0">
+              <a:spcBef>
+                <a:spcPts val="0"/>
+              </a:spcBef>
+              <a:spcAft>
+                <a:spcPts val="0"/>
+              </a:spcAft>
+              <a:buClr>
+                <a:schemeClr val="dk1"/>
+              </a:buClr>
+              <a:buSzPts val="1200"/>
+              <a:buFont typeface="Arial"/>
               <a:buNone/>
             </a:pPr>
-            <a:endParaRPr/>
+            <a:endParaRPr dirty="0"/>
           </a:p>
         </p:txBody>
       </p:sp>
       <p:sp>
         <p:nvSpPr>
-          <p:cNvPr id="101" name="Google Shape;101;p3:notes"/>
+          <p:cNvPr id="220" name="Google Shape;220;p8:notes"/>
           <p:cNvSpPr txBox="1">
             <a:spLocks noGrp="1"/>
           </p:cNvSpPr>
@@ -5396,7 +5396,7 @@
     </p:spTree>
     <p:extLst>
       <p:ext uri="{BB962C8B-B14F-4D97-AF65-F5344CB8AC3E}">
-        <p14:creationId xmlns:p14="http://schemas.microsoft.com/office/powerpoint/2010/main" val="3715802646"/>
+        <p14:creationId xmlns:p14="http://schemas.microsoft.com/office/powerpoint/2010/main" val="2314570865"/>
       </p:ext>
     </p:extLst>
   </p:cSld>
@@ -15069,7 +15069,7 @@
   <p:cSld>
     <p:spTree>
       <p:nvGrpSpPr>
-        <p:cNvPr id="1" name="Shape 307"/>
+        <p:cNvPr id="1" name="Shape 102"/>
         <p:cNvGrpSpPr/>
         <p:nvPr/>
       </p:nvGrpSpPr>
@@ -15083,14 +15083,14 @@
       </p:grpSpPr>
       <p:sp>
         <p:nvSpPr>
-          <p:cNvPr id="309" name="Google Shape;309;p14"/>
+          <p:cNvPr id="103" name="Google Shape;103;p3"/>
           <p:cNvSpPr txBox="1"/>
           <p:nvPr/>
         </p:nvSpPr>
         <p:spPr>
           <a:xfrm>
-            <a:off x="-1" y="0"/>
-            <a:ext cx="7008126" cy="369291"/>
+            <a:off x="4913071" y="3105834"/>
+            <a:ext cx="2365858" cy="646331"/>
           </a:xfrm>
           <a:prstGeom prst="rect">
             <a:avLst/>
@@ -15106,7 +15106,7 @@
           </a:bodyPr>
           <a:lstStyle/>
           <a:p>
-            <a:pPr marL="0" marR="0" lvl="0" indent="0" algn="l" rtl="0">
+            <a:pPr marL="0" marR="0" lvl="0" indent="0" algn="ctr" rtl="0">
               <a:spcBef>
                 <a:spcPts val="0"/>
               </a:spcBef>
@@ -15116,7 +15116,7 @@
               <a:buNone/>
             </a:pPr>
             <a:r>
-              <a:rPr lang="en-US" altLang="zh-CN" sz="1800" b="1" dirty="0">
+              <a:rPr lang="en-US" sz="3600" dirty="0">
                 <a:solidFill>
                   <a:schemeClr val="dk1"/>
                 </a:solidFill>
@@ -15125,148 +15125,16 @@
                 <a:cs typeface="Consolas"/>
                 <a:sym typeface="Consolas"/>
               </a:rPr>
-              <a:t>Cut, realign, and extract templates from real signals.</a:t>
+              <a:t>Part_4</a:t>
             </a:r>
+            <a:endParaRPr dirty="0"/>
           </a:p>
         </p:txBody>
       </p:sp>
-      <p:sp>
-        <p:nvSpPr>
-          <p:cNvPr id="2" name="文本框 1">
-            <a:extLst>
-              <a:ext uri="{FF2B5EF4-FFF2-40B4-BE49-F238E27FC236}">
-                <a16:creationId xmlns:a16="http://schemas.microsoft.com/office/drawing/2014/main" id="{74FB61CF-0D2F-98D6-0255-9DE41678C06F}"/>
-              </a:ext>
-            </a:extLst>
-          </p:cNvPr>
-          <p:cNvSpPr txBox="1"/>
-          <p:nvPr/>
-        </p:nvSpPr>
-        <p:spPr>
-          <a:xfrm>
-            <a:off x="1037230" y="757451"/>
-            <a:ext cx="7438030" cy="307777"/>
-          </a:xfrm>
-          <a:prstGeom prst="rect">
-            <a:avLst/>
-          </a:prstGeom>
-          <a:noFill/>
-        </p:spPr>
-        <p:txBody>
-          <a:bodyPr wrap="square" rtlCol="0">
-            <a:spAutoFit/>
-          </a:bodyPr>
-          <a:lstStyle/>
-          <a:p>
-            <a:r>
-              <a:rPr lang="zh-CN" altLang="en-US" dirty="0"/>
-              <a:t>分割信号，并提取模板的思路已经在</a:t>
-            </a:r>
-            <a:r>
-              <a:rPr lang="en-US" altLang="zh-CN" dirty="0" err="1"/>
-              <a:t>biosignal</a:t>
-            </a:r>
-            <a:r>
-              <a:rPr lang="zh-CN" altLang="en-US" dirty="0"/>
-              <a:t>的处理上出现过了。</a:t>
-            </a:r>
-          </a:p>
-        </p:txBody>
-      </p:sp>
-      <p:pic>
-        <p:nvPicPr>
-          <p:cNvPr id="4" name="图片 3">
-            <a:extLst>
-              <a:ext uri="{FF2B5EF4-FFF2-40B4-BE49-F238E27FC236}">
-                <a16:creationId xmlns:a16="http://schemas.microsoft.com/office/drawing/2014/main" id="{052799B5-3A6D-A30B-A02B-CD18F06ABCEE}"/>
-              </a:ext>
-            </a:extLst>
-          </p:cNvPr>
-          <p:cNvPicPr>
-            <a:picLocks noChangeAspect="1"/>
-          </p:cNvPicPr>
-          <p:nvPr/>
-        </p:nvPicPr>
-        <p:blipFill>
-          <a:blip r:embed="rId3"/>
-          <a:stretch>
-            <a:fillRect/>
-          </a:stretch>
-        </p:blipFill>
-        <p:spPr>
-          <a:xfrm>
-            <a:off x="2105025" y="700087"/>
-            <a:ext cx="7981950" cy="5457825"/>
-          </a:xfrm>
-          <a:prstGeom prst="rect">
-            <a:avLst/>
-          </a:prstGeom>
-        </p:spPr>
-      </p:pic>
-      <p:pic>
-        <p:nvPicPr>
-          <p:cNvPr id="6" name="图片 5">
-            <a:extLst>
-              <a:ext uri="{FF2B5EF4-FFF2-40B4-BE49-F238E27FC236}">
-                <a16:creationId xmlns:a16="http://schemas.microsoft.com/office/drawing/2014/main" id="{87E890A0-60BB-4E4A-C980-6CD515A9FC15}"/>
-              </a:ext>
-            </a:extLst>
-          </p:cNvPr>
-          <p:cNvPicPr>
-            <a:picLocks noChangeAspect="1"/>
-          </p:cNvPicPr>
-          <p:nvPr/>
-        </p:nvPicPr>
-        <p:blipFill>
-          <a:blip r:embed="rId4"/>
-          <a:stretch>
-            <a:fillRect/>
-          </a:stretch>
-        </p:blipFill>
-        <p:spPr>
-          <a:xfrm>
-            <a:off x="2326462" y="821512"/>
-            <a:ext cx="7839075" cy="5514975"/>
-          </a:xfrm>
-          <a:prstGeom prst="rect">
-            <a:avLst/>
-          </a:prstGeom>
-        </p:spPr>
-      </p:pic>
-      <p:pic>
-        <p:nvPicPr>
-          <p:cNvPr id="8" name="图片 7">
-            <a:extLst>
-              <a:ext uri="{FF2B5EF4-FFF2-40B4-BE49-F238E27FC236}">
-                <a16:creationId xmlns:a16="http://schemas.microsoft.com/office/drawing/2014/main" id="{9516E05E-313D-F2E4-9415-B59930820C1D}"/>
-              </a:ext>
-            </a:extLst>
-          </p:cNvPr>
-          <p:cNvPicPr>
-            <a:picLocks noChangeAspect="1"/>
-          </p:cNvPicPr>
-          <p:nvPr/>
-        </p:nvPicPr>
-        <p:blipFill>
-          <a:blip r:embed="rId5"/>
-          <a:stretch>
-            <a:fillRect/>
-          </a:stretch>
-        </p:blipFill>
-        <p:spPr>
-          <a:xfrm>
-            <a:off x="2728666" y="1186653"/>
-            <a:ext cx="7772400" cy="5457825"/>
-          </a:xfrm>
-          <a:prstGeom prst="rect">
-            <a:avLst/>
-          </a:prstGeom>
-        </p:spPr>
-      </p:pic>
     </p:spTree>
     <p:extLst>
       <p:ext uri="{BB962C8B-B14F-4D97-AF65-F5344CB8AC3E}">
-        <p14:creationId xmlns:p14="http://schemas.microsoft.com/office/powerpoint/2010/main" val="1949489600"/>
+        <p14:creationId xmlns:p14="http://schemas.microsoft.com/office/powerpoint/2010/main" val="1283157349"/>
       </p:ext>
     </p:extLst>
   </p:cSld>
@@ -15347,7 +15215,7 @@
           <p:cNvPr id="2" name="文本框 1">
             <a:extLst>
               <a:ext uri="{FF2B5EF4-FFF2-40B4-BE49-F238E27FC236}">
-                <a16:creationId xmlns:a16="http://schemas.microsoft.com/office/drawing/2014/main" id="{805B1C95-8824-9D7B-722A-326E90D95F83}"/>
+                <a16:creationId xmlns:a16="http://schemas.microsoft.com/office/drawing/2014/main" id="{74FB61CF-0D2F-98D6-0255-9DE41678C06F}"/>
               </a:ext>
             </a:extLst>
           </p:cNvPr>
@@ -15356,8 +15224,8 @@
         </p:nvSpPr>
         <p:spPr>
           <a:xfrm>
-            <a:off x="962167" y="1098645"/>
-            <a:ext cx="9512490" cy="1169551"/>
+            <a:off x="1037230" y="757451"/>
+            <a:ext cx="5970895" cy="738664"/>
           </a:xfrm>
           <a:prstGeom prst="rect">
             <a:avLst/>
@@ -15371,66 +15239,178 @@
           <a:lstStyle/>
           <a:p>
             <a:r>
-              <a:rPr lang="zh-CN" altLang="en-US" dirty="0"/>
-              <a:t>之前他们这么做，有以下的一些特点</a:t>
+              <a:rPr lang="en-US" altLang="zh-CN" dirty="0"/>
+              <a:t>The idea of segmenting signals and extracting individual beat has already been employed in the processing of </a:t>
             </a:r>
-            <a:endParaRPr lang="en-US" altLang="zh-CN" dirty="0"/>
-          </a:p>
-          <a:p>
-            <a:endParaRPr lang="en-US" altLang="zh-CN" dirty="0"/>
-          </a:p>
+            <a:r>
+              <a:rPr lang="en-US" altLang="zh-CN" dirty="0" err="1"/>
+              <a:t>biosignals</a:t>
+            </a:r>
+            <a:r>
+              <a:rPr lang="en-US" altLang="zh-CN" dirty="0"/>
+              <a:t>. </a:t>
+            </a:r>
+          </a:p>
+          <a:p>
+            <a:r>
+              <a:rPr lang="en-US" altLang="zh-CN" dirty="0"/>
+              <a:t>(The pictures are from the demo of Neurokit2)</a:t>
+            </a:r>
+            <a:endParaRPr lang="zh-CN" altLang="en-US" dirty="0"/>
+          </a:p>
+        </p:txBody>
+      </p:sp>
+      <p:pic>
+        <p:nvPicPr>
+          <p:cNvPr id="4" name="图片 3">
+            <a:extLst>
+              <a:ext uri="{FF2B5EF4-FFF2-40B4-BE49-F238E27FC236}">
+                <a16:creationId xmlns:a16="http://schemas.microsoft.com/office/drawing/2014/main" id="{052799B5-3A6D-A30B-A02B-CD18F06ABCEE}"/>
+              </a:ext>
+            </a:extLst>
+          </p:cNvPr>
+          <p:cNvPicPr>
+            <a:picLocks noChangeAspect="1"/>
+          </p:cNvPicPr>
+          <p:nvPr/>
+        </p:nvPicPr>
+        <p:blipFill>
+          <a:blip r:embed="rId3"/>
+          <a:stretch>
+            <a:fillRect/>
+          </a:stretch>
+        </p:blipFill>
+        <p:spPr>
+          <a:xfrm>
+            <a:off x="2466005" y="3476044"/>
+            <a:ext cx="4928833" cy="3370193"/>
+          </a:xfrm>
+          <a:prstGeom prst="rect">
+            <a:avLst/>
+          </a:prstGeom>
+        </p:spPr>
+      </p:pic>
+      <p:pic>
+        <p:nvPicPr>
+          <p:cNvPr id="6" name="图片 5">
+            <a:extLst>
+              <a:ext uri="{FF2B5EF4-FFF2-40B4-BE49-F238E27FC236}">
+                <a16:creationId xmlns:a16="http://schemas.microsoft.com/office/drawing/2014/main" id="{87E890A0-60BB-4E4A-C980-6CD515A9FC15}"/>
+              </a:ext>
+            </a:extLst>
+          </p:cNvPr>
+          <p:cNvPicPr>
+            <a:picLocks noChangeAspect="1"/>
+          </p:cNvPicPr>
+          <p:nvPr/>
+        </p:nvPicPr>
+        <p:blipFill>
+          <a:blip r:embed="rId4"/>
+          <a:stretch>
+            <a:fillRect/>
+          </a:stretch>
+        </p:blipFill>
+        <p:spPr>
+          <a:xfrm>
+            <a:off x="7392563" y="184645"/>
+            <a:ext cx="4790445" cy="3370192"/>
+          </a:xfrm>
+          <a:prstGeom prst="rect">
+            <a:avLst/>
+          </a:prstGeom>
+        </p:spPr>
+      </p:pic>
+      <p:pic>
+        <p:nvPicPr>
+          <p:cNvPr id="8" name="图片 7">
+            <a:extLst>
+              <a:ext uri="{FF2B5EF4-FFF2-40B4-BE49-F238E27FC236}">
+                <a16:creationId xmlns:a16="http://schemas.microsoft.com/office/drawing/2014/main" id="{9516E05E-313D-F2E4-9415-B59930820C1D}"/>
+              </a:ext>
+            </a:extLst>
+          </p:cNvPr>
+          <p:cNvPicPr>
+            <a:picLocks noChangeAspect="1"/>
+          </p:cNvPicPr>
+          <p:nvPr/>
+        </p:nvPicPr>
+        <p:blipFill>
+          <a:blip r:embed="rId5"/>
+          <a:stretch>
+            <a:fillRect/>
+          </a:stretch>
+        </p:blipFill>
+        <p:spPr>
+          <a:xfrm>
+            <a:off x="7392563" y="3487807"/>
+            <a:ext cx="4799437" cy="3370193"/>
+          </a:xfrm>
+          <a:prstGeom prst="rect">
+            <a:avLst/>
+          </a:prstGeom>
+        </p:spPr>
+      </p:pic>
+      <p:sp>
+        <p:nvSpPr>
+          <p:cNvPr id="9" name="文本框 8">
+            <a:extLst>
+              <a:ext uri="{FF2B5EF4-FFF2-40B4-BE49-F238E27FC236}">
+                <a16:creationId xmlns:a16="http://schemas.microsoft.com/office/drawing/2014/main" id="{4E612D1D-B482-8D43-7C6E-28EDD2E09E01}"/>
+              </a:ext>
+            </a:extLst>
+          </p:cNvPr>
+          <p:cNvSpPr txBox="1"/>
+          <p:nvPr/>
+        </p:nvSpPr>
+        <p:spPr>
+          <a:xfrm>
+            <a:off x="1037229" y="1922424"/>
+            <a:ext cx="5970895" cy="1384995"/>
+          </a:xfrm>
+          <a:prstGeom prst="rect">
+            <a:avLst/>
+          </a:prstGeom>
+          <a:noFill/>
+        </p:spPr>
+        <p:txBody>
+          <a:bodyPr wrap="square" rtlCol="0">
+            <a:spAutoFit/>
+          </a:bodyPr>
+          <a:lstStyle/>
           <a:p>
             <a:pPr marL="342900" indent="-342900">
               <a:buAutoNum type="arabicPeriod"/>
             </a:pPr>
             <a:r>
-              <a:rPr lang="zh-CN" altLang="en-US" dirty="0"/>
-              <a:t>信号都有一个明显的大峰（比如</a:t>
+              <a:rPr lang="en-US" altLang="zh-CN" dirty="0"/>
+              <a:t>They are all dealing with single-peak signals, which are often relatively easy to segment. </a:t>
             </a:r>
-            <a:r>
-              <a:rPr lang="en-US" altLang="zh-CN" dirty="0"/>
-              <a:t>ECG</a:t>
-            </a:r>
-            <a:r>
-              <a:rPr lang="zh-CN" altLang="en-US" dirty="0"/>
-              <a:t>信号的</a:t>
-            </a:r>
-            <a:r>
-              <a:rPr lang="en-US" altLang="zh-CN" dirty="0"/>
-              <a:t>R</a:t>
-            </a:r>
-            <a:r>
-              <a:rPr lang="zh-CN" altLang="en-US" dirty="0"/>
-              <a:t>峰）</a:t>
-            </a:r>
-            <a:endParaRPr lang="en-US" altLang="zh-CN" dirty="0"/>
           </a:p>
           <a:p>
             <a:pPr marL="342900" indent="-342900">
               <a:buAutoNum type="arabicPeriod"/>
             </a:pPr>
             <a:r>
-              <a:rPr lang="zh-CN" altLang="en-US" dirty="0"/>
-              <a:t>方法比较朴素，取平均，或者求取中位数。对于这些模拟的单峰信号已经足够了。</a:t>
+              <a:rPr lang="en-US" altLang="zh-CN" dirty="0"/>
+              <a:t>The methods used are quite naive, such as calculate mean or median. </a:t>
             </a:r>
-            <a:endParaRPr lang="en-US" altLang="zh-CN" dirty="0"/>
           </a:p>
           <a:p>
             <a:pPr marL="342900" indent="-342900">
               <a:buAutoNum type="arabicPeriod"/>
             </a:pPr>
             <a:r>
-              <a:rPr lang="zh-CN" altLang="en-US" dirty="0"/>
-              <a:t>提取出来也没什么用，只能看看信号长什么样</a:t>
+              <a:rPr lang="en-US" altLang="zh-CN" dirty="0"/>
+              <a:t>After extraction, there isn't much utility; it's just observing what the resulting shape looks like.</a:t>
             </a:r>
-            <a:endParaRPr lang="en-US" altLang="zh-CN" dirty="0"/>
+            <a:endParaRPr lang="zh-CN" altLang="en-US" dirty="0"/>
           </a:p>
         </p:txBody>
       </p:sp>
     </p:spTree>
     <p:extLst>
       <p:ext uri="{BB962C8B-B14F-4D97-AF65-F5344CB8AC3E}">
-        <p14:creationId xmlns:p14="http://schemas.microsoft.com/office/powerpoint/2010/main" val="2834063865"/>
+        <p14:creationId xmlns:p14="http://schemas.microsoft.com/office/powerpoint/2010/main" val="1949489600"/>
       </p:ext>
     </p:extLst>
   </p:cSld>
@@ -26266,8 +26246,8 @@
         </p:nvSpPr>
         <p:spPr>
           <a:xfrm>
-            <a:off x="609600" y="598181"/>
-            <a:ext cx="9861030" cy="1508065"/>
+            <a:off x="1103086" y="605438"/>
+            <a:ext cx="9861030" cy="1815841"/>
           </a:xfrm>
           <a:prstGeom prst="rect">
             <a:avLst/>
@@ -26304,6 +26284,26 @@
               </a:rPr>
               <a:t>Advantages of FMM (from emails):</a:t>
             </a:r>
+          </a:p>
+          <a:p>
+            <a:pPr marL="0" marR="0" lvl="0" indent="0" algn="l" rtl="0">
+              <a:spcBef>
+                <a:spcPts val="0"/>
+              </a:spcBef>
+              <a:spcAft>
+                <a:spcPts val="0"/>
+              </a:spcAft>
+              <a:buNone/>
+            </a:pPr>
+            <a:endParaRPr lang="en-US" altLang="zh-CN" sz="2000" b="1" dirty="0">
+              <a:solidFill>
+                <a:schemeClr val="dk1"/>
+              </a:solidFill>
+              <a:latin typeface="Consolas"/>
+              <a:ea typeface="Consolas"/>
+              <a:cs typeface="Consolas"/>
+              <a:sym typeface="Consolas"/>
+            </a:endParaRPr>
           </a:p>
           <a:p>
             <a:pPr marL="342900" marR="0" lvl="0" indent="-342900" algn="l" rtl="0">
@@ -26447,8 +26447,8 @@
         </p:nvSpPr>
         <p:spPr>
           <a:xfrm>
-            <a:off x="609600" y="2451965"/>
-            <a:ext cx="9861030" cy="1569620"/>
+            <a:off x="1103086" y="2967222"/>
+            <a:ext cx="10977350" cy="2523727"/>
           </a:xfrm>
           <a:prstGeom prst="rect">
             <a:avLst/>
@@ -26487,27 +26487,15 @@
             </a:r>
           </a:p>
           <a:p>
-            <a:pPr marL="457200" marR="0" lvl="0" indent="-457200" algn="l" rtl="0">
-              <a:spcBef>
-                <a:spcPts val="0"/>
-              </a:spcBef>
-              <a:spcAft>
-                <a:spcPts val="0"/>
-              </a:spcAft>
-              <a:buAutoNum type="arabicPeriod"/>
+            <a:pPr marL="0" marR="0" lvl="0" indent="0" algn="l" rtl="0">
+              <a:spcBef>
+                <a:spcPts val="0"/>
+              </a:spcBef>
+              <a:spcAft>
+                <a:spcPts val="0"/>
+              </a:spcAft>
+              <a:buNone/>
             </a:pPr>
-            <a:r>
-              <a:rPr lang="zh-CN" altLang="en-US" sz="2000" b="1" dirty="0">
-                <a:solidFill>
-                  <a:schemeClr val="dk1"/>
-                </a:solidFill>
-                <a:latin typeface="Consolas"/>
-                <a:ea typeface="Consolas"/>
-                <a:cs typeface="Consolas"/>
-                <a:sym typeface="Consolas"/>
-              </a:rPr>
-              <a:t>必须将单周期信号分解成足够多的分解量后，才能关注到较小的峰</a:t>
-            </a:r>
             <a:endParaRPr lang="en-US" altLang="zh-CN" sz="2000" b="1" dirty="0">
               <a:solidFill>
                 <a:schemeClr val="dk1"/>
@@ -26529,7 +26517,7 @@
               <a:buAutoNum type="arabicPeriod"/>
             </a:pPr>
             <a:r>
-              <a:rPr lang="zh-CN" altLang="en-US" sz="2000" b="1" dirty="0">
+              <a:rPr lang="en-US" altLang="zh-CN" sz="2000" b="1" dirty="0">
                 <a:solidFill>
                   <a:schemeClr val="dk1"/>
                 </a:solidFill>
@@ -26538,8 +26526,18 @@
                 <a:cs typeface="Consolas"/>
                 <a:sym typeface="Consolas"/>
               </a:rPr>
-              <a:t>经过分解后，各个分量之间比较混乱，分解过后已经没有可解释性了。</a:t>
+              <a:t>It is necessary to decompose a single-cycle signal into a sufficient number of components, if we want to focus on smaller peaks.</a:t>
             </a:r>
+          </a:p>
+          <a:p>
+            <a:pPr marR="0" lvl="0" algn="l" rtl="0">
+              <a:spcBef>
+                <a:spcPts val="0"/>
+              </a:spcBef>
+              <a:spcAft>
+                <a:spcPts val="0"/>
+              </a:spcAft>
+            </a:pPr>
             <a:endParaRPr lang="en-US" altLang="zh-CN" sz="2000" b="1" dirty="0">
               <a:solidFill>
                 <a:schemeClr val="dk1"/>
@@ -26551,15 +26549,27 @@
             </a:endParaRPr>
           </a:p>
           <a:p>
-            <a:pPr marL="342900" marR="0" lvl="0" indent="-342900" algn="l" rtl="0">
-              <a:spcBef>
-                <a:spcPts val="0"/>
-              </a:spcBef>
-              <a:spcAft>
-                <a:spcPts val="0"/>
-              </a:spcAft>
-              <a:buAutoNum type="arabicPeriod"/>
+            <a:pPr marL="0" marR="0" lvl="0" indent="0" algn="l" rtl="0">
+              <a:spcBef>
+                <a:spcPts val="0"/>
+              </a:spcBef>
+              <a:spcAft>
+                <a:spcPts val="0"/>
+              </a:spcAft>
+              <a:buNone/>
             </a:pPr>
+            <a:r>
+              <a:rPr lang="en-US" altLang="zh-CN" sz="2000" b="1" dirty="0">
+                <a:solidFill>
+                  <a:schemeClr val="dk1"/>
+                </a:solidFill>
+                <a:latin typeface="Consolas"/>
+                <a:ea typeface="Consolas"/>
+                <a:cs typeface="Consolas"/>
+                <a:sym typeface="Consolas"/>
+              </a:rPr>
+              <a:t>2. After decomposition, the relationship between various components becomes chaotic. There is a loss of interpretability in decomposed components.</a:t>
+            </a:r>
             <a:endParaRPr lang="en-US" altLang="zh-CN" sz="1800" dirty="0">
               <a:solidFill>
                 <a:schemeClr val="dk1"/>
@@ -26694,16 +26704,15 @@
           </p:cNvPicPr>
           <p:nvPr/>
         </p:nvPicPr>
-        <p:blipFill>
+        <p:blipFill rotWithShape="1">
           <a:blip r:embed="rId3"/>
-          <a:stretch>
-            <a:fillRect/>
-          </a:stretch>
+          <a:srcRect t="1092"/>
+          <a:stretch/>
         </p:blipFill>
         <p:spPr>
           <a:xfrm>
-            <a:off x="2978943" y="1395412"/>
-            <a:ext cx="6234113" cy="4067175"/>
+            <a:off x="2517860" y="810674"/>
+            <a:ext cx="4021952" cy="2595285"/>
           </a:xfrm>
           <a:prstGeom prst="rect">
             <a:avLst/>
@@ -26724,16 +26733,15 @@
           </p:cNvPicPr>
           <p:nvPr/>
         </p:nvPicPr>
-        <p:blipFill>
+        <p:blipFill rotWithShape="1">
           <a:blip r:embed="rId4"/>
-          <a:stretch>
-            <a:fillRect/>
-          </a:stretch>
+          <a:srcRect t="-235" r="20810"/>
+          <a:stretch/>
         </p:blipFill>
         <p:spPr>
           <a:xfrm>
-            <a:off x="2357418" y="1550175"/>
-            <a:ext cx="7777163" cy="4057650"/>
+            <a:off x="6778181" y="810674"/>
+            <a:ext cx="4682510" cy="3092263"/>
           </a:xfrm>
           <a:prstGeom prst="rect">
             <a:avLst/>
@@ -26762,8 +26770,8 @@
         </p:blipFill>
         <p:spPr>
           <a:xfrm>
-            <a:off x="3362287" y="1700175"/>
-            <a:ext cx="6067425" cy="4057650"/>
+            <a:off x="2618167" y="3855157"/>
+            <a:ext cx="3952189" cy="2643065"/>
           </a:xfrm>
           <a:prstGeom prst="rect">
             <a:avLst/>
@@ -26784,22 +26792,176 @@
           </p:cNvPicPr>
           <p:nvPr/>
         </p:nvPicPr>
-        <p:blipFill>
+        <p:blipFill rotWithShape="1">
           <a:blip r:embed="rId6"/>
-          <a:stretch>
-            <a:fillRect/>
-          </a:stretch>
+          <a:srcRect b="4437"/>
+          <a:stretch/>
         </p:blipFill>
         <p:spPr>
           <a:xfrm>
-            <a:off x="3512287" y="1840650"/>
-            <a:ext cx="6067425" cy="4076700"/>
+            <a:off x="6778181" y="3902938"/>
+            <a:ext cx="4602270" cy="2955062"/>
           </a:xfrm>
           <a:prstGeom prst="rect">
             <a:avLst/>
           </a:prstGeom>
         </p:spPr>
       </p:pic>
+      <p:sp>
+        <p:nvSpPr>
+          <p:cNvPr id="2" name="矩形 1">
+            <a:extLst>
+              <a:ext uri="{FF2B5EF4-FFF2-40B4-BE49-F238E27FC236}">
+                <a16:creationId xmlns:a16="http://schemas.microsoft.com/office/drawing/2014/main" id="{C916C7DA-3F70-01AA-43A7-B5314A206A76}"/>
+              </a:ext>
+            </a:extLst>
+          </p:cNvPr>
+          <p:cNvSpPr/>
+          <p:nvPr/>
+        </p:nvSpPr>
+        <p:spPr>
+          <a:xfrm>
+            <a:off x="5528349" y="1386114"/>
+            <a:ext cx="320909" cy="4659085"/>
+          </a:xfrm>
+          <a:prstGeom prst="rect">
+            <a:avLst/>
+          </a:prstGeom>
+          <a:noFill/>
+          <a:ln>
+            <a:solidFill>
+              <a:schemeClr val="tx1"/>
+            </a:solidFill>
+          </a:ln>
+        </p:spPr>
+        <p:style>
+          <a:lnRef idx="2">
+            <a:schemeClr val="accent1">
+              <a:shade val="15000"/>
+            </a:schemeClr>
+          </a:lnRef>
+          <a:fillRef idx="1">
+            <a:schemeClr val="accent1"/>
+          </a:fillRef>
+          <a:effectRef idx="0">
+            <a:schemeClr val="accent1"/>
+          </a:effectRef>
+          <a:fontRef idx="minor">
+            <a:schemeClr val="lt1"/>
+          </a:fontRef>
+        </p:style>
+        <p:txBody>
+          <a:bodyPr rtlCol="0" anchor="ctr"/>
+          <a:lstStyle/>
+          <a:p>
+            <a:pPr algn="ctr"/>
+            <a:endParaRPr lang="zh-CN" altLang="en-US"/>
+          </a:p>
+        </p:txBody>
+      </p:sp>
+      <p:sp>
+        <p:nvSpPr>
+          <p:cNvPr id="6" name="文本框 5">
+            <a:extLst>
+              <a:ext uri="{FF2B5EF4-FFF2-40B4-BE49-F238E27FC236}">
+                <a16:creationId xmlns:a16="http://schemas.microsoft.com/office/drawing/2014/main" id="{DE909AD9-58B6-D724-7AAA-3D5F0486A738}"/>
+              </a:ext>
+            </a:extLst>
+          </p:cNvPr>
+          <p:cNvSpPr txBox="1"/>
+          <p:nvPr/>
+        </p:nvSpPr>
+        <p:spPr>
+          <a:xfrm>
+            <a:off x="67322" y="2654592"/>
+            <a:ext cx="2670624" cy="1169551"/>
+          </a:xfrm>
+          <a:prstGeom prst="rect">
+            <a:avLst/>
+          </a:prstGeom>
+          <a:noFill/>
+        </p:spPr>
+        <p:txBody>
+          <a:bodyPr wrap="square">
+            <a:spAutoFit/>
+          </a:bodyPr>
+          <a:lstStyle/>
+          <a:p>
+            <a:r>
+              <a:rPr lang="en-US" altLang="zh-CN" sz="1400" dirty="0">
+                <a:solidFill>
+                  <a:schemeClr val="dk1"/>
+                </a:solidFill>
+                <a:latin typeface="Consolas"/>
+                <a:ea typeface="Consolas"/>
+                <a:cs typeface="Consolas"/>
+                <a:sym typeface="Consolas"/>
+              </a:rPr>
+              <a:t>We need to decompose a single-cycle signal into a sufficient number of components, if we want to focus on smaller peaks</a:t>
+            </a:r>
+            <a:endParaRPr lang="zh-CN" altLang="en-US" dirty="0"/>
+          </a:p>
+        </p:txBody>
+      </p:sp>
+      <p:sp>
+        <p:nvSpPr>
+          <p:cNvPr id="10" name="文本框 9">
+            <a:extLst>
+              <a:ext uri="{FF2B5EF4-FFF2-40B4-BE49-F238E27FC236}">
+                <a16:creationId xmlns:a16="http://schemas.microsoft.com/office/drawing/2014/main" id="{77329212-6ABE-DBE6-8B4D-9BEB36BC28E9}"/>
+              </a:ext>
+            </a:extLst>
+          </p:cNvPr>
+          <p:cNvSpPr txBox="1"/>
+          <p:nvPr/>
+        </p:nvSpPr>
+        <p:spPr>
+          <a:xfrm>
+            <a:off x="7258960" y="130880"/>
+            <a:ext cx="4374242" cy="523220"/>
+          </a:xfrm>
+          <a:prstGeom prst="rect">
+            <a:avLst/>
+          </a:prstGeom>
+          <a:noFill/>
+        </p:spPr>
+        <p:txBody>
+          <a:bodyPr wrap="square">
+            <a:spAutoFit/>
+          </a:bodyPr>
+          <a:lstStyle>
+            <a:defPPr marR="0" lvl="0" algn="l" rtl="0">
+              <a:lnSpc>
+                <a:spcPct val="100000"/>
+              </a:lnSpc>
+              <a:spcBef>
+                <a:spcPts val="0"/>
+              </a:spcBef>
+              <a:spcAft>
+                <a:spcPts val="0"/>
+              </a:spcAft>
+            </a:defPPr>
+            <a:lvl1pPr>
+              <a:defRPr>
+                <a:solidFill>
+                  <a:schemeClr val="dk1"/>
+                </a:solidFill>
+                <a:latin typeface="Consolas"/>
+                <a:ea typeface="Consolas"/>
+                <a:cs typeface="Consolas"/>
+              </a:defRPr>
+            </a:lvl1pPr>
+          </a:lstStyle>
+          <a:p>
+            <a:r>
+              <a:rPr lang="en-US" altLang="zh-CN" dirty="0">
+                <a:sym typeface="Consolas"/>
+              </a:rPr>
+              <a:t>There is almost no interpretability in decomposed components.</a:t>
+            </a:r>
+          </a:p>
+        </p:txBody>
+      </p:sp>
     </p:spTree>
     <p:extLst>
       <p:ext uri="{BB962C8B-B14F-4D97-AF65-F5344CB8AC3E}">
@@ -28889,7 +29051,7 @@
         <p:spPr>
           <a:xfrm>
             <a:off x="835819" y="5372100"/>
-            <a:ext cx="10086975" cy="738664"/>
+            <a:ext cx="10086975" cy="954107"/>
           </a:xfrm>
           <a:prstGeom prst="rect">
             <a:avLst/>
@@ -28912,30 +29074,17 @@
               <a:buAutoNum type="arabicPeriod"/>
             </a:pPr>
             <a:r>
-              <a:rPr lang="zh-CN" altLang="en-US" dirty="0"/>
-              <a:t>对低采样率的信号重采样，能够大幅度的提升模型效果。一定范围内，采样率越高越好。</a:t>
+              <a:rPr lang="en-US" altLang="zh-CN" dirty="0"/>
+              <a:t>Resampling signals with low sampling rates can significantly improve the model's performance. Within a certain range, a higher sampling rate is better. </a:t>
             </a:r>
-            <a:endParaRPr lang="en-US" altLang="zh-CN" dirty="0"/>
           </a:p>
           <a:p>
             <a:pPr marL="342900" indent="-342900">
               <a:buAutoNum type="arabicPeriod"/>
             </a:pPr>
             <a:r>
-              <a:rPr lang="zh-CN" altLang="en-US" dirty="0"/>
-              <a:t>重采样模式对结果有重大的影响，</a:t>
-            </a:r>
-            <a:r>
               <a:rPr lang="en-US" altLang="zh-CN" dirty="0"/>
-              <a:t>FFT</a:t>
-            </a:r>
-            <a:r>
-              <a:rPr lang="zh-CN" altLang="en-US" dirty="0"/>
-              <a:t>和</a:t>
-            </a:r>
-            <a:r>
-              <a:rPr lang="en-US" altLang="zh-CN" dirty="0"/>
-              <a:t>POLY</a:t>
+              <a:t>The resampling mode has a significant impact on the results, with FFT and POLY yielding completely different effects.</a:t>
             </a:r>
           </a:p>
         </p:txBody>
@@ -28953,7 +29102,7 @@
   <p:cSld>
     <p:spTree>
       <p:nvGrpSpPr>
-        <p:cNvPr id="1" name="Shape 102"/>
+        <p:cNvPr id="1" name="Shape 221"/>
         <p:cNvGrpSpPr/>
         <p:nvPr/>
       </p:nvGrpSpPr>
@@ -28967,14 +29116,14 @@
       </p:grpSpPr>
       <p:sp>
         <p:nvSpPr>
-          <p:cNvPr id="103" name="Google Shape;103;p3"/>
+          <p:cNvPr id="222" name="Google Shape;222;p8"/>
           <p:cNvSpPr txBox="1"/>
           <p:nvPr/>
         </p:nvSpPr>
         <p:spPr>
           <a:xfrm>
-            <a:off x="4913071" y="3105834"/>
-            <a:ext cx="2365858" cy="646331"/>
+            <a:off x="0" y="0"/>
+            <a:ext cx="5141119" cy="369291"/>
           </a:xfrm>
           <a:prstGeom prst="rect">
             <a:avLst/>
@@ -28990,7 +29139,7 @@
           </a:bodyPr>
           <a:lstStyle/>
           <a:p>
-            <a:pPr marL="0" marR="0" lvl="0" indent="0" algn="ctr" rtl="0">
+            <a:pPr marL="0" marR="0" lvl="0" indent="0" algn="l" rtl="0">
               <a:spcBef>
                 <a:spcPts val="0"/>
               </a:spcBef>
@@ -29000,7 +29149,7 @@
               <a:buNone/>
             </a:pPr>
             <a:r>
-              <a:rPr lang="en-US" sz="3600" dirty="0">
+              <a:rPr lang="en-US" altLang="zh-CN" sz="1800" b="1" dirty="0">
                 <a:solidFill>
                   <a:schemeClr val="dk1"/>
                 </a:solidFill>
@@ -29009,16 +29158,2912 @@
                 <a:cs typeface="Consolas"/>
                 <a:sym typeface="Consolas"/>
               </a:rPr>
-              <a:t>Part_4</a:t>
+              <a:t>An easy experiment about sampling rate.</a:t>
             </a:r>
-            <a:endParaRPr dirty="0"/>
+            <a:endParaRPr lang="en-US" altLang="zh-CN" sz="1800" b="1" dirty="0"/>
+          </a:p>
+        </p:txBody>
+      </p:sp>
+      <p:cxnSp>
+        <p:nvCxnSpPr>
+          <p:cNvPr id="17" name="直接连接符 16">
+            <a:extLst>
+              <a:ext uri="{FF2B5EF4-FFF2-40B4-BE49-F238E27FC236}">
+                <a16:creationId xmlns:a16="http://schemas.microsoft.com/office/drawing/2014/main" id="{1F130469-2A56-30CC-415E-3A7FF261900C}"/>
+              </a:ext>
+            </a:extLst>
+          </p:cNvPr>
+          <p:cNvCxnSpPr/>
+          <p:nvPr/>
+        </p:nvCxnSpPr>
+        <p:spPr>
+          <a:xfrm flipV="1">
+            <a:off x="2849336" y="776380"/>
+            <a:ext cx="754743" cy="1915886"/>
+          </a:xfrm>
+          <a:prstGeom prst="line">
+            <a:avLst/>
+          </a:prstGeom>
+        </p:spPr>
+        <p:style>
+          <a:lnRef idx="1">
+            <a:schemeClr val="accent1"/>
+          </a:lnRef>
+          <a:fillRef idx="0">
+            <a:schemeClr val="accent1"/>
+          </a:fillRef>
+          <a:effectRef idx="0">
+            <a:schemeClr val="accent1"/>
+          </a:effectRef>
+          <a:fontRef idx="minor">
+            <a:schemeClr val="tx1"/>
+          </a:fontRef>
+        </p:style>
+      </p:cxnSp>
+      <p:cxnSp>
+        <p:nvCxnSpPr>
+          <p:cNvPr id="18" name="直接连接符 17">
+            <a:extLst>
+              <a:ext uri="{FF2B5EF4-FFF2-40B4-BE49-F238E27FC236}">
+                <a16:creationId xmlns:a16="http://schemas.microsoft.com/office/drawing/2014/main" id="{E19D7DCB-12F1-CE24-B582-97477D0D5910}"/>
+              </a:ext>
+            </a:extLst>
+          </p:cNvPr>
+          <p:cNvCxnSpPr>
+            <a:cxnSpLocks/>
+          </p:cNvCxnSpPr>
+          <p:nvPr/>
+        </p:nvCxnSpPr>
+        <p:spPr>
+          <a:xfrm flipH="1" flipV="1">
+            <a:off x="3604079" y="776380"/>
+            <a:ext cx="645886" cy="1915886"/>
+          </a:xfrm>
+          <a:prstGeom prst="line">
+            <a:avLst/>
+          </a:prstGeom>
+        </p:spPr>
+        <p:style>
+          <a:lnRef idx="1">
+            <a:schemeClr val="accent1"/>
+          </a:lnRef>
+          <a:fillRef idx="0">
+            <a:schemeClr val="accent1"/>
+          </a:fillRef>
+          <a:effectRef idx="0">
+            <a:schemeClr val="accent1"/>
+          </a:effectRef>
+          <a:fontRef idx="minor">
+            <a:schemeClr val="tx1"/>
+          </a:fontRef>
+        </p:style>
+      </p:cxnSp>
+      <p:cxnSp>
+        <p:nvCxnSpPr>
+          <p:cNvPr id="22" name="直接连接符 21">
+            <a:extLst>
+              <a:ext uri="{FF2B5EF4-FFF2-40B4-BE49-F238E27FC236}">
+                <a16:creationId xmlns:a16="http://schemas.microsoft.com/office/drawing/2014/main" id="{DDCAB51F-0055-9533-B5CB-F2C9FAB550C1}"/>
+              </a:ext>
+            </a:extLst>
+          </p:cNvPr>
+          <p:cNvCxnSpPr/>
+          <p:nvPr/>
+        </p:nvCxnSpPr>
+        <p:spPr>
+          <a:xfrm flipV="1">
+            <a:off x="3328307" y="776380"/>
+            <a:ext cx="754743" cy="1915886"/>
+          </a:xfrm>
+          <a:prstGeom prst="line">
+            <a:avLst/>
+          </a:prstGeom>
+        </p:spPr>
+        <p:style>
+          <a:lnRef idx="1">
+            <a:schemeClr val="accent1"/>
+          </a:lnRef>
+          <a:fillRef idx="0">
+            <a:schemeClr val="accent1"/>
+          </a:fillRef>
+          <a:effectRef idx="0">
+            <a:schemeClr val="accent1"/>
+          </a:effectRef>
+          <a:fontRef idx="minor">
+            <a:schemeClr val="tx1"/>
+          </a:fontRef>
+        </p:style>
+      </p:cxnSp>
+      <p:cxnSp>
+        <p:nvCxnSpPr>
+          <p:cNvPr id="23" name="直接连接符 22">
+            <a:extLst>
+              <a:ext uri="{FF2B5EF4-FFF2-40B4-BE49-F238E27FC236}">
+                <a16:creationId xmlns:a16="http://schemas.microsoft.com/office/drawing/2014/main" id="{C46F6CEC-5273-3D0E-799D-E8B17BF7C355}"/>
+              </a:ext>
+            </a:extLst>
+          </p:cNvPr>
+          <p:cNvCxnSpPr>
+            <a:cxnSpLocks/>
+          </p:cNvCxnSpPr>
+          <p:nvPr/>
+        </p:nvCxnSpPr>
+        <p:spPr>
+          <a:xfrm flipH="1" flipV="1">
+            <a:off x="4083050" y="776380"/>
+            <a:ext cx="645886" cy="1915886"/>
+          </a:xfrm>
+          <a:prstGeom prst="line">
+            <a:avLst/>
+          </a:prstGeom>
+        </p:spPr>
+        <p:style>
+          <a:lnRef idx="1">
+            <a:schemeClr val="accent1"/>
+          </a:lnRef>
+          <a:fillRef idx="0">
+            <a:schemeClr val="accent1"/>
+          </a:fillRef>
+          <a:effectRef idx="0">
+            <a:schemeClr val="accent1"/>
+          </a:effectRef>
+          <a:fontRef idx="minor">
+            <a:schemeClr val="tx1"/>
+          </a:fontRef>
+        </p:style>
+      </p:cxnSp>
+      <p:sp>
+        <p:nvSpPr>
+          <p:cNvPr id="24" name="椭圆 23">
+            <a:extLst>
+              <a:ext uri="{FF2B5EF4-FFF2-40B4-BE49-F238E27FC236}">
+                <a16:creationId xmlns:a16="http://schemas.microsoft.com/office/drawing/2014/main" id="{ACA8E688-13DD-DDA1-2C81-FC8D9BAE2ED4}"/>
+              </a:ext>
+            </a:extLst>
+          </p:cNvPr>
+          <p:cNvSpPr/>
+          <p:nvPr/>
+        </p:nvSpPr>
+        <p:spPr>
+          <a:xfrm>
+            <a:off x="3509736" y="689294"/>
+            <a:ext cx="181429" cy="195943"/>
+          </a:xfrm>
+          <a:prstGeom prst="ellipse">
+            <a:avLst/>
+          </a:prstGeom>
+          <a:noFill/>
+        </p:spPr>
+        <p:style>
+          <a:lnRef idx="2">
+            <a:schemeClr val="accent1">
+              <a:shade val="15000"/>
+            </a:schemeClr>
+          </a:lnRef>
+          <a:fillRef idx="1">
+            <a:schemeClr val="accent1"/>
+          </a:fillRef>
+          <a:effectRef idx="0">
+            <a:schemeClr val="accent1"/>
+          </a:effectRef>
+          <a:fontRef idx="minor">
+            <a:schemeClr val="lt1"/>
+          </a:fontRef>
+        </p:style>
+        <p:txBody>
+          <a:bodyPr rtlCol="0" anchor="ctr"/>
+          <a:lstStyle/>
+          <a:p>
+            <a:pPr algn="ctr"/>
+            <a:endParaRPr lang="zh-CN" altLang="en-US"/>
+          </a:p>
+        </p:txBody>
+      </p:sp>
+      <p:sp>
+        <p:nvSpPr>
+          <p:cNvPr id="25" name="椭圆 24">
+            <a:extLst>
+              <a:ext uri="{FF2B5EF4-FFF2-40B4-BE49-F238E27FC236}">
+                <a16:creationId xmlns:a16="http://schemas.microsoft.com/office/drawing/2014/main" id="{5755159F-4DD3-CE70-B645-FA42F6DEA987}"/>
+              </a:ext>
+            </a:extLst>
+          </p:cNvPr>
+          <p:cNvSpPr/>
+          <p:nvPr/>
+        </p:nvSpPr>
+        <p:spPr>
+          <a:xfrm>
+            <a:off x="3738335" y="1335180"/>
+            <a:ext cx="181429" cy="195943"/>
+          </a:xfrm>
+          <a:prstGeom prst="ellipse">
+            <a:avLst/>
+          </a:prstGeom>
+          <a:noFill/>
+        </p:spPr>
+        <p:style>
+          <a:lnRef idx="2">
+            <a:schemeClr val="accent1">
+              <a:shade val="15000"/>
+            </a:schemeClr>
+          </a:lnRef>
+          <a:fillRef idx="1">
+            <a:schemeClr val="accent1"/>
+          </a:fillRef>
+          <a:effectRef idx="0">
+            <a:schemeClr val="accent1"/>
+          </a:effectRef>
+          <a:fontRef idx="minor">
+            <a:schemeClr val="lt1"/>
+          </a:fontRef>
+        </p:style>
+        <p:txBody>
+          <a:bodyPr rtlCol="0" anchor="ctr"/>
+          <a:lstStyle/>
+          <a:p>
+            <a:pPr algn="ctr"/>
+            <a:endParaRPr lang="zh-CN" altLang="en-US"/>
+          </a:p>
+        </p:txBody>
+      </p:sp>
+      <p:sp>
+        <p:nvSpPr>
+          <p:cNvPr id="26" name="椭圆 25">
+            <a:extLst>
+              <a:ext uri="{FF2B5EF4-FFF2-40B4-BE49-F238E27FC236}">
+                <a16:creationId xmlns:a16="http://schemas.microsoft.com/office/drawing/2014/main" id="{1DECA7D0-AF63-BA1E-3053-4F7CFB84A90A}"/>
+              </a:ext>
+            </a:extLst>
+          </p:cNvPr>
+          <p:cNvSpPr/>
+          <p:nvPr/>
+        </p:nvSpPr>
+        <p:spPr>
+          <a:xfrm>
+            <a:off x="3937906" y="1944780"/>
+            <a:ext cx="181429" cy="195943"/>
+          </a:xfrm>
+          <a:prstGeom prst="ellipse">
+            <a:avLst/>
+          </a:prstGeom>
+          <a:noFill/>
+        </p:spPr>
+        <p:style>
+          <a:lnRef idx="2">
+            <a:schemeClr val="accent1">
+              <a:shade val="15000"/>
+            </a:schemeClr>
+          </a:lnRef>
+          <a:fillRef idx="1">
+            <a:schemeClr val="accent1"/>
+          </a:fillRef>
+          <a:effectRef idx="0">
+            <a:schemeClr val="accent1"/>
+          </a:effectRef>
+          <a:fontRef idx="minor">
+            <a:schemeClr val="lt1"/>
+          </a:fontRef>
+        </p:style>
+        <p:txBody>
+          <a:bodyPr rtlCol="0" anchor="ctr"/>
+          <a:lstStyle/>
+          <a:p>
+            <a:pPr algn="ctr"/>
+            <a:endParaRPr lang="zh-CN" altLang="en-US"/>
+          </a:p>
+        </p:txBody>
+      </p:sp>
+      <p:sp>
+        <p:nvSpPr>
+          <p:cNvPr id="27" name="椭圆 26">
+            <a:extLst>
+              <a:ext uri="{FF2B5EF4-FFF2-40B4-BE49-F238E27FC236}">
+                <a16:creationId xmlns:a16="http://schemas.microsoft.com/office/drawing/2014/main" id="{E6B287A2-4D62-CFC5-9EFB-921BF4D62A07}"/>
+              </a:ext>
+            </a:extLst>
+          </p:cNvPr>
+          <p:cNvSpPr/>
+          <p:nvPr/>
+        </p:nvSpPr>
+        <p:spPr>
+          <a:xfrm>
+            <a:off x="4141106" y="2507209"/>
+            <a:ext cx="181429" cy="195943"/>
+          </a:xfrm>
+          <a:prstGeom prst="ellipse">
+            <a:avLst/>
+          </a:prstGeom>
+          <a:noFill/>
+        </p:spPr>
+        <p:style>
+          <a:lnRef idx="2">
+            <a:schemeClr val="accent1">
+              <a:shade val="15000"/>
+            </a:schemeClr>
+          </a:lnRef>
+          <a:fillRef idx="1">
+            <a:schemeClr val="accent1"/>
+          </a:fillRef>
+          <a:effectRef idx="0">
+            <a:schemeClr val="accent1"/>
+          </a:effectRef>
+          <a:fontRef idx="minor">
+            <a:schemeClr val="lt1"/>
+          </a:fontRef>
+        </p:style>
+        <p:txBody>
+          <a:bodyPr rtlCol="0" anchor="ctr"/>
+          <a:lstStyle/>
+          <a:p>
+            <a:pPr algn="ctr"/>
+            <a:endParaRPr lang="zh-CN" altLang="en-US"/>
+          </a:p>
+        </p:txBody>
+      </p:sp>
+      <p:sp>
+        <p:nvSpPr>
+          <p:cNvPr id="28" name="椭圆 27">
+            <a:extLst>
+              <a:ext uri="{FF2B5EF4-FFF2-40B4-BE49-F238E27FC236}">
+                <a16:creationId xmlns:a16="http://schemas.microsoft.com/office/drawing/2014/main" id="{1EB09C22-D8BB-076C-D73C-82747E7CDF7E}"/>
+              </a:ext>
+            </a:extLst>
+          </p:cNvPr>
+          <p:cNvSpPr/>
+          <p:nvPr/>
+        </p:nvSpPr>
+        <p:spPr>
+          <a:xfrm>
+            <a:off x="3239406" y="1335180"/>
+            <a:ext cx="181429" cy="195943"/>
+          </a:xfrm>
+          <a:prstGeom prst="ellipse">
+            <a:avLst/>
+          </a:prstGeom>
+          <a:noFill/>
+        </p:spPr>
+        <p:style>
+          <a:lnRef idx="2">
+            <a:schemeClr val="accent1">
+              <a:shade val="15000"/>
+            </a:schemeClr>
+          </a:lnRef>
+          <a:fillRef idx="1">
+            <a:schemeClr val="accent1"/>
+          </a:fillRef>
+          <a:effectRef idx="0">
+            <a:schemeClr val="accent1"/>
+          </a:effectRef>
+          <a:fontRef idx="minor">
+            <a:schemeClr val="lt1"/>
+          </a:fontRef>
+        </p:style>
+        <p:txBody>
+          <a:bodyPr rtlCol="0" anchor="ctr"/>
+          <a:lstStyle/>
+          <a:p>
+            <a:pPr algn="ctr"/>
+            <a:endParaRPr lang="zh-CN" altLang="en-US"/>
+          </a:p>
+        </p:txBody>
+      </p:sp>
+      <p:sp>
+        <p:nvSpPr>
+          <p:cNvPr id="29" name="椭圆 28">
+            <a:extLst>
+              <a:ext uri="{FF2B5EF4-FFF2-40B4-BE49-F238E27FC236}">
+                <a16:creationId xmlns:a16="http://schemas.microsoft.com/office/drawing/2014/main" id="{F66B64EE-6A50-F03C-979B-3EA6E367BE74}"/>
+              </a:ext>
+            </a:extLst>
+          </p:cNvPr>
+          <p:cNvSpPr/>
+          <p:nvPr/>
+        </p:nvSpPr>
+        <p:spPr>
+          <a:xfrm>
+            <a:off x="2992665" y="1944779"/>
+            <a:ext cx="181429" cy="195943"/>
+          </a:xfrm>
+          <a:prstGeom prst="ellipse">
+            <a:avLst/>
+          </a:prstGeom>
+          <a:noFill/>
+        </p:spPr>
+        <p:style>
+          <a:lnRef idx="2">
+            <a:schemeClr val="accent1">
+              <a:shade val="15000"/>
+            </a:schemeClr>
+          </a:lnRef>
+          <a:fillRef idx="1">
+            <a:schemeClr val="accent1"/>
+          </a:fillRef>
+          <a:effectRef idx="0">
+            <a:schemeClr val="accent1"/>
+          </a:effectRef>
+          <a:fontRef idx="minor">
+            <a:schemeClr val="lt1"/>
+          </a:fontRef>
+        </p:style>
+        <p:txBody>
+          <a:bodyPr rtlCol="0" anchor="ctr"/>
+          <a:lstStyle/>
+          <a:p>
+            <a:pPr algn="ctr"/>
+            <a:endParaRPr lang="zh-CN" altLang="en-US"/>
+          </a:p>
+        </p:txBody>
+      </p:sp>
+      <p:sp>
+        <p:nvSpPr>
+          <p:cNvPr id="31" name="椭圆 30">
+            <a:extLst>
+              <a:ext uri="{FF2B5EF4-FFF2-40B4-BE49-F238E27FC236}">
+                <a16:creationId xmlns:a16="http://schemas.microsoft.com/office/drawing/2014/main" id="{AC750677-9704-43CD-3969-AB61E401552F}"/>
+              </a:ext>
+            </a:extLst>
+          </p:cNvPr>
+          <p:cNvSpPr/>
+          <p:nvPr/>
+        </p:nvSpPr>
+        <p:spPr>
+          <a:xfrm>
+            <a:off x="2762250" y="2536237"/>
+            <a:ext cx="181429" cy="195943"/>
+          </a:xfrm>
+          <a:prstGeom prst="ellipse">
+            <a:avLst/>
+          </a:prstGeom>
+          <a:noFill/>
+        </p:spPr>
+        <p:style>
+          <a:lnRef idx="2">
+            <a:schemeClr val="accent1">
+              <a:shade val="15000"/>
+            </a:schemeClr>
+          </a:lnRef>
+          <a:fillRef idx="1">
+            <a:schemeClr val="accent1"/>
+          </a:fillRef>
+          <a:effectRef idx="0">
+            <a:schemeClr val="accent1"/>
+          </a:effectRef>
+          <a:fontRef idx="minor">
+            <a:schemeClr val="lt1"/>
+          </a:fontRef>
+        </p:style>
+        <p:txBody>
+          <a:bodyPr rtlCol="0" anchor="ctr"/>
+          <a:lstStyle/>
+          <a:p>
+            <a:pPr algn="ctr"/>
+            <a:endParaRPr lang="zh-CN" altLang="en-US"/>
+          </a:p>
+        </p:txBody>
+      </p:sp>
+      <p:sp>
+        <p:nvSpPr>
+          <p:cNvPr id="32" name="椭圆 31">
+            <a:extLst>
+              <a:ext uri="{FF2B5EF4-FFF2-40B4-BE49-F238E27FC236}">
+                <a16:creationId xmlns:a16="http://schemas.microsoft.com/office/drawing/2014/main" id="{C8F1007D-7C6B-491C-5B8A-E0B8F73EDB4E}"/>
+              </a:ext>
+            </a:extLst>
+          </p:cNvPr>
+          <p:cNvSpPr/>
+          <p:nvPr/>
+        </p:nvSpPr>
+        <p:spPr>
+          <a:xfrm>
+            <a:off x="3738334" y="1335180"/>
+            <a:ext cx="181429" cy="195943"/>
+          </a:xfrm>
+          <a:prstGeom prst="ellipse">
+            <a:avLst/>
+          </a:prstGeom>
+          <a:noFill/>
+          <a:ln>
+            <a:solidFill>
+              <a:srgbClr val="FF0000"/>
+            </a:solidFill>
+          </a:ln>
+        </p:spPr>
+        <p:style>
+          <a:lnRef idx="2">
+            <a:schemeClr val="accent1">
+              <a:shade val="15000"/>
+            </a:schemeClr>
+          </a:lnRef>
+          <a:fillRef idx="1">
+            <a:schemeClr val="accent1"/>
+          </a:fillRef>
+          <a:effectRef idx="0">
+            <a:schemeClr val="accent1"/>
+          </a:effectRef>
+          <a:fontRef idx="minor">
+            <a:schemeClr val="lt1"/>
+          </a:fontRef>
+        </p:style>
+        <p:txBody>
+          <a:bodyPr rtlCol="0" anchor="ctr"/>
+          <a:lstStyle/>
+          <a:p>
+            <a:pPr algn="ctr"/>
+            <a:endParaRPr lang="zh-CN" altLang="en-US"/>
+          </a:p>
+        </p:txBody>
+      </p:sp>
+      <p:sp>
+        <p:nvSpPr>
+          <p:cNvPr id="33" name="椭圆 32">
+            <a:extLst>
+              <a:ext uri="{FF2B5EF4-FFF2-40B4-BE49-F238E27FC236}">
+                <a16:creationId xmlns:a16="http://schemas.microsoft.com/office/drawing/2014/main" id="{35F57905-D6CD-09A6-D05E-88D4A9512C39}"/>
+              </a:ext>
+            </a:extLst>
+          </p:cNvPr>
+          <p:cNvSpPr/>
+          <p:nvPr/>
+        </p:nvSpPr>
+        <p:spPr>
+          <a:xfrm>
+            <a:off x="3506107" y="1944778"/>
+            <a:ext cx="181429" cy="195943"/>
+          </a:xfrm>
+          <a:prstGeom prst="ellipse">
+            <a:avLst/>
+          </a:prstGeom>
+          <a:noFill/>
+          <a:ln>
+            <a:solidFill>
+              <a:srgbClr val="FF0000"/>
+            </a:solidFill>
+          </a:ln>
+        </p:spPr>
+        <p:style>
+          <a:lnRef idx="2">
+            <a:schemeClr val="accent1">
+              <a:shade val="15000"/>
+            </a:schemeClr>
+          </a:lnRef>
+          <a:fillRef idx="1">
+            <a:schemeClr val="accent1"/>
+          </a:fillRef>
+          <a:effectRef idx="0">
+            <a:schemeClr val="accent1"/>
+          </a:effectRef>
+          <a:fontRef idx="minor">
+            <a:schemeClr val="lt1"/>
+          </a:fontRef>
+        </p:style>
+        <p:txBody>
+          <a:bodyPr rtlCol="0" anchor="ctr"/>
+          <a:lstStyle/>
+          <a:p>
+            <a:pPr algn="ctr"/>
+            <a:endParaRPr lang="zh-CN" altLang="en-US"/>
+          </a:p>
+        </p:txBody>
+      </p:sp>
+      <p:sp>
+        <p:nvSpPr>
+          <p:cNvPr id="34" name="椭圆 33">
+            <a:extLst>
+              <a:ext uri="{FF2B5EF4-FFF2-40B4-BE49-F238E27FC236}">
+                <a16:creationId xmlns:a16="http://schemas.microsoft.com/office/drawing/2014/main" id="{E4477937-CE66-D20E-9FCD-FC286A103847}"/>
+              </a:ext>
+            </a:extLst>
+          </p:cNvPr>
+          <p:cNvSpPr/>
+          <p:nvPr/>
+        </p:nvSpPr>
+        <p:spPr>
+          <a:xfrm>
+            <a:off x="3237592" y="2539869"/>
+            <a:ext cx="181429" cy="195943"/>
+          </a:xfrm>
+          <a:prstGeom prst="ellipse">
+            <a:avLst/>
+          </a:prstGeom>
+          <a:noFill/>
+          <a:ln>
+            <a:solidFill>
+              <a:srgbClr val="FF0000"/>
+            </a:solidFill>
+          </a:ln>
+        </p:spPr>
+        <p:style>
+          <a:lnRef idx="2">
+            <a:schemeClr val="accent1">
+              <a:shade val="15000"/>
+            </a:schemeClr>
+          </a:lnRef>
+          <a:fillRef idx="1">
+            <a:schemeClr val="accent1"/>
+          </a:fillRef>
+          <a:effectRef idx="0">
+            <a:schemeClr val="accent1"/>
+          </a:effectRef>
+          <a:fontRef idx="minor">
+            <a:schemeClr val="lt1"/>
+          </a:fontRef>
+        </p:style>
+        <p:txBody>
+          <a:bodyPr rtlCol="0" anchor="ctr"/>
+          <a:lstStyle/>
+          <a:p>
+            <a:pPr algn="ctr"/>
+            <a:endParaRPr lang="zh-CN" altLang="en-US"/>
+          </a:p>
+        </p:txBody>
+      </p:sp>
+      <p:sp>
+        <p:nvSpPr>
+          <p:cNvPr id="35" name="椭圆 34">
+            <a:extLst>
+              <a:ext uri="{FF2B5EF4-FFF2-40B4-BE49-F238E27FC236}">
+                <a16:creationId xmlns:a16="http://schemas.microsoft.com/office/drawing/2014/main" id="{4F507A23-4E8E-38D1-B28D-9624A5ED0F6B}"/>
+              </a:ext>
+            </a:extLst>
+          </p:cNvPr>
+          <p:cNvSpPr/>
+          <p:nvPr/>
+        </p:nvSpPr>
+        <p:spPr>
+          <a:xfrm>
+            <a:off x="3992335" y="712468"/>
+            <a:ext cx="181429" cy="195943"/>
+          </a:xfrm>
+          <a:prstGeom prst="ellipse">
+            <a:avLst/>
+          </a:prstGeom>
+          <a:noFill/>
+          <a:ln>
+            <a:solidFill>
+              <a:srgbClr val="FF0000"/>
+            </a:solidFill>
+          </a:ln>
+        </p:spPr>
+        <p:style>
+          <a:lnRef idx="2">
+            <a:schemeClr val="accent1">
+              <a:shade val="15000"/>
+            </a:schemeClr>
+          </a:lnRef>
+          <a:fillRef idx="1">
+            <a:schemeClr val="accent1"/>
+          </a:fillRef>
+          <a:effectRef idx="0">
+            <a:schemeClr val="accent1"/>
+          </a:effectRef>
+          <a:fontRef idx="minor">
+            <a:schemeClr val="lt1"/>
+          </a:fontRef>
+        </p:style>
+        <p:txBody>
+          <a:bodyPr rtlCol="0" anchor="ctr"/>
+          <a:lstStyle/>
+          <a:p>
+            <a:pPr algn="ctr"/>
+            <a:endParaRPr lang="zh-CN" altLang="en-US"/>
+          </a:p>
+        </p:txBody>
+      </p:sp>
+      <p:sp>
+        <p:nvSpPr>
+          <p:cNvPr id="36" name="椭圆 35">
+            <a:extLst>
+              <a:ext uri="{FF2B5EF4-FFF2-40B4-BE49-F238E27FC236}">
+                <a16:creationId xmlns:a16="http://schemas.microsoft.com/office/drawing/2014/main" id="{E718476C-E11F-AC44-961C-5537D608C77B}"/>
+              </a:ext>
+            </a:extLst>
+          </p:cNvPr>
+          <p:cNvSpPr/>
+          <p:nvPr/>
+        </p:nvSpPr>
+        <p:spPr>
+          <a:xfrm>
+            <a:off x="4231822" y="1335179"/>
+            <a:ext cx="181429" cy="195943"/>
+          </a:xfrm>
+          <a:prstGeom prst="ellipse">
+            <a:avLst/>
+          </a:prstGeom>
+          <a:noFill/>
+          <a:ln>
+            <a:solidFill>
+              <a:srgbClr val="FF0000"/>
+            </a:solidFill>
+          </a:ln>
+        </p:spPr>
+        <p:style>
+          <a:lnRef idx="2">
+            <a:schemeClr val="accent1">
+              <a:shade val="15000"/>
+            </a:schemeClr>
+          </a:lnRef>
+          <a:fillRef idx="1">
+            <a:schemeClr val="accent1"/>
+          </a:fillRef>
+          <a:effectRef idx="0">
+            <a:schemeClr val="accent1"/>
+          </a:effectRef>
+          <a:fontRef idx="minor">
+            <a:schemeClr val="lt1"/>
+          </a:fontRef>
+        </p:style>
+        <p:txBody>
+          <a:bodyPr rtlCol="0" anchor="ctr"/>
+          <a:lstStyle/>
+          <a:p>
+            <a:pPr algn="ctr"/>
+            <a:endParaRPr lang="zh-CN" altLang="en-US"/>
+          </a:p>
+        </p:txBody>
+      </p:sp>
+      <p:sp>
+        <p:nvSpPr>
+          <p:cNvPr id="37" name="椭圆 36">
+            <a:extLst>
+              <a:ext uri="{FF2B5EF4-FFF2-40B4-BE49-F238E27FC236}">
+                <a16:creationId xmlns:a16="http://schemas.microsoft.com/office/drawing/2014/main" id="{3397E042-5702-B0D9-71B6-C0401FF0EA44}"/>
+              </a:ext>
+            </a:extLst>
+          </p:cNvPr>
+          <p:cNvSpPr/>
+          <p:nvPr/>
+        </p:nvSpPr>
+        <p:spPr>
+          <a:xfrm>
+            <a:off x="4424134" y="1944778"/>
+            <a:ext cx="181429" cy="195943"/>
+          </a:xfrm>
+          <a:prstGeom prst="ellipse">
+            <a:avLst/>
+          </a:prstGeom>
+          <a:noFill/>
+          <a:ln>
+            <a:solidFill>
+              <a:srgbClr val="FF0000"/>
+            </a:solidFill>
+          </a:ln>
+        </p:spPr>
+        <p:style>
+          <a:lnRef idx="2">
+            <a:schemeClr val="accent1">
+              <a:shade val="15000"/>
+            </a:schemeClr>
+          </a:lnRef>
+          <a:fillRef idx="1">
+            <a:schemeClr val="accent1"/>
+          </a:fillRef>
+          <a:effectRef idx="0">
+            <a:schemeClr val="accent1"/>
+          </a:effectRef>
+          <a:fontRef idx="minor">
+            <a:schemeClr val="lt1"/>
+          </a:fontRef>
+        </p:style>
+        <p:txBody>
+          <a:bodyPr rtlCol="0" anchor="ctr"/>
+          <a:lstStyle/>
+          <a:p>
+            <a:pPr algn="ctr"/>
+            <a:endParaRPr lang="zh-CN" altLang="en-US"/>
+          </a:p>
+        </p:txBody>
+      </p:sp>
+      <p:sp>
+        <p:nvSpPr>
+          <p:cNvPr id="38" name="椭圆 37">
+            <a:extLst>
+              <a:ext uri="{FF2B5EF4-FFF2-40B4-BE49-F238E27FC236}">
+                <a16:creationId xmlns:a16="http://schemas.microsoft.com/office/drawing/2014/main" id="{EDA1EEE3-3170-DB9B-7BD6-B1DFAF51D59E}"/>
+              </a:ext>
+            </a:extLst>
+          </p:cNvPr>
+          <p:cNvSpPr/>
+          <p:nvPr/>
+        </p:nvSpPr>
+        <p:spPr>
+          <a:xfrm>
+            <a:off x="4645479" y="2503583"/>
+            <a:ext cx="181429" cy="195943"/>
+          </a:xfrm>
+          <a:prstGeom prst="ellipse">
+            <a:avLst/>
+          </a:prstGeom>
+          <a:noFill/>
+          <a:ln>
+            <a:solidFill>
+              <a:srgbClr val="FF0000"/>
+            </a:solidFill>
+          </a:ln>
+        </p:spPr>
+        <p:style>
+          <a:lnRef idx="2">
+            <a:schemeClr val="accent1">
+              <a:shade val="15000"/>
+            </a:schemeClr>
+          </a:lnRef>
+          <a:fillRef idx="1">
+            <a:schemeClr val="accent1"/>
+          </a:fillRef>
+          <a:effectRef idx="0">
+            <a:schemeClr val="accent1"/>
+          </a:effectRef>
+          <a:fontRef idx="minor">
+            <a:schemeClr val="lt1"/>
+          </a:fontRef>
+        </p:style>
+        <p:txBody>
+          <a:bodyPr rtlCol="0" anchor="ctr"/>
+          <a:lstStyle/>
+          <a:p>
+            <a:pPr algn="ctr"/>
+            <a:endParaRPr lang="zh-CN" altLang="en-US"/>
+          </a:p>
+        </p:txBody>
+      </p:sp>
+      <p:cxnSp>
+        <p:nvCxnSpPr>
+          <p:cNvPr id="39" name="直接连接符 38">
+            <a:extLst>
+              <a:ext uri="{FF2B5EF4-FFF2-40B4-BE49-F238E27FC236}">
+                <a16:creationId xmlns:a16="http://schemas.microsoft.com/office/drawing/2014/main" id="{48A92CBA-B5B0-E8DA-FB24-940919878E04}"/>
+              </a:ext>
+            </a:extLst>
+          </p:cNvPr>
+          <p:cNvCxnSpPr/>
+          <p:nvPr/>
+        </p:nvCxnSpPr>
+        <p:spPr>
+          <a:xfrm flipV="1">
+            <a:off x="6103257" y="755438"/>
+            <a:ext cx="754743" cy="1915886"/>
+          </a:xfrm>
+          <a:prstGeom prst="line">
+            <a:avLst/>
+          </a:prstGeom>
+        </p:spPr>
+        <p:style>
+          <a:lnRef idx="1">
+            <a:schemeClr val="accent1"/>
+          </a:lnRef>
+          <a:fillRef idx="0">
+            <a:schemeClr val="accent1"/>
+          </a:fillRef>
+          <a:effectRef idx="0">
+            <a:schemeClr val="accent1"/>
+          </a:effectRef>
+          <a:fontRef idx="minor">
+            <a:schemeClr val="tx1"/>
+          </a:fontRef>
+        </p:style>
+      </p:cxnSp>
+      <p:cxnSp>
+        <p:nvCxnSpPr>
+          <p:cNvPr id="40" name="直接连接符 39">
+            <a:extLst>
+              <a:ext uri="{FF2B5EF4-FFF2-40B4-BE49-F238E27FC236}">
+                <a16:creationId xmlns:a16="http://schemas.microsoft.com/office/drawing/2014/main" id="{0D4B830A-46E2-CD67-FA56-6AFE703CBABF}"/>
+              </a:ext>
+            </a:extLst>
+          </p:cNvPr>
+          <p:cNvCxnSpPr>
+            <a:cxnSpLocks/>
+          </p:cNvCxnSpPr>
+          <p:nvPr/>
+        </p:nvCxnSpPr>
+        <p:spPr>
+          <a:xfrm flipH="1" flipV="1">
+            <a:off x="6858000" y="755438"/>
+            <a:ext cx="645886" cy="1915886"/>
+          </a:xfrm>
+          <a:prstGeom prst="line">
+            <a:avLst/>
+          </a:prstGeom>
+        </p:spPr>
+        <p:style>
+          <a:lnRef idx="1">
+            <a:schemeClr val="accent1"/>
+          </a:lnRef>
+          <a:fillRef idx="0">
+            <a:schemeClr val="accent1"/>
+          </a:fillRef>
+          <a:effectRef idx="0">
+            <a:schemeClr val="accent1"/>
+          </a:effectRef>
+          <a:fontRef idx="minor">
+            <a:schemeClr val="tx1"/>
+          </a:fontRef>
+        </p:style>
+      </p:cxnSp>
+      <p:cxnSp>
+        <p:nvCxnSpPr>
+          <p:cNvPr id="41" name="直接连接符 40">
+            <a:extLst>
+              <a:ext uri="{FF2B5EF4-FFF2-40B4-BE49-F238E27FC236}">
+                <a16:creationId xmlns:a16="http://schemas.microsoft.com/office/drawing/2014/main" id="{77B4A85C-A0D8-BDDB-6202-4E91C2151064}"/>
+              </a:ext>
+            </a:extLst>
+          </p:cNvPr>
+          <p:cNvCxnSpPr/>
+          <p:nvPr/>
+        </p:nvCxnSpPr>
+        <p:spPr>
+          <a:xfrm flipV="1">
+            <a:off x="6371770" y="697380"/>
+            <a:ext cx="754743" cy="1915886"/>
+          </a:xfrm>
+          <a:prstGeom prst="line">
+            <a:avLst/>
+          </a:prstGeom>
+        </p:spPr>
+        <p:style>
+          <a:lnRef idx="1">
+            <a:schemeClr val="accent1"/>
+          </a:lnRef>
+          <a:fillRef idx="0">
+            <a:schemeClr val="accent1"/>
+          </a:fillRef>
+          <a:effectRef idx="0">
+            <a:schemeClr val="accent1"/>
+          </a:effectRef>
+          <a:fontRef idx="minor">
+            <a:schemeClr val="tx1"/>
+          </a:fontRef>
+        </p:style>
+      </p:cxnSp>
+      <p:cxnSp>
+        <p:nvCxnSpPr>
+          <p:cNvPr id="42" name="直接连接符 41">
+            <a:extLst>
+              <a:ext uri="{FF2B5EF4-FFF2-40B4-BE49-F238E27FC236}">
+                <a16:creationId xmlns:a16="http://schemas.microsoft.com/office/drawing/2014/main" id="{B2F9CC8C-C0CE-7F74-EE85-A1A47998BA6C}"/>
+              </a:ext>
+            </a:extLst>
+          </p:cNvPr>
+          <p:cNvCxnSpPr>
+            <a:cxnSpLocks/>
+          </p:cNvCxnSpPr>
+          <p:nvPr/>
+        </p:nvCxnSpPr>
+        <p:spPr>
+          <a:xfrm flipH="1" flipV="1">
+            <a:off x="7135582" y="662910"/>
+            <a:ext cx="645886" cy="1915886"/>
+          </a:xfrm>
+          <a:prstGeom prst="line">
+            <a:avLst/>
+          </a:prstGeom>
+        </p:spPr>
+        <p:style>
+          <a:lnRef idx="1">
+            <a:schemeClr val="accent1"/>
+          </a:lnRef>
+          <a:fillRef idx="0">
+            <a:schemeClr val="accent1"/>
+          </a:fillRef>
+          <a:effectRef idx="0">
+            <a:schemeClr val="accent1"/>
+          </a:effectRef>
+          <a:fontRef idx="minor">
+            <a:schemeClr val="tx1"/>
+          </a:fontRef>
+        </p:style>
+      </p:cxnSp>
+      <p:sp>
+        <p:nvSpPr>
+          <p:cNvPr id="43" name="椭圆 42">
+            <a:extLst>
+              <a:ext uri="{FF2B5EF4-FFF2-40B4-BE49-F238E27FC236}">
+                <a16:creationId xmlns:a16="http://schemas.microsoft.com/office/drawing/2014/main" id="{E8284CC1-B5F2-8C19-25A4-9469DD63009C}"/>
+              </a:ext>
+            </a:extLst>
+          </p:cNvPr>
+          <p:cNvSpPr/>
+          <p:nvPr/>
+        </p:nvSpPr>
+        <p:spPr>
+          <a:xfrm>
+            <a:off x="6763657" y="668352"/>
+            <a:ext cx="181429" cy="195943"/>
+          </a:xfrm>
+          <a:prstGeom prst="ellipse">
+            <a:avLst/>
+          </a:prstGeom>
+          <a:noFill/>
+        </p:spPr>
+        <p:style>
+          <a:lnRef idx="2">
+            <a:schemeClr val="accent1">
+              <a:shade val="15000"/>
+            </a:schemeClr>
+          </a:lnRef>
+          <a:fillRef idx="1">
+            <a:schemeClr val="accent1"/>
+          </a:fillRef>
+          <a:effectRef idx="0">
+            <a:schemeClr val="accent1"/>
+          </a:effectRef>
+          <a:fontRef idx="minor">
+            <a:schemeClr val="lt1"/>
+          </a:fontRef>
+        </p:style>
+        <p:txBody>
+          <a:bodyPr rtlCol="0" anchor="ctr"/>
+          <a:lstStyle/>
+          <a:p>
+            <a:pPr algn="ctr"/>
+            <a:endParaRPr lang="zh-CN" altLang="en-US"/>
+          </a:p>
+        </p:txBody>
+      </p:sp>
+      <p:sp>
+        <p:nvSpPr>
+          <p:cNvPr id="44" name="椭圆 43">
+            <a:extLst>
+              <a:ext uri="{FF2B5EF4-FFF2-40B4-BE49-F238E27FC236}">
+                <a16:creationId xmlns:a16="http://schemas.microsoft.com/office/drawing/2014/main" id="{0ED46620-5AFD-927A-A369-85D5EF716934}"/>
+              </a:ext>
+            </a:extLst>
+          </p:cNvPr>
+          <p:cNvSpPr/>
+          <p:nvPr/>
+        </p:nvSpPr>
+        <p:spPr>
+          <a:xfrm>
+            <a:off x="6992256" y="1314238"/>
+            <a:ext cx="181429" cy="195943"/>
+          </a:xfrm>
+          <a:prstGeom prst="ellipse">
+            <a:avLst/>
+          </a:prstGeom>
+          <a:noFill/>
+        </p:spPr>
+        <p:style>
+          <a:lnRef idx="2">
+            <a:schemeClr val="accent1">
+              <a:shade val="15000"/>
+            </a:schemeClr>
+          </a:lnRef>
+          <a:fillRef idx="1">
+            <a:schemeClr val="accent1"/>
+          </a:fillRef>
+          <a:effectRef idx="0">
+            <a:schemeClr val="accent1"/>
+          </a:effectRef>
+          <a:fontRef idx="minor">
+            <a:schemeClr val="lt1"/>
+          </a:fontRef>
+        </p:style>
+        <p:txBody>
+          <a:bodyPr rtlCol="0" anchor="ctr"/>
+          <a:lstStyle/>
+          <a:p>
+            <a:pPr algn="ctr"/>
+            <a:endParaRPr lang="zh-CN" altLang="en-US"/>
+          </a:p>
+        </p:txBody>
+      </p:sp>
+      <p:sp>
+        <p:nvSpPr>
+          <p:cNvPr id="45" name="椭圆 44">
+            <a:extLst>
+              <a:ext uri="{FF2B5EF4-FFF2-40B4-BE49-F238E27FC236}">
+                <a16:creationId xmlns:a16="http://schemas.microsoft.com/office/drawing/2014/main" id="{48508889-21FA-890A-E280-25583762E26F}"/>
+              </a:ext>
+            </a:extLst>
+          </p:cNvPr>
+          <p:cNvSpPr/>
+          <p:nvPr/>
+        </p:nvSpPr>
+        <p:spPr>
+          <a:xfrm>
+            <a:off x="7191827" y="1923838"/>
+            <a:ext cx="181429" cy="195943"/>
+          </a:xfrm>
+          <a:prstGeom prst="ellipse">
+            <a:avLst/>
+          </a:prstGeom>
+          <a:noFill/>
+        </p:spPr>
+        <p:style>
+          <a:lnRef idx="2">
+            <a:schemeClr val="accent1">
+              <a:shade val="15000"/>
+            </a:schemeClr>
+          </a:lnRef>
+          <a:fillRef idx="1">
+            <a:schemeClr val="accent1"/>
+          </a:fillRef>
+          <a:effectRef idx="0">
+            <a:schemeClr val="accent1"/>
+          </a:effectRef>
+          <a:fontRef idx="minor">
+            <a:schemeClr val="lt1"/>
+          </a:fontRef>
+        </p:style>
+        <p:txBody>
+          <a:bodyPr rtlCol="0" anchor="ctr"/>
+          <a:lstStyle/>
+          <a:p>
+            <a:pPr algn="ctr"/>
+            <a:endParaRPr lang="zh-CN" altLang="en-US"/>
+          </a:p>
+        </p:txBody>
+      </p:sp>
+      <p:sp>
+        <p:nvSpPr>
+          <p:cNvPr id="46" name="椭圆 45">
+            <a:extLst>
+              <a:ext uri="{FF2B5EF4-FFF2-40B4-BE49-F238E27FC236}">
+                <a16:creationId xmlns:a16="http://schemas.microsoft.com/office/drawing/2014/main" id="{F6078CD6-57DC-B35E-C4E7-60950C059B8E}"/>
+              </a:ext>
+            </a:extLst>
+          </p:cNvPr>
+          <p:cNvSpPr/>
+          <p:nvPr/>
+        </p:nvSpPr>
+        <p:spPr>
+          <a:xfrm>
+            <a:off x="7395027" y="2486267"/>
+            <a:ext cx="181429" cy="195943"/>
+          </a:xfrm>
+          <a:prstGeom prst="ellipse">
+            <a:avLst/>
+          </a:prstGeom>
+          <a:noFill/>
+        </p:spPr>
+        <p:style>
+          <a:lnRef idx="2">
+            <a:schemeClr val="accent1">
+              <a:shade val="15000"/>
+            </a:schemeClr>
+          </a:lnRef>
+          <a:fillRef idx="1">
+            <a:schemeClr val="accent1"/>
+          </a:fillRef>
+          <a:effectRef idx="0">
+            <a:schemeClr val="accent1"/>
+          </a:effectRef>
+          <a:fontRef idx="minor">
+            <a:schemeClr val="lt1"/>
+          </a:fontRef>
+        </p:style>
+        <p:txBody>
+          <a:bodyPr rtlCol="0" anchor="ctr"/>
+          <a:lstStyle/>
+          <a:p>
+            <a:pPr algn="ctr"/>
+            <a:endParaRPr lang="zh-CN" altLang="en-US"/>
+          </a:p>
+        </p:txBody>
+      </p:sp>
+      <p:sp>
+        <p:nvSpPr>
+          <p:cNvPr id="47" name="椭圆 46">
+            <a:extLst>
+              <a:ext uri="{FF2B5EF4-FFF2-40B4-BE49-F238E27FC236}">
+                <a16:creationId xmlns:a16="http://schemas.microsoft.com/office/drawing/2014/main" id="{137CC7DA-616B-0455-1BA5-9FCAC2F24A23}"/>
+              </a:ext>
+            </a:extLst>
+          </p:cNvPr>
+          <p:cNvSpPr/>
+          <p:nvPr/>
+        </p:nvSpPr>
+        <p:spPr>
+          <a:xfrm>
+            <a:off x="6493327" y="1314238"/>
+            <a:ext cx="181429" cy="195943"/>
+          </a:xfrm>
+          <a:prstGeom prst="ellipse">
+            <a:avLst/>
+          </a:prstGeom>
+          <a:noFill/>
+        </p:spPr>
+        <p:style>
+          <a:lnRef idx="2">
+            <a:schemeClr val="accent1">
+              <a:shade val="15000"/>
+            </a:schemeClr>
+          </a:lnRef>
+          <a:fillRef idx="1">
+            <a:schemeClr val="accent1"/>
+          </a:fillRef>
+          <a:effectRef idx="0">
+            <a:schemeClr val="accent1"/>
+          </a:effectRef>
+          <a:fontRef idx="minor">
+            <a:schemeClr val="lt1"/>
+          </a:fontRef>
+        </p:style>
+        <p:txBody>
+          <a:bodyPr rtlCol="0" anchor="ctr"/>
+          <a:lstStyle/>
+          <a:p>
+            <a:pPr algn="ctr"/>
+            <a:endParaRPr lang="zh-CN" altLang="en-US"/>
+          </a:p>
+        </p:txBody>
+      </p:sp>
+      <p:sp>
+        <p:nvSpPr>
+          <p:cNvPr id="48" name="椭圆 47">
+            <a:extLst>
+              <a:ext uri="{FF2B5EF4-FFF2-40B4-BE49-F238E27FC236}">
+                <a16:creationId xmlns:a16="http://schemas.microsoft.com/office/drawing/2014/main" id="{B7D5950C-535C-3560-1B56-AC298110EF74}"/>
+              </a:ext>
+            </a:extLst>
+          </p:cNvPr>
+          <p:cNvSpPr/>
+          <p:nvPr/>
+        </p:nvSpPr>
+        <p:spPr>
+          <a:xfrm>
+            <a:off x="6246586" y="1923837"/>
+            <a:ext cx="181429" cy="195943"/>
+          </a:xfrm>
+          <a:prstGeom prst="ellipse">
+            <a:avLst/>
+          </a:prstGeom>
+          <a:noFill/>
+        </p:spPr>
+        <p:style>
+          <a:lnRef idx="2">
+            <a:schemeClr val="accent1">
+              <a:shade val="15000"/>
+            </a:schemeClr>
+          </a:lnRef>
+          <a:fillRef idx="1">
+            <a:schemeClr val="accent1"/>
+          </a:fillRef>
+          <a:effectRef idx="0">
+            <a:schemeClr val="accent1"/>
+          </a:effectRef>
+          <a:fontRef idx="minor">
+            <a:schemeClr val="lt1"/>
+          </a:fontRef>
+        </p:style>
+        <p:txBody>
+          <a:bodyPr rtlCol="0" anchor="ctr"/>
+          <a:lstStyle/>
+          <a:p>
+            <a:pPr algn="ctr"/>
+            <a:endParaRPr lang="zh-CN" altLang="en-US"/>
+          </a:p>
+        </p:txBody>
+      </p:sp>
+      <p:sp>
+        <p:nvSpPr>
+          <p:cNvPr id="49" name="椭圆 48">
+            <a:extLst>
+              <a:ext uri="{FF2B5EF4-FFF2-40B4-BE49-F238E27FC236}">
+                <a16:creationId xmlns:a16="http://schemas.microsoft.com/office/drawing/2014/main" id="{662BE391-8B4A-922D-F66F-7D3F794D6689}"/>
+              </a:ext>
+            </a:extLst>
+          </p:cNvPr>
+          <p:cNvSpPr/>
+          <p:nvPr/>
+        </p:nvSpPr>
+        <p:spPr>
+          <a:xfrm>
+            <a:off x="6016171" y="2515295"/>
+            <a:ext cx="181429" cy="195943"/>
+          </a:xfrm>
+          <a:prstGeom prst="ellipse">
+            <a:avLst/>
+          </a:prstGeom>
+          <a:noFill/>
+        </p:spPr>
+        <p:style>
+          <a:lnRef idx="2">
+            <a:schemeClr val="accent1">
+              <a:shade val="15000"/>
+            </a:schemeClr>
+          </a:lnRef>
+          <a:fillRef idx="1">
+            <a:schemeClr val="accent1"/>
+          </a:fillRef>
+          <a:effectRef idx="0">
+            <a:schemeClr val="accent1"/>
+          </a:effectRef>
+          <a:fontRef idx="minor">
+            <a:schemeClr val="lt1"/>
+          </a:fontRef>
+        </p:style>
+        <p:txBody>
+          <a:bodyPr rtlCol="0" anchor="ctr"/>
+          <a:lstStyle/>
+          <a:p>
+            <a:pPr algn="ctr"/>
+            <a:endParaRPr lang="zh-CN" altLang="en-US"/>
+          </a:p>
+        </p:txBody>
+      </p:sp>
+      <p:sp>
+        <p:nvSpPr>
+          <p:cNvPr id="50" name="椭圆 49">
+            <a:extLst>
+              <a:ext uri="{FF2B5EF4-FFF2-40B4-BE49-F238E27FC236}">
+                <a16:creationId xmlns:a16="http://schemas.microsoft.com/office/drawing/2014/main" id="{3C1C0989-CCC4-B664-7BAF-8330878EAD7F}"/>
+              </a:ext>
+            </a:extLst>
+          </p:cNvPr>
+          <p:cNvSpPr/>
+          <p:nvPr/>
+        </p:nvSpPr>
+        <p:spPr>
+          <a:xfrm>
+            <a:off x="6992255" y="1314238"/>
+            <a:ext cx="181429" cy="195943"/>
+          </a:xfrm>
+          <a:prstGeom prst="ellipse">
+            <a:avLst/>
+          </a:prstGeom>
+          <a:noFill/>
+          <a:ln>
+            <a:solidFill>
+              <a:srgbClr val="FF0000"/>
+            </a:solidFill>
+          </a:ln>
+        </p:spPr>
+        <p:style>
+          <a:lnRef idx="2">
+            <a:schemeClr val="accent1">
+              <a:shade val="15000"/>
+            </a:schemeClr>
+          </a:lnRef>
+          <a:fillRef idx="1">
+            <a:schemeClr val="accent1"/>
+          </a:fillRef>
+          <a:effectRef idx="0">
+            <a:schemeClr val="accent1"/>
+          </a:effectRef>
+          <a:fontRef idx="minor">
+            <a:schemeClr val="lt1"/>
+          </a:fontRef>
+        </p:style>
+        <p:txBody>
+          <a:bodyPr rtlCol="0" anchor="ctr"/>
+          <a:lstStyle/>
+          <a:p>
+            <a:pPr algn="ctr"/>
+            <a:endParaRPr lang="zh-CN" altLang="en-US"/>
+          </a:p>
+        </p:txBody>
+      </p:sp>
+      <p:sp>
+        <p:nvSpPr>
+          <p:cNvPr id="51" name="椭圆 50">
+            <a:extLst>
+              <a:ext uri="{FF2B5EF4-FFF2-40B4-BE49-F238E27FC236}">
+                <a16:creationId xmlns:a16="http://schemas.microsoft.com/office/drawing/2014/main" id="{B7E45268-E828-56FE-4BDA-1020A7D6EC3A}"/>
+              </a:ext>
+            </a:extLst>
+          </p:cNvPr>
+          <p:cNvSpPr/>
+          <p:nvPr/>
+        </p:nvSpPr>
+        <p:spPr>
+          <a:xfrm>
+            <a:off x="6520543" y="1923836"/>
+            <a:ext cx="181429" cy="195943"/>
+          </a:xfrm>
+          <a:prstGeom prst="ellipse">
+            <a:avLst/>
+          </a:prstGeom>
+          <a:noFill/>
+          <a:ln>
+            <a:solidFill>
+              <a:srgbClr val="FF0000"/>
+            </a:solidFill>
+          </a:ln>
+        </p:spPr>
+        <p:style>
+          <a:lnRef idx="2">
+            <a:schemeClr val="accent1">
+              <a:shade val="15000"/>
+            </a:schemeClr>
+          </a:lnRef>
+          <a:fillRef idx="1">
+            <a:schemeClr val="accent1"/>
+          </a:fillRef>
+          <a:effectRef idx="0">
+            <a:schemeClr val="accent1"/>
+          </a:effectRef>
+          <a:fontRef idx="minor">
+            <a:schemeClr val="lt1"/>
+          </a:fontRef>
+        </p:style>
+        <p:txBody>
+          <a:bodyPr rtlCol="0" anchor="ctr"/>
+          <a:lstStyle/>
+          <a:p>
+            <a:pPr algn="ctr"/>
+            <a:endParaRPr lang="zh-CN" altLang="en-US"/>
+          </a:p>
+        </p:txBody>
+      </p:sp>
+      <p:sp>
+        <p:nvSpPr>
+          <p:cNvPr id="52" name="椭圆 51">
+            <a:extLst>
+              <a:ext uri="{FF2B5EF4-FFF2-40B4-BE49-F238E27FC236}">
+                <a16:creationId xmlns:a16="http://schemas.microsoft.com/office/drawing/2014/main" id="{1A750E58-280F-6387-C6D9-9CBB0E832E54}"/>
+              </a:ext>
+            </a:extLst>
+          </p:cNvPr>
+          <p:cNvSpPr/>
+          <p:nvPr/>
+        </p:nvSpPr>
+        <p:spPr>
+          <a:xfrm>
+            <a:off x="6303734" y="2511665"/>
+            <a:ext cx="181429" cy="195943"/>
+          </a:xfrm>
+          <a:prstGeom prst="ellipse">
+            <a:avLst/>
+          </a:prstGeom>
+          <a:noFill/>
+          <a:ln>
+            <a:solidFill>
+              <a:srgbClr val="FF0000"/>
+            </a:solidFill>
+          </a:ln>
+        </p:spPr>
+        <p:style>
+          <a:lnRef idx="2">
+            <a:schemeClr val="accent1">
+              <a:shade val="15000"/>
+            </a:schemeClr>
+          </a:lnRef>
+          <a:fillRef idx="1">
+            <a:schemeClr val="accent1"/>
+          </a:fillRef>
+          <a:effectRef idx="0">
+            <a:schemeClr val="accent1"/>
+          </a:effectRef>
+          <a:fontRef idx="minor">
+            <a:schemeClr val="lt1"/>
+          </a:fontRef>
+        </p:style>
+        <p:txBody>
+          <a:bodyPr rtlCol="0" anchor="ctr"/>
+          <a:lstStyle/>
+          <a:p>
+            <a:pPr algn="ctr"/>
+            <a:endParaRPr lang="zh-CN" altLang="en-US"/>
+          </a:p>
+        </p:txBody>
+      </p:sp>
+      <p:sp>
+        <p:nvSpPr>
+          <p:cNvPr id="53" name="椭圆 52">
+            <a:extLst>
+              <a:ext uri="{FF2B5EF4-FFF2-40B4-BE49-F238E27FC236}">
+                <a16:creationId xmlns:a16="http://schemas.microsoft.com/office/drawing/2014/main" id="{DCFFABF5-4801-9DDA-BFB9-2DF38FF48F4B}"/>
+              </a:ext>
+            </a:extLst>
+          </p:cNvPr>
+          <p:cNvSpPr/>
+          <p:nvPr/>
+        </p:nvSpPr>
+        <p:spPr>
+          <a:xfrm>
+            <a:off x="7035797" y="646580"/>
+            <a:ext cx="181429" cy="195943"/>
+          </a:xfrm>
+          <a:prstGeom prst="ellipse">
+            <a:avLst/>
+          </a:prstGeom>
+          <a:noFill/>
+          <a:ln>
+            <a:solidFill>
+              <a:srgbClr val="FF0000"/>
+            </a:solidFill>
+          </a:ln>
+        </p:spPr>
+        <p:style>
+          <a:lnRef idx="2">
+            <a:schemeClr val="accent1">
+              <a:shade val="15000"/>
+            </a:schemeClr>
+          </a:lnRef>
+          <a:fillRef idx="1">
+            <a:schemeClr val="accent1"/>
+          </a:fillRef>
+          <a:effectRef idx="0">
+            <a:schemeClr val="accent1"/>
+          </a:effectRef>
+          <a:fontRef idx="minor">
+            <a:schemeClr val="lt1"/>
+          </a:fontRef>
+        </p:style>
+        <p:txBody>
+          <a:bodyPr rtlCol="0" anchor="ctr"/>
+          <a:lstStyle/>
+          <a:p>
+            <a:pPr algn="ctr"/>
+            <a:endParaRPr lang="zh-CN" altLang="en-US"/>
+          </a:p>
+        </p:txBody>
+      </p:sp>
+      <p:sp>
+        <p:nvSpPr>
+          <p:cNvPr id="54" name="椭圆 53">
+            <a:extLst>
+              <a:ext uri="{FF2B5EF4-FFF2-40B4-BE49-F238E27FC236}">
+                <a16:creationId xmlns:a16="http://schemas.microsoft.com/office/drawing/2014/main" id="{F21BCE5D-3455-9D2D-7775-146F9B23781B}"/>
+              </a:ext>
+            </a:extLst>
+          </p:cNvPr>
+          <p:cNvSpPr/>
+          <p:nvPr/>
+        </p:nvSpPr>
+        <p:spPr>
+          <a:xfrm>
+            <a:off x="7264399" y="1300629"/>
+            <a:ext cx="181429" cy="195943"/>
+          </a:xfrm>
+          <a:prstGeom prst="ellipse">
+            <a:avLst/>
+          </a:prstGeom>
+          <a:noFill/>
+          <a:ln>
+            <a:solidFill>
+              <a:srgbClr val="FF0000"/>
+            </a:solidFill>
+          </a:ln>
+        </p:spPr>
+        <p:style>
+          <a:lnRef idx="2">
+            <a:schemeClr val="accent1">
+              <a:shade val="15000"/>
+            </a:schemeClr>
+          </a:lnRef>
+          <a:fillRef idx="1">
+            <a:schemeClr val="accent1"/>
+          </a:fillRef>
+          <a:effectRef idx="0">
+            <a:schemeClr val="accent1"/>
+          </a:effectRef>
+          <a:fontRef idx="minor">
+            <a:schemeClr val="lt1"/>
+          </a:fontRef>
+        </p:style>
+        <p:txBody>
+          <a:bodyPr rtlCol="0" anchor="ctr"/>
+          <a:lstStyle/>
+          <a:p>
+            <a:pPr algn="ctr"/>
+            <a:endParaRPr lang="zh-CN" altLang="en-US"/>
+          </a:p>
+        </p:txBody>
+      </p:sp>
+      <p:sp>
+        <p:nvSpPr>
+          <p:cNvPr id="55" name="椭圆 54">
+            <a:extLst>
+              <a:ext uri="{FF2B5EF4-FFF2-40B4-BE49-F238E27FC236}">
+                <a16:creationId xmlns:a16="http://schemas.microsoft.com/office/drawing/2014/main" id="{873B951F-D4AF-6EE2-8EE0-EC3CADA1F10F}"/>
+              </a:ext>
+            </a:extLst>
+          </p:cNvPr>
+          <p:cNvSpPr/>
+          <p:nvPr/>
+        </p:nvSpPr>
+        <p:spPr>
+          <a:xfrm>
+            <a:off x="7546515" y="2228632"/>
+            <a:ext cx="181429" cy="195943"/>
+          </a:xfrm>
+          <a:prstGeom prst="ellipse">
+            <a:avLst/>
+          </a:prstGeom>
+          <a:noFill/>
+          <a:ln>
+            <a:solidFill>
+              <a:srgbClr val="FF0000"/>
+            </a:solidFill>
+          </a:ln>
+        </p:spPr>
+        <p:style>
+          <a:lnRef idx="2">
+            <a:schemeClr val="accent1">
+              <a:shade val="15000"/>
+            </a:schemeClr>
+          </a:lnRef>
+          <a:fillRef idx="1">
+            <a:schemeClr val="accent1"/>
+          </a:fillRef>
+          <a:effectRef idx="0">
+            <a:schemeClr val="accent1"/>
+          </a:effectRef>
+          <a:fontRef idx="minor">
+            <a:schemeClr val="lt1"/>
+          </a:fontRef>
+        </p:style>
+        <p:txBody>
+          <a:bodyPr rtlCol="0" anchor="ctr"/>
+          <a:lstStyle/>
+          <a:p>
+            <a:pPr algn="ctr"/>
+            <a:endParaRPr lang="zh-CN" altLang="en-US"/>
+          </a:p>
+        </p:txBody>
+      </p:sp>
+      <p:sp>
+        <p:nvSpPr>
+          <p:cNvPr id="56" name="椭圆 55">
+            <a:extLst>
+              <a:ext uri="{FF2B5EF4-FFF2-40B4-BE49-F238E27FC236}">
+                <a16:creationId xmlns:a16="http://schemas.microsoft.com/office/drawing/2014/main" id="{33471401-AE2E-64D5-C200-3AD3EBDFB17E}"/>
+              </a:ext>
+            </a:extLst>
+          </p:cNvPr>
+          <p:cNvSpPr/>
+          <p:nvPr/>
+        </p:nvSpPr>
+        <p:spPr>
+          <a:xfrm>
+            <a:off x="7659914" y="2475381"/>
+            <a:ext cx="181429" cy="195943"/>
+          </a:xfrm>
+          <a:prstGeom prst="ellipse">
+            <a:avLst/>
+          </a:prstGeom>
+          <a:noFill/>
+          <a:ln>
+            <a:solidFill>
+              <a:srgbClr val="FF0000"/>
+            </a:solidFill>
+          </a:ln>
+        </p:spPr>
+        <p:style>
+          <a:lnRef idx="2">
+            <a:schemeClr val="accent1">
+              <a:shade val="15000"/>
+            </a:schemeClr>
+          </a:lnRef>
+          <a:fillRef idx="1">
+            <a:schemeClr val="accent1"/>
+          </a:fillRef>
+          <a:effectRef idx="0">
+            <a:schemeClr val="accent1"/>
+          </a:effectRef>
+          <a:fontRef idx="minor">
+            <a:schemeClr val="lt1"/>
+          </a:fontRef>
+        </p:style>
+        <p:txBody>
+          <a:bodyPr rtlCol="0" anchor="ctr"/>
+          <a:lstStyle/>
+          <a:p>
+            <a:pPr algn="ctr"/>
+            <a:endParaRPr lang="zh-CN" altLang="en-US"/>
+          </a:p>
+        </p:txBody>
+      </p:sp>
+      <p:sp>
+        <p:nvSpPr>
+          <p:cNvPr id="57" name="椭圆 56">
+            <a:extLst>
+              <a:ext uri="{FF2B5EF4-FFF2-40B4-BE49-F238E27FC236}">
+                <a16:creationId xmlns:a16="http://schemas.microsoft.com/office/drawing/2014/main" id="{2E60AEC5-BCD1-4E2C-FE99-9306CF68BDEA}"/>
+              </a:ext>
+            </a:extLst>
+          </p:cNvPr>
+          <p:cNvSpPr/>
+          <p:nvPr/>
+        </p:nvSpPr>
+        <p:spPr>
+          <a:xfrm>
+            <a:off x="6874327" y="1005810"/>
+            <a:ext cx="181429" cy="195943"/>
+          </a:xfrm>
+          <a:prstGeom prst="ellipse">
+            <a:avLst/>
+          </a:prstGeom>
+          <a:noFill/>
+        </p:spPr>
+        <p:style>
+          <a:lnRef idx="2">
+            <a:schemeClr val="accent1">
+              <a:shade val="15000"/>
+            </a:schemeClr>
+          </a:lnRef>
+          <a:fillRef idx="1">
+            <a:schemeClr val="accent1"/>
+          </a:fillRef>
+          <a:effectRef idx="0">
+            <a:schemeClr val="accent1"/>
+          </a:effectRef>
+          <a:fontRef idx="minor">
+            <a:schemeClr val="lt1"/>
+          </a:fontRef>
+        </p:style>
+        <p:txBody>
+          <a:bodyPr rtlCol="0" anchor="ctr"/>
+          <a:lstStyle/>
+          <a:p>
+            <a:pPr algn="ctr"/>
+            <a:endParaRPr lang="zh-CN" altLang="en-US"/>
+          </a:p>
+        </p:txBody>
+      </p:sp>
+      <p:sp>
+        <p:nvSpPr>
+          <p:cNvPr id="58" name="椭圆 57">
+            <a:extLst>
+              <a:ext uri="{FF2B5EF4-FFF2-40B4-BE49-F238E27FC236}">
+                <a16:creationId xmlns:a16="http://schemas.microsoft.com/office/drawing/2014/main" id="{F6105F1E-9A19-4DC0-5244-F70616F997F8}"/>
+              </a:ext>
+            </a:extLst>
+          </p:cNvPr>
+          <p:cNvSpPr/>
+          <p:nvPr/>
+        </p:nvSpPr>
+        <p:spPr>
+          <a:xfrm>
+            <a:off x="6627585" y="1020323"/>
+            <a:ext cx="181429" cy="195943"/>
+          </a:xfrm>
+          <a:prstGeom prst="ellipse">
+            <a:avLst/>
+          </a:prstGeom>
+          <a:noFill/>
+        </p:spPr>
+        <p:style>
+          <a:lnRef idx="2">
+            <a:schemeClr val="accent1">
+              <a:shade val="15000"/>
+            </a:schemeClr>
+          </a:lnRef>
+          <a:fillRef idx="1">
+            <a:schemeClr val="accent1"/>
+          </a:fillRef>
+          <a:effectRef idx="0">
+            <a:schemeClr val="accent1"/>
+          </a:effectRef>
+          <a:fontRef idx="minor">
+            <a:schemeClr val="lt1"/>
+          </a:fontRef>
+        </p:style>
+        <p:txBody>
+          <a:bodyPr rtlCol="0" anchor="ctr"/>
+          <a:lstStyle/>
+          <a:p>
+            <a:pPr algn="ctr"/>
+            <a:endParaRPr lang="zh-CN" altLang="en-US"/>
+          </a:p>
+        </p:txBody>
+      </p:sp>
+      <p:sp>
+        <p:nvSpPr>
+          <p:cNvPr id="59" name="椭圆 58">
+            <a:extLst>
+              <a:ext uri="{FF2B5EF4-FFF2-40B4-BE49-F238E27FC236}">
+                <a16:creationId xmlns:a16="http://schemas.microsoft.com/office/drawing/2014/main" id="{F6BD08A5-0CDF-6AAF-17A7-4C2569AF03F4}"/>
+              </a:ext>
+            </a:extLst>
+          </p:cNvPr>
+          <p:cNvSpPr/>
+          <p:nvPr/>
+        </p:nvSpPr>
+        <p:spPr>
+          <a:xfrm>
+            <a:off x="6380841" y="1637178"/>
+            <a:ext cx="181429" cy="195943"/>
+          </a:xfrm>
+          <a:prstGeom prst="ellipse">
+            <a:avLst/>
+          </a:prstGeom>
+          <a:noFill/>
+        </p:spPr>
+        <p:style>
+          <a:lnRef idx="2">
+            <a:schemeClr val="accent1">
+              <a:shade val="15000"/>
+            </a:schemeClr>
+          </a:lnRef>
+          <a:fillRef idx="1">
+            <a:schemeClr val="accent1"/>
+          </a:fillRef>
+          <a:effectRef idx="0">
+            <a:schemeClr val="accent1"/>
+          </a:effectRef>
+          <a:fontRef idx="minor">
+            <a:schemeClr val="lt1"/>
+          </a:fontRef>
+        </p:style>
+        <p:txBody>
+          <a:bodyPr rtlCol="0" anchor="ctr"/>
+          <a:lstStyle/>
+          <a:p>
+            <a:pPr algn="ctr"/>
+            <a:endParaRPr lang="zh-CN" altLang="en-US"/>
+          </a:p>
+        </p:txBody>
+      </p:sp>
+      <p:sp>
+        <p:nvSpPr>
+          <p:cNvPr id="60" name="椭圆 59">
+            <a:extLst>
+              <a:ext uri="{FF2B5EF4-FFF2-40B4-BE49-F238E27FC236}">
+                <a16:creationId xmlns:a16="http://schemas.microsoft.com/office/drawing/2014/main" id="{C3A06364-B1A1-D7A7-F9F2-7F51387D1847}"/>
+              </a:ext>
+            </a:extLst>
+          </p:cNvPr>
+          <p:cNvSpPr/>
+          <p:nvPr/>
+        </p:nvSpPr>
+        <p:spPr>
+          <a:xfrm>
+            <a:off x="6154057" y="2232267"/>
+            <a:ext cx="181429" cy="195943"/>
+          </a:xfrm>
+          <a:prstGeom prst="ellipse">
+            <a:avLst/>
+          </a:prstGeom>
+          <a:noFill/>
+        </p:spPr>
+        <p:style>
+          <a:lnRef idx="2">
+            <a:schemeClr val="accent1">
+              <a:shade val="15000"/>
+            </a:schemeClr>
+          </a:lnRef>
+          <a:fillRef idx="1">
+            <a:schemeClr val="accent1"/>
+          </a:fillRef>
+          <a:effectRef idx="0">
+            <a:schemeClr val="accent1"/>
+          </a:effectRef>
+          <a:fontRef idx="minor">
+            <a:schemeClr val="lt1"/>
+          </a:fontRef>
+        </p:style>
+        <p:txBody>
+          <a:bodyPr rtlCol="0" anchor="ctr"/>
+          <a:lstStyle/>
+          <a:p>
+            <a:pPr algn="ctr"/>
+            <a:endParaRPr lang="zh-CN" altLang="en-US"/>
+          </a:p>
+        </p:txBody>
+      </p:sp>
+      <p:sp>
+        <p:nvSpPr>
+          <p:cNvPr id="61" name="椭圆 60">
+            <a:extLst>
+              <a:ext uri="{FF2B5EF4-FFF2-40B4-BE49-F238E27FC236}">
+                <a16:creationId xmlns:a16="http://schemas.microsoft.com/office/drawing/2014/main" id="{BEB53E6C-60DC-C99B-7306-CF7907D034A9}"/>
+              </a:ext>
+            </a:extLst>
+          </p:cNvPr>
+          <p:cNvSpPr/>
+          <p:nvPr/>
+        </p:nvSpPr>
+        <p:spPr>
+          <a:xfrm>
+            <a:off x="7082970" y="1615409"/>
+            <a:ext cx="181429" cy="195943"/>
+          </a:xfrm>
+          <a:prstGeom prst="ellipse">
+            <a:avLst/>
+          </a:prstGeom>
+          <a:noFill/>
+        </p:spPr>
+        <p:style>
+          <a:lnRef idx="2">
+            <a:schemeClr val="accent1">
+              <a:shade val="15000"/>
+            </a:schemeClr>
+          </a:lnRef>
+          <a:fillRef idx="1">
+            <a:schemeClr val="accent1"/>
+          </a:fillRef>
+          <a:effectRef idx="0">
+            <a:schemeClr val="accent1"/>
+          </a:effectRef>
+          <a:fontRef idx="minor">
+            <a:schemeClr val="lt1"/>
+          </a:fontRef>
+        </p:style>
+        <p:txBody>
+          <a:bodyPr rtlCol="0" anchor="ctr"/>
+          <a:lstStyle/>
+          <a:p>
+            <a:pPr algn="ctr"/>
+            <a:endParaRPr lang="zh-CN" altLang="en-US"/>
+          </a:p>
+        </p:txBody>
+      </p:sp>
+      <p:sp>
+        <p:nvSpPr>
+          <p:cNvPr id="62" name="椭圆 61">
+            <a:extLst>
+              <a:ext uri="{FF2B5EF4-FFF2-40B4-BE49-F238E27FC236}">
+                <a16:creationId xmlns:a16="http://schemas.microsoft.com/office/drawing/2014/main" id="{84978BB3-26D8-312D-6E52-6FF0D1F4753A}"/>
+              </a:ext>
+            </a:extLst>
+          </p:cNvPr>
+          <p:cNvSpPr/>
+          <p:nvPr/>
+        </p:nvSpPr>
+        <p:spPr>
+          <a:xfrm>
+            <a:off x="7282541" y="2250406"/>
+            <a:ext cx="181429" cy="195943"/>
+          </a:xfrm>
+          <a:prstGeom prst="ellipse">
+            <a:avLst/>
+          </a:prstGeom>
+          <a:noFill/>
+        </p:spPr>
+        <p:style>
+          <a:lnRef idx="2">
+            <a:schemeClr val="accent1">
+              <a:shade val="15000"/>
+            </a:schemeClr>
+          </a:lnRef>
+          <a:fillRef idx="1">
+            <a:schemeClr val="accent1"/>
+          </a:fillRef>
+          <a:effectRef idx="0">
+            <a:schemeClr val="accent1"/>
+          </a:effectRef>
+          <a:fontRef idx="minor">
+            <a:schemeClr val="lt1"/>
+          </a:fontRef>
+        </p:style>
+        <p:txBody>
+          <a:bodyPr rtlCol="0" anchor="ctr"/>
+          <a:lstStyle/>
+          <a:p>
+            <a:pPr algn="ctr"/>
+            <a:endParaRPr lang="zh-CN" altLang="en-US"/>
+          </a:p>
+        </p:txBody>
+      </p:sp>
+      <p:sp>
+        <p:nvSpPr>
+          <p:cNvPr id="63" name="椭圆 62">
+            <a:extLst>
+              <a:ext uri="{FF2B5EF4-FFF2-40B4-BE49-F238E27FC236}">
+                <a16:creationId xmlns:a16="http://schemas.microsoft.com/office/drawing/2014/main" id="{393B53AB-33D6-A284-04D0-4A5AE904B7C4}"/>
+              </a:ext>
+            </a:extLst>
+          </p:cNvPr>
+          <p:cNvSpPr/>
+          <p:nvPr/>
+        </p:nvSpPr>
+        <p:spPr>
+          <a:xfrm>
+            <a:off x="6389914" y="2228633"/>
+            <a:ext cx="181429" cy="195943"/>
+          </a:xfrm>
+          <a:prstGeom prst="ellipse">
+            <a:avLst/>
+          </a:prstGeom>
+          <a:noFill/>
+          <a:ln>
+            <a:solidFill>
+              <a:srgbClr val="FF0000"/>
+            </a:solidFill>
+          </a:ln>
+        </p:spPr>
+        <p:style>
+          <a:lnRef idx="2">
+            <a:schemeClr val="accent1">
+              <a:shade val="15000"/>
+            </a:schemeClr>
+          </a:lnRef>
+          <a:fillRef idx="1">
+            <a:schemeClr val="accent1"/>
+          </a:fillRef>
+          <a:effectRef idx="0">
+            <a:schemeClr val="accent1"/>
+          </a:effectRef>
+          <a:fontRef idx="minor">
+            <a:schemeClr val="lt1"/>
+          </a:fontRef>
+        </p:style>
+        <p:txBody>
+          <a:bodyPr rtlCol="0" anchor="ctr"/>
+          <a:lstStyle/>
+          <a:p>
+            <a:pPr algn="ctr"/>
+            <a:endParaRPr lang="zh-CN" altLang="en-US"/>
+          </a:p>
+        </p:txBody>
+      </p:sp>
+      <p:sp>
+        <p:nvSpPr>
+          <p:cNvPr id="192" name="椭圆 191">
+            <a:extLst>
+              <a:ext uri="{FF2B5EF4-FFF2-40B4-BE49-F238E27FC236}">
+                <a16:creationId xmlns:a16="http://schemas.microsoft.com/office/drawing/2014/main" id="{EFB8C603-A5E7-89FD-91F6-10E2DA25CF9B}"/>
+              </a:ext>
+            </a:extLst>
+          </p:cNvPr>
+          <p:cNvSpPr/>
+          <p:nvPr/>
+        </p:nvSpPr>
+        <p:spPr>
+          <a:xfrm>
+            <a:off x="6635749" y="1642619"/>
+            <a:ext cx="181429" cy="195943"/>
+          </a:xfrm>
+          <a:prstGeom prst="ellipse">
+            <a:avLst/>
+          </a:prstGeom>
+          <a:noFill/>
+          <a:ln>
+            <a:solidFill>
+              <a:srgbClr val="FF0000"/>
+            </a:solidFill>
+          </a:ln>
+        </p:spPr>
+        <p:style>
+          <a:lnRef idx="2">
+            <a:schemeClr val="accent1">
+              <a:shade val="15000"/>
+            </a:schemeClr>
+          </a:lnRef>
+          <a:fillRef idx="1">
+            <a:schemeClr val="accent1"/>
+          </a:fillRef>
+          <a:effectRef idx="0">
+            <a:schemeClr val="accent1"/>
+          </a:effectRef>
+          <a:fontRef idx="minor">
+            <a:schemeClr val="lt1"/>
+          </a:fontRef>
+        </p:style>
+        <p:txBody>
+          <a:bodyPr rtlCol="0" anchor="ctr"/>
+          <a:lstStyle/>
+          <a:p>
+            <a:pPr algn="ctr"/>
+            <a:endParaRPr lang="zh-CN" altLang="en-US"/>
+          </a:p>
+        </p:txBody>
+      </p:sp>
+      <p:sp>
+        <p:nvSpPr>
+          <p:cNvPr id="193" name="椭圆 192">
+            <a:extLst>
+              <a:ext uri="{FF2B5EF4-FFF2-40B4-BE49-F238E27FC236}">
+                <a16:creationId xmlns:a16="http://schemas.microsoft.com/office/drawing/2014/main" id="{9EBCB382-135A-CC2A-F142-7D26E8264F59}"/>
+              </a:ext>
+            </a:extLst>
+          </p:cNvPr>
+          <p:cNvSpPr/>
+          <p:nvPr/>
+        </p:nvSpPr>
+        <p:spPr>
+          <a:xfrm>
+            <a:off x="6766377" y="1332378"/>
+            <a:ext cx="181429" cy="195943"/>
+          </a:xfrm>
+          <a:prstGeom prst="ellipse">
+            <a:avLst/>
+          </a:prstGeom>
+          <a:noFill/>
+          <a:ln>
+            <a:solidFill>
+              <a:srgbClr val="FF0000"/>
+            </a:solidFill>
+          </a:ln>
+        </p:spPr>
+        <p:style>
+          <a:lnRef idx="2">
+            <a:schemeClr val="accent1">
+              <a:shade val="15000"/>
+            </a:schemeClr>
+          </a:lnRef>
+          <a:fillRef idx="1">
+            <a:schemeClr val="accent1"/>
+          </a:fillRef>
+          <a:effectRef idx="0">
+            <a:schemeClr val="accent1"/>
+          </a:effectRef>
+          <a:fontRef idx="minor">
+            <a:schemeClr val="lt1"/>
+          </a:fontRef>
+        </p:style>
+        <p:txBody>
+          <a:bodyPr rtlCol="0" anchor="ctr"/>
+          <a:lstStyle/>
+          <a:p>
+            <a:pPr algn="ctr"/>
+            <a:endParaRPr lang="zh-CN" altLang="en-US"/>
+          </a:p>
+        </p:txBody>
+      </p:sp>
+      <p:sp>
+        <p:nvSpPr>
+          <p:cNvPr id="194" name="椭圆 193">
+            <a:extLst>
+              <a:ext uri="{FF2B5EF4-FFF2-40B4-BE49-F238E27FC236}">
+                <a16:creationId xmlns:a16="http://schemas.microsoft.com/office/drawing/2014/main" id="{1CA70269-64E4-01B7-BCDF-76171AC583DD}"/>
+              </a:ext>
+            </a:extLst>
+          </p:cNvPr>
+          <p:cNvSpPr/>
+          <p:nvPr/>
+        </p:nvSpPr>
+        <p:spPr>
+          <a:xfrm>
+            <a:off x="6881585" y="1013063"/>
+            <a:ext cx="181429" cy="195943"/>
+          </a:xfrm>
+          <a:prstGeom prst="ellipse">
+            <a:avLst/>
+          </a:prstGeom>
+          <a:noFill/>
+          <a:ln>
+            <a:solidFill>
+              <a:srgbClr val="FF0000"/>
+            </a:solidFill>
+          </a:ln>
+        </p:spPr>
+        <p:style>
+          <a:lnRef idx="2">
+            <a:schemeClr val="accent1">
+              <a:shade val="15000"/>
+            </a:schemeClr>
+          </a:lnRef>
+          <a:fillRef idx="1">
+            <a:schemeClr val="accent1"/>
+          </a:fillRef>
+          <a:effectRef idx="0">
+            <a:schemeClr val="accent1"/>
+          </a:effectRef>
+          <a:fontRef idx="minor">
+            <a:schemeClr val="lt1"/>
+          </a:fontRef>
+        </p:style>
+        <p:txBody>
+          <a:bodyPr rtlCol="0" anchor="ctr"/>
+          <a:lstStyle/>
+          <a:p>
+            <a:pPr algn="ctr"/>
+            <a:endParaRPr lang="zh-CN" altLang="en-US"/>
+          </a:p>
+        </p:txBody>
+      </p:sp>
+      <p:sp>
+        <p:nvSpPr>
+          <p:cNvPr id="197" name="椭圆 196">
+            <a:extLst>
+              <a:ext uri="{FF2B5EF4-FFF2-40B4-BE49-F238E27FC236}">
+                <a16:creationId xmlns:a16="http://schemas.microsoft.com/office/drawing/2014/main" id="{F62896D4-3E88-3B30-1A37-018378965BCF}"/>
+              </a:ext>
+            </a:extLst>
+          </p:cNvPr>
+          <p:cNvSpPr/>
+          <p:nvPr/>
+        </p:nvSpPr>
+        <p:spPr>
+          <a:xfrm>
+            <a:off x="7476666" y="1902762"/>
+            <a:ext cx="181429" cy="195943"/>
+          </a:xfrm>
+          <a:prstGeom prst="ellipse">
+            <a:avLst/>
+          </a:prstGeom>
+          <a:noFill/>
+          <a:ln>
+            <a:solidFill>
+              <a:srgbClr val="FF0000"/>
+            </a:solidFill>
+          </a:ln>
+        </p:spPr>
+        <p:style>
+          <a:lnRef idx="2">
+            <a:schemeClr val="accent1">
+              <a:shade val="15000"/>
+            </a:schemeClr>
+          </a:lnRef>
+          <a:fillRef idx="1">
+            <a:schemeClr val="accent1"/>
+          </a:fillRef>
+          <a:effectRef idx="0">
+            <a:schemeClr val="accent1"/>
+          </a:effectRef>
+          <a:fontRef idx="minor">
+            <a:schemeClr val="lt1"/>
+          </a:fontRef>
+        </p:style>
+        <p:txBody>
+          <a:bodyPr rtlCol="0" anchor="ctr"/>
+          <a:lstStyle/>
+          <a:p>
+            <a:pPr algn="ctr"/>
+            <a:endParaRPr lang="zh-CN" altLang="en-US"/>
+          </a:p>
+        </p:txBody>
+      </p:sp>
+      <p:sp>
+        <p:nvSpPr>
+          <p:cNvPr id="198" name="椭圆 197">
+            <a:extLst>
+              <a:ext uri="{FF2B5EF4-FFF2-40B4-BE49-F238E27FC236}">
+                <a16:creationId xmlns:a16="http://schemas.microsoft.com/office/drawing/2014/main" id="{87AE8B13-6321-8C01-3EA1-EC2A0B5EDB57}"/>
+              </a:ext>
+            </a:extLst>
+          </p:cNvPr>
+          <p:cNvSpPr/>
+          <p:nvPr/>
+        </p:nvSpPr>
+        <p:spPr>
+          <a:xfrm>
+            <a:off x="7385951" y="1612476"/>
+            <a:ext cx="181429" cy="195943"/>
+          </a:xfrm>
+          <a:prstGeom prst="ellipse">
+            <a:avLst/>
+          </a:prstGeom>
+          <a:noFill/>
+          <a:ln>
+            <a:solidFill>
+              <a:srgbClr val="FF0000"/>
+            </a:solidFill>
+          </a:ln>
+        </p:spPr>
+        <p:style>
+          <a:lnRef idx="2">
+            <a:schemeClr val="accent1">
+              <a:shade val="15000"/>
+            </a:schemeClr>
+          </a:lnRef>
+          <a:fillRef idx="1">
+            <a:schemeClr val="accent1"/>
+          </a:fillRef>
+          <a:effectRef idx="0">
+            <a:schemeClr val="accent1"/>
+          </a:effectRef>
+          <a:fontRef idx="minor">
+            <a:schemeClr val="lt1"/>
+          </a:fontRef>
+        </p:style>
+        <p:txBody>
+          <a:bodyPr rtlCol="0" anchor="ctr"/>
+          <a:lstStyle/>
+          <a:p>
+            <a:pPr algn="ctr"/>
+            <a:endParaRPr lang="zh-CN" altLang="en-US"/>
+          </a:p>
+        </p:txBody>
+      </p:sp>
+      <p:sp>
+        <p:nvSpPr>
+          <p:cNvPr id="199" name="椭圆 198">
+            <a:extLst>
+              <a:ext uri="{FF2B5EF4-FFF2-40B4-BE49-F238E27FC236}">
+                <a16:creationId xmlns:a16="http://schemas.microsoft.com/office/drawing/2014/main" id="{5BB83DC6-C405-1B1A-4521-29A452259196}"/>
+              </a:ext>
+            </a:extLst>
+          </p:cNvPr>
+          <p:cNvSpPr/>
+          <p:nvPr/>
+        </p:nvSpPr>
+        <p:spPr>
+          <a:xfrm>
+            <a:off x="7173685" y="1012158"/>
+            <a:ext cx="181429" cy="195943"/>
+          </a:xfrm>
+          <a:prstGeom prst="ellipse">
+            <a:avLst/>
+          </a:prstGeom>
+          <a:noFill/>
+          <a:ln>
+            <a:solidFill>
+              <a:srgbClr val="FF0000"/>
+            </a:solidFill>
+          </a:ln>
+        </p:spPr>
+        <p:style>
+          <a:lnRef idx="2">
+            <a:schemeClr val="accent1">
+              <a:shade val="15000"/>
+            </a:schemeClr>
+          </a:lnRef>
+          <a:fillRef idx="1">
+            <a:schemeClr val="accent1"/>
+          </a:fillRef>
+          <a:effectRef idx="0">
+            <a:schemeClr val="accent1"/>
+          </a:effectRef>
+          <a:fontRef idx="minor">
+            <a:schemeClr val="lt1"/>
+          </a:fontRef>
+        </p:style>
+        <p:txBody>
+          <a:bodyPr rtlCol="0" anchor="ctr"/>
+          <a:lstStyle/>
+          <a:p>
+            <a:pPr algn="ctr"/>
+            <a:endParaRPr lang="zh-CN" altLang="en-US"/>
+          </a:p>
+        </p:txBody>
+      </p:sp>
+      <p:pic>
+        <p:nvPicPr>
+          <p:cNvPr id="202" name="图片 201">
+            <a:extLst>
+              <a:ext uri="{FF2B5EF4-FFF2-40B4-BE49-F238E27FC236}">
+                <a16:creationId xmlns:a16="http://schemas.microsoft.com/office/drawing/2014/main" id="{381AEA0C-707D-B7E9-E52E-A70B459D81FA}"/>
+              </a:ext>
+            </a:extLst>
+          </p:cNvPr>
+          <p:cNvPicPr>
+            <a:picLocks noChangeAspect="1"/>
+          </p:cNvPicPr>
+          <p:nvPr/>
+        </p:nvPicPr>
+        <p:blipFill>
+          <a:blip r:embed="rId3"/>
+          <a:stretch>
+            <a:fillRect/>
+          </a:stretch>
+        </p:blipFill>
+        <p:spPr>
+          <a:xfrm>
+            <a:off x="312557" y="3031443"/>
+            <a:ext cx="4322037" cy="2881358"/>
+          </a:xfrm>
+          <a:prstGeom prst="rect">
+            <a:avLst/>
+          </a:prstGeom>
+        </p:spPr>
+      </p:pic>
+      <p:pic>
+        <p:nvPicPr>
+          <p:cNvPr id="204" name="图片 203">
+            <a:extLst>
+              <a:ext uri="{FF2B5EF4-FFF2-40B4-BE49-F238E27FC236}">
+                <a16:creationId xmlns:a16="http://schemas.microsoft.com/office/drawing/2014/main" id="{C66FCE69-D100-BC5E-9FF6-B2DA96E4D104}"/>
+              </a:ext>
+            </a:extLst>
+          </p:cNvPr>
+          <p:cNvPicPr>
+            <a:picLocks noChangeAspect="1"/>
+          </p:cNvPicPr>
+          <p:nvPr/>
+        </p:nvPicPr>
+        <p:blipFill>
+          <a:blip r:embed="rId4"/>
+          <a:stretch>
+            <a:fillRect/>
+          </a:stretch>
+        </p:blipFill>
+        <p:spPr>
+          <a:xfrm>
+            <a:off x="3946829" y="3041011"/>
+            <a:ext cx="4322037" cy="2881358"/>
+          </a:xfrm>
+          <a:prstGeom prst="rect">
+            <a:avLst/>
+          </a:prstGeom>
+        </p:spPr>
+      </p:pic>
+      <p:pic>
+        <p:nvPicPr>
+          <p:cNvPr id="206" name="图片 205">
+            <a:extLst>
+              <a:ext uri="{FF2B5EF4-FFF2-40B4-BE49-F238E27FC236}">
+                <a16:creationId xmlns:a16="http://schemas.microsoft.com/office/drawing/2014/main" id="{DE449EAF-3D22-F5B1-4DBC-4A1311CCAF1E}"/>
+              </a:ext>
+            </a:extLst>
+          </p:cNvPr>
+          <p:cNvPicPr>
+            <a:picLocks noChangeAspect="1"/>
+          </p:cNvPicPr>
+          <p:nvPr/>
+        </p:nvPicPr>
+        <p:blipFill>
+          <a:blip r:embed="rId5"/>
+          <a:stretch>
+            <a:fillRect/>
+          </a:stretch>
+        </p:blipFill>
+        <p:spPr>
+          <a:xfrm>
+            <a:off x="7576456" y="3048414"/>
+            <a:ext cx="4330868" cy="2887245"/>
+          </a:xfrm>
+          <a:prstGeom prst="rect">
+            <a:avLst/>
+          </a:prstGeom>
+        </p:spPr>
+      </p:pic>
+      <p:cxnSp>
+        <p:nvCxnSpPr>
+          <p:cNvPr id="207" name="直接连接符 206">
+            <a:extLst>
+              <a:ext uri="{FF2B5EF4-FFF2-40B4-BE49-F238E27FC236}">
+                <a16:creationId xmlns:a16="http://schemas.microsoft.com/office/drawing/2014/main" id="{E812E796-9E5C-3CE0-BE3A-69FDEE7A42C0}"/>
+              </a:ext>
+            </a:extLst>
+          </p:cNvPr>
+          <p:cNvCxnSpPr>
+            <a:cxnSpLocks/>
+          </p:cNvCxnSpPr>
+          <p:nvPr/>
+        </p:nvCxnSpPr>
+        <p:spPr>
+          <a:xfrm flipH="1">
+            <a:off x="0" y="2895600"/>
+            <a:ext cx="12192000" cy="0"/>
+          </a:xfrm>
+          <a:prstGeom prst="line">
+            <a:avLst/>
+          </a:prstGeom>
+          <a:ln w="28575">
+            <a:solidFill>
+              <a:schemeClr val="bg1">
+                <a:lumMod val="75000"/>
+              </a:schemeClr>
+            </a:solidFill>
+            <a:prstDash val="dash"/>
+          </a:ln>
+        </p:spPr>
+        <p:style>
+          <a:lnRef idx="1">
+            <a:schemeClr val="accent1"/>
+          </a:lnRef>
+          <a:fillRef idx="0">
+            <a:schemeClr val="accent1"/>
+          </a:fillRef>
+          <a:effectRef idx="0">
+            <a:schemeClr val="accent1"/>
+          </a:effectRef>
+          <a:fontRef idx="minor">
+            <a:schemeClr val="tx1"/>
+          </a:fontRef>
+        </p:style>
+      </p:cxnSp>
+      <p:sp>
+        <p:nvSpPr>
+          <p:cNvPr id="210" name="矩形 209">
+            <a:extLst>
+              <a:ext uri="{FF2B5EF4-FFF2-40B4-BE49-F238E27FC236}">
+                <a16:creationId xmlns:a16="http://schemas.microsoft.com/office/drawing/2014/main" id="{2AC6C30E-F311-9EAF-FD80-D1843B379541}"/>
+              </a:ext>
+            </a:extLst>
+          </p:cNvPr>
+          <p:cNvSpPr/>
+          <p:nvPr/>
+        </p:nvSpPr>
+        <p:spPr>
+          <a:xfrm>
+            <a:off x="2090136" y="4198076"/>
+            <a:ext cx="257175" cy="174625"/>
+          </a:xfrm>
+          <a:prstGeom prst="rect">
+            <a:avLst/>
+          </a:prstGeom>
+          <a:noFill/>
+          <a:ln w="9525"/>
+        </p:spPr>
+        <p:style>
+          <a:lnRef idx="2">
+            <a:schemeClr val="accent1">
+              <a:shade val="15000"/>
+            </a:schemeClr>
+          </a:lnRef>
+          <a:fillRef idx="1">
+            <a:schemeClr val="accent1"/>
+          </a:fillRef>
+          <a:effectRef idx="0">
+            <a:schemeClr val="accent1"/>
+          </a:effectRef>
+          <a:fontRef idx="minor">
+            <a:schemeClr val="lt1"/>
+          </a:fontRef>
+        </p:style>
+        <p:txBody>
+          <a:bodyPr rtlCol="0" anchor="ctr"/>
+          <a:lstStyle/>
+          <a:p>
+            <a:pPr algn="ctr"/>
+            <a:endParaRPr lang="zh-CN" altLang="en-US"/>
+          </a:p>
+        </p:txBody>
+      </p:sp>
+      <p:sp>
+        <p:nvSpPr>
+          <p:cNvPr id="211" name="矩形 210">
+            <a:extLst>
+              <a:ext uri="{FF2B5EF4-FFF2-40B4-BE49-F238E27FC236}">
+                <a16:creationId xmlns:a16="http://schemas.microsoft.com/office/drawing/2014/main" id="{78883EB1-C72B-92E8-D3BE-4D94FF395259}"/>
+              </a:ext>
+            </a:extLst>
+          </p:cNvPr>
+          <p:cNvSpPr/>
+          <p:nvPr/>
+        </p:nvSpPr>
+        <p:spPr>
+          <a:xfrm>
+            <a:off x="2313634" y="4471533"/>
+            <a:ext cx="257175" cy="174625"/>
+          </a:xfrm>
+          <a:prstGeom prst="rect">
+            <a:avLst/>
+          </a:prstGeom>
+          <a:noFill/>
+          <a:ln w="9525"/>
+        </p:spPr>
+        <p:style>
+          <a:lnRef idx="2">
+            <a:schemeClr val="accent1">
+              <a:shade val="15000"/>
+            </a:schemeClr>
+          </a:lnRef>
+          <a:fillRef idx="1">
+            <a:schemeClr val="accent1"/>
+          </a:fillRef>
+          <a:effectRef idx="0">
+            <a:schemeClr val="accent1"/>
+          </a:effectRef>
+          <a:fontRef idx="minor">
+            <a:schemeClr val="lt1"/>
+          </a:fontRef>
+        </p:style>
+        <p:txBody>
+          <a:bodyPr rtlCol="0" anchor="ctr"/>
+          <a:lstStyle/>
+          <a:p>
+            <a:pPr algn="ctr"/>
+            <a:endParaRPr lang="zh-CN" altLang="en-US"/>
+          </a:p>
+        </p:txBody>
+      </p:sp>
+      <p:sp>
+        <p:nvSpPr>
+          <p:cNvPr id="212" name="矩形 211">
+            <a:extLst>
+              <a:ext uri="{FF2B5EF4-FFF2-40B4-BE49-F238E27FC236}">
+                <a16:creationId xmlns:a16="http://schemas.microsoft.com/office/drawing/2014/main" id="{E6AD686D-BA28-F7BC-6475-22E27AD004FF}"/>
+              </a:ext>
+            </a:extLst>
+          </p:cNvPr>
+          <p:cNvSpPr/>
+          <p:nvPr/>
+        </p:nvSpPr>
+        <p:spPr>
+          <a:xfrm>
+            <a:off x="1465909" y="4384220"/>
+            <a:ext cx="257175" cy="174625"/>
+          </a:xfrm>
+          <a:prstGeom prst="rect">
+            <a:avLst/>
+          </a:prstGeom>
+          <a:noFill/>
+          <a:ln w="9525"/>
+        </p:spPr>
+        <p:style>
+          <a:lnRef idx="2">
+            <a:schemeClr val="accent1">
+              <a:shade val="15000"/>
+            </a:schemeClr>
+          </a:lnRef>
+          <a:fillRef idx="1">
+            <a:schemeClr val="accent1"/>
+          </a:fillRef>
+          <a:effectRef idx="0">
+            <a:schemeClr val="accent1"/>
+          </a:effectRef>
+          <a:fontRef idx="minor">
+            <a:schemeClr val="lt1"/>
+          </a:fontRef>
+        </p:style>
+        <p:txBody>
+          <a:bodyPr rtlCol="0" anchor="ctr"/>
+          <a:lstStyle/>
+          <a:p>
+            <a:pPr algn="ctr"/>
+            <a:endParaRPr lang="zh-CN" altLang="en-US"/>
+          </a:p>
+        </p:txBody>
+      </p:sp>
+      <p:sp>
+        <p:nvSpPr>
+          <p:cNvPr id="213" name="矩形 212">
+            <a:extLst>
+              <a:ext uri="{FF2B5EF4-FFF2-40B4-BE49-F238E27FC236}">
+                <a16:creationId xmlns:a16="http://schemas.microsoft.com/office/drawing/2014/main" id="{24EC8A26-3C6D-FBDC-1A89-E2521F0FAAA2}"/>
+              </a:ext>
+            </a:extLst>
+          </p:cNvPr>
+          <p:cNvSpPr/>
+          <p:nvPr/>
+        </p:nvSpPr>
+        <p:spPr>
+          <a:xfrm>
+            <a:off x="5738596" y="4188067"/>
+            <a:ext cx="257175" cy="174625"/>
+          </a:xfrm>
+          <a:prstGeom prst="rect">
+            <a:avLst/>
+          </a:prstGeom>
+          <a:noFill/>
+          <a:ln w="9525"/>
+        </p:spPr>
+        <p:style>
+          <a:lnRef idx="2">
+            <a:schemeClr val="accent1">
+              <a:shade val="15000"/>
+            </a:schemeClr>
+          </a:lnRef>
+          <a:fillRef idx="1">
+            <a:schemeClr val="accent1"/>
+          </a:fillRef>
+          <a:effectRef idx="0">
+            <a:schemeClr val="accent1"/>
+          </a:effectRef>
+          <a:fontRef idx="minor">
+            <a:schemeClr val="lt1"/>
+          </a:fontRef>
+        </p:style>
+        <p:txBody>
+          <a:bodyPr rtlCol="0" anchor="ctr"/>
+          <a:lstStyle/>
+          <a:p>
+            <a:pPr algn="ctr"/>
+            <a:endParaRPr lang="zh-CN" altLang="en-US"/>
+          </a:p>
+        </p:txBody>
+      </p:sp>
+      <p:sp>
+        <p:nvSpPr>
+          <p:cNvPr id="214" name="矩形 213">
+            <a:extLst>
+              <a:ext uri="{FF2B5EF4-FFF2-40B4-BE49-F238E27FC236}">
+                <a16:creationId xmlns:a16="http://schemas.microsoft.com/office/drawing/2014/main" id="{91F90378-03E9-A2E3-704B-5480310E30B4}"/>
+              </a:ext>
+            </a:extLst>
+          </p:cNvPr>
+          <p:cNvSpPr/>
+          <p:nvPr/>
+        </p:nvSpPr>
+        <p:spPr>
+          <a:xfrm>
+            <a:off x="5962094" y="4461524"/>
+            <a:ext cx="257175" cy="174625"/>
+          </a:xfrm>
+          <a:prstGeom prst="rect">
+            <a:avLst/>
+          </a:prstGeom>
+          <a:noFill/>
+          <a:ln w="9525"/>
+        </p:spPr>
+        <p:style>
+          <a:lnRef idx="2">
+            <a:schemeClr val="accent1">
+              <a:shade val="15000"/>
+            </a:schemeClr>
+          </a:lnRef>
+          <a:fillRef idx="1">
+            <a:schemeClr val="accent1"/>
+          </a:fillRef>
+          <a:effectRef idx="0">
+            <a:schemeClr val="accent1"/>
+          </a:effectRef>
+          <a:fontRef idx="minor">
+            <a:schemeClr val="lt1"/>
+          </a:fontRef>
+        </p:style>
+        <p:txBody>
+          <a:bodyPr rtlCol="0" anchor="ctr"/>
+          <a:lstStyle/>
+          <a:p>
+            <a:pPr algn="ctr"/>
+            <a:endParaRPr lang="zh-CN" altLang="en-US"/>
+          </a:p>
+        </p:txBody>
+      </p:sp>
+      <p:sp>
+        <p:nvSpPr>
+          <p:cNvPr id="215" name="矩形 214">
+            <a:extLst>
+              <a:ext uri="{FF2B5EF4-FFF2-40B4-BE49-F238E27FC236}">
+                <a16:creationId xmlns:a16="http://schemas.microsoft.com/office/drawing/2014/main" id="{F3B943CE-2029-3A1E-1927-54295E12B317}"/>
+              </a:ext>
+            </a:extLst>
+          </p:cNvPr>
+          <p:cNvSpPr/>
+          <p:nvPr/>
+        </p:nvSpPr>
+        <p:spPr>
+          <a:xfrm>
+            <a:off x="5114369" y="4374211"/>
+            <a:ext cx="257175" cy="174625"/>
+          </a:xfrm>
+          <a:prstGeom prst="rect">
+            <a:avLst/>
+          </a:prstGeom>
+          <a:noFill/>
+          <a:ln w="9525"/>
+        </p:spPr>
+        <p:style>
+          <a:lnRef idx="2">
+            <a:schemeClr val="accent1">
+              <a:shade val="15000"/>
+            </a:schemeClr>
+          </a:lnRef>
+          <a:fillRef idx="1">
+            <a:schemeClr val="accent1"/>
+          </a:fillRef>
+          <a:effectRef idx="0">
+            <a:schemeClr val="accent1"/>
+          </a:effectRef>
+          <a:fontRef idx="minor">
+            <a:schemeClr val="lt1"/>
+          </a:fontRef>
+        </p:style>
+        <p:txBody>
+          <a:bodyPr rtlCol="0" anchor="ctr"/>
+          <a:lstStyle/>
+          <a:p>
+            <a:pPr algn="ctr"/>
+            <a:endParaRPr lang="zh-CN" altLang="en-US"/>
+          </a:p>
+        </p:txBody>
+      </p:sp>
+      <p:sp>
+        <p:nvSpPr>
+          <p:cNvPr id="216" name="矩形 215">
+            <a:extLst>
+              <a:ext uri="{FF2B5EF4-FFF2-40B4-BE49-F238E27FC236}">
+                <a16:creationId xmlns:a16="http://schemas.microsoft.com/office/drawing/2014/main" id="{8F5FA722-8998-DD6A-21F5-5AE6AD2DCCE1}"/>
+              </a:ext>
+            </a:extLst>
+          </p:cNvPr>
+          <p:cNvSpPr/>
+          <p:nvPr/>
+        </p:nvSpPr>
+        <p:spPr>
+          <a:xfrm>
+            <a:off x="9363434" y="4195572"/>
+            <a:ext cx="257175" cy="174625"/>
+          </a:xfrm>
+          <a:prstGeom prst="rect">
+            <a:avLst/>
+          </a:prstGeom>
+          <a:noFill/>
+          <a:ln w="9525"/>
+        </p:spPr>
+        <p:style>
+          <a:lnRef idx="2">
+            <a:schemeClr val="accent1">
+              <a:shade val="15000"/>
+            </a:schemeClr>
+          </a:lnRef>
+          <a:fillRef idx="1">
+            <a:schemeClr val="accent1"/>
+          </a:fillRef>
+          <a:effectRef idx="0">
+            <a:schemeClr val="accent1"/>
+          </a:effectRef>
+          <a:fontRef idx="minor">
+            <a:schemeClr val="lt1"/>
+          </a:fontRef>
+        </p:style>
+        <p:txBody>
+          <a:bodyPr rtlCol="0" anchor="ctr"/>
+          <a:lstStyle/>
+          <a:p>
+            <a:pPr algn="ctr"/>
+            <a:endParaRPr lang="zh-CN" altLang="en-US"/>
+          </a:p>
+        </p:txBody>
+      </p:sp>
+      <p:sp>
+        <p:nvSpPr>
+          <p:cNvPr id="217" name="矩形 216">
+            <a:extLst>
+              <a:ext uri="{FF2B5EF4-FFF2-40B4-BE49-F238E27FC236}">
+                <a16:creationId xmlns:a16="http://schemas.microsoft.com/office/drawing/2014/main" id="{7A594F66-D717-D076-172F-F3F8CF08CC3E}"/>
+              </a:ext>
+            </a:extLst>
+          </p:cNvPr>
+          <p:cNvSpPr/>
+          <p:nvPr/>
+        </p:nvSpPr>
+        <p:spPr>
+          <a:xfrm>
+            <a:off x="9586932" y="4469029"/>
+            <a:ext cx="257175" cy="174625"/>
+          </a:xfrm>
+          <a:prstGeom prst="rect">
+            <a:avLst/>
+          </a:prstGeom>
+          <a:noFill/>
+          <a:ln w="9525"/>
+        </p:spPr>
+        <p:style>
+          <a:lnRef idx="2">
+            <a:schemeClr val="accent1">
+              <a:shade val="15000"/>
+            </a:schemeClr>
+          </a:lnRef>
+          <a:fillRef idx="1">
+            <a:schemeClr val="accent1"/>
+          </a:fillRef>
+          <a:effectRef idx="0">
+            <a:schemeClr val="accent1"/>
+          </a:effectRef>
+          <a:fontRef idx="minor">
+            <a:schemeClr val="lt1"/>
+          </a:fontRef>
+        </p:style>
+        <p:txBody>
+          <a:bodyPr rtlCol="0" anchor="ctr"/>
+          <a:lstStyle/>
+          <a:p>
+            <a:pPr algn="ctr"/>
+            <a:endParaRPr lang="zh-CN" altLang="en-US"/>
+          </a:p>
+        </p:txBody>
+      </p:sp>
+      <p:sp>
+        <p:nvSpPr>
+          <p:cNvPr id="218" name="矩形 217">
+            <a:extLst>
+              <a:ext uri="{FF2B5EF4-FFF2-40B4-BE49-F238E27FC236}">
+                <a16:creationId xmlns:a16="http://schemas.microsoft.com/office/drawing/2014/main" id="{9683D844-F0AF-AEFC-87BE-727484DC0C8A}"/>
+              </a:ext>
+            </a:extLst>
+          </p:cNvPr>
+          <p:cNvSpPr/>
+          <p:nvPr/>
+        </p:nvSpPr>
+        <p:spPr>
+          <a:xfrm>
+            <a:off x="8739207" y="4381716"/>
+            <a:ext cx="257175" cy="174625"/>
+          </a:xfrm>
+          <a:prstGeom prst="rect">
+            <a:avLst/>
+          </a:prstGeom>
+          <a:noFill/>
+          <a:ln w="9525"/>
+        </p:spPr>
+        <p:style>
+          <a:lnRef idx="2">
+            <a:schemeClr val="accent1">
+              <a:shade val="15000"/>
+            </a:schemeClr>
+          </a:lnRef>
+          <a:fillRef idx="1">
+            <a:schemeClr val="accent1"/>
+          </a:fillRef>
+          <a:effectRef idx="0">
+            <a:schemeClr val="accent1"/>
+          </a:effectRef>
+          <a:fontRef idx="minor">
+            <a:schemeClr val="lt1"/>
+          </a:fontRef>
+        </p:style>
+        <p:txBody>
+          <a:bodyPr rtlCol="0" anchor="ctr"/>
+          <a:lstStyle/>
+          <a:p>
+            <a:pPr algn="ctr"/>
+            <a:endParaRPr lang="zh-CN" altLang="en-US"/>
           </a:p>
         </p:txBody>
       </p:sp>
     </p:spTree>
     <p:extLst>
       <p:ext uri="{BB962C8B-B14F-4D97-AF65-F5344CB8AC3E}">
-        <p14:creationId xmlns:p14="http://schemas.microsoft.com/office/powerpoint/2010/main" val="1283157349"/>
+        <p14:creationId xmlns:p14="http://schemas.microsoft.com/office/powerpoint/2010/main" val="4068063024"/>
       </p:ext>
     </p:extLst>
   </p:cSld>

--- a/Presentation_1212_JiayuChen.pptx
+++ b/Presentation_1212_JiayuChen.pptx
@@ -5,7 +5,7 @@
     <p:sldMasterId id="2147483648" r:id="rId1"/>
   </p:sldMasterIdLst>
   <p:notesMasterIdLst>
-    <p:notesMasterId r:id="rId25"/>
+    <p:notesMasterId r:id="rId26"/>
   </p:notesMasterIdLst>
   <p:sldIdLst>
     <p:sldId id="256" r:id="rId2"/>
@@ -20,17 +20,18 @@
     <p:sldId id="347" r:id="rId11"/>
     <p:sldId id="269" r:id="rId12"/>
     <p:sldId id="352" r:id="rId13"/>
-    <p:sldId id="353" r:id="rId14"/>
-    <p:sldId id="354" r:id="rId15"/>
-    <p:sldId id="355" r:id="rId16"/>
-    <p:sldId id="356" r:id="rId17"/>
-    <p:sldId id="348" r:id="rId18"/>
-    <p:sldId id="357" r:id="rId19"/>
-    <p:sldId id="358" r:id="rId20"/>
-    <p:sldId id="359" r:id="rId21"/>
-    <p:sldId id="360" r:id="rId22"/>
-    <p:sldId id="277" r:id="rId23"/>
-    <p:sldId id="279" r:id="rId24"/>
+    <p:sldId id="362" r:id="rId14"/>
+    <p:sldId id="353" r:id="rId15"/>
+    <p:sldId id="354" r:id="rId16"/>
+    <p:sldId id="355" r:id="rId17"/>
+    <p:sldId id="356" r:id="rId18"/>
+    <p:sldId id="348" r:id="rId19"/>
+    <p:sldId id="357" r:id="rId20"/>
+    <p:sldId id="358" r:id="rId21"/>
+    <p:sldId id="359" r:id="rId22"/>
+    <p:sldId id="360" r:id="rId23"/>
+    <p:sldId id="277" r:id="rId24"/>
+    <p:sldId id="279" r:id="rId25"/>
   </p:sldIdLst>
   <p:sldSz cx="12192000" cy="6858000"/>
   <p:notesSz cx="6858000" cy="9144000"/>
@@ -268,7 +269,7 @@
       <p15:sldGuideLst xmlns:p15="http://schemas.microsoft.com/office/powerpoint/2012/main"/>
     </p:ext>
     <p:ext uri="GoogleSlidesCustomDataVersion2">
-      <go:slidesCustomData xmlns:go="http://customooxmlschemas.google.com/" xmlns:ahyp="http://schemas.microsoft.com/office/drawing/2018/hyperlinkcolor" xmlns:p15="http://schemas.microsoft.com/office/powerpoint/2012/main" xmlns:p14="http://schemas.microsoft.com/office/powerpoint/2010/main" xmlns:com="http://schemas.openxmlformats.org/drawingml/2006/compatibility" xmlns:pvml="urn:schemas-microsoft-com:office:powerpoint" xmlns:v="urn:schemas-microsoft-com:vml" xmlns:o="urn:schemas-microsoft-com:office:office" xmlns:dgm="http://schemas.openxmlformats.org/drawingml/2006/diagram" xmlns:c="http://schemas.openxmlformats.org/drawingml/2006/chart" xmlns:mv="urn:schemas-microsoft-com:mac:vml" xmlns:mc="http://schemas.openxmlformats.org/markup-compatibility/2006" xmlns="" r:id="rId30" roundtripDataSignature="AMtx7mi7AOUiGfioVPTFrFzTi+gJGDXQ/w=="/>
+      <go:slidesCustomData xmlns="" xmlns:mc="http://schemas.openxmlformats.org/markup-compatibility/2006" xmlns:mv="urn:schemas-microsoft-com:mac:vml" xmlns:c="http://schemas.openxmlformats.org/drawingml/2006/chart" xmlns:dgm="http://schemas.openxmlformats.org/drawingml/2006/diagram" xmlns:o="urn:schemas-microsoft-com:office:office" xmlns:v="urn:schemas-microsoft-com:vml" xmlns:pvml="urn:schemas-microsoft-com:office:powerpoint" xmlns:com="http://schemas.openxmlformats.org/drawingml/2006/compatibility" xmlns:p14="http://schemas.microsoft.com/office/powerpoint/2010/main" xmlns:p15="http://schemas.microsoft.com/office/powerpoint/2012/main" xmlns:ahyp="http://schemas.microsoft.com/office/drawing/2018/hyperlinkcolor" xmlns:go="http://customooxmlschemas.google.com/" r:id="rId30" roundtripDataSignature="AMtx7mi7AOUiGfioVPTFrFzTi+gJGDXQ/w=="/>
     </p:ext>
   </p:extLst>
 </p:presentation>
@@ -2324,7 +2325,7 @@
     </p:spTree>
     <p:extLst>
       <p:ext uri="{BB962C8B-B14F-4D97-AF65-F5344CB8AC3E}">
-        <p14:creationId xmlns:p14="http://schemas.microsoft.com/office/powerpoint/2010/main" val="1023204022"/>
+        <p14:creationId xmlns:p14="http://schemas.microsoft.com/office/powerpoint/2010/main" val="1047171691"/>
       </p:ext>
     </p:extLst>
   </p:cSld>
@@ -2498,7 +2499,7 @@
     </p:spTree>
     <p:extLst>
       <p:ext uri="{BB962C8B-B14F-4D97-AF65-F5344CB8AC3E}">
-        <p14:creationId xmlns:p14="http://schemas.microsoft.com/office/powerpoint/2010/main" val="126233398"/>
+        <p14:creationId xmlns:p14="http://schemas.microsoft.com/office/powerpoint/2010/main" val="1023204022"/>
       </p:ext>
     </p:extLst>
   </p:cSld>
@@ -2619,7 +2620,7 @@
               <a:buFont typeface="Arial"/>
               <a:buNone/>
             </a:pPr>
-            <a:endParaRPr dirty="0"/>
+            <a:endParaRPr/>
           </a:p>
         </p:txBody>
       </p:sp>
@@ -2672,7 +2673,7 @@
     </p:spTree>
     <p:extLst>
       <p:ext uri="{BB962C8B-B14F-4D97-AF65-F5344CB8AC3E}">
-        <p14:creationId xmlns:p14="http://schemas.microsoft.com/office/powerpoint/2010/main" val="203866820"/>
+        <p14:creationId xmlns:p14="http://schemas.microsoft.com/office/powerpoint/2010/main" val="126233398"/>
       </p:ext>
     </p:extLst>
   </p:cSld>
@@ -2846,7 +2847,7 @@
     </p:spTree>
     <p:extLst>
       <p:ext uri="{BB962C8B-B14F-4D97-AF65-F5344CB8AC3E}">
-        <p14:creationId xmlns:p14="http://schemas.microsoft.com/office/powerpoint/2010/main" val="694289571"/>
+        <p14:creationId xmlns:p14="http://schemas.microsoft.com/office/powerpoint/2010/main" val="203866820"/>
       </p:ext>
     </p:extLst>
   </p:cSld>
@@ -2861,7 +2862,7 @@
   <p:cSld>
     <p:spTree>
       <p:nvGrpSpPr>
-        <p:cNvPr id="1" name="Shape 98"/>
+        <p:cNvPr id="1" name="Shape 303"/>
         <p:cNvGrpSpPr/>
         <p:nvPr/>
       </p:nvGrpSpPr>
@@ -2875,7 +2876,7 @@
       </p:grpSpPr>
       <p:sp>
         <p:nvSpPr>
-          <p:cNvPr id="99" name="Google Shape;99;p3:notes"/>
+          <p:cNvPr id="304" name="Google Shape;304;p14:notes"/>
           <p:cNvSpPr>
             <a:spLocks noGrp="1" noRot="1" noChangeAspect="1"/>
           </p:cNvSpPr>
@@ -2926,7 +2927,7 @@
       </p:sp>
       <p:sp>
         <p:nvSpPr>
-          <p:cNvPr id="100" name="Google Shape;100;p3:notes"/>
+          <p:cNvPr id="305" name="Google Shape;305;p14:notes"/>
           <p:cNvSpPr txBox="1">
             <a:spLocks noGrp="1"/>
           </p:cNvSpPr>
@@ -2953,22 +2954,27 @@
           </a:bodyPr>
           <a:lstStyle/>
           <a:p>
-            <a:pPr marL="0" lvl="0" indent="0" algn="l" rtl="0">
-              <a:spcBef>
-                <a:spcPts val="0"/>
-              </a:spcBef>
-              <a:spcAft>
-                <a:spcPts val="0"/>
-              </a:spcAft>
+            <a:pPr marL="228600" lvl="0" indent="-152400" algn="l" rtl="0">
+              <a:spcBef>
+                <a:spcPts val="0"/>
+              </a:spcBef>
+              <a:spcAft>
+                <a:spcPts val="0"/>
+              </a:spcAft>
+              <a:buClr>
+                <a:schemeClr val="dk1"/>
+              </a:buClr>
+              <a:buSzPts val="1200"/>
+              <a:buFont typeface="Arial"/>
               <a:buNone/>
             </a:pPr>
-            <a:endParaRPr/>
+            <a:endParaRPr dirty="0"/>
           </a:p>
         </p:txBody>
       </p:sp>
       <p:sp>
         <p:nvSpPr>
-          <p:cNvPr id="101" name="Google Shape;101;p3:notes"/>
+          <p:cNvPr id="306" name="Google Shape;306;p14:notes"/>
           <p:cNvSpPr txBox="1">
             <a:spLocks noGrp="1"/>
           </p:cNvSpPr>
@@ -3015,7 +3021,7 @@
     </p:spTree>
     <p:extLst>
       <p:ext uri="{BB962C8B-B14F-4D97-AF65-F5344CB8AC3E}">
-        <p14:creationId xmlns:p14="http://schemas.microsoft.com/office/powerpoint/2010/main" val="3448360174"/>
+        <p14:creationId xmlns:p14="http://schemas.microsoft.com/office/powerpoint/2010/main" val="694289571"/>
       </p:ext>
     </p:extLst>
   </p:cSld>
@@ -3030,7 +3036,7 @@
   <p:cSld>
     <p:spTree>
       <p:nvGrpSpPr>
-        <p:cNvPr id="1" name="Shape 303"/>
+        <p:cNvPr id="1" name="Shape 98"/>
         <p:cNvGrpSpPr/>
         <p:nvPr/>
       </p:nvGrpSpPr>
@@ -3044,7 +3050,7 @@
       </p:grpSpPr>
       <p:sp>
         <p:nvSpPr>
-          <p:cNvPr id="304" name="Google Shape;304;p14:notes"/>
+          <p:cNvPr id="99" name="Google Shape;99;p3:notes"/>
           <p:cNvSpPr>
             <a:spLocks noGrp="1" noRot="1" noChangeAspect="1"/>
           </p:cNvSpPr>
@@ -3095,7 +3101,7 @@
       </p:sp>
       <p:sp>
         <p:nvSpPr>
-          <p:cNvPr id="305" name="Google Shape;305;p14:notes"/>
+          <p:cNvPr id="100" name="Google Shape;100;p3:notes"/>
           <p:cNvSpPr txBox="1">
             <a:spLocks noGrp="1"/>
           </p:cNvSpPr>
@@ -3122,27 +3128,22 @@
           </a:bodyPr>
           <a:lstStyle/>
           <a:p>
-            <a:pPr marL="228600" lvl="0" indent="-152400" algn="l" rtl="0">
-              <a:spcBef>
-                <a:spcPts val="0"/>
-              </a:spcBef>
-              <a:spcAft>
-                <a:spcPts val="0"/>
-              </a:spcAft>
-              <a:buClr>
-                <a:schemeClr val="dk1"/>
-              </a:buClr>
-              <a:buSzPts val="1200"/>
-              <a:buFont typeface="Arial"/>
+            <a:pPr marL="0" lvl="0" indent="0" algn="l" rtl="0">
+              <a:spcBef>
+                <a:spcPts val="0"/>
+              </a:spcBef>
+              <a:spcAft>
+                <a:spcPts val="0"/>
+              </a:spcAft>
               <a:buNone/>
             </a:pPr>
-            <a:endParaRPr dirty="0"/>
+            <a:endParaRPr/>
           </a:p>
         </p:txBody>
       </p:sp>
       <p:sp>
         <p:nvSpPr>
-          <p:cNvPr id="306" name="Google Shape;306;p14:notes"/>
+          <p:cNvPr id="101" name="Google Shape;101;p3:notes"/>
           <p:cNvSpPr txBox="1">
             <a:spLocks noGrp="1"/>
           </p:cNvSpPr>
@@ -3189,7 +3190,7 @@
     </p:spTree>
     <p:extLst>
       <p:ext uri="{BB962C8B-B14F-4D97-AF65-F5344CB8AC3E}">
-        <p14:creationId xmlns:p14="http://schemas.microsoft.com/office/powerpoint/2010/main" val="3785462258"/>
+        <p14:creationId xmlns:p14="http://schemas.microsoft.com/office/powerpoint/2010/main" val="3448360174"/>
       </p:ext>
     </p:extLst>
   </p:cSld>
@@ -3363,7 +3364,7 @@
     </p:spTree>
     <p:extLst>
       <p:ext uri="{BB962C8B-B14F-4D97-AF65-F5344CB8AC3E}">
-        <p14:creationId xmlns:p14="http://schemas.microsoft.com/office/powerpoint/2010/main" val="2161078369"/>
+        <p14:creationId xmlns:p14="http://schemas.microsoft.com/office/powerpoint/2010/main" val="3785462258"/>
       </p:ext>
     </p:extLst>
   </p:cSld>
@@ -3701,7 +3702,7 @@
     </p:spTree>
     <p:extLst>
       <p:ext uri="{BB962C8B-B14F-4D97-AF65-F5344CB8AC3E}">
-        <p14:creationId xmlns:p14="http://schemas.microsoft.com/office/powerpoint/2010/main" val="3554805875"/>
+        <p14:creationId xmlns:p14="http://schemas.microsoft.com/office/powerpoint/2010/main" val="2161078369"/>
       </p:ext>
     </p:extLst>
   </p:cSld>
@@ -3875,7 +3876,7 @@
     </p:spTree>
     <p:extLst>
       <p:ext uri="{BB962C8B-B14F-4D97-AF65-F5344CB8AC3E}">
-        <p14:creationId xmlns:p14="http://schemas.microsoft.com/office/powerpoint/2010/main" val="2271497164"/>
+        <p14:creationId xmlns:p14="http://schemas.microsoft.com/office/powerpoint/2010/main" val="3554805875"/>
       </p:ext>
     </p:extLst>
   </p:cSld>
@@ -3890,7 +3891,7 @@
   <p:cSld>
     <p:spTree>
       <p:nvGrpSpPr>
-        <p:cNvPr id="1" name="Shape 380"/>
+        <p:cNvPr id="1" name="Shape 303"/>
         <p:cNvGrpSpPr/>
         <p:nvPr/>
       </p:nvGrpSpPr>
@@ -3904,7 +3905,7 @@
       </p:grpSpPr>
       <p:sp>
         <p:nvSpPr>
-          <p:cNvPr id="381" name="Google Shape;381;p22:notes"/>
+          <p:cNvPr id="304" name="Google Shape;304;p14:notes"/>
           <p:cNvSpPr>
             <a:spLocks noGrp="1" noRot="1" noChangeAspect="1"/>
           </p:cNvSpPr>
@@ -3955,7 +3956,7 @@
       </p:sp>
       <p:sp>
         <p:nvSpPr>
-          <p:cNvPr id="382" name="Google Shape;382;p22:notes"/>
+          <p:cNvPr id="305" name="Google Shape;305;p14:notes"/>
           <p:cNvSpPr txBox="1">
             <a:spLocks noGrp="1"/>
           </p:cNvSpPr>
@@ -3982,22 +3983,27 @@
           </a:bodyPr>
           <a:lstStyle/>
           <a:p>
-            <a:pPr marL="0" lvl="0" indent="0" algn="l" rtl="0">
-              <a:spcBef>
-                <a:spcPts val="0"/>
-              </a:spcBef>
-              <a:spcAft>
-                <a:spcPts val="0"/>
-              </a:spcAft>
+            <a:pPr marL="228600" lvl="0" indent="-152400" algn="l" rtl="0">
+              <a:spcBef>
+                <a:spcPts val="0"/>
+              </a:spcBef>
+              <a:spcAft>
+                <a:spcPts val="0"/>
+              </a:spcAft>
+              <a:buClr>
+                <a:schemeClr val="dk1"/>
+              </a:buClr>
+              <a:buSzPts val="1200"/>
+              <a:buFont typeface="Arial"/>
               <a:buNone/>
             </a:pPr>
-            <a:endParaRPr/>
+            <a:endParaRPr dirty="0"/>
           </a:p>
         </p:txBody>
       </p:sp>
       <p:sp>
         <p:nvSpPr>
-          <p:cNvPr id="383" name="Google Shape;383;p22:notes"/>
+          <p:cNvPr id="306" name="Google Shape;306;p14:notes"/>
           <p:cNvSpPr txBox="1">
             <a:spLocks noGrp="1"/>
           </p:cNvSpPr>
@@ -4042,6 +4048,11 @@
         </p:txBody>
       </p:sp>
     </p:spTree>
+    <p:extLst>
+      <p:ext uri="{BB962C8B-B14F-4D97-AF65-F5344CB8AC3E}">
+        <p14:creationId xmlns:p14="http://schemas.microsoft.com/office/powerpoint/2010/main" val="2271497164"/>
+      </p:ext>
+    </p:extLst>
   </p:cSld>
   <p:clrMapOvr>
     <a:masterClrMapping/>
@@ -4054,7 +4065,7 @@
   <p:cSld>
     <p:spTree>
       <p:nvGrpSpPr>
-        <p:cNvPr id="1" name="Shape 393"/>
+        <p:cNvPr id="1" name="Shape 380"/>
         <p:cNvGrpSpPr/>
         <p:nvPr/>
       </p:nvGrpSpPr>
@@ -4068,7 +4079,7 @@
       </p:grpSpPr>
       <p:sp>
         <p:nvSpPr>
-          <p:cNvPr id="394" name="Google Shape;394;p24:notes"/>
+          <p:cNvPr id="381" name="Google Shape;381;p22:notes"/>
           <p:cNvSpPr>
             <a:spLocks noGrp="1" noRot="1" noChangeAspect="1"/>
           </p:cNvSpPr>
@@ -4119,6 +4130,170 @@
       </p:sp>
       <p:sp>
         <p:nvSpPr>
+          <p:cNvPr id="382" name="Google Shape;382;p22:notes"/>
+          <p:cNvSpPr txBox="1">
+            <a:spLocks noGrp="1"/>
+          </p:cNvSpPr>
+          <p:nvPr>
+            <p:ph type="body" idx="1"/>
+          </p:nvPr>
+        </p:nvSpPr>
+        <p:spPr>
+          <a:xfrm>
+            <a:off x="685800" y="4400550"/>
+            <a:ext cx="5486400" cy="3600450"/>
+          </a:xfrm>
+          <a:prstGeom prst="rect">
+            <a:avLst/>
+          </a:prstGeom>
+          <a:noFill/>
+          <a:ln>
+            <a:noFill/>
+          </a:ln>
+        </p:spPr>
+        <p:txBody>
+          <a:bodyPr spcFirstLastPara="1" wrap="square" lIns="91425" tIns="45700" rIns="91425" bIns="45700" anchor="t" anchorCtr="0">
+            <a:noAutofit/>
+          </a:bodyPr>
+          <a:lstStyle/>
+          <a:p>
+            <a:pPr marL="0" lvl="0" indent="0" algn="l" rtl="0">
+              <a:spcBef>
+                <a:spcPts val="0"/>
+              </a:spcBef>
+              <a:spcAft>
+                <a:spcPts val="0"/>
+              </a:spcAft>
+              <a:buNone/>
+            </a:pPr>
+            <a:endParaRPr/>
+          </a:p>
+        </p:txBody>
+      </p:sp>
+      <p:sp>
+        <p:nvSpPr>
+          <p:cNvPr id="383" name="Google Shape;383;p22:notes"/>
+          <p:cNvSpPr txBox="1">
+            <a:spLocks noGrp="1"/>
+          </p:cNvSpPr>
+          <p:nvPr>
+            <p:ph type="sldNum" idx="12"/>
+          </p:nvPr>
+        </p:nvSpPr>
+        <p:spPr>
+          <a:xfrm>
+            <a:off x="3884613" y="8685213"/>
+            <a:ext cx="2971800" cy="458787"/>
+          </a:xfrm>
+          <a:prstGeom prst="rect">
+            <a:avLst/>
+          </a:prstGeom>
+          <a:noFill/>
+          <a:ln>
+            <a:noFill/>
+          </a:ln>
+        </p:spPr>
+        <p:txBody>
+          <a:bodyPr spcFirstLastPara="1" wrap="square" lIns="91425" tIns="45700" rIns="91425" bIns="45700" anchor="b" anchorCtr="0">
+            <a:noAutofit/>
+          </a:bodyPr>
+          <a:lstStyle/>
+          <a:p>
+            <a:pPr marL="0" lvl="0" indent="0" algn="r" rtl="0">
+              <a:spcBef>
+                <a:spcPts val="0"/>
+              </a:spcBef>
+              <a:spcAft>
+                <a:spcPts val="0"/>
+              </a:spcAft>
+              <a:buNone/>
+            </a:pPr>
+            <a:fld id="{00000000-1234-1234-1234-123412341234}" type="slidenum">
+              <a:rPr lang="en-US"/>
+              <a:t>23</a:t>
+            </a:fld>
+            <a:endParaRPr/>
+          </a:p>
+        </p:txBody>
+      </p:sp>
+    </p:spTree>
+  </p:cSld>
+  <p:clrMapOvr>
+    <a:masterClrMapping/>
+  </p:clrMapOvr>
+</p:notes>
+</file>
+
+<file path=ppt/notesSlides/notesSlide24.xml><?xml version="1.0" encoding="utf-8"?>
+<p:notes xmlns:a="http://schemas.openxmlformats.org/drawingml/2006/main" xmlns:r="http://schemas.openxmlformats.org/officeDocument/2006/relationships" xmlns:p="http://schemas.openxmlformats.org/presentationml/2006/main" showMasterSp="0" showMasterPhAnim="0">
+  <p:cSld>
+    <p:spTree>
+      <p:nvGrpSpPr>
+        <p:cNvPr id="1" name="Shape 393"/>
+        <p:cNvGrpSpPr/>
+        <p:nvPr/>
+      </p:nvGrpSpPr>
+      <p:grpSpPr>
+        <a:xfrm>
+          <a:off x="0" y="0"/>
+          <a:ext cx="0" cy="0"/>
+          <a:chOff x="0" y="0"/>
+          <a:chExt cx="0" cy="0"/>
+        </a:xfrm>
+      </p:grpSpPr>
+      <p:sp>
+        <p:nvSpPr>
+          <p:cNvPr id="394" name="Google Shape;394;p24:notes"/>
+          <p:cNvSpPr>
+            <a:spLocks noGrp="1" noRot="1" noChangeAspect="1"/>
+          </p:cNvSpPr>
+          <p:nvPr>
+            <p:ph type="sldImg" idx="2"/>
+          </p:nvPr>
+        </p:nvSpPr>
+        <p:spPr>
+          <a:xfrm>
+            <a:off x="685800" y="1143000"/>
+            <a:ext cx="5486400" cy="3086100"/>
+          </a:xfrm>
+          <a:custGeom>
+            <a:avLst/>
+            <a:gdLst/>
+            <a:ahLst/>
+            <a:cxnLst/>
+            <a:rect l="l" t="t" r="r" b="b"/>
+            <a:pathLst>
+              <a:path w="120000" h="120000" extrusionOk="0">
+                <a:moveTo>
+                  <a:pt x="0" y="0"/>
+                </a:moveTo>
+                <a:lnTo>
+                  <a:pt x="120000" y="0"/>
+                </a:lnTo>
+                <a:lnTo>
+                  <a:pt x="120000" y="120000"/>
+                </a:lnTo>
+                <a:lnTo>
+                  <a:pt x="0" y="120000"/>
+                </a:lnTo>
+                <a:close/>
+              </a:path>
+            </a:pathLst>
+          </a:custGeom>
+          <a:noFill/>
+          <a:ln w="12700" cap="flat" cmpd="sng">
+            <a:solidFill>
+              <a:srgbClr val="000000"/>
+            </a:solidFill>
+            <a:prstDash val="solid"/>
+            <a:round/>
+            <a:headEnd type="none" w="sm" len="sm"/>
+            <a:tailEnd type="none" w="sm" len="sm"/>
+          </a:ln>
+        </p:spPr>
+      </p:sp>
+      <p:sp>
+        <p:nvSpPr>
           <p:cNvPr id="395" name="Google Shape;395;p24:notes"/>
           <p:cNvSpPr txBox="1">
             <a:spLocks noGrp="1"/>
@@ -4199,7 +4374,7 @@
             </a:pPr>
             <a:fld id="{00000000-1234-1234-1234-123412341234}" type="slidenum">
               <a:rPr lang="en-US"/>
-              <a:t>23</a:t>
+              <a:t>24</a:t>
             </a:fld>
             <a:endParaRPr/>
           </a:p>
@@ -15231,12 +15406,39 @@
             <a:avLst/>
           </a:prstGeom>
           <a:noFill/>
+          <a:ln>
+            <a:noFill/>
+          </a:ln>
         </p:spPr>
         <p:txBody>
-          <a:bodyPr wrap="square" rtlCol="0">
+          <a:bodyPr spcFirstLastPara="1" wrap="square" lIns="91425" tIns="45700" rIns="91425" bIns="45700" anchor="t" anchorCtr="0">
             <a:spAutoFit/>
           </a:bodyPr>
-          <a:lstStyle/>
+          <a:lstStyle>
+            <a:defPPr marR="0" lvl="0" algn="l" rtl="0">
+              <a:lnSpc>
+                <a:spcPct val="100000"/>
+              </a:lnSpc>
+              <a:spcBef>
+                <a:spcPts val="0"/>
+              </a:spcBef>
+              <a:spcAft>
+                <a:spcPts val="0"/>
+              </a:spcAft>
+              <a:defRPr/>
+            </a:defPPr>
+            <a:lvl1pPr marL="0" indent="0">
+              <a:buNone/>
+              <a:defRPr sz="1800">
+                <a:solidFill>
+                  <a:schemeClr val="dk1"/>
+                </a:solidFill>
+                <a:latin typeface="Consolas"/>
+                <a:ea typeface="Consolas"/>
+                <a:cs typeface="Consolas"/>
+              </a:defRPr>
+            </a:lvl1pPr>
+          </a:lstStyle>
           <a:p>
             <a:r>
               <a:rPr lang="en-US" altLang="zh-CN" dirty="0"/>
@@ -15371,34 +15573,52 @@
             <a:avLst/>
           </a:prstGeom>
           <a:noFill/>
+          <a:ln>
+            <a:noFill/>
+          </a:ln>
         </p:spPr>
         <p:txBody>
-          <a:bodyPr wrap="square" rtlCol="0">
+          <a:bodyPr spcFirstLastPara="1" wrap="square" lIns="91425" tIns="45700" rIns="91425" bIns="45700" anchor="t" anchorCtr="0">
             <a:spAutoFit/>
           </a:bodyPr>
-          <a:lstStyle/>
-          <a:p>
-            <a:pPr marL="342900" indent="-342900">
-              <a:buAutoNum type="arabicPeriod"/>
-            </a:pPr>
+          <a:lstStyle>
+            <a:defPPr marR="0" lvl="0" algn="l" rtl="0">
+              <a:lnSpc>
+                <a:spcPct val="100000"/>
+              </a:lnSpc>
+              <a:spcBef>
+                <a:spcPts val="0"/>
+              </a:spcBef>
+              <a:spcAft>
+                <a:spcPts val="0"/>
+              </a:spcAft>
+              <a:defRPr/>
+            </a:defPPr>
+            <a:lvl1pPr marL="0" indent="0">
+              <a:buNone/>
+              <a:defRPr sz="1800">
+                <a:solidFill>
+                  <a:schemeClr val="dk1"/>
+                </a:solidFill>
+                <a:latin typeface="Consolas"/>
+                <a:ea typeface="Consolas"/>
+                <a:cs typeface="Consolas"/>
+              </a:defRPr>
+            </a:lvl1pPr>
+          </a:lstStyle>
+          <a:p>
             <a:r>
               <a:rPr lang="en-US" altLang="zh-CN" dirty="0"/>
               <a:t>They are all dealing with single-peak signals, which are often relatively easy to segment. </a:t>
             </a:r>
           </a:p>
           <a:p>
-            <a:pPr marL="342900" indent="-342900">
-              <a:buAutoNum type="arabicPeriod"/>
-            </a:pPr>
             <a:r>
               <a:rPr lang="en-US" altLang="zh-CN" dirty="0"/>
               <a:t>The methods used are quite naive, such as calculate mean or median. </a:t>
             </a:r>
           </a:p>
           <a:p>
-            <a:pPr marL="342900" indent="-342900">
-              <a:buAutoNum type="arabicPeriod"/>
-            </a:pPr>
             <a:r>
               <a:rPr lang="en-US" altLang="zh-CN" dirty="0"/>
               <a:t>After extraction, there isn't much utility; it's just observing what the resulting shape looks like.</a:t>
@@ -15500,24 +15720,53 @@
         </p:nvSpPr>
         <p:spPr>
           <a:xfrm>
-            <a:off x="452651" y="1005386"/>
-            <a:ext cx="10495128" cy="738664"/>
+            <a:off x="507241" y="447885"/>
+            <a:ext cx="11684759" cy="1477287"/>
           </a:xfrm>
           <a:prstGeom prst="rect">
             <a:avLst/>
           </a:prstGeom>
           <a:noFill/>
+          <a:ln>
+            <a:noFill/>
+          </a:ln>
         </p:spPr>
         <p:txBody>
-          <a:bodyPr wrap="square" rtlCol="0">
+          <a:bodyPr spcFirstLastPara="1" wrap="square" lIns="91425" tIns="45700" rIns="91425" bIns="45700" anchor="t" anchorCtr="0">
             <a:spAutoFit/>
           </a:bodyPr>
-          <a:lstStyle/>
+          <a:lstStyle>
+            <a:defPPr marR="0" lvl="0" algn="l" rtl="0">
+              <a:lnSpc>
+                <a:spcPct val="100000"/>
+              </a:lnSpc>
+              <a:spcBef>
+                <a:spcPts val="0"/>
+              </a:spcBef>
+              <a:spcAft>
+                <a:spcPts val="0"/>
+              </a:spcAft>
+              <a:defRPr/>
+            </a:defPPr>
+            <a:lvl1pPr marL="0" indent="0">
+              <a:buNone/>
+              <a:defRPr sz="1800">
+                <a:solidFill>
+                  <a:schemeClr val="dk1"/>
+                </a:solidFill>
+                <a:latin typeface="Consolas"/>
+                <a:ea typeface="Consolas"/>
+                <a:cs typeface="Consolas"/>
+              </a:defRPr>
+            </a:lvl1pPr>
+          </a:lstStyle>
           <a:p>
             <a:r>
-              <a:rPr lang="zh-CN" altLang="en-US" dirty="0"/>
-              <a:t>真实信号中遇到的问题：</a:t>
+              <a:rPr lang="en-US" altLang="zh-CN" dirty="0"/>
+              <a:t>Compared to simulated SCG signals, challenges encountered in real signals are as follows:</a:t>
             </a:r>
+          </a:p>
+          <a:p>
             <a:endParaRPr lang="en-US" altLang="zh-CN" dirty="0"/>
           </a:p>
           <a:p>
@@ -15525,28 +15774,18 @@
               <a:buAutoNum type="arabicPeriod"/>
             </a:pPr>
             <a:r>
-              <a:rPr lang="zh-CN" altLang="en-US" dirty="0"/>
-              <a:t>真实信号是一个有噪声的多峰信号呢，尤其是多个峰的</a:t>
+              <a:rPr lang="en-US" altLang="zh-CN" dirty="0"/>
+              <a:t>Real signals are noisy, multi-peak signals, especially with varying amplitudes among multiple peaks.</a:t>
             </a:r>
-            <a:r>
-              <a:rPr lang="en-US" altLang="zh-CN" dirty="0"/>
-              <a:t>amplitude</a:t>
-            </a:r>
-            <a:r>
-              <a:rPr lang="zh-CN" altLang="en-US" dirty="0"/>
-              <a:t>的相对大小并不固定。</a:t>
-            </a:r>
-            <a:endParaRPr lang="en-US" altLang="zh-CN" dirty="0"/>
           </a:p>
           <a:p>
             <a:pPr marL="342900" indent="-342900">
               <a:buAutoNum type="arabicPeriod"/>
             </a:pPr>
             <a:r>
-              <a:rPr lang="zh-CN" altLang="en-US" dirty="0"/>
-              <a:t>第一节信号往往是有问题的，周期残缺</a:t>
+              <a:rPr lang="en-US" altLang="zh-CN" dirty="0"/>
+              <a:t>The initial section of the signal is often problematic, with periodic incompleteness.</a:t>
             </a:r>
-            <a:endParaRPr lang="en-US" altLang="zh-CN" dirty="0"/>
           </a:p>
         </p:txBody>
       </p:sp>
@@ -15564,23 +15803,50 @@
         </p:nvSpPr>
         <p:spPr>
           <a:xfrm>
-            <a:off x="452651" y="2577153"/>
-            <a:ext cx="10495128" cy="1169551"/>
+            <a:off x="507241" y="2389793"/>
+            <a:ext cx="11484890" cy="1754326"/>
           </a:xfrm>
           <a:prstGeom prst="rect">
             <a:avLst/>
           </a:prstGeom>
           <a:noFill/>
+          <a:ln>
+            <a:noFill/>
+          </a:ln>
         </p:spPr>
         <p:txBody>
-          <a:bodyPr wrap="square" rtlCol="0">
+          <a:bodyPr spcFirstLastPara="1" wrap="square" lIns="91425" tIns="45700" rIns="91425" bIns="45700" anchor="t" anchorCtr="0">
             <a:spAutoFit/>
           </a:bodyPr>
-          <a:lstStyle/>
+          <a:lstStyle>
+            <a:defPPr marR="0" lvl="0" algn="l" rtl="0">
+              <a:lnSpc>
+                <a:spcPct val="100000"/>
+              </a:lnSpc>
+              <a:spcBef>
+                <a:spcPts val="0"/>
+              </a:spcBef>
+              <a:spcAft>
+                <a:spcPts val="0"/>
+              </a:spcAft>
+              <a:defRPr/>
+            </a:defPPr>
+            <a:lvl1pPr marL="0" indent="0">
+              <a:buNone/>
+              <a:defRPr sz="1800">
+                <a:solidFill>
+                  <a:schemeClr val="dk1"/>
+                </a:solidFill>
+                <a:latin typeface="Consolas"/>
+                <a:ea typeface="Consolas"/>
+                <a:cs typeface="Consolas"/>
+              </a:defRPr>
+            </a:lvl1pPr>
+          </a:lstStyle>
           <a:p>
             <a:r>
-              <a:rPr lang="zh-CN" altLang="en-US" dirty="0"/>
-              <a:t>尝试了使用</a:t>
+              <a:rPr lang="en-US" altLang="zh-CN" dirty="0"/>
+              <a:t>I attempted to utilize an approach presented by </a:t>
             </a:r>
             <a:r>
               <a:rPr lang="en-US" altLang="zh-CN" dirty="0" err="1"/>
@@ -15588,31 +15854,16 @@
             </a:r>
             <a:r>
               <a:rPr lang="en-US" altLang="zh-CN" dirty="0"/>
-              <a:t> Song</a:t>
+              <a:t> Song in IoT2023. </a:t>
             </a:r>
-            <a:r>
-              <a:rPr lang="zh-CN" altLang="en-US" dirty="0"/>
-              <a:t>发表在</a:t>
-            </a:r>
+          </a:p>
+          <a:p>
             <a:r>
               <a:rPr lang="en-US" altLang="zh-CN" dirty="0"/>
-              <a:t>IoT2023</a:t>
+              <a:t>While this method is sufficient for estimating heart rate, it is not adequate for accurate segmentation, leading to the following two issues:</a:t>
             </a:r>
-            <a:r>
-              <a:rPr lang="zh-CN" altLang="en-US" dirty="0"/>
-              <a:t>上的一个思路，即</a:t>
-            </a:r>
-            <a:r>
-              <a:rPr lang="en-US" altLang="zh-CN" dirty="0" err="1"/>
-              <a:t>xxxx</a:t>
-            </a:r>
-            <a:endParaRPr lang="en-US" altLang="zh-CN" dirty="0"/>
-          </a:p>
-          <a:p>
-            <a:r>
-              <a:rPr lang="zh-CN" altLang="en-US" dirty="0"/>
-              <a:t>这个方法用于心率的估计已经足够了，但是对于准确的分隔并不足够，这种方法会造成以下的几种问题</a:t>
-            </a:r>
+          </a:p>
+          <a:p>
             <a:endParaRPr lang="en-US" altLang="zh-CN" dirty="0"/>
           </a:p>
           <a:p>
@@ -15620,32 +15871,27 @@
               <a:buAutoNum type="arabicPeriod"/>
             </a:pPr>
             <a:r>
-              <a:rPr lang="zh-CN" altLang="en-US" dirty="0"/>
-              <a:t>误差很大很大，无法对齐</a:t>
+              <a:rPr lang="en-US" altLang="zh-CN" dirty="0"/>
+              <a:t>Significant and unmanageable errors, making alignment difficult.</a:t>
             </a:r>
-            <a:endParaRPr lang="en-US" altLang="zh-CN" dirty="0"/>
           </a:p>
           <a:p>
             <a:pPr marL="342900" indent="-342900">
               <a:buAutoNum type="arabicPeriod"/>
             </a:pPr>
             <a:r>
-              <a:rPr lang="zh-CN" altLang="en-US" dirty="0"/>
-              <a:t>切分完以后，并不是我们想要的周期。</a:t>
+              <a:rPr lang="en-US" altLang="zh-CN" dirty="0"/>
+              <a:t>The resulting segments are not the desired cycles after the split.</a:t>
             </a:r>
-            <a:endParaRPr lang="en-US" altLang="zh-CN" dirty="0"/>
-          </a:p>
-          <a:p>
-            <a:endParaRPr lang="en-US" altLang="zh-CN" dirty="0"/>
           </a:p>
         </p:txBody>
       </p:sp>
       <p:sp>
         <p:nvSpPr>
-          <p:cNvPr id="5" name="文本框 4">
+          <p:cNvPr id="2" name="文本框 1">
             <a:extLst>
               <a:ext uri="{FF2B5EF4-FFF2-40B4-BE49-F238E27FC236}">
-                <a16:creationId xmlns:a16="http://schemas.microsoft.com/office/drawing/2014/main" id="{281F22CD-2FA4-4B08-5A30-C67F838266E4}"/>
+                <a16:creationId xmlns:a16="http://schemas.microsoft.com/office/drawing/2014/main" id="{52808320-0F04-CD89-5B0E-4E5AC92A97C6}"/>
               </a:ext>
             </a:extLst>
           </p:cNvPr>
@@ -15654,8 +15900,566 @@
         </p:nvSpPr>
         <p:spPr>
           <a:xfrm>
-            <a:off x="452651" y="4353636"/>
-            <a:ext cx="10495128" cy="1169551"/>
+            <a:off x="790176" y="4756464"/>
+            <a:ext cx="2425214" cy="646331"/>
+          </a:xfrm>
+          <a:prstGeom prst="rect">
+            <a:avLst/>
+          </a:prstGeom>
+          <a:noFill/>
+          <a:ln w="19050">
+            <a:solidFill>
+              <a:schemeClr val="tx1"/>
+            </a:solidFill>
+          </a:ln>
+        </p:spPr>
+        <p:txBody>
+          <a:bodyPr wrap="square" rtlCol="0">
+            <a:spAutoFit/>
+          </a:bodyPr>
+          <a:lstStyle>
+            <a:defPPr>
+              <a:defRPr lang="zh-CN"/>
+            </a:defPPr>
+            <a:lvl1pPr algn="ctr">
+              <a:defRPr>
+                <a:latin typeface="Times New Roman" panose="02020603050405020304" pitchFamily="18" charset="0"/>
+                <a:cs typeface="Times New Roman" panose="02020603050405020304" pitchFamily="18" charset="0"/>
+              </a:defRPr>
+            </a:lvl1pPr>
+          </a:lstStyle>
+          <a:p>
+            <a:r>
+              <a:rPr lang="en-US" altLang="zh-CN" sz="1800" dirty="0">
+                <a:solidFill>
+                  <a:schemeClr val="dk1"/>
+                </a:solidFill>
+                <a:latin typeface="Consolas"/>
+              </a:rPr>
+              <a:t>Hilbert transform for envelope</a:t>
+            </a:r>
+            <a:endParaRPr lang="zh-CN" altLang="en-US" sz="1800" dirty="0">
+              <a:solidFill>
+                <a:schemeClr val="dk1"/>
+              </a:solidFill>
+              <a:latin typeface="Consolas"/>
+            </a:endParaRPr>
+          </a:p>
+        </p:txBody>
+      </p:sp>
+      <p:sp>
+        <p:nvSpPr>
+          <p:cNvPr id="6" name="文本框 5">
+            <a:extLst>
+              <a:ext uri="{FF2B5EF4-FFF2-40B4-BE49-F238E27FC236}">
+                <a16:creationId xmlns:a16="http://schemas.microsoft.com/office/drawing/2014/main" id="{A25A9080-FD07-CA19-F0C2-6F28781F14EA}"/>
+              </a:ext>
+            </a:extLst>
+          </p:cNvPr>
+          <p:cNvSpPr txBox="1"/>
+          <p:nvPr/>
+        </p:nvSpPr>
+        <p:spPr>
+          <a:xfrm>
+            <a:off x="790176" y="5811164"/>
+            <a:ext cx="2425214" cy="646331"/>
+          </a:xfrm>
+          <a:prstGeom prst="rect">
+            <a:avLst/>
+          </a:prstGeom>
+          <a:noFill/>
+          <a:ln w="19050">
+            <a:solidFill>
+              <a:schemeClr val="tx1"/>
+            </a:solidFill>
+          </a:ln>
+        </p:spPr>
+        <p:txBody>
+          <a:bodyPr wrap="square" rtlCol="0">
+            <a:spAutoFit/>
+          </a:bodyPr>
+          <a:lstStyle>
+            <a:defPPr marR="0" lvl="0" algn="l" rtl="0">
+              <a:lnSpc>
+                <a:spcPct val="100000"/>
+              </a:lnSpc>
+              <a:spcBef>
+                <a:spcPts val="0"/>
+              </a:spcBef>
+              <a:spcAft>
+                <a:spcPts val="0"/>
+              </a:spcAft>
+            </a:defPPr>
+            <a:lvl1pPr algn="ctr">
+              <a:defRPr sz="1800">
+                <a:solidFill>
+                  <a:schemeClr val="dk1"/>
+                </a:solidFill>
+                <a:latin typeface="Consolas"/>
+                <a:cs typeface="Times New Roman" panose="02020603050405020304" pitchFamily="18" charset="0"/>
+              </a:defRPr>
+            </a:lvl1pPr>
+          </a:lstStyle>
+          <a:p>
+            <a:r>
+              <a:rPr lang="en-US" altLang="zh-CN" dirty="0" err="1"/>
+              <a:t>Savitzky-Golay</a:t>
+            </a:r>
+            <a:r>
+              <a:rPr lang="en-US" altLang="zh-CN" dirty="0"/>
+              <a:t> filter</a:t>
+            </a:r>
+            <a:endParaRPr lang="zh-CN" altLang="en-US" dirty="0"/>
+          </a:p>
+        </p:txBody>
+      </p:sp>
+      <p:sp>
+        <p:nvSpPr>
+          <p:cNvPr id="7" name="文本框 6">
+            <a:extLst>
+              <a:ext uri="{FF2B5EF4-FFF2-40B4-BE49-F238E27FC236}">
+                <a16:creationId xmlns:a16="http://schemas.microsoft.com/office/drawing/2014/main" id="{9173D8A4-A9BF-4399-C7FD-28F91970EC17}"/>
+              </a:ext>
+            </a:extLst>
+          </p:cNvPr>
+          <p:cNvSpPr txBox="1"/>
+          <p:nvPr/>
+        </p:nvSpPr>
+        <p:spPr>
+          <a:xfrm>
+            <a:off x="4358122" y="5467171"/>
+            <a:ext cx="2425214" cy="369332"/>
+          </a:xfrm>
+          <a:prstGeom prst="rect">
+            <a:avLst/>
+          </a:prstGeom>
+          <a:noFill/>
+          <a:ln w="19050">
+            <a:solidFill>
+              <a:schemeClr val="tx1"/>
+            </a:solidFill>
+          </a:ln>
+        </p:spPr>
+        <p:txBody>
+          <a:bodyPr wrap="square" rtlCol="0">
+            <a:spAutoFit/>
+          </a:bodyPr>
+          <a:lstStyle>
+            <a:defPPr marR="0" lvl="0" algn="l" rtl="0">
+              <a:lnSpc>
+                <a:spcPct val="100000"/>
+              </a:lnSpc>
+              <a:spcBef>
+                <a:spcPts val="0"/>
+              </a:spcBef>
+              <a:spcAft>
+                <a:spcPts val="0"/>
+              </a:spcAft>
+            </a:defPPr>
+            <a:lvl1pPr algn="ctr">
+              <a:defRPr sz="1800">
+                <a:solidFill>
+                  <a:schemeClr val="dk1"/>
+                </a:solidFill>
+                <a:latin typeface="Consolas"/>
+                <a:cs typeface="Times New Roman" panose="02020603050405020304" pitchFamily="18" charset="0"/>
+              </a:defRPr>
+            </a:lvl1pPr>
+          </a:lstStyle>
+          <a:p>
+            <a:r>
+              <a:rPr lang="en-US" altLang="zh-CN" dirty="0"/>
+              <a:t>ACF</a:t>
+            </a:r>
+            <a:endParaRPr lang="zh-CN" altLang="en-US" dirty="0"/>
+          </a:p>
+        </p:txBody>
+      </p:sp>
+      <p:sp>
+        <p:nvSpPr>
+          <p:cNvPr id="8" name="文本框 7">
+            <a:extLst>
+              <a:ext uri="{FF2B5EF4-FFF2-40B4-BE49-F238E27FC236}">
+                <a16:creationId xmlns:a16="http://schemas.microsoft.com/office/drawing/2014/main" id="{698F0F11-074B-6C2A-0A09-7734218BCD35}"/>
+              </a:ext>
+            </a:extLst>
+          </p:cNvPr>
+          <p:cNvSpPr txBox="1"/>
+          <p:nvPr/>
+        </p:nvSpPr>
+        <p:spPr>
+          <a:xfrm>
+            <a:off x="4358122" y="4764260"/>
+            <a:ext cx="2425214" cy="369332"/>
+          </a:xfrm>
+          <a:prstGeom prst="rect">
+            <a:avLst/>
+          </a:prstGeom>
+          <a:noFill/>
+          <a:ln w="19050">
+            <a:solidFill>
+              <a:schemeClr val="tx1"/>
+            </a:solidFill>
+          </a:ln>
+        </p:spPr>
+        <p:txBody>
+          <a:bodyPr wrap="square" rtlCol="0">
+            <a:spAutoFit/>
+          </a:bodyPr>
+          <a:lstStyle>
+            <a:defPPr marR="0" lvl="0" algn="l" rtl="0">
+              <a:lnSpc>
+                <a:spcPct val="100000"/>
+              </a:lnSpc>
+              <a:spcBef>
+                <a:spcPts val="0"/>
+              </a:spcBef>
+              <a:spcAft>
+                <a:spcPts val="0"/>
+              </a:spcAft>
+            </a:defPPr>
+            <a:lvl1pPr algn="ctr">
+              <a:defRPr sz="1800">
+                <a:solidFill>
+                  <a:schemeClr val="dk1"/>
+                </a:solidFill>
+                <a:latin typeface="Consolas"/>
+                <a:cs typeface="Times New Roman" panose="02020603050405020304" pitchFamily="18" charset="0"/>
+              </a:defRPr>
+            </a:lvl1pPr>
+          </a:lstStyle>
+          <a:p>
+            <a:r>
+              <a:rPr lang="en-US" altLang="zh-CN" dirty="0"/>
+              <a:t>Peak Detection</a:t>
+            </a:r>
+            <a:endParaRPr lang="zh-CN" altLang="en-US" dirty="0"/>
+          </a:p>
+        </p:txBody>
+      </p:sp>
+      <p:sp>
+        <p:nvSpPr>
+          <p:cNvPr id="9" name="文本框 8">
+            <a:extLst>
+              <a:ext uri="{FF2B5EF4-FFF2-40B4-BE49-F238E27FC236}">
+                <a16:creationId xmlns:a16="http://schemas.microsoft.com/office/drawing/2014/main" id="{A4E6DE80-A101-F55A-0536-A1DA68E1F2B5}"/>
+              </a:ext>
+            </a:extLst>
+          </p:cNvPr>
+          <p:cNvSpPr txBox="1"/>
+          <p:nvPr/>
+        </p:nvSpPr>
+        <p:spPr>
+          <a:xfrm>
+            <a:off x="4358122" y="6134330"/>
+            <a:ext cx="2425214" cy="369332"/>
+          </a:xfrm>
+          <a:prstGeom prst="rect">
+            <a:avLst/>
+          </a:prstGeom>
+          <a:noFill/>
+          <a:ln w="19050">
+            <a:solidFill>
+              <a:schemeClr val="tx1"/>
+            </a:solidFill>
+          </a:ln>
+        </p:spPr>
+        <p:txBody>
+          <a:bodyPr wrap="square" rtlCol="0">
+            <a:spAutoFit/>
+          </a:bodyPr>
+          <a:lstStyle>
+            <a:defPPr marR="0" lvl="0" algn="l" rtl="0">
+              <a:lnSpc>
+                <a:spcPct val="100000"/>
+              </a:lnSpc>
+              <a:spcBef>
+                <a:spcPts val="0"/>
+              </a:spcBef>
+              <a:spcAft>
+                <a:spcPts val="0"/>
+              </a:spcAft>
+            </a:defPPr>
+            <a:lvl1pPr algn="ctr">
+              <a:defRPr sz="1800">
+                <a:solidFill>
+                  <a:schemeClr val="dk1"/>
+                </a:solidFill>
+                <a:latin typeface="Consolas"/>
+                <a:cs typeface="Times New Roman" panose="02020603050405020304" pitchFamily="18" charset="0"/>
+              </a:defRPr>
+            </a:lvl1pPr>
+          </a:lstStyle>
+          <a:p>
+            <a:r>
+              <a:rPr lang="en-US" altLang="zh-CN" dirty="0"/>
+              <a:t>Segmentation</a:t>
+            </a:r>
+            <a:endParaRPr lang="zh-CN" altLang="en-US" dirty="0"/>
+          </a:p>
+        </p:txBody>
+      </p:sp>
+      <p:cxnSp>
+        <p:nvCxnSpPr>
+          <p:cNvPr id="33" name="直接箭头连接符 32">
+            <a:extLst>
+              <a:ext uri="{FF2B5EF4-FFF2-40B4-BE49-F238E27FC236}">
+                <a16:creationId xmlns:a16="http://schemas.microsoft.com/office/drawing/2014/main" id="{F1291316-D6DB-1F6E-0CC7-7DE62F952D4A}"/>
+              </a:ext>
+            </a:extLst>
+          </p:cNvPr>
+          <p:cNvCxnSpPr>
+            <a:cxnSpLocks/>
+            <a:stCxn id="2" idx="2"/>
+            <a:endCxn id="6" idx="0"/>
+          </p:cNvCxnSpPr>
+          <p:nvPr/>
+        </p:nvCxnSpPr>
+        <p:spPr>
+          <a:xfrm>
+            <a:off x="2002783" y="5402795"/>
+            <a:ext cx="0" cy="408369"/>
+          </a:xfrm>
+          <a:prstGeom prst="straightConnector1">
+            <a:avLst/>
+          </a:prstGeom>
+          <a:ln w="19050">
+            <a:solidFill>
+              <a:schemeClr val="tx1"/>
+            </a:solidFill>
+            <a:tailEnd type="triangle"/>
+          </a:ln>
+        </p:spPr>
+        <p:style>
+          <a:lnRef idx="1">
+            <a:schemeClr val="accent1"/>
+          </a:lnRef>
+          <a:fillRef idx="0">
+            <a:schemeClr val="accent1"/>
+          </a:fillRef>
+          <a:effectRef idx="0">
+            <a:schemeClr val="accent1"/>
+          </a:effectRef>
+          <a:fontRef idx="minor">
+            <a:schemeClr val="tx1"/>
+          </a:fontRef>
+        </p:style>
+      </p:cxnSp>
+      <p:cxnSp>
+        <p:nvCxnSpPr>
+          <p:cNvPr id="36" name="直接箭头连接符 35">
+            <a:extLst>
+              <a:ext uri="{FF2B5EF4-FFF2-40B4-BE49-F238E27FC236}">
+                <a16:creationId xmlns:a16="http://schemas.microsoft.com/office/drawing/2014/main" id="{56575672-C339-2DC8-1893-E4F01A051CA6}"/>
+              </a:ext>
+            </a:extLst>
+          </p:cNvPr>
+          <p:cNvCxnSpPr>
+            <a:cxnSpLocks/>
+            <a:stCxn id="8" idx="2"/>
+            <a:endCxn id="7" idx="0"/>
+          </p:cNvCxnSpPr>
+          <p:nvPr/>
+        </p:nvCxnSpPr>
+        <p:spPr>
+          <a:xfrm>
+            <a:off x="5570729" y="5133592"/>
+            <a:ext cx="0" cy="333579"/>
+          </a:xfrm>
+          <a:prstGeom prst="straightConnector1">
+            <a:avLst/>
+          </a:prstGeom>
+          <a:ln w="19050">
+            <a:solidFill>
+              <a:schemeClr val="tx1"/>
+            </a:solidFill>
+            <a:tailEnd type="triangle"/>
+          </a:ln>
+        </p:spPr>
+        <p:style>
+          <a:lnRef idx="1">
+            <a:schemeClr val="accent1"/>
+          </a:lnRef>
+          <a:fillRef idx="0">
+            <a:schemeClr val="accent1"/>
+          </a:fillRef>
+          <a:effectRef idx="0">
+            <a:schemeClr val="accent1"/>
+          </a:effectRef>
+          <a:fontRef idx="minor">
+            <a:schemeClr val="tx1"/>
+          </a:fontRef>
+        </p:style>
+      </p:cxnSp>
+      <p:cxnSp>
+        <p:nvCxnSpPr>
+          <p:cNvPr id="39" name="直接箭头连接符 38">
+            <a:extLst>
+              <a:ext uri="{FF2B5EF4-FFF2-40B4-BE49-F238E27FC236}">
+                <a16:creationId xmlns:a16="http://schemas.microsoft.com/office/drawing/2014/main" id="{61DFCAA4-2090-0A83-6CBF-6143921622D7}"/>
+              </a:ext>
+            </a:extLst>
+          </p:cNvPr>
+          <p:cNvCxnSpPr>
+            <a:cxnSpLocks/>
+            <a:stCxn id="7" idx="2"/>
+            <a:endCxn id="9" idx="0"/>
+          </p:cNvCxnSpPr>
+          <p:nvPr/>
+        </p:nvCxnSpPr>
+        <p:spPr>
+          <a:xfrm>
+            <a:off x="5570729" y="5836503"/>
+            <a:ext cx="0" cy="297827"/>
+          </a:xfrm>
+          <a:prstGeom prst="straightConnector1">
+            <a:avLst/>
+          </a:prstGeom>
+          <a:ln w="19050">
+            <a:solidFill>
+              <a:schemeClr val="tx1"/>
+            </a:solidFill>
+            <a:tailEnd type="triangle"/>
+          </a:ln>
+        </p:spPr>
+        <p:style>
+          <a:lnRef idx="1">
+            <a:schemeClr val="accent1"/>
+          </a:lnRef>
+          <a:fillRef idx="0">
+            <a:schemeClr val="accent1"/>
+          </a:fillRef>
+          <a:effectRef idx="0">
+            <a:schemeClr val="accent1"/>
+          </a:effectRef>
+          <a:fontRef idx="minor">
+            <a:schemeClr val="tx1"/>
+          </a:fontRef>
+        </p:style>
+      </p:cxnSp>
+      <p:cxnSp>
+        <p:nvCxnSpPr>
+          <p:cNvPr id="43" name="连接符: 肘形 42">
+            <a:extLst>
+              <a:ext uri="{FF2B5EF4-FFF2-40B4-BE49-F238E27FC236}">
+                <a16:creationId xmlns:a16="http://schemas.microsoft.com/office/drawing/2014/main" id="{3BF20351-2D36-D7EA-A944-D14C2B4A25C5}"/>
+              </a:ext>
+            </a:extLst>
+          </p:cNvPr>
+          <p:cNvCxnSpPr>
+            <a:stCxn id="6" idx="2"/>
+            <a:endCxn id="8" idx="0"/>
+          </p:cNvCxnSpPr>
+          <p:nvPr/>
+        </p:nvCxnSpPr>
+        <p:spPr>
+          <a:xfrm rot="5400000" flipH="1" flipV="1">
+            <a:off x="2940138" y="3826905"/>
+            <a:ext cx="1693235" cy="3567946"/>
+          </a:xfrm>
+          <a:prstGeom prst="bentConnector5">
+            <a:avLst>
+              <a:gd name="adj1" fmla="val -13501"/>
+              <a:gd name="adj2" fmla="val 50000"/>
+              <a:gd name="adj3" fmla="val 113501"/>
+            </a:avLst>
+          </a:prstGeom>
+          <a:ln w="19050">
+            <a:solidFill>
+              <a:schemeClr val="tx1"/>
+            </a:solidFill>
+            <a:tailEnd type="triangle"/>
+          </a:ln>
+        </p:spPr>
+        <p:style>
+          <a:lnRef idx="1">
+            <a:schemeClr val="accent1"/>
+          </a:lnRef>
+          <a:fillRef idx="0">
+            <a:schemeClr val="accent1"/>
+          </a:fillRef>
+          <a:effectRef idx="0">
+            <a:schemeClr val="accent1"/>
+          </a:effectRef>
+          <a:fontRef idx="minor">
+            <a:schemeClr val="tx1"/>
+          </a:fontRef>
+        </p:style>
+      </p:cxnSp>
+      <p:pic>
+        <p:nvPicPr>
+          <p:cNvPr id="45" name="图片 44">
+            <a:extLst>
+              <a:ext uri="{FF2B5EF4-FFF2-40B4-BE49-F238E27FC236}">
+                <a16:creationId xmlns:a16="http://schemas.microsoft.com/office/drawing/2014/main" id="{552395A7-6D92-4E9A-8DB0-DCA388E33D50}"/>
+              </a:ext>
+            </a:extLst>
+          </p:cNvPr>
+          <p:cNvPicPr>
+            <a:picLocks noChangeAspect="1"/>
+          </p:cNvPicPr>
+          <p:nvPr/>
+        </p:nvPicPr>
+        <p:blipFill rotWithShape="1">
+          <a:blip r:embed="rId3"/>
+          <a:srcRect b="60787"/>
+          <a:stretch/>
+        </p:blipFill>
+        <p:spPr>
+          <a:xfrm>
+            <a:off x="7008125" y="4286974"/>
+            <a:ext cx="4198968" cy="1693236"/>
+          </a:xfrm>
+          <a:prstGeom prst="rect">
+            <a:avLst/>
+          </a:prstGeom>
+        </p:spPr>
+      </p:pic>
+      <p:pic>
+        <p:nvPicPr>
+          <p:cNvPr id="46" name="图片 45">
+            <a:extLst>
+              <a:ext uri="{FF2B5EF4-FFF2-40B4-BE49-F238E27FC236}">
+                <a16:creationId xmlns:a16="http://schemas.microsoft.com/office/drawing/2014/main" id="{7C0E3E43-DBAF-0B3B-8F62-FB1A3E3836DD}"/>
+              </a:ext>
+            </a:extLst>
+          </p:cNvPr>
+          <p:cNvPicPr>
+            <a:picLocks noChangeAspect="1"/>
+          </p:cNvPicPr>
+          <p:nvPr/>
+        </p:nvPicPr>
+        <p:blipFill rotWithShape="1">
+          <a:blip r:embed="rId3"/>
+          <a:srcRect t="79232" b="1831"/>
+          <a:stretch/>
+        </p:blipFill>
+        <p:spPr>
+          <a:xfrm>
+            <a:off x="7008124" y="5980210"/>
+            <a:ext cx="4198969" cy="817762"/>
+          </a:xfrm>
+          <a:prstGeom prst="rect">
+            <a:avLst/>
+          </a:prstGeom>
+        </p:spPr>
+      </p:pic>
+      <p:sp>
+        <p:nvSpPr>
+          <p:cNvPr id="47" name="文本框 46">
+            <a:extLst>
+              <a:ext uri="{FF2B5EF4-FFF2-40B4-BE49-F238E27FC236}">
+                <a16:creationId xmlns:a16="http://schemas.microsoft.com/office/drawing/2014/main" id="{EE627737-C196-79B1-6E43-6E51F0A3EB4F}"/>
+              </a:ext>
+            </a:extLst>
+          </p:cNvPr>
+          <p:cNvSpPr txBox="1"/>
+          <p:nvPr/>
+        </p:nvSpPr>
+        <p:spPr>
+          <a:xfrm>
+            <a:off x="11024247" y="4566676"/>
+            <a:ext cx="1047366" cy="369332"/>
           </a:xfrm>
           <a:prstGeom prst="rect">
             <a:avLst/>
@@ -15669,42 +16473,125 @@
           <a:lstStyle/>
           <a:p>
             <a:r>
-              <a:rPr lang="zh-CN" altLang="en-US" dirty="0"/>
-              <a:t>解决思路：</a:t>
+              <a:rPr lang="en-US" altLang="zh-CN" sz="1800" dirty="0">
+                <a:solidFill>
+                  <a:schemeClr val="dk1"/>
+                </a:solidFill>
+                <a:latin typeface="Consolas"/>
+              </a:rPr>
+              <a:t>Signal</a:t>
             </a:r>
-            <a:endParaRPr lang="en-US" altLang="zh-CN" dirty="0"/>
-          </a:p>
+            <a:endParaRPr lang="zh-CN" altLang="en-US" sz="1800" dirty="0">
+              <a:solidFill>
+                <a:schemeClr val="dk1"/>
+              </a:solidFill>
+              <a:latin typeface="Consolas"/>
+            </a:endParaRPr>
+          </a:p>
+        </p:txBody>
+      </p:sp>
+      <p:sp>
+        <p:nvSpPr>
+          <p:cNvPr id="49" name="文本框 48">
+            <a:extLst>
+              <a:ext uri="{FF2B5EF4-FFF2-40B4-BE49-F238E27FC236}">
+                <a16:creationId xmlns:a16="http://schemas.microsoft.com/office/drawing/2014/main" id="{1A6817EF-9BF7-37C6-F11E-EA5DA10E3077}"/>
+              </a:ext>
+            </a:extLst>
+          </p:cNvPr>
+          <p:cNvSpPr txBox="1"/>
+          <p:nvPr/>
+        </p:nvSpPr>
+        <p:spPr>
+          <a:xfrm>
+            <a:off x="11024247" y="5400629"/>
+            <a:ext cx="864520" cy="369332"/>
+          </a:xfrm>
+          <a:prstGeom prst="rect">
+            <a:avLst/>
+          </a:prstGeom>
+          <a:noFill/>
+        </p:spPr>
+        <p:txBody>
+          <a:bodyPr wrap="square" rtlCol="0">
+            <a:spAutoFit/>
+          </a:bodyPr>
+          <a:lstStyle/>
           <a:p>
             <a:r>
-              <a:rPr lang="zh-CN" altLang="en-US" dirty="0"/>
-              <a:t>能不能把一个时域上的多峰问题，变成其他域上的单峰问题，并且这个单峰在每个周期内的位置，要相对固定。</a:t>
-            </a:r>
-            <a:endParaRPr lang="en-US" altLang="zh-CN" dirty="0"/>
-          </a:p>
-          <a:p>
-            <a:r>
-              <a:rPr lang="zh-CN" altLang="en-US" dirty="0"/>
-              <a:t>经过观察，信号的单个周期中，能量密度的分布往往比较稳定。</a:t>
-            </a:r>
-            <a:endParaRPr lang="en-US" altLang="zh-CN" dirty="0"/>
-          </a:p>
-          <a:p>
-            <a:endParaRPr lang="en-US" altLang="zh-CN" dirty="0"/>
-          </a:p>
-          <a:p>
-            <a:r>
-              <a:rPr lang="zh-CN" altLang="en-US" dirty="0"/>
-              <a:t>将时域上的多峰问题</a:t>
+              <a:rPr lang="en-US" altLang="zh-CN" sz="1800" dirty="0">
+                <a:solidFill>
+                  <a:schemeClr val="dk1"/>
+                </a:solidFill>
+                <a:latin typeface="Consolas"/>
+              </a:rPr>
+              <a:t>We</a:t>
             </a:r>
             <a:r>
               <a:rPr lang="en-US" altLang="zh-CN" dirty="0"/>
-              <a:t>-&gt;</a:t>
+              <a:t> </a:t>
             </a:r>
             <a:r>
-              <a:rPr lang="zh-CN" altLang="en-US" dirty="0"/>
-              <a:t>能量密度上的单峰问题</a:t>
+              <a:rPr lang="en-US" altLang="zh-CN" sz="1800" dirty="0">
+                <a:solidFill>
+                  <a:schemeClr val="dk1"/>
+                </a:solidFill>
+                <a:latin typeface="Consolas"/>
+              </a:rPr>
+              <a:t>get</a:t>
             </a:r>
-            <a:endParaRPr lang="en-US" altLang="zh-CN" dirty="0"/>
+            <a:endParaRPr lang="zh-CN" altLang="en-US" sz="1800" dirty="0">
+              <a:solidFill>
+                <a:schemeClr val="dk1"/>
+              </a:solidFill>
+              <a:latin typeface="Consolas"/>
+            </a:endParaRPr>
+          </a:p>
+        </p:txBody>
+      </p:sp>
+      <p:sp>
+        <p:nvSpPr>
+          <p:cNvPr id="51" name="文本框 50">
+            <a:extLst>
+              <a:ext uri="{FF2B5EF4-FFF2-40B4-BE49-F238E27FC236}">
+                <a16:creationId xmlns:a16="http://schemas.microsoft.com/office/drawing/2014/main" id="{4BE2A854-6508-10C8-96E5-734FDA1B3DFC}"/>
+              </a:ext>
+            </a:extLst>
+          </p:cNvPr>
+          <p:cNvSpPr txBox="1"/>
+          <p:nvPr/>
+        </p:nvSpPr>
+        <p:spPr>
+          <a:xfrm>
+            <a:off x="11024247" y="6234582"/>
+            <a:ext cx="1144803" cy="369332"/>
+          </a:xfrm>
+          <a:prstGeom prst="rect">
+            <a:avLst/>
+          </a:prstGeom>
+          <a:noFill/>
+        </p:spPr>
+        <p:txBody>
+          <a:bodyPr wrap="square" rtlCol="0">
+            <a:spAutoFit/>
+          </a:bodyPr>
+          <a:lstStyle/>
+          <a:p>
+            <a:r>
+              <a:rPr lang="en-US" altLang="zh-CN" sz="1800" dirty="0">
+                <a:solidFill>
+                  <a:schemeClr val="dk1"/>
+                </a:solidFill>
+                <a:latin typeface="Consolas"/>
+              </a:rPr>
+              <a:t>We want</a:t>
+            </a:r>
+            <a:endParaRPr lang="zh-CN" altLang="en-US" sz="1800" dirty="0">
+              <a:solidFill>
+                <a:schemeClr val="dk1"/>
+              </a:solidFill>
+              <a:latin typeface="Consolas"/>
+            </a:endParaRPr>
           </a:p>
         </p:txBody>
       </p:sp>
@@ -15801,8 +16688,176 @@
         </p:nvSpPr>
         <p:spPr>
           <a:xfrm>
-            <a:off x="459475" y="1658203"/>
-            <a:ext cx="10495128" cy="523220"/>
+            <a:off x="624702" y="881448"/>
+            <a:ext cx="11082616" cy="3139321"/>
+          </a:xfrm>
+          <a:prstGeom prst="rect">
+            <a:avLst/>
+          </a:prstGeom>
+          <a:noFill/>
+          <a:ln>
+            <a:noFill/>
+          </a:ln>
+        </p:spPr>
+        <p:txBody>
+          <a:bodyPr spcFirstLastPara="1" wrap="square" lIns="91425" tIns="45700" rIns="91425" bIns="45700" anchor="t" anchorCtr="0">
+            <a:spAutoFit/>
+          </a:bodyPr>
+          <a:lstStyle>
+            <a:defPPr marR="0" lvl="0" algn="l" rtl="0">
+              <a:lnSpc>
+                <a:spcPct val="100000"/>
+              </a:lnSpc>
+              <a:spcBef>
+                <a:spcPts val="0"/>
+              </a:spcBef>
+              <a:spcAft>
+                <a:spcPts val="0"/>
+              </a:spcAft>
+              <a:defRPr/>
+            </a:defPPr>
+            <a:lvl1pPr marL="0" indent="0">
+              <a:buNone/>
+              <a:defRPr sz="1800">
+                <a:solidFill>
+                  <a:schemeClr val="dk1"/>
+                </a:solidFill>
+                <a:latin typeface="Consolas"/>
+                <a:ea typeface="Consolas"/>
+                <a:cs typeface="Consolas"/>
+              </a:defRPr>
+            </a:lvl1pPr>
+          </a:lstStyle>
+          <a:p>
+            <a:r>
+              <a:rPr lang="en-US" altLang="zh-CN" dirty="0"/>
+              <a:t>Solution approach:</a:t>
+            </a:r>
+          </a:p>
+          <a:p>
+            <a:endParaRPr lang="en-US" altLang="zh-CN" dirty="0"/>
+          </a:p>
+          <a:p>
+            <a:r>
+              <a:rPr lang="en-US" altLang="zh-CN" dirty="0"/>
+              <a:t>Is it possible to transform the multi-peak issue in the time domain into a single-peak problem in another domain, and ensure that this single peak is relatively fixed within each cycle?</a:t>
+            </a:r>
+          </a:p>
+          <a:p>
+            <a:endParaRPr lang="en-US" altLang="zh-CN" dirty="0"/>
+          </a:p>
+          <a:p>
+            <a:r>
+              <a:rPr lang="en-US" altLang="zh-CN" dirty="0"/>
+              <a:t>Upon observation, the distribution of energy density within a single cycle of the signal is often relatively stable.</a:t>
+            </a:r>
+          </a:p>
+          <a:p>
+            <a:endParaRPr lang="en-US" altLang="zh-CN" dirty="0"/>
+          </a:p>
+          <a:p>
+            <a:r>
+              <a:rPr lang="en-US" altLang="zh-CN" dirty="0"/>
+              <a:t>Transforming the multi-peak issue in the time domain into a single-peak problem in the energy density domain.</a:t>
+            </a:r>
+          </a:p>
+        </p:txBody>
+      </p:sp>
+    </p:spTree>
+    <p:extLst>
+      <p:ext uri="{BB962C8B-B14F-4D97-AF65-F5344CB8AC3E}">
+        <p14:creationId xmlns:p14="http://schemas.microsoft.com/office/powerpoint/2010/main" val="2190154328"/>
+      </p:ext>
+    </p:extLst>
+  </p:cSld>
+  <p:clrMapOvr>
+    <a:masterClrMapping/>
+  </p:clrMapOvr>
+</p:sld>
+</file>
+
+<file path=ppt/slides/slide14.xml><?xml version="1.0" encoding="utf-8"?>
+<p:sld xmlns:a="http://schemas.openxmlformats.org/drawingml/2006/main" xmlns:r="http://schemas.openxmlformats.org/officeDocument/2006/relationships" xmlns:p="http://schemas.openxmlformats.org/presentationml/2006/main">
+  <p:cSld>
+    <p:spTree>
+      <p:nvGrpSpPr>
+        <p:cNvPr id="1" name="Shape 307"/>
+        <p:cNvGrpSpPr/>
+        <p:nvPr/>
+      </p:nvGrpSpPr>
+      <p:grpSpPr>
+        <a:xfrm>
+          <a:off x="0" y="0"/>
+          <a:ext cx="0" cy="0"/>
+          <a:chOff x="0" y="0"/>
+          <a:chExt cx="0" cy="0"/>
+        </a:xfrm>
+      </p:grpSpPr>
+      <p:sp>
+        <p:nvSpPr>
+          <p:cNvPr id="309" name="Google Shape;309;p14"/>
+          <p:cNvSpPr txBox="1"/>
+          <p:nvPr/>
+        </p:nvSpPr>
+        <p:spPr>
+          <a:xfrm>
+            <a:off x="-1" y="0"/>
+            <a:ext cx="7008126" cy="369291"/>
+          </a:xfrm>
+          <a:prstGeom prst="rect">
+            <a:avLst/>
+          </a:prstGeom>
+          <a:noFill/>
+          <a:ln>
+            <a:noFill/>
+          </a:ln>
+        </p:spPr>
+        <p:txBody>
+          <a:bodyPr spcFirstLastPara="1" wrap="square" lIns="91425" tIns="45700" rIns="91425" bIns="45700" anchor="t" anchorCtr="0">
+            <a:spAutoFit/>
+          </a:bodyPr>
+          <a:lstStyle/>
+          <a:p>
+            <a:pPr marL="0" marR="0" lvl="0" indent="0" algn="l" rtl="0">
+              <a:spcBef>
+                <a:spcPts val="0"/>
+              </a:spcBef>
+              <a:spcAft>
+                <a:spcPts val="0"/>
+              </a:spcAft>
+              <a:buNone/>
+            </a:pPr>
+            <a:r>
+              <a:rPr lang="en-US" altLang="zh-CN" sz="1800" b="1" dirty="0">
+                <a:solidFill>
+                  <a:schemeClr val="dk1"/>
+                </a:solidFill>
+                <a:latin typeface="Consolas"/>
+                <a:ea typeface="Consolas"/>
+                <a:cs typeface="Consolas"/>
+                <a:sym typeface="Consolas"/>
+              </a:rPr>
+              <a:t>Cut, realign, and extract templates from real signals.</a:t>
+            </a:r>
+          </a:p>
+        </p:txBody>
+      </p:sp>
+      <p:sp>
+        <p:nvSpPr>
+          <p:cNvPr id="5" name="文本框 4">
+            <a:extLst>
+              <a:ext uri="{FF2B5EF4-FFF2-40B4-BE49-F238E27FC236}">
+                <a16:creationId xmlns:a16="http://schemas.microsoft.com/office/drawing/2014/main" id="{281F22CD-2FA4-4B08-5A30-C67F838266E4}"/>
+              </a:ext>
+            </a:extLst>
+          </p:cNvPr>
+          <p:cNvSpPr txBox="1"/>
+          <p:nvPr/>
+        </p:nvSpPr>
+        <p:spPr>
+          <a:xfrm>
+            <a:off x="605218" y="1048295"/>
+            <a:ext cx="6623378" cy="954107"/>
           </a:xfrm>
           <a:prstGeom prst="rect">
             <a:avLst/>
@@ -15816,17 +16871,15 @@
           <a:lstStyle/>
           <a:p>
             <a:r>
-              <a:rPr lang="zh-CN" altLang="en-US" dirty="0"/>
-              <a:t>能量密度的分布往往比较稳定，但是也不是完全一模一样。</a:t>
+              <a:rPr lang="en-US" altLang="zh-CN" dirty="0"/>
+              <a:t>The distribution of energy density is often relatively stable, but not completely identical.</a:t>
             </a:r>
-            <a:endParaRPr lang="en-US" altLang="zh-CN" dirty="0"/>
           </a:p>
           <a:p>
             <a:r>
-              <a:rPr lang="zh-CN" altLang="en-US" dirty="0"/>
-              <a:t>为了提升精度，那就需要对已经切分完成的信号进行重对齐。</a:t>
+              <a:rPr lang="en-US" altLang="zh-CN" dirty="0"/>
+              <a:t>To enhance precision, it is necessary to re-align the signals that have already been segmented.</a:t>
             </a:r>
-            <a:endParaRPr lang="en-US" altLang="zh-CN" dirty="0"/>
           </a:p>
         </p:txBody>
       </p:sp>
@@ -17388,1027 +18441,12 @@
           </a:p>
         </p:txBody>
       </p:sp>
-    </p:spTree>
-    <p:extLst>
-      <p:ext uri="{BB962C8B-B14F-4D97-AF65-F5344CB8AC3E}">
-        <p14:creationId xmlns:p14="http://schemas.microsoft.com/office/powerpoint/2010/main" val="2473672155"/>
-      </p:ext>
-    </p:extLst>
-  </p:cSld>
-  <p:clrMapOvr>
-    <a:masterClrMapping/>
-  </p:clrMapOvr>
-</p:sld>
-</file>
-
-<file path=ppt/slides/slide14.xml><?xml version="1.0" encoding="utf-8"?>
-<p:sld xmlns:a="http://schemas.openxmlformats.org/drawingml/2006/main" xmlns:r="http://schemas.openxmlformats.org/officeDocument/2006/relationships" xmlns:p="http://schemas.openxmlformats.org/presentationml/2006/main">
-  <p:cSld>
-    <p:spTree>
-      <p:nvGrpSpPr>
-        <p:cNvPr id="1" name="Shape 307"/>
-        <p:cNvGrpSpPr/>
-        <p:nvPr/>
-      </p:nvGrpSpPr>
-      <p:grpSpPr>
-        <a:xfrm>
-          <a:off x="0" y="0"/>
-          <a:ext cx="0" cy="0"/>
-          <a:chOff x="0" y="0"/>
-          <a:chExt cx="0" cy="0"/>
-        </a:xfrm>
-      </p:grpSpPr>
       <p:sp>
         <p:nvSpPr>
-          <p:cNvPr id="309" name="Google Shape;309;p14"/>
-          <p:cNvSpPr txBox="1"/>
-          <p:nvPr/>
-        </p:nvSpPr>
-        <p:spPr>
-          <a:xfrm>
-            <a:off x="-1" y="0"/>
-            <a:ext cx="7008126" cy="369291"/>
-          </a:xfrm>
-          <a:prstGeom prst="rect">
-            <a:avLst/>
-          </a:prstGeom>
-          <a:noFill/>
-          <a:ln>
-            <a:noFill/>
-          </a:ln>
-        </p:spPr>
-        <p:txBody>
-          <a:bodyPr spcFirstLastPara="1" wrap="square" lIns="91425" tIns="45700" rIns="91425" bIns="45700" anchor="t" anchorCtr="0">
-            <a:spAutoFit/>
-          </a:bodyPr>
-          <a:lstStyle/>
-          <a:p>
-            <a:pPr marL="0" marR="0" lvl="0" indent="0" algn="l" rtl="0">
-              <a:spcBef>
-                <a:spcPts val="0"/>
-              </a:spcBef>
-              <a:spcAft>
-                <a:spcPts val="0"/>
-              </a:spcAft>
-              <a:buNone/>
-            </a:pPr>
-            <a:r>
-              <a:rPr lang="en-US" altLang="zh-CN" sz="1800" b="1" dirty="0">
-                <a:solidFill>
-                  <a:schemeClr val="dk1"/>
-                </a:solidFill>
-                <a:latin typeface="Consolas"/>
-                <a:ea typeface="Consolas"/>
-                <a:cs typeface="Consolas"/>
-                <a:sym typeface="Consolas"/>
-              </a:rPr>
-              <a:t>Cut, realign, and extract templates from real signals.</a:t>
-            </a:r>
-          </a:p>
-        </p:txBody>
-      </p:sp>
-      <p:sp>
-        <p:nvSpPr>
-          <p:cNvPr id="3" name="矩形 2">
+          <p:cNvPr id="3" name="文本框 2">
             <a:extLst>
               <a:ext uri="{FF2B5EF4-FFF2-40B4-BE49-F238E27FC236}">
-                <a16:creationId xmlns:a16="http://schemas.microsoft.com/office/drawing/2014/main" id="{FC0651A2-4F0F-98FD-A8FC-B1043EF38195}"/>
-              </a:ext>
-            </a:extLst>
-          </p:cNvPr>
-          <p:cNvSpPr/>
-          <p:nvPr/>
-        </p:nvSpPr>
-        <p:spPr>
-          <a:xfrm>
-            <a:off x="4801003" y="1132410"/>
-            <a:ext cx="2589996" cy="597803"/>
-          </a:xfrm>
-          <a:prstGeom prst="rect">
-            <a:avLst/>
-          </a:prstGeom>
-          <a:solidFill>
-            <a:schemeClr val="bg1"/>
-          </a:solidFill>
-        </p:spPr>
-        <p:style>
-          <a:lnRef idx="2">
-            <a:schemeClr val="accent1">
-              <a:shade val="15000"/>
-            </a:schemeClr>
-          </a:lnRef>
-          <a:fillRef idx="1">
-            <a:schemeClr val="accent1"/>
-          </a:fillRef>
-          <a:effectRef idx="0">
-            <a:schemeClr val="accent1"/>
-          </a:effectRef>
-          <a:fontRef idx="minor">
-            <a:schemeClr val="lt1"/>
-          </a:fontRef>
-        </p:style>
-        <p:txBody>
-          <a:bodyPr rtlCol="0" anchor="ctr"/>
-          <a:lstStyle/>
-          <a:p>
-            <a:pPr algn="ctr"/>
-            <a:r>
-              <a:rPr lang="en-US" altLang="zh-CN" dirty="0">
-                <a:solidFill>
-                  <a:schemeClr val="tx1"/>
-                </a:solidFill>
-                <a:latin typeface="Consolas" panose="020B0609020204030204" pitchFamily="49" charset="0"/>
-                <a:cs typeface="Times New Roman" panose="02020603050405020304" pitchFamily="18" charset="0"/>
-              </a:rPr>
-              <a:t>Choose one piece x from N pieces X</a:t>
-            </a:r>
-            <a:endParaRPr lang="zh-CN" altLang="en-US" dirty="0">
-              <a:solidFill>
-                <a:schemeClr val="tx1"/>
-              </a:solidFill>
-              <a:latin typeface="Consolas" panose="020B0609020204030204" pitchFamily="49" charset="0"/>
-              <a:cs typeface="Times New Roman" panose="02020603050405020304" pitchFamily="18" charset="0"/>
-            </a:endParaRPr>
-          </a:p>
-        </p:txBody>
-      </p:sp>
-      <p:sp>
-        <p:nvSpPr>
-          <p:cNvPr id="4" name="矩形 3">
-            <a:extLst>
-              <a:ext uri="{FF2B5EF4-FFF2-40B4-BE49-F238E27FC236}">
-                <a16:creationId xmlns:a16="http://schemas.microsoft.com/office/drawing/2014/main" id="{8CEEEE2C-22C2-E119-D8E1-D899E1A40708}"/>
-              </a:ext>
-            </a:extLst>
-          </p:cNvPr>
-          <p:cNvSpPr/>
-          <p:nvPr/>
-        </p:nvSpPr>
-        <p:spPr>
-          <a:xfrm>
-            <a:off x="2325470" y="2061700"/>
-            <a:ext cx="2589996" cy="597803"/>
-          </a:xfrm>
-          <a:prstGeom prst="rect">
-            <a:avLst/>
-          </a:prstGeom>
-          <a:solidFill>
-            <a:schemeClr val="bg1"/>
-          </a:solidFill>
-        </p:spPr>
-        <p:style>
-          <a:lnRef idx="2">
-            <a:schemeClr val="accent1">
-              <a:shade val="15000"/>
-            </a:schemeClr>
-          </a:lnRef>
-          <a:fillRef idx="1">
-            <a:schemeClr val="accent1"/>
-          </a:fillRef>
-          <a:effectRef idx="0">
-            <a:schemeClr val="accent1"/>
-          </a:effectRef>
-          <a:fontRef idx="minor">
-            <a:schemeClr val="lt1"/>
-          </a:fontRef>
-        </p:style>
-        <p:txBody>
-          <a:bodyPr rtlCol="0" anchor="ctr"/>
-          <a:lstStyle/>
-          <a:p>
-            <a:pPr algn="ctr"/>
-            <a:r>
-              <a:rPr lang="en-US" altLang="zh-CN" dirty="0">
-                <a:solidFill>
-                  <a:schemeClr val="tx1"/>
-                </a:solidFill>
-                <a:latin typeface="Consolas" panose="020B0609020204030204" pitchFamily="49" charset="0"/>
-                <a:cs typeface="Times New Roman" panose="02020603050405020304" pitchFamily="18" charset="0"/>
-              </a:rPr>
-              <a:t>Calculate the ACF between x and X[1]</a:t>
-            </a:r>
-            <a:endParaRPr lang="zh-CN" altLang="en-US" dirty="0">
-              <a:solidFill>
-                <a:schemeClr val="tx1"/>
-              </a:solidFill>
-              <a:latin typeface="Consolas" panose="020B0609020204030204" pitchFamily="49" charset="0"/>
-              <a:cs typeface="Times New Roman" panose="02020603050405020304" pitchFamily="18" charset="0"/>
-            </a:endParaRPr>
-          </a:p>
-        </p:txBody>
-      </p:sp>
-      <p:sp>
-        <p:nvSpPr>
-          <p:cNvPr id="8" name="矩形 7">
-            <a:extLst>
-              <a:ext uri="{FF2B5EF4-FFF2-40B4-BE49-F238E27FC236}">
-                <a16:creationId xmlns:a16="http://schemas.microsoft.com/office/drawing/2014/main" id="{1383406E-D575-641F-634C-804D4FCB0F50}"/>
-              </a:ext>
-            </a:extLst>
-          </p:cNvPr>
-          <p:cNvSpPr/>
-          <p:nvPr/>
-        </p:nvSpPr>
-        <p:spPr>
-          <a:xfrm>
-            <a:off x="4800999" y="2979594"/>
-            <a:ext cx="2589997" cy="627223"/>
-          </a:xfrm>
-          <a:prstGeom prst="rect">
-            <a:avLst/>
-          </a:prstGeom>
-          <a:solidFill>
-            <a:schemeClr val="bg1"/>
-          </a:solidFill>
-        </p:spPr>
-        <p:style>
-          <a:lnRef idx="2">
-            <a:schemeClr val="accent1">
-              <a:shade val="15000"/>
-            </a:schemeClr>
-          </a:lnRef>
-          <a:fillRef idx="1">
-            <a:schemeClr val="accent1"/>
-          </a:fillRef>
-          <a:effectRef idx="0">
-            <a:schemeClr val="accent1"/>
-          </a:effectRef>
-          <a:fontRef idx="minor">
-            <a:schemeClr val="lt1"/>
-          </a:fontRef>
-        </p:style>
-        <p:txBody>
-          <a:bodyPr rtlCol="0" anchor="ctr"/>
-          <a:lstStyle/>
-          <a:p>
-            <a:pPr algn="ctr"/>
-            <a:r>
-              <a:rPr lang="en-US" altLang="zh-CN" dirty="0">
-                <a:solidFill>
-                  <a:schemeClr val="tx1"/>
-                </a:solidFill>
-                <a:latin typeface="Consolas" panose="020B0609020204030204" pitchFamily="49" charset="0"/>
-                <a:cs typeface="Times New Roman" panose="02020603050405020304" pitchFamily="18" charset="0"/>
-              </a:rPr>
-              <a:t>Add ACF results from N-1 times</a:t>
-            </a:r>
-            <a:endParaRPr lang="zh-CN" altLang="en-US" dirty="0">
-              <a:solidFill>
-                <a:schemeClr val="tx1"/>
-              </a:solidFill>
-              <a:latin typeface="Consolas" panose="020B0609020204030204" pitchFamily="49" charset="0"/>
-              <a:cs typeface="Times New Roman" panose="02020603050405020304" pitchFamily="18" charset="0"/>
-            </a:endParaRPr>
-          </a:p>
-        </p:txBody>
-      </p:sp>
-      <p:sp>
-        <p:nvSpPr>
-          <p:cNvPr id="10" name="矩形 9">
-            <a:extLst>
-              <a:ext uri="{FF2B5EF4-FFF2-40B4-BE49-F238E27FC236}">
-                <a16:creationId xmlns:a16="http://schemas.microsoft.com/office/drawing/2014/main" id="{182A76E3-930A-6B5C-A8E0-7D5DAB7D56A4}"/>
-              </a:ext>
-            </a:extLst>
-          </p:cNvPr>
-          <p:cNvSpPr/>
-          <p:nvPr/>
-        </p:nvSpPr>
-        <p:spPr>
-          <a:xfrm>
-            <a:off x="4800999" y="3938304"/>
-            <a:ext cx="2589998" cy="605597"/>
-          </a:xfrm>
-          <a:prstGeom prst="rect">
-            <a:avLst/>
-          </a:prstGeom>
-          <a:solidFill>
-            <a:schemeClr val="bg1"/>
-          </a:solidFill>
-        </p:spPr>
-        <p:style>
-          <a:lnRef idx="2">
-            <a:schemeClr val="accent1">
-              <a:shade val="15000"/>
-            </a:schemeClr>
-          </a:lnRef>
-          <a:fillRef idx="1">
-            <a:schemeClr val="accent1"/>
-          </a:fillRef>
-          <a:effectRef idx="0">
-            <a:schemeClr val="accent1"/>
-          </a:effectRef>
-          <a:fontRef idx="minor">
-            <a:schemeClr val="lt1"/>
-          </a:fontRef>
-        </p:style>
-        <p:txBody>
-          <a:bodyPr rtlCol="0" anchor="ctr"/>
-          <a:lstStyle/>
-          <a:p>
-            <a:pPr algn="ctr"/>
-            <a:r>
-              <a:rPr lang="en-US" altLang="zh-CN" dirty="0">
-                <a:solidFill>
-                  <a:schemeClr val="tx1"/>
-                </a:solidFill>
-                <a:latin typeface="Consolas" panose="020B0609020204030204" pitchFamily="49" charset="0"/>
-                <a:cs typeface="Times New Roman" panose="02020603050405020304" pitchFamily="18" charset="0"/>
-              </a:rPr>
-              <a:t>Find the appropriate time unit for lag.</a:t>
-            </a:r>
-            <a:endParaRPr lang="zh-CN" altLang="en-US" dirty="0">
-              <a:solidFill>
-                <a:schemeClr val="tx1"/>
-              </a:solidFill>
-              <a:latin typeface="Consolas" panose="020B0609020204030204" pitchFamily="49" charset="0"/>
-              <a:cs typeface="Times New Roman" panose="02020603050405020304" pitchFamily="18" charset="0"/>
-            </a:endParaRPr>
-          </a:p>
-        </p:txBody>
-      </p:sp>
-      <p:sp>
-        <p:nvSpPr>
-          <p:cNvPr id="12" name="矩形 11">
-            <a:extLst>
-              <a:ext uri="{FF2B5EF4-FFF2-40B4-BE49-F238E27FC236}">
-                <a16:creationId xmlns:a16="http://schemas.microsoft.com/office/drawing/2014/main" id="{3E780A2F-2567-DE88-E48A-72F0F68C9E63}"/>
-              </a:ext>
-            </a:extLst>
-          </p:cNvPr>
-          <p:cNvSpPr/>
-          <p:nvPr/>
-        </p:nvSpPr>
-        <p:spPr>
-          <a:xfrm>
-            <a:off x="4801000" y="4875388"/>
-            <a:ext cx="2589999" cy="602340"/>
-          </a:xfrm>
-          <a:prstGeom prst="rect">
-            <a:avLst/>
-          </a:prstGeom>
-          <a:solidFill>
-            <a:schemeClr val="bg1"/>
-          </a:solidFill>
-        </p:spPr>
-        <p:style>
-          <a:lnRef idx="2">
-            <a:schemeClr val="accent1">
-              <a:shade val="15000"/>
-            </a:schemeClr>
-          </a:lnRef>
-          <a:fillRef idx="1">
-            <a:schemeClr val="accent1"/>
-          </a:fillRef>
-          <a:effectRef idx="0">
-            <a:schemeClr val="accent1"/>
-          </a:effectRef>
-          <a:fontRef idx="minor">
-            <a:schemeClr val="lt1"/>
-          </a:fontRef>
-        </p:style>
-        <p:txBody>
-          <a:bodyPr rtlCol="0" anchor="ctr"/>
-          <a:lstStyle/>
-          <a:p>
-            <a:pPr algn="ctr"/>
-            <a:r>
-              <a:rPr lang="en-US" altLang="zh-CN" dirty="0">
-                <a:solidFill>
-                  <a:schemeClr val="tx1"/>
-                </a:solidFill>
-                <a:latin typeface="Consolas" panose="020B0609020204030204" pitchFamily="49" charset="0"/>
-                <a:cs typeface="Times New Roman" panose="02020603050405020304" pitchFamily="18" charset="0"/>
-              </a:rPr>
-              <a:t>Realign piece x.</a:t>
-            </a:r>
-            <a:endParaRPr lang="zh-CN" altLang="en-US" dirty="0">
-              <a:solidFill>
-                <a:schemeClr val="tx1"/>
-              </a:solidFill>
-              <a:latin typeface="Consolas" panose="020B0609020204030204" pitchFamily="49" charset="0"/>
-              <a:cs typeface="Times New Roman" panose="02020603050405020304" pitchFamily="18" charset="0"/>
-            </a:endParaRPr>
-          </a:p>
-        </p:txBody>
-      </p:sp>
-      <p:sp>
-        <p:nvSpPr>
-          <p:cNvPr id="14" name="矩形 13">
-            <a:extLst>
-              <a:ext uri="{FF2B5EF4-FFF2-40B4-BE49-F238E27FC236}">
-                <a16:creationId xmlns:a16="http://schemas.microsoft.com/office/drawing/2014/main" id="{ED51C1DC-2C62-6BC9-DD89-074F7EB59D3B}"/>
-              </a:ext>
-            </a:extLst>
-          </p:cNvPr>
-          <p:cNvSpPr/>
-          <p:nvPr/>
-        </p:nvSpPr>
-        <p:spPr>
-          <a:xfrm>
-            <a:off x="4800999" y="5829961"/>
-            <a:ext cx="2590001" cy="604089"/>
-          </a:xfrm>
-          <a:prstGeom prst="rect">
-            <a:avLst/>
-          </a:prstGeom>
-          <a:solidFill>
-            <a:schemeClr val="bg1"/>
-          </a:solidFill>
-        </p:spPr>
-        <p:style>
-          <a:lnRef idx="2">
-            <a:schemeClr val="accent1">
-              <a:shade val="15000"/>
-            </a:schemeClr>
-          </a:lnRef>
-          <a:fillRef idx="1">
-            <a:schemeClr val="accent1"/>
-          </a:fillRef>
-          <a:effectRef idx="0">
-            <a:schemeClr val="accent1"/>
-          </a:effectRef>
-          <a:fontRef idx="minor">
-            <a:schemeClr val="lt1"/>
-          </a:fontRef>
-        </p:style>
-        <p:txBody>
-          <a:bodyPr rtlCol="0" anchor="ctr"/>
-          <a:lstStyle/>
-          <a:p>
-            <a:pPr algn="ctr"/>
-            <a:r>
-              <a:rPr lang="en-US" altLang="zh-CN" dirty="0">
-                <a:solidFill>
-                  <a:schemeClr val="tx1"/>
-                </a:solidFill>
-                <a:latin typeface="Consolas" panose="020B0609020204030204" pitchFamily="49" charset="0"/>
-                <a:cs typeface="Times New Roman" panose="02020603050405020304" pitchFamily="18" charset="0"/>
-              </a:rPr>
-              <a:t>Get re-aligned pieces</a:t>
-            </a:r>
-            <a:endParaRPr lang="zh-CN" altLang="en-US" dirty="0">
-              <a:solidFill>
-                <a:schemeClr val="tx1"/>
-              </a:solidFill>
-              <a:latin typeface="Consolas" panose="020B0609020204030204" pitchFamily="49" charset="0"/>
-              <a:cs typeface="Times New Roman" panose="02020603050405020304" pitchFamily="18" charset="0"/>
-            </a:endParaRPr>
-          </a:p>
-        </p:txBody>
-      </p:sp>
-      <p:cxnSp>
-        <p:nvCxnSpPr>
-          <p:cNvPr id="15" name="直接箭头连接符 14">
-            <a:extLst>
-              <a:ext uri="{FF2B5EF4-FFF2-40B4-BE49-F238E27FC236}">
-                <a16:creationId xmlns:a16="http://schemas.microsoft.com/office/drawing/2014/main" id="{F7EF53E9-EC24-0E74-D752-83181C9641CC}"/>
-              </a:ext>
-            </a:extLst>
-          </p:cNvPr>
-          <p:cNvCxnSpPr>
-            <a:cxnSpLocks/>
-            <a:stCxn id="3" idx="2"/>
-            <a:endCxn id="4" idx="0"/>
-          </p:cNvCxnSpPr>
-          <p:nvPr/>
-        </p:nvCxnSpPr>
-        <p:spPr>
-          <a:xfrm flipH="1">
-            <a:off x="3620468" y="1730213"/>
-            <a:ext cx="2475533" cy="331487"/>
-          </a:xfrm>
-          <a:prstGeom prst="straightConnector1">
-            <a:avLst/>
-          </a:prstGeom>
-          <a:ln w="12700">
-            <a:solidFill>
-              <a:schemeClr val="tx1"/>
-            </a:solidFill>
-            <a:tailEnd type="triangle"/>
-          </a:ln>
-        </p:spPr>
-        <p:style>
-          <a:lnRef idx="1">
-            <a:schemeClr val="accent1"/>
-          </a:lnRef>
-          <a:fillRef idx="0">
-            <a:schemeClr val="accent1"/>
-          </a:fillRef>
-          <a:effectRef idx="0">
-            <a:schemeClr val="accent1"/>
-          </a:effectRef>
-          <a:fontRef idx="minor">
-            <a:schemeClr val="tx1"/>
-          </a:fontRef>
-        </p:style>
-      </p:cxnSp>
-      <p:cxnSp>
-        <p:nvCxnSpPr>
-          <p:cNvPr id="16" name="直接箭头连接符 15">
-            <a:extLst>
-              <a:ext uri="{FF2B5EF4-FFF2-40B4-BE49-F238E27FC236}">
-                <a16:creationId xmlns:a16="http://schemas.microsoft.com/office/drawing/2014/main" id="{1A4AB7BC-A9D1-F719-BAEF-7E6290106E4F}"/>
-              </a:ext>
-            </a:extLst>
-          </p:cNvPr>
-          <p:cNvCxnSpPr>
-            <a:cxnSpLocks/>
-            <a:stCxn id="4" idx="2"/>
-            <a:endCxn id="8" idx="0"/>
-          </p:cNvCxnSpPr>
-          <p:nvPr/>
-        </p:nvCxnSpPr>
-        <p:spPr>
-          <a:xfrm>
-            <a:off x="3620468" y="2659503"/>
-            <a:ext cx="2475530" cy="320091"/>
-          </a:xfrm>
-          <a:prstGeom prst="straightConnector1">
-            <a:avLst/>
-          </a:prstGeom>
-          <a:ln w="12700">
-            <a:solidFill>
-              <a:schemeClr val="tx1"/>
-            </a:solidFill>
-            <a:tailEnd type="triangle"/>
-          </a:ln>
-        </p:spPr>
-        <p:style>
-          <a:lnRef idx="1">
-            <a:schemeClr val="accent1"/>
-          </a:lnRef>
-          <a:fillRef idx="0">
-            <a:schemeClr val="accent1"/>
-          </a:fillRef>
-          <a:effectRef idx="0">
-            <a:schemeClr val="accent1"/>
-          </a:effectRef>
-          <a:fontRef idx="minor">
-            <a:schemeClr val="tx1"/>
-          </a:fontRef>
-        </p:style>
-      </p:cxnSp>
-      <p:cxnSp>
-        <p:nvCxnSpPr>
-          <p:cNvPr id="17" name="直接箭头连接符 16">
-            <a:extLst>
-              <a:ext uri="{FF2B5EF4-FFF2-40B4-BE49-F238E27FC236}">
-                <a16:creationId xmlns:a16="http://schemas.microsoft.com/office/drawing/2014/main" id="{8935951C-3626-727B-BF7B-F018CF99AA13}"/>
-              </a:ext>
-            </a:extLst>
-          </p:cNvPr>
-          <p:cNvCxnSpPr>
-            <a:cxnSpLocks/>
-            <a:stCxn id="8" idx="2"/>
-            <a:endCxn id="10" idx="0"/>
-          </p:cNvCxnSpPr>
-          <p:nvPr/>
-        </p:nvCxnSpPr>
-        <p:spPr>
-          <a:xfrm>
-            <a:off x="6095998" y="3606817"/>
-            <a:ext cx="0" cy="331487"/>
-          </a:xfrm>
-          <a:prstGeom prst="straightConnector1">
-            <a:avLst/>
-          </a:prstGeom>
-          <a:ln w="12700">
-            <a:solidFill>
-              <a:schemeClr val="tx1"/>
-            </a:solidFill>
-            <a:tailEnd type="triangle"/>
-          </a:ln>
-        </p:spPr>
-        <p:style>
-          <a:lnRef idx="1">
-            <a:schemeClr val="accent1"/>
-          </a:lnRef>
-          <a:fillRef idx="0">
-            <a:schemeClr val="accent1"/>
-          </a:fillRef>
-          <a:effectRef idx="0">
-            <a:schemeClr val="accent1"/>
-          </a:effectRef>
-          <a:fontRef idx="minor">
-            <a:schemeClr val="tx1"/>
-          </a:fontRef>
-        </p:style>
-      </p:cxnSp>
-      <p:cxnSp>
-        <p:nvCxnSpPr>
-          <p:cNvPr id="18" name="直接箭头连接符 17">
-            <a:extLst>
-              <a:ext uri="{FF2B5EF4-FFF2-40B4-BE49-F238E27FC236}">
-                <a16:creationId xmlns:a16="http://schemas.microsoft.com/office/drawing/2014/main" id="{8427D6A8-F601-29F2-E40A-AE356C45D424}"/>
-              </a:ext>
-            </a:extLst>
-          </p:cNvPr>
-          <p:cNvCxnSpPr>
-            <a:cxnSpLocks/>
-            <a:stCxn id="10" idx="2"/>
-            <a:endCxn id="12" idx="0"/>
-          </p:cNvCxnSpPr>
-          <p:nvPr/>
-        </p:nvCxnSpPr>
-        <p:spPr>
-          <a:xfrm>
-            <a:off x="6095998" y="4543901"/>
-            <a:ext cx="2" cy="331487"/>
-          </a:xfrm>
-          <a:prstGeom prst="straightConnector1">
-            <a:avLst/>
-          </a:prstGeom>
-          <a:ln w="12700">
-            <a:solidFill>
-              <a:schemeClr val="tx1"/>
-            </a:solidFill>
-            <a:tailEnd type="triangle"/>
-          </a:ln>
-        </p:spPr>
-        <p:style>
-          <a:lnRef idx="1">
-            <a:schemeClr val="accent1"/>
-          </a:lnRef>
-          <a:fillRef idx="0">
-            <a:schemeClr val="accent1"/>
-          </a:fillRef>
-          <a:effectRef idx="0">
-            <a:schemeClr val="accent1"/>
-          </a:effectRef>
-          <a:fontRef idx="minor">
-            <a:schemeClr val="tx1"/>
-          </a:fontRef>
-        </p:style>
-      </p:cxnSp>
-      <p:cxnSp>
-        <p:nvCxnSpPr>
-          <p:cNvPr id="19" name="直接箭头连接符 18">
-            <a:extLst>
-              <a:ext uri="{FF2B5EF4-FFF2-40B4-BE49-F238E27FC236}">
-                <a16:creationId xmlns:a16="http://schemas.microsoft.com/office/drawing/2014/main" id="{E1818836-230F-4324-AC43-C80F7E667726}"/>
-              </a:ext>
-            </a:extLst>
-          </p:cNvPr>
-          <p:cNvCxnSpPr>
-            <a:cxnSpLocks/>
-            <a:stCxn id="12" idx="2"/>
-            <a:endCxn id="14" idx="0"/>
-          </p:cNvCxnSpPr>
-          <p:nvPr/>
-        </p:nvCxnSpPr>
-        <p:spPr>
-          <a:xfrm>
-            <a:off x="6096000" y="5477728"/>
-            <a:ext cx="0" cy="352233"/>
-          </a:xfrm>
-          <a:prstGeom prst="straightConnector1">
-            <a:avLst/>
-          </a:prstGeom>
-          <a:ln w="12700">
-            <a:solidFill>
-              <a:schemeClr val="tx1"/>
-            </a:solidFill>
-            <a:tailEnd type="triangle"/>
-          </a:ln>
-        </p:spPr>
-        <p:style>
-          <a:lnRef idx="1">
-            <a:schemeClr val="accent1"/>
-          </a:lnRef>
-          <a:fillRef idx="0">
-            <a:schemeClr val="accent1"/>
-          </a:fillRef>
-          <a:effectRef idx="0">
-            <a:schemeClr val="accent1"/>
-          </a:effectRef>
-          <a:fontRef idx="minor">
-            <a:schemeClr val="tx1"/>
-          </a:fontRef>
-        </p:style>
-      </p:cxnSp>
-      <p:sp>
-        <p:nvSpPr>
-          <p:cNvPr id="20" name="矩形 19">
-            <a:extLst>
-              <a:ext uri="{FF2B5EF4-FFF2-40B4-BE49-F238E27FC236}">
-                <a16:creationId xmlns:a16="http://schemas.microsoft.com/office/drawing/2014/main" id="{A2ED592A-7D88-8B7F-8153-B3AA6C03B638}"/>
-              </a:ext>
-            </a:extLst>
-          </p:cNvPr>
-          <p:cNvSpPr/>
-          <p:nvPr/>
-        </p:nvSpPr>
-        <p:spPr>
-          <a:xfrm>
-            <a:off x="7276533" y="2067958"/>
-            <a:ext cx="2589996" cy="597803"/>
-          </a:xfrm>
-          <a:prstGeom prst="rect">
-            <a:avLst/>
-          </a:prstGeom>
-          <a:solidFill>
-            <a:schemeClr val="bg1"/>
-          </a:solidFill>
-        </p:spPr>
-        <p:style>
-          <a:lnRef idx="2">
-            <a:schemeClr val="accent1">
-              <a:shade val="15000"/>
-            </a:schemeClr>
-          </a:lnRef>
-          <a:fillRef idx="1">
-            <a:schemeClr val="accent1"/>
-          </a:fillRef>
-          <a:effectRef idx="0">
-            <a:schemeClr val="accent1"/>
-          </a:effectRef>
-          <a:fontRef idx="minor">
-            <a:schemeClr val="lt1"/>
-          </a:fontRef>
-        </p:style>
-        <p:txBody>
-          <a:bodyPr rtlCol="0" anchor="ctr"/>
-          <a:lstStyle/>
-          <a:p>
-            <a:pPr algn="ctr"/>
-            <a:r>
-              <a:rPr lang="en-US" altLang="zh-CN" dirty="0">
-                <a:solidFill>
-                  <a:schemeClr val="tx1"/>
-                </a:solidFill>
-                <a:latin typeface="Consolas" panose="020B0609020204030204" pitchFamily="49" charset="0"/>
-                <a:cs typeface="Times New Roman" panose="02020603050405020304" pitchFamily="18" charset="0"/>
-              </a:rPr>
-              <a:t>Calculate the ACF between x and X[N-1]</a:t>
-            </a:r>
-            <a:endParaRPr lang="zh-CN" altLang="en-US" dirty="0">
-              <a:solidFill>
-                <a:schemeClr val="tx1"/>
-              </a:solidFill>
-              <a:latin typeface="Consolas" panose="020B0609020204030204" pitchFamily="49" charset="0"/>
-              <a:cs typeface="Times New Roman" panose="02020603050405020304" pitchFamily="18" charset="0"/>
-            </a:endParaRPr>
-          </a:p>
-        </p:txBody>
-      </p:sp>
-      <p:cxnSp>
-        <p:nvCxnSpPr>
-          <p:cNvPr id="22" name="连接符: 肘形 21">
-            <a:extLst>
-              <a:ext uri="{FF2B5EF4-FFF2-40B4-BE49-F238E27FC236}">
-                <a16:creationId xmlns:a16="http://schemas.microsoft.com/office/drawing/2014/main" id="{255618E3-9B95-8C92-FC72-55A1B20E7334}"/>
-              </a:ext>
-            </a:extLst>
-          </p:cNvPr>
-          <p:cNvCxnSpPr>
-            <a:stCxn id="12" idx="2"/>
-            <a:endCxn id="3" idx="1"/>
-          </p:cNvCxnSpPr>
-          <p:nvPr/>
-        </p:nvCxnSpPr>
-        <p:spPr>
-          <a:xfrm rot="5400000" flipH="1">
-            <a:off x="3425294" y="2807022"/>
-            <a:ext cx="4046416" cy="1294997"/>
-          </a:xfrm>
-          <a:prstGeom prst="bentConnector4">
-            <a:avLst>
-              <a:gd name="adj1" fmla="val -4300"/>
-              <a:gd name="adj2" fmla="val 366369"/>
-            </a:avLst>
-          </a:prstGeom>
-          <a:ln w="12700">
-            <a:solidFill>
-              <a:schemeClr val="tx1"/>
-            </a:solidFill>
-            <a:tailEnd type="triangle"/>
-          </a:ln>
-        </p:spPr>
-        <p:style>
-          <a:lnRef idx="1">
-            <a:schemeClr val="accent1"/>
-          </a:lnRef>
-          <a:fillRef idx="0">
-            <a:schemeClr val="accent1"/>
-          </a:fillRef>
-          <a:effectRef idx="0">
-            <a:schemeClr val="accent1"/>
-          </a:effectRef>
-          <a:fontRef idx="minor">
-            <a:schemeClr val="tx1"/>
-          </a:fontRef>
-        </p:style>
-      </p:cxnSp>
-      <p:cxnSp>
-        <p:nvCxnSpPr>
-          <p:cNvPr id="30" name="直接箭头连接符 29">
-            <a:extLst>
-              <a:ext uri="{FF2B5EF4-FFF2-40B4-BE49-F238E27FC236}">
-                <a16:creationId xmlns:a16="http://schemas.microsoft.com/office/drawing/2014/main" id="{39F07581-0862-A7D3-72DA-19E5E0C5C988}"/>
-              </a:ext>
-            </a:extLst>
-          </p:cNvPr>
-          <p:cNvCxnSpPr>
-            <a:cxnSpLocks/>
-            <a:stCxn id="3" idx="2"/>
-            <a:endCxn id="20" idx="0"/>
-          </p:cNvCxnSpPr>
-          <p:nvPr/>
-        </p:nvCxnSpPr>
-        <p:spPr>
-          <a:xfrm>
-            <a:off x="6096001" y="1730213"/>
-            <a:ext cx="2475530" cy="337745"/>
-          </a:xfrm>
-          <a:prstGeom prst="straightConnector1">
-            <a:avLst/>
-          </a:prstGeom>
-          <a:ln w="12700">
-            <a:solidFill>
-              <a:schemeClr val="tx1"/>
-            </a:solidFill>
-            <a:tailEnd type="triangle"/>
-          </a:ln>
-        </p:spPr>
-        <p:style>
-          <a:lnRef idx="1">
-            <a:schemeClr val="accent1"/>
-          </a:lnRef>
-          <a:fillRef idx="0">
-            <a:schemeClr val="accent1"/>
-          </a:fillRef>
-          <a:effectRef idx="0">
-            <a:schemeClr val="accent1"/>
-          </a:effectRef>
-          <a:fontRef idx="minor">
-            <a:schemeClr val="tx1"/>
-          </a:fontRef>
-        </p:style>
-      </p:cxnSp>
-      <p:cxnSp>
-        <p:nvCxnSpPr>
-          <p:cNvPr id="35" name="直接箭头连接符 34">
-            <a:extLst>
-              <a:ext uri="{FF2B5EF4-FFF2-40B4-BE49-F238E27FC236}">
-                <a16:creationId xmlns:a16="http://schemas.microsoft.com/office/drawing/2014/main" id="{35B077B6-7BA2-03F2-2AA9-C8FBF6ECAD56}"/>
-              </a:ext>
-            </a:extLst>
-          </p:cNvPr>
-          <p:cNvCxnSpPr>
-            <a:cxnSpLocks/>
-            <a:stCxn id="20" idx="2"/>
-            <a:endCxn id="8" idx="0"/>
-          </p:cNvCxnSpPr>
-          <p:nvPr/>
-        </p:nvCxnSpPr>
-        <p:spPr>
-          <a:xfrm flipH="1">
-            <a:off x="6095998" y="2665761"/>
-            <a:ext cx="2475533" cy="313833"/>
-          </a:xfrm>
-          <a:prstGeom prst="straightConnector1">
-            <a:avLst/>
-          </a:prstGeom>
-          <a:ln w="12700">
-            <a:solidFill>
-              <a:schemeClr val="tx1"/>
-            </a:solidFill>
-            <a:tailEnd type="triangle"/>
-          </a:ln>
-        </p:spPr>
-        <p:style>
-          <a:lnRef idx="1">
-            <a:schemeClr val="accent1"/>
-          </a:lnRef>
-          <a:fillRef idx="0">
-            <a:schemeClr val="accent1"/>
-          </a:fillRef>
-          <a:effectRef idx="0">
-            <a:schemeClr val="accent1"/>
-          </a:effectRef>
-          <a:fontRef idx="minor">
-            <a:schemeClr val="tx1"/>
-          </a:fontRef>
-        </p:style>
-      </p:cxnSp>
-      <p:sp>
-        <p:nvSpPr>
-          <p:cNvPr id="38" name="矩形 37">
-            <a:extLst>
-              <a:ext uri="{FF2B5EF4-FFF2-40B4-BE49-F238E27FC236}">
-                <a16:creationId xmlns:a16="http://schemas.microsoft.com/office/drawing/2014/main" id="{6A97156E-9437-1AB2-0B01-8117382D1078}"/>
-              </a:ext>
-            </a:extLst>
-          </p:cNvPr>
-          <p:cNvSpPr/>
-          <p:nvPr/>
-        </p:nvSpPr>
-        <p:spPr>
-          <a:xfrm>
-            <a:off x="4800999" y="325377"/>
-            <a:ext cx="2590001" cy="604089"/>
-          </a:xfrm>
-          <a:prstGeom prst="rect">
-            <a:avLst/>
-          </a:prstGeom>
-          <a:solidFill>
-            <a:schemeClr val="bg1"/>
-          </a:solidFill>
-        </p:spPr>
-        <p:style>
-          <a:lnRef idx="2">
-            <a:schemeClr val="accent1">
-              <a:shade val="15000"/>
-            </a:schemeClr>
-          </a:lnRef>
-          <a:fillRef idx="1">
-            <a:schemeClr val="accent1"/>
-          </a:fillRef>
-          <a:effectRef idx="0">
-            <a:schemeClr val="accent1"/>
-          </a:effectRef>
-          <a:fontRef idx="minor">
-            <a:schemeClr val="lt1"/>
-          </a:fontRef>
-        </p:style>
-        <p:txBody>
-          <a:bodyPr rtlCol="0" anchor="ctr"/>
-          <a:lstStyle/>
-          <a:p>
-            <a:pPr algn="ctr"/>
-            <a:r>
-              <a:rPr lang="en-US" altLang="zh-CN" dirty="0">
-                <a:solidFill>
-                  <a:schemeClr val="tx1"/>
-                </a:solidFill>
-                <a:latin typeface="Consolas" panose="020B0609020204030204" pitchFamily="49" charset="0"/>
-                <a:cs typeface="Times New Roman" panose="02020603050405020304" pitchFamily="18" charset="0"/>
-              </a:rPr>
-              <a:t>Start</a:t>
-            </a:r>
-            <a:endParaRPr lang="zh-CN" altLang="en-US" dirty="0">
-              <a:solidFill>
-                <a:schemeClr val="tx1"/>
-              </a:solidFill>
-              <a:latin typeface="Consolas" panose="020B0609020204030204" pitchFamily="49" charset="0"/>
-              <a:cs typeface="Times New Roman" panose="02020603050405020304" pitchFamily="18" charset="0"/>
-            </a:endParaRPr>
-          </a:p>
-        </p:txBody>
-      </p:sp>
-      <p:cxnSp>
-        <p:nvCxnSpPr>
-          <p:cNvPr id="39" name="直接箭头连接符 38">
-            <a:extLst>
-              <a:ext uri="{FF2B5EF4-FFF2-40B4-BE49-F238E27FC236}">
-                <a16:creationId xmlns:a16="http://schemas.microsoft.com/office/drawing/2014/main" id="{08962B33-7303-2561-8B6B-AAA5B5C9D7CD}"/>
-              </a:ext>
-            </a:extLst>
-          </p:cNvPr>
-          <p:cNvCxnSpPr>
-            <a:cxnSpLocks/>
-            <a:stCxn id="38" idx="2"/>
-            <a:endCxn id="3" idx="0"/>
-          </p:cNvCxnSpPr>
-          <p:nvPr/>
-        </p:nvCxnSpPr>
-        <p:spPr>
-          <a:xfrm>
-            <a:off x="6096000" y="929466"/>
-            <a:ext cx="1" cy="202944"/>
-          </a:xfrm>
-          <a:prstGeom prst="straightConnector1">
-            <a:avLst/>
-          </a:prstGeom>
-          <a:ln w="12700">
-            <a:solidFill>
-              <a:schemeClr val="tx1"/>
-            </a:solidFill>
-            <a:tailEnd type="triangle"/>
-          </a:ln>
-        </p:spPr>
-        <p:style>
-          <a:lnRef idx="1">
-            <a:schemeClr val="accent1"/>
-          </a:lnRef>
-          <a:fillRef idx="0">
-            <a:schemeClr val="accent1"/>
-          </a:fillRef>
-          <a:effectRef idx="0">
-            <a:schemeClr val="accent1"/>
-          </a:effectRef>
-          <a:fontRef idx="minor">
-            <a:schemeClr val="tx1"/>
-          </a:fontRef>
-        </p:style>
-      </p:cxnSp>
-      <p:sp>
-        <p:nvSpPr>
-          <p:cNvPr id="43" name="文本框 42">
-            <a:extLst>
-              <a:ext uri="{FF2B5EF4-FFF2-40B4-BE49-F238E27FC236}">
-                <a16:creationId xmlns:a16="http://schemas.microsoft.com/office/drawing/2014/main" id="{9BC0AA3F-F266-69A0-7B0A-86BB8EFD1FA1}"/>
+                <a16:creationId xmlns:a16="http://schemas.microsoft.com/office/drawing/2014/main" id="{F56F4E6B-BF0D-6757-619F-7A5EC7585094}"/>
               </a:ext>
             </a:extLst>
           </p:cNvPr>
@@ -18417,8 +18455,8 @@
         </p:nvSpPr>
         <p:spPr>
           <a:xfrm>
-            <a:off x="7850875" y="4353636"/>
-            <a:ext cx="4043149" cy="523220"/>
+            <a:off x="3978017" y="5329448"/>
+            <a:ext cx="2689969" cy="523220"/>
           </a:xfrm>
           <a:prstGeom prst="rect">
             <a:avLst/>
@@ -18426,29 +18464,21 @@
           <a:noFill/>
         </p:spPr>
         <p:txBody>
-          <a:bodyPr wrap="square">
+          <a:bodyPr wrap="square" rtlCol="0">
             <a:spAutoFit/>
           </a:bodyPr>
           <a:lstStyle/>
           <a:p>
             <a:r>
               <a:rPr lang="zh-CN" altLang="en-US" dirty="0"/>
-              <a:t>时间复杂度</a:t>
+              <a:t>没有必要</a:t>
             </a:r>
-            <a:r>
-              <a:rPr lang="en-US" altLang="zh-CN" dirty="0"/>
-              <a:t>O(N^3), N</a:t>
-            </a:r>
+            <a:endParaRPr lang="en-US" altLang="zh-CN" dirty="0"/>
+          </a:p>
+          <a:p>
             <a:r>
               <a:rPr lang="zh-CN" altLang="en-US" dirty="0"/>
-              <a:t>表示单个周期的平均长度</a:t>
-            </a:r>
-            <a:endParaRPr lang="en-US" altLang="zh-CN" dirty="0"/>
-          </a:p>
-          <a:p>
-            <a:r>
-              <a:rPr lang="zh-CN" altLang="en-US" dirty="0"/>
-              <a:t>这个算法是一定能够收敛的</a:t>
+              <a:t>统计学中目前有人在搞</a:t>
             </a:r>
           </a:p>
         </p:txBody>
@@ -18456,7 +18486,7 @@
     </p:spTree>
     <p:extLst>
       <p:ext uri="{BB962C8B-B14F-4D97-AF65-F5344CB8AC3E}">
-        <p14:creationId xmlns:p14="http://schemas.microsoft.com/office/powerpoint/2010/main" val="1285314495"/>
+        <p14:creationId xmlns:p14="http://schemas.microsoft.com/office/powerpoint/2010/main" val="2473672155"/>
       </p:ext>
     </p:extLst>
   </p:cSld>
@@ -18534,10 +18564,946 @@
       </p:sp>
       <p:sp>
         <p:nvSpPr>
-          <p:cNvPr id="2" name="文本框 1">
+          <p:cNvPr id="3" name="矩形 2">
             <a:extLst>
               <a:ext uri="{FF2B5EF4-FFF2-40B4-BE49-F238E27FC236}">
-                <a16:creationId xmlns:a16="http://schemas.microsoft.com/office/drawing/2014/main" id="{113EC9C3-9CE6-0824-08C5-932AFCF2D9BF}"/>
+                <a16:creationId xmlns:a16="http://schemas.microsoft.com/office/drawing/2014/main" id="{FC0651A2-4F0F-98FD-A8FC-B1043EF38195}"/>
+              </a:ext>
+            </a:extLst>
+          </p:cNvPr>
+          <p:cNvSpPr/>
+          <p:nvPr/>
+        </p:nvSpPr>
+        <p:spPr>
+          <a:xfrm>
+            <a:off x="4801003" y="1132410"/>
+            <a:ext cx="2589996" cy="597803"/>
+          </a:xfrm>
+          <a:prstGeom prst="rect">
+            <a:avLst/>
+          </a:prstGeom>
+          <a:solidFill>
+            <a:schemeClr val="bg1"/>
+          </a:solidFill>
+        </p:spPr>
+        <p:style>
+          <a:lnRef idx="2">
+            <a:schemeClr val="accent1">
+              <a:shade val="15000"/>
+            </a:schemeClr>
+          </a:lnRef>
+          <a:fillRef idx="1">
+            <a:schemeClr val="accent1"/>
+          </a:fillRef>
+          <a:effectRef idx="0">
+            <a:schemeClr val="accent1"/>
+          </a:effectRef>
+          <a:fontRef idx="minor">
+            <a:schemeClr val="lt1"/>
+          </a:fontRef>
+        </p:style>
+        <p:txBody>
+          <a:bodyPr rtlCol="0" anchor="ctr"/>
+          <a:lstStyle/>
+          <a:p>
+            <a:pPr algn="ctr"/>
+            <a:r>
+              <a:rPr lang="en-US" altLang="zh-CN" dirty="0">
+                <a:solidFill>
+                  <a:schemeClr val="tx1"/>
+                </a:solidFill>
+                <a:latin typeface="Consolas" panose="020B0609020204030204" pitchFamily="49" charset="0"/>
+                <a:cs typeface="Times New Roman" panose="02020603050405020304" pitchFamily="18" charset="0"/>
+              </a:rPr>
+              <a:t>Choose one piece x from N pieces X</a:t>
+            </a:r>
+            <a:endParaRPr lang="zh-CN" altLang="en-US" dirty="0">
+              <a:solidFill>
+                <a:schemeClr val="tx1"/>
+              </a:solidFill>
+              <a:latin typeface="Consolas" panose="020B0609020204030204" pitchFamily="49" charset="0"/>
+              <a:cs typeface="Times New Roman" panose="02020603050405020304" pitchFamily="18" charset="0"/>
+            </a:endParaRPr>
+          </a:p>
+        </p:txBody>
+      </p:sp>
+      <p:sp>
+        <p:nvSpPr>
+          <p:cNvPr id="4" name="矩形 3">
+            <a:extLst>
+              <a:ext uri="{FF2B5EF4-FFF2-40B4-BE49-F238E27FC236}">
+                <a16:creationId xmlns:a16="http://schemas.microsoft.com/office/drawing/2014/main" id="{8CEEEE2C-22C2-E119-D8E1-D899E1A40708}"/>
+              </a:ext>
+            </a:extLst>
+          </p:cNvPr>
+          <p:cNvSpPr/>
+          <p:nvPr/>
+        </p:nvSpPr>
+        <p:spPr>
+          <a:xfrm>
+            <a:off x="2325470" y="2061700"/>
+            <a:ext cx="2589996" cy="597803"/>
+          </a:xfrm>
+          <a:prstGeom prst="rect">
+            <a:avLst/>
+          </a:prstGeom>
+          <a:solidFill>
+            <a:schemeClr val="bg1"/>
+          </a:solidFill>
+        </p:spPr>
+        <p:style>
+          <a:lnRef idx="2">
+            <a:schemeClr val="accent1">
+              <a:shade val="15000"/>
+            </a:schemeClr>
+          </a:lnRef>
+          <a:fillRef idx="1">
+            <a:schemeClr val="accent1"/>
+          </a:fillRef>
+          <a:effectRef idx="0">
+            <a:schemeClr val="accent1"/>
+          </a:effectRef>
+          <a:fontRef idx="minor">
+            <a:schemeClr val="lt1"/>
+          </a:fontRef>
+        </p:style>
+        <p:txBody>
+          <a:bodyPr rtlCol="0" anchor="ctr"/>
+          <a:lstStyle/>
+          <a:p>
+            <a:pPr algn="ctr"/>
+            <a:r>
+              <a:rPr lang="en-US" altLang="zh-CN" dirty="0">
+                <a:solidFill>
+                  <a:schemeClr val="tx1"/>
+                </a:solidFill>
+                <a:latin typeface="Consolas" panose="020B0609020204030204" pitchFamily="49" charset="0"/>
+                <a:cs typeface="Times New Roman" panose="02020603050405020304" pitchFamily="18" charset="0"/>
+              </a:rPr>
+              <a:t>Calculate the ACF between x and X[1]</a:t>
+            </a:r>
+            <a:endParaRPr lang="zh-CN" altLang="en-US" dirty="0">
+              <a:solidFill>
+                <a:schemeClr val="tx1"/>
+              </a:solidFill>
+              <a:latin typeface="Consolas" panose="020B0609020204030204" pitchFamily="49" charset="0"/>
+              <a:cs typeface="Times New Roman" panose="02020603050405020304" pitchFamily="18" charset="0"/>
+            </a:endParaRPr>
+          </a:p>
+        </p:txBody>
+      </p:sp>
+      <p:sp>
+        <p:nvSpPr>
+          <p:cNvPr id="8" name="矩形 7">
+            <a:extLst>
+              <a:ext uri="{FF2B5EF4-FFF2-40B4-BE49-F238E27FC236}">
+                <a16:creationId xmlns:a16="http://schemas.microsoft.com/office/drawing/2014/main" id="{1383406E-D575-641F-634C-804D4FCB0F50}"/>
+              </a:ext>
+            </a:extLst>
+          </p:cNvPr>
+          <p:cNvSpPr/>
+          <p:nvPr/>
+        </p:nvSpPr>
+        <p:spPr>
+          <a:xfrm>
+            <a:off x="4800999" y="2979594"/>
+            <a:ext cx="2589997" cy="627223"/>
+          </a:xfrm>
+          <a:prstGeom prst="rect">
+            <a:avLst/>
+          </a:prstGeom>
+          <a:solidFill>
+            <a:schemeClr val="bg1"/>
+          </a:solidFill>
+        </p:spPr>
+        <p:style>
+          <a:lnRef idx="2">
+            <a:schemeClr val="accent1">
+              <a:shade val="15000"/>
+            </a:schemeClr>
+          </a:lnRef>
+          <a:fillRef idx="1">
+            <a:schemeClr val="accent1"/>
+          </a:fillRef>
+          <a:effectRef idx="0">
+            <a:schemeClr val="accent1"/>
+          </a:effectRef>
+          <a:fontRef idx="minor">
+            <a:schemeClr val="lt1"/>
+          </a:fontRef>
+        </p:style>
+        <p:txBody>
+          <a:bodyPr rtlCol="0" anchor="ctr"/>
+          <a:lstStyle/>
+          <a:p>
+            <a:pPr algn="ctr"/>
+            <a:r>
+              <a:rPr lang="en-US" altLang="zh-CN" dirty="0">
+                <a:solidFill>
+                  <a:schemeClr val="tx1"/>
+                </a:solidFill>
+                <a:latin typeface="Consolas" panose="020B0609020204030204" pitchFamily="49" charset="0"/>
+                <a:cs typeface="Times New Roman" panose="02020603050405020304" pitchFamily="18" charset="0"/>
+              </a:rPr>
+              <a:t>Add ACF results from N-1 times</a:t>
+            </a:r>
+            <a:endParaRPr lang="zh-CN" altLang="en-US" dirty="0">
+              <a:solidFill>
+                <a:schemeClr val="tx1"/>
+              </a:solidFill>
+              <a:latin typeface="Consolas" panose="020B0609020204030204" pitchFamily="49" charset="0"/>
+              <a:cs typeface="Times New Roman" panose="02020603050405020304" pitchFamily="18" charset="0"/>
+            </a:endParaRPr>
+          </a:p>
+        </p:txBody>
+      </p:sp>
+      <p:sp>
+        <p:nvSpPr>
+          <p:cNvPr id="10" name="矩形 9">
+            <a:extLst>
+              <a:ext uri="{FF2B5EF4-FFF2-40B4-BE49-F238E27FC236}">
+                <a16:creationId xmlns:a16="http://schemas.microsoft.com/office/drawing/2014/main" id="{182A76E3-930A-6B5C-A8E0-7D5DAB7D56A4}"/>
+              </a:ext>
+            </a:extLst>
+          </p:cNvPr>
+          <p:cNvSpPr/>
+          <p:nvPr/>
+        </p:nvSpPr>
+        <p:spPr>
+          <a:xfrm>
+            <a:off x="4800999" y="3938304"/>
+            <a:ext cx="2589998" cy="605597"/>
+          </a:xfrm>
+          <a:prstGeom prst="rect">
+            <a:avLst/>
+          </a:prstGeom>
+          <a:solidFill>
+            <a:schemeClr val="bg1"/>
+          </a:solidFill>
+        </p:spPr>
+        <p:style>
+          <a:lnRef idx="2">
+            <a:schemeClr val="accent1">
+              <a:shade val="15000"/>
+            </a:schemeClr>
+          </a:lnRef>
+          <a:fillRef idx="1">
+            <a:schemeClr val="accent1"/>
+          </a:fillRef>
+          <a:effectRef idx="0">
+            <a:schemeClr val="accent1"/>
+          </a:effectRef>
+          <a:fontRef idx="minor">
+            <a:schemeClr val="lt1"/>
+          </a:fontRef>
+        </p:style>
+        <p:txBody>
+          <a:bodyPr rtlCol="0" anchor="ctr"/>
+          <a:lstStyle/>
+          <a:p>
+            <a:pPr algn="ctr"/>
+            <a:r>
+              <a:rPr lang="en-US" altLang="zh-CN" dirty="0">
+                <a:solidFill>
+                  <a:schemeClr val="tx1"/>
+                </a:solidFill>
+                <a:latin typeface="Consolas" panose="020B0609020204030204" pitchFamily="49" charset="0"/>
+                <a:cs typeface="Times New Roman" panose="02020603050405020304" pitchFamily="18" charset="0"/>
+              </a:rPr>
+              <a:t>Find the appropriate time unit for lag.</a:t>
+            </a:r>
+            <a:endParaRPr lang="zh-CN" altLang="en-US" dirty="0">
+              <a:solidFill>
+                <a:schemeClr val="tx1"/>
+              </a:solidFill>
+              <a:latin typeface="Consolas" panose="020B0609020204030204" pitchFamily="49" charset="0"/>
+              <a:cs typeface="Times New Roman" panose="02020603050405020304" pitchFamily="18" charset="0"/>
+            </a:endParaRPr>
+          </a:p>
+        </p:txBody>
+      </p:sp>
+      <p:sp>
+        <p:nvSpPr>
+          <p:cNvPr id="12" name="矩形 11">
+            <a:extLst>
+              <a:ext uri="{FF2B5EF4-FFF2-40B4-BE49-F238E27FC236}">
+                <a16:creationId xmlns:a16="http://schemas.microsoft.com/office/drawing/2014/main" id="{3E780A2F-2567-DE88-E48A-72F0F68C9E63}"/>
+              </a:ext>
+            </a:extLst>
+          </p:cNvPr>
+          <p:cNvSpPr/>
+          <p:nvPr/>
+        </p:nvSpPr>
+        <p:spPr>
+          <a:xfrm>
+            <a:off x="4801000" y="4875388"/>
+            <a:ext cx="2589999" cy="602340"/>
+          </a:xfrm>
+          <a:prstGeom prst="rect">
+            <a:avLst/>
+          </a:prstGeom>
+          <a:solidFill>
+            <a:schemeClr val="bg1"/>
+          </a:solidFill>
+        </p:spPr>
+        <p:style>
+          <a:lnRef idx="2">
+            <a:schemeClr val="accent1">
+              <a:shade val="15000"/>
+            </a:schemeClr>
+          </a:lnRef>
+          <a:fillRef idx="1">
+            <a:schemeClr val="accent1"/>
+          </a:fillRef>
+          <a:effectRef idx="0">
+            <a:schemeClr val="accent1"/>
+          </a:effectRef>
+          <a:fontRef idx="minor">
+            <a:schemeClr val="lt1"/>
+          </a:fontRef>
+        </p:style>
+        <p:txBody>
+          <a:bodyPr rtlCol="0" anchor="ctr"/>
+          <a:lstStyle/>
+          <a:p>
+            <a:pPr algn="ctr"/>
+            <a:r>
+              <a:rPr lang="en-US" altLang="zh-CN" dirty="0">
+                <a:solidFill>
+                  <a:schemeClr val="tx1"/>
+                </a:solidFill>
+                <a:latin typeface="Consolas" panose="020B0609020204030204" pitchFamily="49" charset="0"/>
+                <a:cs typeface="Times New Roman" panose="02020603050405020304" pitchFamily="18" charset="0"/>
+              </a:rPr>
+              <a:t>Realign piece x.</a:t>
+            </a:r>
+            <a:endParaRPr lang="zh-CN" altLang="en-US" dirty="0">
+              <a:solidFill>
+                <a:schemeClr val="tx1"/>
+              </a:solidFill>
+              <a:latin typeface="Consolas" panose="020B0609020204030204" pitchFamily="49" charset="0"/>
+              <a:cs typeface="Times New Roman" panose="02020603050405020304" pitchFamily="18" charset="0"/>
+            </a:endParaRPr>
+          </a:p>
+        </p:txBody>
+      </p:sp>
+      <p:sp>
+        <p:nvSpPr>
+          <p:cNvPr id="14" name="矩形 13">
+            <a:extLst>
+              <a:ext uri="{FF2B5EF4-FFF2-40B4-BE49-F238E27FC236}">
+                <a16:creationId xmlns:a16="http://schemas.microsoft.com/office/drawing/2014/main" id="{ED51C1DC-2C62-6BC9-DD89-074F7EB59D3B}"/>
+              </a:ext>
+            </a:extLst>
+          </p:cNvPr>
+          <p:cNvSpPr/>
+          <p:nvPr/>
+        </p:nvSpPr>
+        <p:spPr>
+          <a:xfrm>
+            <a:off x="4800999" y="5829961"/>
+            <a:ext cx="2590001" cy="604089"/>
+          </a:xfrm>
+          <a:prstGeom prst="rect">
+            <a:avLst/>
+          </a:prstGeom>
+          <a:solidFill>
+            <a:schemeClr val="bg1"/>
+          </a:solidFill>
+        </p:spPr>
+        <p:style>
+          <a:lnRef idx="2">
+            <a:schemeClr val="accent1">
+              <a:shade val="15000"/>
+            </a:schemeClr>
+          </a:lnRef>
+          <a:fillRef idx="1">
+            <a:schemeClr val="accent1"/>
+          </a:fillRef>
+          <a:effectRef idx="0">
+            <a:schemeClr val="accent1"/>
+          </a:effectRef>
+          <a:fontRef idx="minor">
+            <a:schemeClr val="lt1"/>
+          </a:fontRef>
+        </p:style>
+        <p:txBody>
+          <a:bodyPr rtlCol="0" anchor="ctr"/>
+          <a:lstStyle/>
+          <a:p>
+            <a:pPr algn="ctr"/>
+            <a:r>
+              <a:rPr lang="en-US" altLang="zh-CN" dirty="0">
+                <a:solidFill>
+                  <a:schemeClr val="tx1"/>
+                </a:solidFill>
+                <a:latin typeface="Consolas" panose="020B0609020204030204" pitchFamily="49" charset="0"/>
+                <a:cs typeface="Times New Roman" panose="02020603050405020304" pitchFamily="18" charset="0"/>
+              </a:rPr>
+              <a:t>Get re-aligned pieces</a:t>
+            </a:r>
+            <a:endParaRPr lang="zh-CN" altLang="en-US" dirty="0">
+              <a:solidFill>
+                <a:schemeClr val="tx1"/>
+              </a:solidFill>
+              <a:latin typeface="Consolas" panose="020B0609020204030204" pitchFamily="49" charset="0"/>
+              <a:cs typeface="Times New Roman" panose="02020603050405020304" pitchFamily="18" charset="0"/>
+            </a:endParaRPr>
+          </a:p>
+        </p:txBody>
+      </p:sp>
+      <p:cxnSp>
+        <p:nvCxnSpPr>
+          <p:cNvPr id="15" name="直接箭头连接符 14">
+            <a:extLst>
+              <a:ext uri="{FF2B5EF4-FFF2-40B4-BE49-F238E27FC236}">
+                <a16:creationId xmlns:a16="http://schemas.microsoft.com/office/drawing/2014/main" id="{F7EF53E9-EC24-0E74-D752-83181C9641CC}"/>
+              </a:ext>
+            </a:extLst>
+          </p:cNvPr>
+          <p:cNvCxnSpPr>
+            <a:cxnSpLocks/>
+            <a:stCxn id="3" idx="2"/>
+            <a:endCxn id="4" idx="0"/>
+          </p:cNvCxnSpPr>
+          <p:nvPr/>
+        </p:nvCxnSpPr>
+        <p:spPr>
+          <a:xfrm flipH="1">
+            <a:off x="3620468" y="1730213"/>
+            <a:ext cx="2475533" cy="331487"/>
+          </a:xfrm>
+          <a:prstGeom prst="straightConnector1">
+            <a:avLst/>
+          </a:prstGeom>
+          <a:ln w="12700">
+            <a:solidFill>
+              <a:schemeClr val="tx1"/>
+            </a:solidFill>
+            <a:tailEnd type="triangle"/>
+          </a:ln>
+        </p:spPr>
+        <p:style>
+          <a:lnRef idx="1">
+            <a:schemeClr val="accent1"/>
+          </a:lnRef>
+          <a:fillRef idx="0">
+            <a:schemeClr val="accent1"/>
+          </a:fillRef>
+          <a:effectRef idx="0">
+            <a:schemeClr val="accent1"/>
+          </a:effectRef>
+          <a:fontRef idx="minor">
+            <a:schemeClr val="tx1"/>
+          </a:fontRef>
+        </p:style>
+      </p:cxnSp>
+      <p:cxnSp>
+        <p:nvCxnSpPr>
+          <p:cNvPr id="16" name="直接箭头连接符 15">
+            <a:extLst>
+              <a:ext uri="{FF2B5EF4-FFF2-40B4-BE49-F238E27FC236}">
+                <a16:creationId xmlns:a16="http://schemas.microsoft.com/office/drawing/2014/main" id="{1A4AB7BC-A9D1-F719-BAEF-7E6290106E4F}"/>
+              </a:ext>
+            </a:extLst>
+          </p:cNvPr>
+          <p:cNvCxnSpPr>
+            <a:cxnSpLocks/>
+            <a:stCxn id="4" idx="2"/>
+            <a:endCxn id="8" idx="0"/>
+          </p:cNvCxnSpPr>
+          <p:nvPr/>
+        </p:nvCxnSpPr>
+        <p:spPr>
+          <a:xfrm>
+            <a:off x="3620468" y="2659503"/>
+            <a:ext cx="2475530" cy="320091"/>
+          </a:xfrm>
+          <a:prstGeom prst="straightConnector1">
+            <a:avLst/>
+          </a:prstGeom>
+          <a:ln w="12700">
+            <a:solidFill>
+              <a:schemeClr val="tx1"/>
+            </a:solidFill>
+            <a:tailEnd type="triangle"/>
+          </a:ln>
+        </p:spPr>
+        <p:style>
+          <a:lnRef idx="1">
+            <a:schemeClr val="accent1"/>
+          </a:lnRef>
+          <a:fillRef idx="0">
+            <a:schemeClr val="accent1"/>
+          </a:fillRef>
+          <a:effectRef idx="0">
+            <a:schemeClr val="accent1"/>
+          </a:effectRef>
+          <a:fontRef idx="minor">
+            <a:schemeClr val="tx1"/>
+          </a:fontRef>
+        </p:style>
+      </p:cxnSp>
+      <p:cxnSp>
+        <p:nvCxnSpPr>
+          <p:cNvPr id="17" name="直接箭头连接符 16">
+            <a:extLst>
+              <a:ext uri="{FF2B5EF4-FFF2-40B4-BE49-F238E27FC236}">
+                <a16:creationId xmlns:a16="http://schemas.microsoft.com/office/drawing/2014/main" id="{8935951C-3626-727B-BF7B-F018CF99AA13}"/>
+              </a:ext>
+            </a:extLst>
+          </p:cNvPr>
+          <p:cNvCxnSpPr>
+            <a:cxnSpLocks/>
+            <a:stCxn id="8" idx="2"/>
+            <a:endCxn id="10" idx="0"/>
+          </p:cNvCxnSpPr>
+          <p:nvPr/>
+        </p:nvCxnSpPr>
+        <p:spPr>
+          <a:xfrm>
+            <a:off x="6095998" y="3606817"/>
+            <a:ext cx="0" cy="331487"/>
+          </a:xfrm>
+          <a:prstGeom prst="straightConnector1">
+            <a:avLst/>
+          </a:prstGeom>
+          <a:ln w="12700">
+            <a:solidFill>
+              <a:schemeClr val="tx1"/>
+            </a:solidFill>
+            <a:tailEnd type="triangle"/>
+          </a:ln>
+        </p:spPr>
+        <p:style>
+          <a:lnRef idx="1">
+            <a:schemeClr val="accent1"/>
+          </a:lnRef>
+          <a:fillRef idx="0">
+            <a:schemeClr val="accent1"/>
+          </a:fillRef>
+          <a:effectRef idx="0">
+            <a:schemeClr val="accent1"/>
+          </a:effectRef>
+          <a:fontRef idx="minor">
+            <a:schemeClr val="tx1"/>
+          </a:fontRef>
+        </p:style>
+      </p:cxnSp>
+      <p:cxnSp>
+        <p:nvCxnSpPr>
+          <p:cNvPr id="18" name="直接箭头连接符 17">
+            <a:extLst>
+              <a:ext uri="{FF2B5EF4-FFF2-40B4-BE49-F238E27FC236}">
+                <a16:creationId xmlns:a16="http://schemas.microsoft.com/office/drawing/2014/main" id="{8427D6A8-F601-29F2-E40A-AE356C45D424}"/>
+              </a:ext>
+            </a:extLst>
+          </p:cNvPr>
+          <p:cNvCxnSpPr>
+            <a:cxnSpLocks/>
+            <a:stCxn id="10" idx="2"/>
+            <a:endCxn id="12" idx="0"/>
+          </p:cNvCxnSpPr>
+          <p:nvPr/>
+        </p:nvCxnSpPr>
+        <p:spPr>
+          <a:xfrm>
+            <a:off x="6095998" y="4543901"/>
+            <a:ext cx="2" cy="331487"/>
+          </a:xfrm>
+          <a:prstGeom prst="straightConnector1">
+            <a:avLst/>
+          </a:prstGeom>
+          <a:ln w="12700">
+            <a:solidFill>
+              <a:schemeClr val="tx1"/>
+            </a:solidFill>
+            <a:tailEnd type="triangle"/>
+          </a:ln>
+        </p:spPr>
+        <p:style>
+          <a:lnRef idx="1">
+            <a:schemeClr val="accent1"/>
+          </a:lnRef>
+          <a:fillRef idx="0">
+            <a:schemeClr val="accent1"/>
+          </a:fillRef>
+          <a:effectRef idx="0">
+            <a:schemeClr val="accent1"/>
+          </a:effectRef>
+          <a:fontRef idx="minor">
+            <a:schemeClr val="tx1"/>
+          </a:fontRef>
+        </p:style>
+      </p:cxnSp>
+      <p:cxnSp>
+        <p:nvCxnSpPr>
+          <p:cNvPr id="19" name="直接箭头连接符 18">
+            <a:extLst>
+              <a:ext uri="{FF2B5EF4-FFF2-40B4-BE49-F238E27FC236}">
+                <a16:creationId xmlns:a16="http://schemas.microsoft.com/office/drawing/2014/main" id="{E1818836-230F-4324-AC43-C80F7E667726}"/>
+              </a:ext>
+            </a:extLst>
+          </p:cNvPr>
+          <p:cNvCxnSpPr>
+            <a:cxnSpLocks/>
+            <a:stCxn id="12" idx="2"/>
+            <a:endCxn id="14" idx="0"/>
+          </p:cNvCxnSpPr>
+          <p:nvPr/>
+        </p:nvCxnSpPr>
+        <p:spPr>
+          <a:xfrm>
+            <a:off x="6096000" y="5477728"/>
+            <a:ext cx="0" cy="352233"/>
+          </a:xfrm>
+          <a:prstGeom prst="straightConnector1">
+            <a:avLst/>
+          </a:prstGeom>
+          <a:ln w="12700">
+            <a:solidFill>
+              <a:schemeClr val="tx1"/>
+            </a:solidFill>
+            <a:tailEnd type="triangle"/>
+          </a:ln>
+        </p:spPr>
+        <p:style>
+          <a:lnRef idx="1">
+            <a:schemeClr val="accent1"/>
+          </a:lnRef>
+          <a:fillRef idx="0">
+            <a:schemeClr val="accent1"/>
+          </a:fillRef>
+          <a:effectRef idx="0">
+            <a:schemeClr val="accent1"/>
+          </a:effectRef>
+          <a:fontRef idx="minor">
+            <a:schemeClr val="tx1"/>
+          </a:fontRef>
+        </p:style>
+      </p:cxnSp>
+      <p:sp>
+        <p:nvSpPr>
+          <p:cNvPr id="20" name="矩形 19">
+            <a:extLst>
+              <a:ext uri="{FF2B5EF4-FFF2-40B4-BE49-F238E27FC236}">
+                <a16:creationId xmlns:a16="http://schemas.microsoft.com/office/drawing/2014/main" id="{A2ED592A-7D88-8B7F-8153-B3AA6C03B638}"/>
+              </a:ext>
+            </a:extLst>
+          </p:cNvPr>
+          <p:cNvSpPr/>
+          <p:nvPr/>
+        </p:nvSpPr>
+        <p:spPr>
+          <a:xfrm>
+            <a:off x="7276533" y="2067958"/>
+            <a:ext cx="2589996" cy="597803"/>
+          </a:xfrm>
+          <a:prstGeom prst="rect">
+            <a:avLst/>
+          </a:prstGeom>
+          <a:solidFill>
+            <a:schemeClr val="bg1"/>
+          </a:solidFill>
+        </p:spPr>
+        <p:style>
+          <a:lnRef idx="2">
+            <a:schemeClr val="accent1">
+              <a:shade val="15000"/>
+            </a:schemeClr>
+          </a:lnRef>
+          <a:fillRef idx="1">
+            <a:schemeClr val="accent1"/>
+          </a:fillRef>
+          <a:effectRef idx="0">
+            <a:schemeClr val="accent1"/>
+          </a:effectRef>
+          <a:fontRef idx="minor">
+            <a:schemeClr val="lt1"/>
+          </a:fontRef>
+        </p:style>
+        <p:txBody>
+          <a:bodyPr rtlCol="0" anchor="ctr"/>
+          <a:lstStyle/>
+          <a:p>
+            <a:pPr algn="ctr"/>
+            <a:r>
+              <a:rPr lang="en-US" altLang="zh-CN" dirty="0">
+                <a:solidFill>
+                  <a:schemeClr val="tx1"/>
+                </a:solidFill>
+                <a:latin typeface="Consolas" panose="020B0609020204030204" pitchFamily="49" charset="0"/>
+                <a:cs typeface="Times New Roman" panose="02020603050405020304" pitchFamily="18" charset="0"/>
+              </a:rPr>
+              <a:t>Calculate the ACF between x and X[N-1]</a:t>
+            </a:r>
+            <a:endParaRPr lang="zh-CN" altLang="en-US" dirty="0">
+              <a:solidFill>
+                <a:schemeClr val="tx1"/>
+              </a:solidFill>
+              <a:latin typeface="Consolas" panose="020B0609020204030204" pitchFamily="49" charset="0"/>
+              <a:cs typeface="Times New Roman" panose="02020603050405020304" pitchFamily="18" charset="0"/>
+            </a:endParaRPr>
+          </a:p>
+        </p:txBody>
+      </p:sp>
+      <p:cxnSp>
+        <p:nvCxnSpPr>
+          <p:cNvPr id="22" name="连接符: 肘形 21">
+            <a:extLst>
+              <a:ext uri="{FF2B5EF4-FFF2-40B4-BE49-F238E27FC236}">
+                <a16:creationId xmlns:a16="http://schemas.microsoft.com/office/drawing/2014/main" id="{255618E3-9B95-8C92-FC72-55A1B20E7334}"/>
+              </a:ext>
+            </a:extLst>
+          </p:cNvPr>
+          <p:cNvCxnSpPr>
+            <a:stCxn id="12" idx="2"/>
+            <a:endCxn id="3" idx="1"/>
+          </p:cNvCxnSpPr>
+          <p:nvPr/>
+        </p:nvCxnSpPr>
+        <p:spPr>
+          <a:xfrm rot="5400000" flipH="1">
+            <a:off x="3425294" y="2807022"/>
+            <a:ext cx="4046416" cy="1294997"/>
+          </a:xfrm>
+          <a:prstGeom prst="bentConnector4">
+            <a:avLst>
+              <a:gd name="adj1" fmla="val -4300"/>
+              <a:gd name="adj2" fmla="val 366369"/>
+            </a:avLst>
+          </a:prstGeom>
+          <a:ln w="12700">
+            <a:solidFill>
+              <a:schemeClr val="tx1"/>
+            </a:solidFill>
+            <a:tailEnd type="triangle"/>
+          </a:ln>
+        </p:spPr>
+        <p:style>
+          <a:lnRef idx="1">
+            <a:schemeClr val="accent1"/>
+          </a:lnRef>
+          <a:fillRef idx="0">
+            <a:schemeClr val="accent1"/>
+          </a:fillRef>
+          <a:effectRef idx="0">
+            <a:schemeClr val="accent1"/>
+          </a:effectRef>
+          <a:fontRef idx="minor">
+            <a:schemeClr val="tx1"/>
+          </a:fontRef>
+        </p:style>
+      </p:cxnSp>
+      <p:cxnSp>
+        <p:nvCxnSpPr>
+          <p:cNvPr id="30" name="直接箭头连接符 29">
+            <a:extLst>
+              <a:ext uri="{FF2B5EF4-FFF2-40B4-BE49-F238E27FC236}">
+                <a16:creationId xmlns:a16="http://schemas.microsoft.com/office/drawing/2014/main" id="{39F07581-0862-A7D3-72DA-19E5E0C5C988}"/>
+              </a:ext>
+            </a:extLst>
+          </p:cNvPr>
+          <p:cNvCxnSpPr>
+            <a:cxnSpLocks/>
+            <a:stCxn id="3" idx="2"/>
+            <a:endCxn id="20" idx="0"/>
+          </p:cNvCxnSpPr>
+          <p:nvPr/>
+        </p:nvCxnSpPr>
+        <p:spPr>
+          <a:xfrm>
+            <a:off x="6096001" y="1730213"/>
+            <a:ext cx="2475530" cy="337745"/>
+          </a:xfrm>
+          <a:prstGeom prst="straightConnector1">
+            <a:avLst/>
+          </a:prstGeom>
+          <a:ln w="12700">
+            <a:solidFill>
+              <a:schemeClr val="tx1"/>
+            </a:solidFill>
+            <a:tailEnd type="triangle"/>
+          </a:ln>
+        </p:spPr>
+        <p:style>
+          <a:lnRef idx="1">
+            <a:schemeClr val="accent1"/>
+          </a:lnRef>
+          <a:fillRef idx="0">
+            <a:schemeClr val="accent1"/>
+          </a:fillRef>
+          <a:effectRef idx="0">
+            <a:schemeClr val="accent1"/>
+          </a:effectRef>
+          <a:fontRef idx="minor">
+            <a:schemeClr val="tx1"/>
+          </a:fontRef>
+        </p:style>
+      </p:cxnSp>
+      <p:cxnSp>
+        <p:nvCxnSpPr>
+          <p:cNvPr id="35" name="直接箭头连接符 34">
+            <a:extLst>
+              <a:ext uri="{FF2B5EF4-FFF2-40B4-BE49-F238E27FC236}">
+                <a16:creationId xmlns:a16="http://schemas.microsoft.com/office/drawing/2014/main" id="{35B077B6-7BA2-03F2-2AA9-C8FBF6ECAD56}"/>
+              </a:ext>
+            </a:extLst>
+          </p:cNvPr>
+          <p:cNvCxnSpPr>
+            <a:cxnSpLocks/>
+            <a:stCxn id="20" idx="2"/>
+            <a:endCxn id="8" idx="0"/>
+          </p:cNvCxnSpPr>
+          <p:nvPr/>
+        </p:nvCxnSpPr>
+        <p:spPr>
+          <a:xfrm flipH="1">
+            <a:off x="6095998" y="2665761"/>
+            <a:ext cx="2475533" cy="313833"/>
+          </a:xfrm>
+          <a:prstGeom prst="straightConnector1">
+            <a:avLst/>
+          </a:prstGeom>
+          <a:ln w="12700">
+            <a:solidFill>
+              <a:schemeClr val="tx1"/>
+            </a:solidFill>
+            <a:tailEnd type="triangle"/>
+          </a:ln>
+        </p:spPr>
+        <p:style>
+          <a:lnRef idx="1">
+            <a:schemeClr val="accent1"/>
+          </a:lnRef>
+          <a:fillRef idx="0">
+            <a:schemeClr val="accent1"/>
+          </a:fillRef>
+          <a:effectRef idx="0">
+            <a:schemeClr val="accent1"/>
+          </a:effectRef>
+          <a:fontRef idx="minor">
+            <a:schemeClr val="tx1"/>
+          </a:fontRef>
+        </p:style>
+      </p:cxnSp>
+      <p:sp>
+        <p:nvSpPr>
+          <p:cNvPr id="38" name="矩形 37">
+            <a:extLst>
+              <a:ext uri="{FF2B5EF4-FFF2-40B4-BE49-F238E27FC236}">
+                <a16:creationId xmlns:a16="http://schemas.microsoft.com/office/drawing/2014/main" id="{6A97156E-9437-1AB2-0B01-8117382D1078}"/>
+              </a:ext>
+            </a:extLst>
+          </p:cNvPr>
+          <p:cNvSpPr/>
+          <p:nvPr/>
+        </p:nvSpPr>
+        <p:spPr>
+          <a:xfrm>
+            <a:off x="4800999" y="325377"/>
+            <a:ext cx="2590001" cy="604089"/>
+          </a:xfrm>
+          <a:prstGeom prst="rect">
+            <a:avLst/>
+          </a:prstGeom>
+          <a:solidFill>
+            <a:schemeClr val="bg1"/>
+          </a:solidFill>
+        </p:spPr>
+        <p:style>
+          <a:lnRef idx="2">
+            <a:schemeClr val="accent1">
+              <a:shade val="15000"/>
+            </a:schemeClr>
+          </a:lnRef>
+          <a:fillRef idx="1">
+            <a:schemeClr val="accent1"/>
+          </a:fillRef>
+          <a:effectRef idx="0">
+            <a:schemeClr val="accent1"/>
+          </a:effectRef>
+          <a:fontRef idx="minor">
+            <a:schemeClr val="lt1"/>
+          </a:fontRef>
+        </p:style>
+        <p:txBody>
+          <a:bodyPr rtlCol="0" anchor="ctr"/>
+          <a:lstStyle/>
+          <a:p>
+            <a:pPr algn="ctr"/>
+            <a:r>
+              <a:rPr lang="en-US" altLang="zh-CN" dirty="0">
+                <a:solidFill>
+                  <a:schemeClr val="tx1"/>
+                </a:solidFill>
+                <a:latin typeface="Consolas" panose="020B0609020204030204" pitchFamily="49" charset="0"/>
+                <a:cs typeface="Times New Roman" panose="02020603050405020304" pitchFamily="18" charset="0"/>
+              </a:rPr>
+              <a:t>Start</a:t>
+            </a:r>
+            <a:endParaRPr lang="zh-CN" altLang="en-US" dirty="0">
+              <a:solidFill>
+                <a:schemeClr val="tx1"/>
+              </a:solidFill>
+              <a:latin typeface="Consolas" panose="020B0609020204030204" pitchFamily="49" charset="0"/>
+              <a:cs typeface="Times New Roman" panose="02020603050405020304" pitchFamily="18" charset="0"/>
+            </a:endParaRPr>
+          </a:p>
+        </p:txBody>
+      </p:sp>
+      <p:cxnSp>
+        <p:nvCxnSpPr>
+          <p:cNvPr id="39" name="直接箭头连接符 38">
+            <a:extLst>
+              <a:ext uri="{FF2B5EF4-FFF2-40B4-BE49-F238E27FC236}">
+                <a16:creationId xmlns:a16="http://schemas.microsoft.com/office/drawing/2014/main" id="{08962B33-7303-2561-8B6B-AAA5B5C9D7CD}"/>
+              </a:ext>
+            </a:extLst>
+          </p:cNvPr>
+          <p:cNvCxnSpPr>
+            <a:cxnSpLocks/>
+            <a:stCxn id="38" idx="2"/>
+            <a:endCxn id="3" idx="0"/>
+          </p:cNvCxnSpPr>
+          <p:nvPr/>
+        </p:nvCxnSpPr>
+        <p:spPr>
+          <a:xfrm>
+            <a:off x="6096000" y="929466"/>
+            <a:ext cx="1" cy="202944"/>
+          </a:xfrm>
+          <a:prstGeom prst="straightConnector1">
+            <a:avLst/>
+          </a:prstGeom>
+          <a:ln w="12700">
+            <a:solidFill>
+              <a:schemeClr val="tx1"/>
+            </a:solidFill>
+            <a:tailEnd type="triangle"/>
+          </a:ln>
+        </p:spPr>
+        <p:style>
+          <a:lnRef idx="1">
+            <a:schemeClr val="accent1"/>
+          </a:lnRef>
+          <a:fillRef idx="0">
+            <a:schemeClr val="accent1"/>
+          </a:fillRef>
+          <a:effectRef idx="0">
+            <a:schemeClr val="accent1"/>
+          </a:effectRef>
+          <a:fontRef idx="minor">
+            <a:schemeClr val="tx1"/>
+          </a:fontRef>
+        </p:style>
+      </p:cxnSp>
+      <p:sp>
+        <p:nvSpPr>
+          <p:cNvPr id="43" name="文本框 42">
+            <a:extLst>
+              <a:ext uri="{FF2B5EF4-FFF2-40B4-BE49-F238E27FC236}">
+                <a16:creationId xmlns:a16="http://schemas.microsoft.com/office/drawing/2014/main" id="{9BC0AA3F-F266-69A0-7B0A-86BB8EFD1FA1}"/>
               </a:ext>
             </a:extLst>
           </p:cNvPr>
@@ -18546,8 +19512,8 @@
         </p:nvSpPr>
         <p:spPr>
           <a:xfrm>
-            <a:off x="1160060" y="818866"/>
-            <a:ext cx="6530453" cy="1384995"/>
+            <a:off x="7850875" y="4353636"/>
+            <a:ext cx="4043149" cy="954107"/>
           </a:xfrm>
           <a:prstGeom prst="rect">
             <a:avLst/>
@@ -18555,79 +19521,32 @@
           <a:noFill/>
         </p:spPr>
         <p:txBody>
-          <a:bodyPr wrap="square" rtlCol="0">
+          <a:bodyPr wrap="square">
             <a:spAutoFit/>
           </a:bodyPr>
           <a:lstStyle/>
           <a:p>
             <a:r>
-              <a:rPr lang="zh-CN" altLang="en-US" dirty="0"/>
-              <a:t>获得模板的方法：</a:t>
+              <a:rPr lang="en-US" altLang="zh-CN" dirty="0"/>
+              <a:t>Time complexity O(N^3), where N represents the average length of a single cycle. </a:t>
             </a:r>
+          </a:p>
+          <a:p>
             <a:endParaRPr lang="en-US" altLang="zh-CN" dirty="0"/>
           </a:p>
           <a:p>
             <a:r>
               <a:rPr lang="en-US" altLang="zh-CN" dirty="0"/>
-              <a:t>1. </a:t>
+              <a:t>This algorithm is guaranteed to converge.</a:t>
             </a:r>
-            <a:r>
-              <a:rPr lang="zh-CN" altLang="en-US" dirty="0"/>
-              <a:t>用</a:t>
-            </a:r>
-            <a:r>
-              <a:rPr lang="en-US" altLang="zh-CN" dirty="0"/>
-              <a:t>DBA</a:t>
-            </a:r>
-            <a:r>
-              <a:rPr lang="zh-CN" altLang="en-US" dirty="0"/>
-              <a:t>求取平均值的方法，会出现非常尖锐的尖峰。虽然特征能够保留，但是信号的形状被破坏了，不够平滑。</a:t>
-            </a:r>
-            <a:endParaRPr lang="en-US" altLang="zh-CN" dirty="0"/>
-          </a:p>
-          <a:p>
-            <a:r>
-              <a:rPr lang="en-US" altLang="zh-CN" dirty="0"/>
-              <a:t>2. </a:t>
-            </a:r>
-            <a:r>
-              <a:rPr lang="zh-CN" altLang="en-US" dirty="0"/>
-              <a:t>直接求取平均值的方法获得的</a:t>
-            </a:r>
-            <a:r>
-              <a:rPr lang="en-US" altLang="zh-CN" dirty="0"/>
-              <a:t>template</a:t>
-            </a:r>
-            <a:r>
-              <a:rPr lang="zh-CN" altLang="en-US" dirty="0"/>
-              <a:t>会比较平滑，峰值的有效获取，不如</a:t>
-            </a:r>
-            <a:r>
-              <a:rPr lang="en-US" altLang="zh-CN" dirty="0"/>
-              <a:t>DBA</a:t>
-            </a:r>
-            <a:r>
-              <a:rPr lang="zh-CN" altLang="en-US" dirty="0"/>
-              <a:t>等算法。</a:t>
-            </a:r>
-            <a:endParaRPr lang="en-US" altLang="zh-CN" dirty="0"/>
-          </a:p>
-          <a:p>
-            <a:r>
-              <a:rPr lang="en-US" altLang="zh-CN" dirty="0"/>
-              <a:t>3. </a:t>
-            </a:r>
-            <a:r>
-              <a:rPr lang="zh-CN" altLang="en-US" dirty="0"/>
-              <a:t>我们目前没有办法去衡量生成模板的质量。我们需要开发一种指标进行求取。</a:t>
-            </a:r>
+            <a:endParaRPr lang="zh-CN" altLang="en-US" dirty="0"/>
           </a:p>
         </p:txBody>
       </p:sp>
     </p:spTree>
     <p:extLst>
       <p:ext uri="{BB962C8B-B14F-4D97-AF65-F5344CB8AC3E}">
-        <p14:creationId xmlns:p14="http://schemas.microsoft.com/office/powerpoint/2010/main" val="2127405951"/>
+        <p14:creationId xmlns:p14="http://schemas.microsoft.com/office/powerpoint/2010/main" val="1285314495"/>
       </p:ext>
     </p:extLst>
   </p:cSld>
@@ -18718,18 +19637,51 @@
         <p:spPr>
           <a:xfrm>
             <a:off x="1160060" y="818866"/>
-            <a:ext cx="6530453" cy="1815882"/>
+            <a:ext cx="6530453" cy="4247276"/>
           </a:xfrm>
           <a:prstGeom prst="rect">
             <a:avLst/>
           </a:prstGeom>
           <a:noFill/>
+          <a:ln>
+            <a:noFill/>
+          </a:ln>
         </p:spPr>
         <p:txBody>
-          <a:bodyPr wrap="square" rtlCol="0">
+          <a:bodyPr spcFirstLastPara="1" wrap="square" lIns="91425" tIns="45700" rIns="91425" bIns="45700" anchor="t" anchorCtr="0">
             <a:spAutoFit/>
           </a:bodyPr>
-          <a:lstStyle/>
+          <a:lstStyle>
+            <a:defPPr marR="0" lvl="0" algn="l" rtl="0">
+              <a:lnSpc>
+                <a:spcPct val="100000"/>
+              </a:lnSpc>
+              <a:spcBef>
+                <a:spcPts val="0"/>
+              </a:spcBef>
+              <a:spcAft>
+                <a:spcPts val="0"/>
+              </a:spcAft>
+              <a:defRPr/>
+            </a:defPPr>
+            <a:lvl1pPr marL="0" indent="0">
+              <a:buNone/>
+              <a:defRPr sz="1800">
+                <a:solidFill>
+                  <a:schemeClr val="dk1"/>
+                </a:solidFill>
+                <a:latin typeface="Consolas"/>
+                <a:ea typeface="Consolas"/>
+                <a:cs typeface="Consolas"/>
+              </a:defRPr>
+            </a:lvl1pPr>
+          </a:lstStyle>
+          <a:p>
+            <a:r>
+              <a:rPr lang="en-US" altLang="zh-CN" dirty="0"/>
+              <a:t>Template acquisition methods:</a:t>
+            </a:r>
+          </a:p>
           <a:p>
             <a:endParaRPr lang="en-US" altLang="zh-CN" dirty="0"/>
           </a:p>
@@ -18738,18 +19690,9 @@
               <a:buAutoNum type="arabicPeriod"/>
             </a:pPr>
             <a:r>
-              <a:rPr lang="zh-CN" altLang="en-US" dirty="0"/>
-              <a:t>信号质量</a:t>
+              <a:rPr lang="en-US" altLang="zh-CN" dirty="0"/>
+              <a:t>Using DBA to calculate the template results in sharp peaks. Although features are preserved, the signal shape is disrupted and lacks smoothness.</a:t>
             </a:r>
-            <a:endParaRPr lang="en-US" altLang="zh-CN" dirty="0"/>
-          </a:p>
-          <a:p>
-            <a:pPr lvl="1"/>
-            <a:r>
-              <a:rPr lang="zh-CN" altLang="en-US" dirty="0"/>
-              <a:t>对于心率的计算，之前的过滤算法已经表现的非常优秀了。但是用于提取模板，并分析特征，还不太够，需要再加一层过滤。</a:t>
-            </a:r>
-            <a:endParaRPr lang="en-US" altLang="zh-CN" dirty="0"/>
           </a:p>
           <a:p>
             <a:pPr marL="342900" indent="-342900">
@@ -18762,48 +19705,199 @@
               <a:buAutoNum type="arabicPeriod"/>
             </a:pPr>
             <a:r>
-              <a:rPr lang="zh-CN" altLang="en-US" dirty="0"/>
-              <a:t>真实数据的观察</a:t>
+              <a:rPr lang="en-US" altLang="zh-CN" dirty="0"/>
+              <a:t>Directly calculating the mean results in a smoother template, but the effective capture of peak values is not as good as algorithms like DBA.</a:t>
             </a:r>
+          </a:p>
+          <a:p>
+            <a:pPr marL="342900" indent="-342900">
+              <a:buAutoNum type="arabicPeriod"/>
+            </a:pPr>
             <a:endParaRPr lang="en-US" altLang="zh-CN" dirty="0"/>
           </a:p>
           <a:p>
-            <a:r>
-              <a:rPr lang="zh-CN" altLang="en-US" dirty="0"/>
-              <a:t>各个周期里峰的</a:t>
-            </a:r>
+            <a:pPr marL="342900" indent="-342900">
+              <a:buAutoNum type="arabicPeriod"/>
+            </a:pPr>
             <a:r>
               <a:rPr lang="en-US" altLang="zh-CN" dirty="0"/>
-              <a:t>amplitude</a:t>
+              <a:t>Currently, we have no way to measure the quality of generated templates. We need to develop a metric for assessment.</a:t>
             </a:r>
+            <a:endParaRPr lang="zh-CN" altLang="en-US" dirty="0"/>
+          </a:p>
+        </p:txBody>
+      </p:sp>
+    </p:spTree>
+    <p:extLst>
+      <p:ext uri="{BB962C8B-B14F-4D97-AF65-F5344CB8AC3E}">
+        <p14:creationId xmlns:p14="http://schemas.microsoft.com/office/powerpoint/2010/main" val="2127405951"/>
+      </p:ext>
+    </p:extLst>
+  </p:cSld>
+  <p:clrMapOvr>
+    <a:masterClrMapping/>
+  </p:clrMapOvr>
+</p:sld>
+</file>
+
+<file path=ppt/slides/slide17.xml><?xml version="1.0" encoding="utf-8"?>
+<p:sld xmlns:a="http://schemas.openxmlformats.org/drawingml/2006/main" xmlns:r="http://schemas.openxmlformats.org/officeDocument/2006/relationships" xmlns:p="http://schemas.openxmlformats.org/presentationml/2006/main">
+  <p:cSld>
+    <p:spTree>
+      <p:nvGrpSpPr>
+        <p:cNvPr id="1" name="Shape 307"/>
+        <p:cNvGrpSpPr/>
+        <p:nvPr/>
+      </p:nvGrpSpPr>
+      <p:grpSpPr>
+        <a:xfrm>
+          <a:off x="0" y="0"/>
+          <a:ext cx="0" cy="0"/>
+          <a:chOff x="0" y="0"/>
+          <a:chExt cx="0" cy="0"/>
+        </a:xfrm>
+      </p:grpSpPr>
+      <p:sp>
+        <p:nvSpPr>
+          <p:cNvPr id="309" name="Google Shape;309;p14"/>
+          <p:cNvSpPr txBox="1"/>
+          <p:nvPr/>
+        </p:nvSpPr>
+        <p:spPr>
+          <a:xfrm>
+            <a:off x="-1" y="0"/>
+            <a:ext cx="7008126" cy="369291"/>
+          </a:xfrm>
+          <a:prstGeom prst="rect">
+            <a:avLst/>
+          </a:prstGeom>
+          <a:noFill/>
+          <a:ln>
+            <a:noFill/>
+          </a:ln>
+        </p:spPr>
+        <p:txBody>
+          <a:bodyPr spcFirstLastPara="1" wrap="square" lIns="91425" tIns="45700" rIns="91425" bIns="45700" anchor="t" anchorCtr="0">
+            <a:spAutoFit/>
+          </a:bodyPr>
+          <a:lstStyle/>
+          <a:p>
+            <a:pPr marL="0" marR="0" lvl="0" indent="0" algn="l" rtl="0">
+              <a:spcBef>
+                <a:spcPts val="0"/>
+              </a:spcBef>
+              <a:spcAft>
+                <a:spcPts val="0"/>
+              </a:spcAft>
+              <a:buNone/>
+            </a:pPr>
             <a:r>
-              <a:rPr lang="zh-CN" altLang="en-US" dirty="0"/>
-              <a:t>并不一致</a:t>
+              <a:rPr lang="en-US" altLang="zh-CN" sz="1800" b="1" dirty="0">
+                <a:solidFill>
+                  <a:schemeClr val="dk1"/>
+                </a:solidFill>
+                <a:latin typeface="Consolas"/>
+                <a:ea typeface="Consolas"/>
+                <a:cs typeface="Consolas"/>
+                <a:sym typeface="Consolas"/>
+              </a:rPr>
+              <a:t>Cut, realign, and extract templates from real signals.</a:t>
             </a:r>
+          </a:p>
+        </p:txBody>
+      </p:sp>
+      <p:sp>
+        <p:nvSpPr>
+          <p:cNvPr id="2" name="文本框 1">
+            <a:extLst>
+              <a:ext uri="{FF2B5EF4-FFF2-40B4-BE49-F238E27FC236}">
+                <a16:creationId xmlns:a16="http://schemas.microsoft.com/office/drawing/2014/main" id="{113EC9C3-9CE6-0824-08C5-932AFCF2D9BF}"/>
+              </a:ext>
+            </a:extLst>
+          </p:cNvPr>
+          <p:cNvSpPr txBox="1"/>
+          <p:nvPr/>
+        </p:nvSpPr>
+        <p:spPr>
+          <a:xfrm>
+            <a:off x="1160060" y="818866"/>
+            <a:ext cx="6530453" cy="2462213"/>
+          </a:xfrm>
+          <a:prstGeom prst="rect">
+            <a:avLst/>
+          </a:prstGeom>
+          <a:noFill/>
+          <a:ln>
+            <a:noFill/>
+          </a:ln>
+        </p:spPr>
+        <p:txBody>
+          <a:bodyPr spcFirstLastPara="1" wrap="square" lIns="91425" tIns="45700" rIns="91425" bIns="45700" anchor="t" anchorCtr="0">
+            <a:spAutoFit/>
+          </a:bodyPr>
+          <a:lstStyle>
+            <a:defPPr marR="0" lvl="0" algn="l" rtl="0">
+              <a:lnSpc>
+                <a:spcPct val="100000"/>
+              </a:lnSpc>
+              <a:spcBef>
+                <a:spcPts val="0"/>
+              </a:spcBef>
+              <a:spcAft>
+                <a:spcPts val="0"/>
+              </a:spcAft>
+              <a:defRPr/>
+            </a:defPPr>
+            <a:lvl1pPr marL="0" indent="0">
+              <a:buNone/>
+              <a:defRPr sz="1800">
+                <a:solidFill>
+                  <a:schemeClr val="dk1"/>
+                </a:solidFill>
+                <a:latin typeface="Consolas"/>
+                <a:ea typeface="Consolas"/>
+                <a:cs typeface="Consolas"/>
+              </a:defRPr>
+            </a:lvl1pPr>
+          </a:lstStyle>
+          <a:p>
+            <a:r>
+              <a:rPr lang="en-US" altLang="zh-CN" dirty="0"/>
+              <a:t>Signal quality:</a:t>
+            </a:r>
+          </a:p>
+          <a:p>
             <a:endParaRPr lang="en-US" altLang="zh-CN" dirty="0"/>
           </a:p>
           <a:p>
             <a:r>
-              <a:rPr lang="zh-CN" altLang="en-US" dirty="0"/>
-              <a:t>波形时而接近</a:t>
+              <a:rPr lang="en-US" altLang="zh-CN" dirty="0"/>
+              <a:t>For heart rate calculation, the previous filtering algorithm has performed exceptionally well. However, for template extraction and feature analysis, it is not sufficient and requires an additional filtering layer.</a:t>
             </a:r>
+          </a:p>
+          <a:p>
+            <a:endParaRPr lang="en-US" altLang="zh-CN" dirty="0"/>
+          </a:p>
+          <a:p>
             <a:r>
-              <a:rPr lang="en-US" altLang="zh-CN" dirty="0" err="1"/>
-              <a:t>scg</a:t>
+              <a:rPr lang="en-US" altLang="zh-CN" dirty="0"/>
+              <a:t>Observation of real data:</a:t>
             </a:r>
+          </a:p>
+          <a:p>
+            <a:endParaRPr lang="en-US" altLang="zh-CN" dirty="0"/>
+          </a:p>
+          <a:p>
             <a:r>
-              <a:rPr lang="zh-CN" altLang="en-US" dirty="0"/>
-              <a:t>，时而接近</a:t>
+              <a:rPr lang="en-US" altLang="zh-CN" dirty="0"/>
+              <a:t>- Amplitudes of peaks within each cycle are not consistent.</a:t>
             </a:r>
+          </a:p>
+          <a:p>
             <a:r>
-              <a:rPr lang="en-US" altLang="zh-CN" dirty="0" err="1"/>
-              <a:t>bcg</a:t>
+              <a:rPr lang="en-US" altLang="zh-CN" dirty="0"/>
+              <a:t>- Waveforms sometimes resemble SCG, sometimes resemble BCG, and at times fall between the two.</a:t>
             </a:r>
-            <a:r>
-              <a:rPr lang="zh-CN" altLang="en-US" dirty="0"/>
-              <a:t>，时而介于两者之间</a:t>
-            </a:r>
-            <a:endParaRPr lang="en-US" altLang="zh-CN" dirty="0"/>
           </a:p>
         </p:txBody>
       </p:sp>
@@ -18820,7 +19914,7 @@
 </p:sld>
 </file>
 
-<file path=ppt/slides/slide17.xml><?xml version="1.0" encoding="utf-8"?>
+<file path=ppt/slides/slide18.xml><?xml version="1.0" encoding="utf-8"?>
 <p:sld xmlns:a="http://schemas.openxmlformats.org/drawingml/2006/main" xmlns:r="http://schemas.openxmlformats.org/officeDocument/2006/relationships" xmlns:p="http://schemas.openxmlformats.org/presentationml/2006/main">
   <p:cSld>
     <p:spTree>
@@ -18891,386 +19985,6 @@
     <p:extLst>
       <p:ext uri="{BB962C8B-B14F-4D97-AF65-F5344CB8AC3E}">
         <p14:creationId xmlns:p14="http://schemas.microsoft.com/office/powerpoint/2010/main" val="2124561355"/>
-      </p:ext>
-    </p:extLst>
-  </p:cSld>
-  <p:clrMapOvr>
-    <a:masterClrMapping/>
-  </p:clrMapOvr>
-</p:sld>
-</file>
-
-<file path=ppt/slides/slide18.xml><?xml version="1.0" encoding="utf-8"?>
-<p:sld xmlns:a="http://schemas.openxmlformats.org/drawingml/2006/main" xmlns:r="http://schemas.openxmlformats.org/officeDocument/2006/relationships" xmlns:p="http://schemas.openxmlformats.org/presentationml/2006/main">
-  <p:cSld>
-    <p:spTree>
-      <p:nvGrpSpPr>
-        <p:cNvPr id="1" name="Shape 307"/>
-        <p:cNvGrpSpPr/>
-        <p:nvPr/>
-      </p:nvGrpSpPr>
-      <p:grpSpPr>
-        <a:xfrm>
-          <a:off x="0" y="0"/>
-          <a:ext cx="0" cy="0"/>
-          <a:chOff x="0" y="0"/>
-          <a:chExt cx="0" cy="0"/>
-        </a:xfrm>
-      </p:grpSpPr>
-      <p:sp>
-        <p:nvSpPr>
-          <p:cNvPr id="309" name="Google Shape;309;p14"/>
-          <p:cNvSpPr txBox="1"/>
-          <p:nvPr/>
-        </p:nvSpPr>
-        <p:spPr>
-          <a:xfrm>
-            <a:off x="-1" y="0"/>
-            <a:ext cx="7008126" cy="369291"/>
-          </a:xfrm>
-          <a:prstGeom prst="rect">
-            <a:avLst/>
-          </a:prstGeom>
-          <a:noFill/>
-          <a:ln>
-            <a:noFill/>
-          </a:ln>
-        </p:spPr>
-        <p:txBody>
-          <a:bodyPr spcFirstLastPara="1" wrap="square" lIns="91425" tIns="45700" rIns="91425" bIns="45700" anchor="t" anchorCtr="0">
-            <a:spAutoFit/>
-          </a:bodyPr>
-          <a:lstStyle/>
-          <a:p>
-            <a:r>
-              <a:rPr lang="en-US" altLang="zh-CN" sz="1800" b="1" dirty="0">
-                <a:solidFill>
-                  <a:schemeClr val="dk1"/>
-                </a:solidFill>
-                <a:latin typeface="Consolas"/>
-              </a:rPr>
-              <a:t>The possible research directions for the next step.</a:t>
-            </a:r>
-          </a:p>
-        </p:txBody>
-      </p:sp>
-      <p:sp>
-        <p:nvSpPr>
-          <p:cNvPr id="4" name="文本框 3">
-            <a:extLst>
-              <a:ext uri="{FF2B5EF4-FFF2-40B4-BE49-F238E27FC236}">
-                <a16:creationId xmlns:a16="http://schemas.microsoft.com/office/drawing/2014/main" id="{F5A5622C-D581-CAD0-706E-D90AF50AF202}"/>
-              </a:ext>
-            </a:extLst>
-          </p:cNvPr>
-          <p:cNvSpPr txBox="1"/>
-          <p:nvPr/>
-        </p:nvSpPr>
-        <p:spPr>
-          <a:xfrm>
-            <a:off x="443552" y="682038"/>
-            <a:ext cx="6121020" cy="307777"/>
-          </a:xfrm>
-          <a:prstGeom prst="rect">
-            <a:avLst/>
-          </a:prstGeom>
-          <a:noFill/>
-        </p:spPr>
-        <p:txBody>
-          <a:bodyPr wrap="square">
-            <a:spAutoFit/>
-          </a:bodyPr>
-          <a:lstStyle/>
-          <a:p>
-            <a:r>
-              <a:rPr lang="en-US" altLang="zh-CN" b="1" dirty="0">
-                <a:solidFill>
-                  <a:schemeClr val="dk1"/>
-                </a:solidFill>
-                <a:latin typeface="Consolas"/>
-              </a:rPr>
-              <a:t>D</a:t>
-            </a:r>
-            <a:r>
-              <a:rPr lang="en-US" altLang="zh-CN" sz="1400" b="1" dirty="0">
-                <a:solidFill>
-                  <a:schemeClr val="dk1"/>
-                </a:solidFill>
-                <a:latin typeface="Consolas"/>
-              </a:rPr>
-              <a:t>irection 1</a:t>
-            </a:r>
-            <a:endParaRPr lang="zh-CN" altLang="en-US" dirty="0"/>
-          </a:p>
-        </p:txBody>
-      </p:sp>
-      <p:sp>
-        <p:nvSpPr>
-          <p:cNvPr id="5" name="文本框 4">
-            <a:extLst>
-              <a:ext uri="{FF2B5EF4-FFF2-40B4-BE49-F238E27FC236}">
-                <a16:creationId xmlns:a16="http://schemas.microsoft.com/office/drawing/2014/main" id="{34EB3053-53EE-70F9-B848-A21600AB0119}"/>
-              </a:ext>
-            </a:extLst>
-          </p:cNvPr>
-          <p:cNvSpPr txBox="1"/>
-          <p:nvPr/>
-        </p:nvSpPr>
-        <p:spPr>
-          <a:xfrm>
-            <a:off x="539087" y="1323833"/>
-            <a:ext cx="10140286" cy="2893100"/>
-          </a:xfrm>
-          <a:prstGeom prst="rect">
-            <a:avLst/>
-          </a:prstGeom>
-          <a:noFill/>
-        </p:spPr>
-        <p:txBody>
-          <a:bodyPr wrap="square" rtlCol="0">
-            <a:spAutoFit/>
-          </a:bodyPr>
-          <a:lstStyle/>
-          <a:p>
-            <a:r>
-              <a:rPr lang="zh-CN" altLang="en-US" dirty="0"/>
-              <a:t>如何进行对照实验？</a:t>
-            </a:r>
-            <a:endParaRPr lang="en-US" altLang="zh-CN" dirty="0"/>
-          </a:p>
-          <a:p>
-            <a:endParaRPr lang="en-US" altLang="zh-CN" dirty="0"/>
-          </a:p>
-          <a:p>
-            <a:r>
-              <a:rPr lang="zh-CN" altLang="en-US" dirty="0"/>
-              <a:t>在什么数据集上？ </a:t>
-            </a:r>
-            <a:endParaRPr lang="en-US" altLang="zh-CN" dirty="0"/>
-          </a:p>
-          <a:p>
-            <a:r>
-              <a:rPr lang="en-US" altLang="zh-CN" dirty="0"/>
-              <a:t>	</a:t>
-            </a:r>
-            <a:r>
-              <a:rPr lang="zh-CN" altLang="en-US" dirty="0"/>
-              <a:t>模拟数据集：</a:t>
-            </a:r>
-            <a:r>
-              <a:rPr lang="en-US" altLang="zh-CN" dirty="0"/>
-              <a:t>NK2</a:t>
-            </a:r>
-            <a:r>
-              <a:rPr lang="zh-CN" altLang="en-US" dirty="0"/>
-              <a:t>， </a:t>
-            </a:r>
-            <a:r>
-              <a:rPr lang="en-US" altLang="zh-CN" dirty="0"/>
-              <a:t>ECG</a:t>
-            </a:r>
-            <a:r>
-              <a:rPr lang="zh-CN" altLang="en-US" dirty="0"/>
-              <a:t>，</a:t>
-            </a:r>
-            <a:r>
-              <a:rPr lang="en-US" altLang="zh-CN" dirty="0"/>
-              <a:t>PPG</a:t>
-            </a:r>
-            <a:r>
-              <a:rPr lang="zh-CN" altLang="en-US" dirty="0"/>
-              <a:t>，</a:t>
-            </a:r>
-            <a:r>
-              <a:rPr lang="en-US" altLang="zh-CN" dirty="0"/>
-              <a:t>EDA</a:t>
-            </a:r>
-            <a:r>
-              <a:rPr lang="zh-CN" altLang="en-US" dirty="0"/>
-              <a:t>等信号</a:t>
-            </a:r>
-            <a:endParaRPr lang="en-US" altLang="zh-CN" dirty="0"/>
-          </a:p>
-          <a:p>
-            <a:r>
-              <a:rPr lang="en-US" altLang="zh-CN" dirty="0"/>
-              <a:t>	</a:t>
-            </a:r>
-            <a:r>
-              <a:rPr lang="zh-CN" altLang="en-US" dirty="0"/>
-              <a:t>真实数据集：</a:t>
-            </a:r>
-            <a:r>
-              <a:rPr lang="en-US" altLang="zh-CN" dirty="0"/>
-              <a:t>NK2</a:t>
-            </a:r>
-            <a:r>
-              <a:rPr lang="zh-CN" altLang="en-US" dirty="0"/>
-              <a:t>，</a:t>
-            </a:r>
-            <a:r>
-              <a:rPr lang="en-US" altLang="zh-CN" dirty="0"/>
-              <a:t> </a:t>
-            </a:r>
-            <a:r>
-              <a:rPr lang="en-US" altLang="zh-CN" dirty="0" err="1"/>
-              <a:t>PhysicalNet</a:t>
-            </a:r>
-            <a:r>
-              <a:rPr lang="zh-CN" altLang="en-US" dirty="0"/>
-              <a:t>等</a:t>
-            </a:r>
-            <a:endParaRPr lang="en-US" altLang="zh-CN" dirty="0"/>
-          </a:p>
-          <a:p>
-            <a:r>
-              <a:rPr lang="en-US" altLang="zh-CN" dirty="0"/>
-              <a:t>	</a:t>
-            </a:r>
-            <a:r>
-              <a:rPr lang="zh-CN" altLang="en-US" dirty="0"/>
-              <a:t>问题在于，一般都是直接一大段信号，缺少足够的标签，没有办法去探索特定特征和指标之间的相关性</a:t>
-            </a:r>
-            <a:endParaRPr lang="en-US" altLang="zh-CN" dirty="0"/>
-          </a:p>
-          <a:p>
-            <a:r>
-              <a:rPr lang="zh-CN" altLang="en-US" dirty="0"/>
-              <a:t>采用什么指标？</a:t>
-            </a:r>
-            <a:endParaRPr lang="en-US" altLang="zh-CN" dirty="0"/>
-          </a:p>
-          <a:p>
-            <a:r>
-              <a:rPr lang="en-US" altLang="zh-CN" dirty="0"/>
-              <a:t>	</a:t>
-            </a:r>
-            <a:r>
-              <a:rPr lang="zh-CN" altLang="en-US" dirty="0"/>
-              <a:t>对于 </a:t>
-            </a:r>
-            <a:r>
-              <a:rPr lang="en-US" altLang="zh-CN" dirty="0"/>
-              <a:t>Template4Prediction</a:t>
-            </a:r>
-            <a:r>
-              <a:rPr lang="zh-CN" altLang="en-US" dirty="0"/>
-              <a:t>的任务，目前仍然没有给出有效的指标</a:t>
-            </a:r>
-            <a:endParaRPr lang="en-US" altLang="zh-CN" dirty="0"/>
-          </a:p>
-          <a:p>
-            <a:r>
-              <a:rPr lang="en-US" altLang="zh-CN" dirty="0"/>
-              <a:t>	</a:t>
-            </a:r>
-            <a:r>
-              <a:rPr lang="zh-CN" altLang="en-US" dirty="0"/>
-              <a:t>常见的</a:t>
-            </a:r>
-            <a:r>
-              <a:rPr lang="en-US" altLang="zh-CN" dirty="0"/>
-              <a:t>1. within group squared sum WGSS</a:t>
-            </a:r>
-          </a:p>
-          <a:p>
-            <a:r>
-              <a:rPr lang="en-US" altLang="zh-CN" dirty="0"/>
-              <a:t>	           2. </a:t>
-            </a:r>
-            <a:r>
-              <a:rPr lang="zh-CN" altLang="en-US" dirty="0"/>
-              <a:t>把计算出来的</a:t>
-            </a:r>
-            <a:r>
-              <a:rPr lang="en-US" altLang="zh-CN" dirty="0"/>
-              <a:t>template</a:t>
-            </a:r>
-            <a:r>
-              <a:rPr lang="zh-CN" altLang="en-US" dirty="0"/>
-              <a:t>用于</a:t>
-            </a:r>
-            <a:r>
-              <a:rPr lang="en-US" altLang="zh-CN" dirty="0"/>
-              <a:t>nearest centroid classification in UCR dataset.</a:t>
-            </a:r>
-          </a:p>
-          <a:p>
-            <a:r>
-              <a:rPr lang="en-US" altLang="zh-CN" dirty="0"/>
-              <a:t>	</a:t>
-            </a:r>
-            <a:r>
-              <a:rPr lang="zh-CN" altLang="en-US" dirty="0"/>
-              <a:t>对于</a:t>
-            </a:r>
-            <a:r>
-              <a:rPr lang="en-US" altLang="zh-CN" dirty="0"/>
-              <a:t>1. WGSS</a:t>
-            </a:r>
-            <a:r>
-              <a:rPr lang="zh-CN" altLang="en-US" dirty="0"/>
-              <a:t>的计算，是一个</a:t>
-            </a:r>
-            <a:r>
-              <a:rPr lang="en-US" altLang="zh-CN" dirty="0"/>
-              <a:t>NP</a:t>
-            </a:r>
-            <a:r>
-              <a:rPr lang="zh-CN" altLang="en-US" dirty="0"/>
-              <a:t> </a:t>
-            </a:r>
-            <a:r>
-              <a:rPr lang="en-US" altLang="zh-CN" dirty="0"/>
-              <a:t>Complete</a:t>
-            </a:r>
-            <a:r>
-              <a:rPr lang="zh-CN" altLang="en-US" dirty="0"/>
-              <a:t>问题，有一些比较优秀的</a:t>
-            </a:r>
-            <a:r>
-              <a:rPr lang="en-US" altLang="zh-CN" dirty="0"/>
-              <a:t>DTW</a:t>
-            </a:r>
-            <a:r>
-              <a:rPr lang="zh-CN" altLang="en-US" dirty="0"/>
-              <a:t>算法可以得到很不错的梯度上的局部最优，但是用于</a:t>
-            </a:r>
-            <a:r>
-              <a:rPr lang="en-US" altLang="zh-CN" dirty="0"/>
-              <a:t>SCG</a:t>
-            </a:r>
-            <a:r>
-              <a:rPr lang="zh-CN" altLang="en-US" dirty="0"/>
-              <a:t>信号的预测，精度很差</a:t>
-            </a:r>
-            <a:endParaRPr lang="en-US" altLang="zh-CN" dirty="0"/>
-          </a:p>
-          <a:p>
-            <a:r>
-              <a:rPr lang="en-US" altLang="zh-CN" dirty="0"/>
-              <a:t>                          2. </a:t>
-            </a:r>
-            <a:r>
-              <a:rPr lang="zh-CN" altLang="en-US" dirty="0"/>
-              <a:t>这个一般是</a:t>
-            </a:r>
-            <a:r>
-              <a:rPr lang="en-US" altLang="zh-CN" dirty="0"/>
-              <a:t>Template4Classification</a:t>
-            </a:r>
-            <a:r>
-              <a:rPr lang="zh-CN" altLang="en-US" dirty="0"/>
-              <a:t>问题用的，我们使用不合适</a:t>
-            </a:r>
-            <a:endParaRPr lang="en-US" altLang="zh-CN" dirty="0"/>
-          </a:p>
-        </p:txBody>
-      </p:sp>
-    </p:spTree>
-    <p:extLst>
-      <p:ext uri="{BB962C8B-B14F-4D97-AF65-F5344CB8AC3E}">
-        <p14:creationId xmlns:p14="http://schemas.microsoft.com/office/powerpoint/2010/main" val="3456437680"/>
       </p:ext>
     </p:extLst>
   </p:cSld>
@@ -19348,6 +20062,661 @@
         </p:nvSpPr>
         <p:spPr>
           <a:xfrm>
+            <a:off x="443552" y="682038"/>
+            <a:ext cx="6121020" cy="307777"/>
+          </a:xfrm>
+          <a:prstGeom prst="rect">
+            <a:avLst/>
+          </a:prstGeom>
+          <a:noFill/>
+          <a:ln>
+            <a:noFill/>
+          </a:ln>
+        </p:spPr>
+        <p:txBody>
+          <a:bodyPr spcFirstLastPara="1" wrap="square" lIns="91425" tIns="45700" rIns="91425" bIns="45700" anchor="t" anchorCtr="0">
+            <a:spAutoFit/>
+          </a:bodyPr>
+          <a:lstStyle>
+            <a:defPPr marR="0" lvl="0" algn="l" rtl="0">
+              <a:lnSpc>
+                <a:spcPct val="100000"/>
+              </a:lnSpc>
+              <a:spcBef>
+                <a:spcPts val="0"/>
+              </a:spcBef>
+              <a:spcAft>
+                <a:spcPts val="0"/>
+              </a:spcAft>
+              <a:defRPr/>
+            </a:defPPr>
+            <a:lvl1pPr marL="0" indent="0">
+              <a:buNone/>
+              <a:defRPr sz="1800">
+                <a:solidFill>
+                  <a:schemeClr val="dk1"/>
+                </a:solidFill>
+                <a:latin typeface="Consolas"/>
+                <a:ea typeface="Consolas"/>
+                <a:cs typeface="Consolas"/>
+              </a:defRPr>
+            </a:lvl1pPr>
+          </a:lstStyle>
+          <a:p>
+            <a:r>
+              <a:rPr lang="en-US" altLang="zh-CN" dirty="0"/>
+              <a:t>Direction 1</a:t>
+            </a:r>
+            <a:endParaRPr lang="zh-CN" altLang="en-US" dirty="0"/>
+          </a:p>
+        </p:txBody>
+      </p:sp>
+      <p:sp>
+        <p:nvSpPr>
+          <p:cNvPr id="5" name="文本框 4">
+            <a:extLst>
+              <a:ext uri="{FF2B5EF4-FFF2-40B4-BE49-F238E27FC236}">
+                <a16:creationId xmlns:a16="http://schemas.microsoft.com/office/drawing/2014/main" id="{34EB3053-53EE-70F9-B848-A21600AB0119}"/>
+              </a:ext>
+            </a:extLst>
+          </p:cNvPr>
+          <p:cNvSpPr txBox="1"/>
+          <p:nvPr/>
+        </p:nvSpPr>
+        <p:spPr>
+          <a:xfrm>
+            <a:off x="539087" y="1323833"/>
+            <a:ext cx="10140286" cy="3539430"/>
+          </a:xfrm>
+          <a:prstGeom prst="rect">
+            <a:avLst/>
+          </a:prstGeom>
+          <a:noFill/>
+          <a:ln>
+            <a:noFill/>
+          </a:ln>
+        </p:spPr>
+        <p:txBody>
+          <a:bodyPr spcFirstLastPara="1" wrap="square" lIns="91425" tIns="45700" rIns="91425" bIns="45700" anchor="t" anchorCtr="0">
+            <a:spAutoFit/>
+          </a:bodyPr>
+          <a:lstStyle>
+            <a:defPPr marR="0" lvl="0" algn="l" rtl="0">
+              <a:lnSpc>
+                <a:spcPct val="100000"/>
+              </a:lnSpc>
+              <a:spcBef>
+                <a:spcPts val="0"/>
+              </a:spcBef>
+              <a:spcAft>
+                <a:spcPts val="0"/>
+              </a:spcAft>
+              <a:defRPr/>
+            </a:defPPr>
+            <a:lvl1pPr marL="0" indent="0">
+              <a:buNone/>
+              <a:defRPr sz="1800">
+                <a:solidFill>
+                  <a:schemeClr val="dk1"/>
+                </a:solidFill>
+                <a:latin typeface="Consolas"/>
+                <a:ea typeface="Consolas"/>
+                <a:cs typeface="Consolas"/>
+              </a:defRPr>
+            </a:lvl1pPr>
+          </a:lstStyle>
+          <a:p>
+            <a:r>
+              <a:rPr lang="en-US" altLang="zh-CN" dirty="0"/>
+              <a:t>How to prove and validate the effectiveness of the algorithm?</a:t>
+            </a:r>
+          </a:p>
+          <a:p>
+            <a:endParaRPr lang="en-US" altLang="zh-CN" dirty="0"/>
+          </a:p>
+          <a:p>
+            <a:r>
+              <a:rPr lang="en-US" altLang="zh-CN" dirty="0"/>
+              <a:t>On what dataset?</a:t>
+            </a:r>
+          </a:p>
+          <a:p>
+            <a:r>
+              <a:rPr lang="en-US" altLang="zh-CN" dirty="0"/>
+              <a:t>- Simulated datasets: NK2, ECG, PPG, EDA, etc.</a:t>
+            </a:r>
+          </a:p>
+          <a:p>
+            <a:r>
+              <a:rPr lang="en-US" altLang="zh-CN" dirty="0"/>
+              <a:t>- Real datasets: NK2, </a:t>
+            </a:r>
+            <a:r>
+              <a:rPr lang="en-US" altLang="zh-CN" dirty="0" err="1"/>
+              <a:t>PhysicalNet</a:t>
+            </a:r>
+            <a:r>
+              <a:rPr lang="en-US" altLang="zh-CN" dirty="0"/>
+              <a:t>, etc.</a:t>
+            </a:r>
+          </a:p>
+          <a:p>
+            <a:r>
+              <a:rPr lang="en-US" altLang="zh-CN" dirty="0"/>
+              <a:t>The challenge lies in having mostly long signals without sufficient labels, making it challenging to explore the correlation between specific features and metrics.</a:t>
+            </a:r>
+          </a:p>
+          <a:p>
+            <a:endParaRPr lang="en-US" altLang="zh-CN" dirty="0"/>
+          </a:p>
+          <a:p>
+            <a:r>
+              <a:rPr lang="en-US" altLang="zh-CN" dirty="0"/>
+              <a:t>What metrics to use?</a:t>
+            </a:r>
+          </a:p>
+          <a:p>
+            <a:r>
+              <a:rPr lang="en-US" altLang="zh-CN" dirty="0"/>
+              <a:t>- For the Template4Prediction task, effective metrics have not yet been determined.</a:t>
+            </a:r>
+          </a:p>
+          <a:p>
+            <a:r>
+              <a:rPr lang="en-US" altLang="zh-CN" dirty="0"/>
+              <a:t>- Common metrics include:</a:t>
+            </a:r>
+          </a:p>
+          <a:p>
+            <a:r>
+              <a:rPr lang="en-US" altLang="zh-CN" dirty="0"/>
+              <a:t>  1. Within Group Squared Sum (WGSS).</a:t>
+            </a:r>
+          </a:p>
+          <a:p>
+            <a:r>
+              <a:rPr lang="en-US" altLang="zh-CN" dirty="0"/>
+              <a:t>  2. Using the computed template for nearest centroid classification in UCR dataset.</a:t>
+            </a:r>
+          </a:p>
+          <a:p>
+            <a:r>
+              <a:rPr lang="en-US" altLang="zh-CN" dirty="0"/>
+              <a:t>- For 1. WGSS calculation is an NP-Complete problem. Some excellent DTW algorithms can achieve good gradients on local optima, but for SCG signal prediction, accuracy is poor.</a:t>
+            </a:r>
+          </a:p>
+          <a:p>
+            <a:r>
+              <a:rPr lang="en-US" altLang="zh-CN" dirty="0"/>
+              <a:t>  2. This is generally used for Template4Classification problems, and it may not be suitable for our use case.</a:t>
+            </a:r>
+          </a:p>
+        </p:txBody>
+      </p:sp>
+    </p:spTree>
+    <p:extLst>
+      <p:ext uri="{BB962C8B-B14F-4D97-AF65-F5344CB8AC3E}">
+        <p14:creationId xmlns:p14="http://schemas.microsoft.com/office/powerpoint/2010/main" val="3456437680"/>
+      </p:ext>
+    </p:extLst>
+  </p:cSld>
+  <p:clrMapOvr>
+    <a:masterClrMapping/>
+  </p:clrMapOvr>
+</p:sld>
+</file>
+
+<file path=ppt/slides/slide2.xml><?xml version="1.0" encoding="utf-8"?>
+<p:sld xmlns:a="http://schemas.openxmlformats.org/drawingml/2006/main" xmlns:r="http://schemas.openxmlformats.org/officeDocument/2006/relationships" xmlns:p="http://schemas.openxmlformats.org/presentationml/2006/main">
+  <p:cSld>
+    <p:spTree>
+      <p:nvGrpSpPr>
+        <p:cNvPr id="1" name="Shape 95"/>
+        <p:cNvGrpSpPr/>
+        <p:nvPr/>
+      </p:nvGrpSpPr>
+      <p:grpSpPr>
+        <a:xfrm>
+          <a:off x="0" y="0"/>
+          <a:ext cx="0" cy="0"/>
+          <a:chOff x="0" y="0"/>
+          <a:chExt cx="0" cy="0"/>
+        </a:xfrm>
+      </p:grpSpPr>
+      <p:sp>
+        <p:nvSpPr>
+          <p:cNvPr id="96" name="Google Shape;96;p2"/>
+          <p:cNvSpPr txBox="1"/>
+          <p:nvPr/>
+        </p:nvSpPr>
+        <p:spPr>
+          <a:xfrm>
+            <a:off x="1574963" y="537330"/>
+            <a:ext cx="9042074" cy="461665"/>
+          </a:xfrm>
+          <a:prstGeom prst="rect">
+            <a:avLst/>
+          </a:prstGeom>
+          <a:noFill/>
+          <a:ln>
+            <a:noFill/>
+          </a:ln>
+        </p:spPr>
+        <p:txBody>
+          <a:bodyPr spcFirstLastPara="1" wrap="square" lIns="91425" tIns="45700" rIns="91425" bIns="45700" anchor="t" anchorCtr="0">
+            <a:spAutoFit/>
+          </a:bodyPr>
+          <a:lstStyle/>
+          <a:p>
+            <a:pPr marL="0" marR="0" lvl="0" indent="0" algn="ctr" rtl="0">
+              <a:spcBef>
+                <a:spcPts val="0"/>
+              </a:spcBef>
+              <a:spcAft>
+                <a:spcPts val="0"/>
+              </a:spcAft>
+              <a:buNone/>
+            </a:pPr>
+            <a:r>
+              <a:rPr lang="en-US" sz="2400" b="0" i="0" u="none" strike="noStrike" cap="none">
+                <a:solidFill>
+                  <a:schemeClr val="dk1"/>
+                </a:solidFill>
+                <a:latin typeface="Consolas"/>
+                <a:ea typeface="Consolas"/>
+                <a:cs typeface="Consolas"/>
+                <a:sym typeface="Consolas"/>
+              </a:rPr>
+              <a:t>Work Description</a:t>
+            </a:r>
+            <a:endParaRPr/>
+          </a:p>
+        </p:txBody>
+      </p:sp>
+      <p:sp>
+        <p:nvSpPr>
+          <p:cNvPr id="97" name="Google Shape;97;p2"/>
+          <p:cNvSpPr txBox="1"/>
+          <p:nvPr/>
+        </p:nvSpPr>
+        <p:spPr>
+          <a:xfrm>
+            <a:off x="2051696" y="1859359"/>
+            <a:ext cx="8088608" cy="3139281"/>
+          </a:xfrm>
+          <a:prstGeom prst="rect">
+            <a:avLst/>
+          </a:prstGeom>
+          <a:noFill/>
+          <a:ln>
+            <a:noFill/>
+          </a:ln>
+        </p:spPr>
+        <p:txBody>
+          <a:bodyPr spcFirstLastPara="1" wrap="square" lIns="91425" tIns="45700" rIns="91425" bIns="45700" anchor="t" anchorCtr="0">
+            <a:spAutoFit/>
+          </a:bodyPr>
+          <a:lstStyle/>
+          <a:p>
+            <a:pPr marL="0" marR="0" lvl="0" indent="0" algn="l" rtl="0">
+              <a:spcBef>
+                <a:spcPts val="0"/>
+              </a:spcBef>
+              <a:spcAft>
+                <a:spcPts val="0"/>
+              </a:spcAft>
+              <a:buNone/>
+            </a:pPr>
+            <a:r>
+              <a:rPr lang="en-US" sz="1800" b="1" i="0" u="none" strike="noStrike" cap="none" dirty="0">
+                <a:solidFill>
+                  <a:schemeClr val="dk1"/>
+                </a:solidFill>
+                <a:latin typeface="Consolas"/>
+                <a:ea typeface="Consolas"/>
+                <a:cs typeface="Consolas"/>
+                <a:sym typeface="Consolas"/>
+              </a:rPr>
+              <a:t>Part_1: Take a look at the tutorial first.</a:t>
+            </a:r>
+          </a:p>
+          <a:p>
+            <a:pPr marL="0" marR="0" lvl="0" indent="0" algn="l" rtl="0">
+              <a:spcBef>
+                <a:spcPts val="0"/>
+              </a:spcBef>
+              <a:spcAft>
+                <a:spcPts val="0"/>
+              </a:spcAft>
+              <a:buNone/>
+            </a:pPr>
+            <a:endParaRPr lang="en-US" sz="1800" b="1" i="0" u="none" strike="noStrike" cap="none" dirty="0">
+              <a:solidFill>
+                <a:schemeClr val="dk1"/>
+              </a:solidFill>
+              <a:latin typeface="Consolas"/>
+              <a:ea typeface="Consolas"/>
+              <a:cs typeface="Consolas"/>
+              <a:sym typeface="Consolas"/>
+            </a:endParaRPr>
+          </a:p>
+          <a:p>
+            <a:pPr marL="0" marR="0" lvl="0" indent="0" algn="l" rtl="0">
+              <a:spcBef>
+                <a:spcPts val="0"/>
+              </a:spcBef>
+              <a:spcAft>
+                <a:spcPts val="0"/>
+              </a:spcAft>
+              <a:buNone/>
+            </a:pPr>
+            <a:r>
+              <a:rPr lang="en-US" sz="1800" b="1" i="0" u="none" strike="noStrike" cap="none" dirty="0">
+                <a:solidFill>
+                  <a:schemeClr val="dk1"/>
+                </a:solidFill>
+                <a:latin typeface="Consolas"/>
+                <a:ea typeface="Consolas"/>
+                <a:cs typeface="Consolas"/>
+                <a:sym typeface="Consolas"/>
+              </a:rPr>
+              <a:t>Part_2: </a:t>
+            </a:r>
+            <a:r>
+              <a:rPr lang="en-US" sz="1800" b="1" dirty="0">
+                <a:solidFill>
+                  <a:schemeClr val="dk1"/>
+                </a:solidFill>
+                <a:latin typeface="Consolas"/>
+                <a:ea typeface="Consolas"/>
+                <a:cs typeface="Consolas"/>
+                <a:sym typeface="Consolas"/>
+              </a:rPr>
+              <a:t>Why </a:t>
+            </a:r>
+            <a:r>
+              <a:rPr lang="en-US" altLang="zh-CN" sz="1800" b="1" dirty="0">
+                <a:solidFill>
+                  <a:schemeClr val="dk1"/>
+                </a:solidFill>
+                <a:latin typeface="Consolas"/>
+                <a:ea typeface="Consolas"/>
+                <a:cs typeface="Consolas"/>
+                <a:sym typeface="Consolas"/>
+              </a:rPr>
+              <a:t>doesn’t </a:t>
+            </a:r>
+            <a:r>
+              <a:rPr lang="en-US" sz="1800" b="1" dirty="0">
+                <a:solidFill>
+                  <a:schemeClr val="dk1"/>
+                </a:solidFill>
+                <a:latin typeface="Consolas"/>
+                <a:ea typeface="Consolas"/>
+                <a:cs typeface="Consolas"/>
+                <a:sym typeface="Consolas"/>
+              </a:rPr>
+              <a:t>FMM work?</a:t>
+            </a:r>
+            <a:endParaRPr lang="en-US" sz="1800" dirty="0">
+              <a:solidFill>
+                <a:schemeClr val="dk1"/>
+              </a:solidFill>
+              <a:latin typeface="Consolas"/>
+              <a:ea typeface="Consolas"/>
+              <a:cs typeface="Consolas"/>
+              <a:sym typeface="Consolas"/>
+            </a:endParaRPr>
+          </a:p>
+          <a:p>
+            <a:pPr marL="0" marR="0" lvl="0" indent="0" algn="l" rtl="0">
+              <a:spcBef>
+                <a:spcPts val="0"/>
+              </a:spcBef>
+              <a:spcAft>
+                <a:spcPts val="0"/>
+              </a:spcAft>
+              <a:buNone/>
+            </a:pPr>
+            <a:endParaRPr lang="en-US" sz="1800" b="0" i="0" u="none" strike="noStrike" cap="none" dirty="0">
+              <a:solidFill>
+                <a:schemeClr val="dk1"/>
+              </a:solidFill>
+              <a:latin typeface="Consolas"/>
+              <a:ea typeface="Consolas"/>
+              <a:cs typeface="Consolas"/>
+              <a:sym typeface="Consolas"/>
+            </a:endParaRPr>
+          </a:p>
+          <a:p>
+            <a:pPr marL="0" marR="0" lvl="0" indent="0" algn="l" rtl="0">
+              <a:spcBef>
+                <a:spcPts val="0"/>
+              </a:spcBef>
+              <a:spcAft>
+                <a:spcPts val="0"/>
+              </a:spcAft>
+              <a:buNone/>
+            </a:pPr>
+            <a:r>
+              <a:rPr lang="en-US" sz="1800" b="1" dirty="0">
+                <a:solidFill>
+                  <a:schemeClr val="dk1"/>
+                </a:solidFill>
+                <a:latin typeface="Consolas"/>
+                <a:ea typeface="Consolas"/>
+                <a:cs typeface="Consolas"/>
+                <a:sym typeface="Consolas"/>
+              </a:rPr>
+              <a:t>Part_3: An easy experiment about sampling rate.</a:t>
+            </a:r>
+            <a:endParaRPr lang="en-US" b="1" dirty="0"/>
+          </a:p>
+          <a:p>
+            <a:pPr marL="0" marR="0" lvl="0" indent="0" algn="l" rtl="0">
+              <a:spcBef>
+                <a:spcPts val="0"/>
+              </a:spcBef>
+              <a:spcAft>
+                <a:spcPts val="0"/>
+              </a:spcAft>
+              <a:buNone/>
+            </a:pPr>
+            <a:endParaRPr sz="1800" dirty="0">
+              <a:solidFill>
+                <a:schemeClr val="dk1"/>
+              </a:solidFill>
+              <a:latin typeface="Consolas"/>
+              <a:ea typeface="Consolas"/>
+              <a:cs typeface="Consolas"/>
+              <a:sym typeface="Consolas"/>
+            </a:endParaRPr>
+          </a:p>
+          <a:p>
+            <a:pPr marL="0" marR="0" lvl="0" indent="0" algn="l" rtl="0">
+              <a:spcBef>
+                <a:spcPts val="0"/>
+              </a:spcBef>
+              <a:spcAft>
+                <a:spcPts val="0"/>
+              </a:spcAft>
+              <a:buNone/>
+            </a:pPr>
+            <a:r>
+              <a:rPr lang="en-US" sz="1800" b="1" dirty="0">
+                <a:solidFill>
+                  <a:schemeClr val="dk1"/>
+                </a:solidFill>
+                <a:latin typeface="Consolas"/>
+                <a:ea typeface="Consolas"/>
+                <a:cs typeface="Consolas"/>
+                <a:sym typeface="Consolas"/>
+              </a:rPr>
+              <a:t>Part_4: </a:t>
+            </a:r>
+            <a:r>
+              <a:rPr lang="en-US" altLang="zh-CN" sz="1800" b="1" dirty="0">
+                <a:solidFill>
+                  <a:schemeClr val="dk1"/>
+                </a:solidFill>
+                <a:latin typeface="Consolas"/>
+                <a:ea typeface="Consolas"/>
+                <a:cs typeface="Consolas"/>
+                <a:sym typeface="Consolas"/>
+              </a:rPr>
+              <a:t>Cut, realign, and extract templates from real signals.</a:t>
+            </a:r>
+          </a:p>
+          <a:p>
+            <a:pPr marL="0" marR="0" lvl="0" indent="0" algn="l" rtl="0">
+              <a:spcBef>
+                <a:spcPts val="0"/>
+              </a:spcBef>
+              <a:spcAft>
+                <a:spcPts val="0"/>
+              </a:spcAft>
+              <a:buNone/>
+            </a:pPr>
+            <a:endParaRPr sz="1800" dirty="0">
+              <a:solidFill>
+                <a:schemeClr val="dk1"/>
+              </a:solidFill>
+              <a:latin typeface="Consolas"/>
+              <a:ea typeface="Consolas"/>
+              <a:cs typeface="Consolas"/>
+              <a:sym typeface="Consolas"/>
+            </a:endParaRPr>
+          </a:p>
+          <a:p>
+            <a:r>
+              <a:rPr lang="en-US" sz="1800" b="1" dirty="0">
+                <a:solidFill>
+                  <a:schemeClr val="dk1"/>
+                </a:solidFill>
+                <a:latin typeface="Consolas"/>
+                <a:sym typeface="Consolas"/>
+              </a:rPr>
+              <a:t>Part_5: </a:t>
+            </a:r>
+            <a:r>
+              <a:rPr lang="en-US" altLang="zh-CN" sz="1800" b="1" dirty="0">
+                <a:solidFill>
+                  <a:schemeClr val="dk1"/>
+                </a:solidFill>
+                <a:latin typeface="Consolas"/>
+              </a:rPr>
+              <a:t>The possible research directions for the next step.</a:t>
+            </a:r>
+          </a:p>
+          <a:p>
+            <a:endParaRPr lang="en-US" sz="1800" b="1" dirty="0">
+              <a:solidFill>
+                <a:schemeClr val="dk1"/>
+              </a:solidFill>
+              <a:latin typeface="Consolas"/>
+              <a:sym typeface="Consolas"/>
+            </a:endParaRPr>
+          </a:p>
+          <a:p>
+            <a:pPr marL="0" marR="0" lvl="0" indent="0" algn="l" rtl="0">
+              <a:spcBef>
+                <a:spcPts val="0"/>
+              </a:spcBef>
+              <a:spcAft>
+                <a:spcPts val="0"/>
+              </a:spcAft>
+              <a:buNone/>
+            </a:pPr>
+            <a:r>
+              <a:rPr lang="en-US" altLang="zh-CN" sz="1800" b="1" dirty="0">
+                <a:solidFill>
+                  <a:schemeClr val="dk1"/>
+                </a:solidFill>
+                <a:latin typeface="Consolas"/>
+                <a:sym typeface="Consolas"/>
+              </a:rPr>
+              <a:t>Part_6: Questions</a:t>
+            </a:r>
+            <a:endParaRPr dirty="0"/>
+          </a:p>
+        </p:txBody>
+      </p:sp>
+    </p:spTree>
+  </p:cSld>
+  <p:clrMapOvr>
+    <a:masterClrMapping/>
+  </p:clrMapOvr>
+</p:sld>
+</file>
+
+<file path=ppt/slides/slide20.xml><?xml version="1.0" encoding="utf-8"?>
+<p:sld xmlns:a="http://schemas.openxmlformats.org/drawingml/2006/main" xmlns:r="http://schemas.openxmlformats.org/officeDocument/2006/relationships" xmlns:p="http://schemas.openxmlformats.org/presentationml/2006/main">
+  <p:cSld>
+    <p:spTree>
+      <p:nvGrpSpPr>
+        <p:cNvPr id="1" name="Shape 307"/>
+        <p:cNvGrpSpPr/>
+        <p:nvPr/>
+      </p:nvGrpSpPr>
+      <p:grpSpPr>
+        <a:xfrm>
+          <a:off x="0" y="0"/>
+          <a:ext cx="0" cy="0"/>
+          <a:chOff x="0" y="0"/>
+          <a:chExt cx="0" cy="0"/>
+        </a:xfrm>
+      </p:grpSpPr>
+      <p:sp>
+        <p:nvSpPr>
+          <p:cNvPr id="309" name="Google Shape;309;p14"/>
+          <p:cNvSpPr txBox="1"/>
+          <p:nvPr/>
+        </p:nvSpPr>
+        <p:spPr>
+          <a:xfrm>
+            <a:off x="-1" y="0"/>
+            <a:ext cx="7008126" cy="369291"/>
+          </a:xfrm>
+          <a:prstGeom prst="rect">
+            <a:avLst/>
+          </a:prstGeom>
+          <a:noFill/>
+          <a:ln>
+            <a:noFill/>
+          </a:ln>
+        </p:spPr>
+        <p:txBody>
+          <a:bodyPr spcFirstLastPara="1" wrap="square" lIns="91425" tIns="45700" rIns="91425" bIns="45700" anchor="t" anchorCtr="0">
+            <a:spAutoFit/>
+          </a:bodyPr>
+          <a:lstStyle/>
+          <a:p>
+            <a:r>
+              <a:rPr lang="en-US" altLang="zh-CN" sz="1800" b="1" dirty="0">
+                <a:solidFill>
+                  <a:schemeClr val="dk1"/>
+                </a:solidFill>
+                <a:latin typeface="Consolas"/>
+              </a:rPr>
+              <a:t>The possible research directions for the next step.</a:t>
+            </a:r>
+          </a:p>
+        </p:txBody>
+      </p:sp>
+      <p:sp>
+        <p:nvSpPr>
+          <p:cNvPr id="4" name="文本框 3">
+            <a:extLst>
+              <a:ext uri="{FF2B5EF4-FFF2-40B4-BE49-F238E27FC236}">
+                <a16:creationId xmlns:a16="http://schemas.microsoft.com/office/drawing/2014/main" id="{F5A5622C-D581-CAD0-706E-D90AF50AF202}"/>
+              </a:ext>
+            </a:extLst>
+          </p:cNvPr>
+          <p:cNvSpPr txBox="1"/>
+          <p:nvPr/>
+        </p:nvSpPr>
+        <p:spPr>
+          <a:xfrm>
             <a:off x="526762" y="544491"/>
             <a:ext cx="6121020" cy="307777"/>
           </a:xfrm>
@@ -19405,25 +20774,44 @@
             <a:avLst/>
           </a:prstGeom>
           <a:noFill/>
+          <a:ln>
+            <a:noFill/>
+          </a:ln>
         </p:spPr>
         <p:txBody>
-          <a:bodyPr wrap="square" rtlCol="0">
+          <a:bodyPr spcFirstLastPara="1" wrap="square" lIns="91425" tIns="45700" rIns="91425" bIns="45700" anchor="t" anchorCtr="0">
             <a:spAutoFit/>
           </a:bodyPr>
-          <a:lstStyle/>
+          <a:lstStyle>
+            <a:defPPr marR="0" lvl="0" algn="l" rtl="0">
+              <a:lnSpc>
+                <a:spcPct val="100000"/>
+              </a:lnSpc>
+              <a:spcBef>
+                <a:spcPts val="0"/>
+              </a:spcBef>
+              <a:spcAft>
+                <a:spcPts val="0"/>
+              </a:spcAft>
+              <a:defRPr/>
+            </a:defPPr>
+            <a:lvl1pPr marL="0" indent="0">
+              <a:buNone/>
+              <a:defRPr sz="1800">
+                <a:solidFill>
+                  <a:schemeClr val="dk1"/>
+                </a:solidFill>
+                <a:latin typeface="Consolas"/>
+                <a:ea typeface="Consolas"/>
+                <a:cs typeface="Consolas"/>
+              </a:defRPr>
+            </a:lvl1pPr>
+          </a:lstStyle>
           <a:p>
             <a:r>
-              <a:rPr lang="zh-CN" altLang="en-US" dirty="0"/>
-              <a:t>同一段信号中，每个周期多个峰的相对高度都不一样。</a:t>
+              <a:rPr lang="en-US" altLang="zh-CN" dirty="0"/>
+              <a:t>In the same signal segment, the relative heights of multiple peaks within each cycle are not consistent. It might not be reliable to use this information to extract a perfectly clean signal segment.</a:t>
             </a:r>
-            <a:endParaRPr lang="en-US" altLang="zh-CN" dirty="0"/>
-          </a:p>
-          <a:p>
-            <a:r>
-              <a:rPr lang="zh-CN" altLang="en-US" dirty="0"/>
-              <a:t>用这个东西，去提取出一段完美的信号，可能不太靠谱。</a:t>
-            </a:r>
-            <a:endParaRPr lang="en-US" altLang="zh-CN" dirty="0"/>
           </a:p>
         </p:txBody>
       </p:sp>
@@ -21326,12 +22714,39 @@
             <a:avLst/>
           </a:prstGeom>
           <a:noFill/>
+          <a:ln>
+            <a:noFill/>
+          </a:ln>
         </p:spPr>
         <p:txBody>
-          <a:bodyPr wrap="square">
+          <a:bodyPr spcFirstLastPara="1" wrap="square" lIns="91425" tIns="45700" rIns="91425" bIns="45700" anchor="t" anchorCtr="0">
             <a:spAutoFit/>
           </a:bodyPr>
-          <a:lstStyle/>
+          <a:lstStyle>
+            <a:defPPr marR="0" lvl="0" algn="l" rtl="0">
+              <a:lnSpc>
+                <a:spcPct val="100000"/>
+              </a:lnSpc>
+              <a:spcBef>
+                <a:spcPts val="0"/>
+              </a:spcBef>
+              <a:spcAft>
+                <a:spcPts val="0"/>
+              </a:spcAft>
+              <a:defRPr/>
+            </a:defPPr>
+            <a:lvl1pPr marL="0" indent="0">
+              <a:buNone/>
+              <a:defRPr sz="1800">
+                <a:solidFill>
+                  <a:schemeClr val="dk1"/>
+                </a:solidFill>
+                <a:latin typeface="Consolas"/>
+                <a:ea typeface="Consolas"/>
+                <a:cs typeface="Consolas"/>
+              </a:defRPr>
+            </a:lvl1pPr>
+          </a:lstStyle>
           <a:p>
             <a:r>
               <a:rPr lang="en-US" altLang="zh-CN" dirty="0"/>
@@ -21400,390 +22815,7 @@
 </p:sld>
 </file>
 
-<file path=ppt/slides/slide2.xml><?xml version="1.0" encoding="utf-8"?>
-<p:sld xmlns:a="http://schemas.openxmlformats.org/drawingml/2006/main" xmlns:r="http://schemas.openxmlformats.org/officeDocument/2006/relationships" xmlns:p="http://schemas.openxmlformats.org/presentationml/2006/main">
-  <p:cSld>
-    <p:spTree>
-      <p:nvGrpSpPr>
-        <p:cNvPr id="1" name="Shape 95"/>
-        <p:cNvGrpSpPr/>
-        <p:nvPr/>
-      </p:nvGrpSpPr>
-      <p:grpSpPr>
-        <a:xfrm>
-          <a:off x="0" y="0"/>
-          <a:ext cx="0" cy="0"/>
-          <a:chOff x="0" y="0"/>
-          <a:chExt cx="0" cy="0"/>
-        </a:xfrm>
-      </p:grpSpPr>
-      <p:sp>
-        <p:nvSpPr>
-          <p:cNvPr id="96" name="Google Shape;96;p2"/>
-          <p:cNvSpPr txBox="1"/>
-          <p:nvPr/>
-        </p:nvSpPr>
-        <p:spPr>
-          <a:xfrm>
-            <a:off x="1574963" y="537330"/>
-            <a:ext cx="9042074" cy="461665"/>
-          </a:xfrm>
-          <a:prstGeom prst="rect">
-            <a:avLst/>
-          </a:prstGeom>
-          <a:noFill/>
-          <a:ln>
-            <a:noFill/>
-          </a:ln>
-        </p:spPr>
-        <p:txBody>
-          <a:bodyPr spcFirstLastPara="1" wrap="square" lIns="91425" tIns="45700" rIns="91425" bIns="45700" anchor="t" anchorCtr="0">
-            <a:spAutoFit/>
-          </a:bodyPr>
-          <a:lstStyle/>
-          <a:p>
-            <a:pPr marL="0" marR="0" lvl="0" indent="0" algn="ctr" rtl="0">
-              <a:spcBef>
-                <a:spcPts val="0"/>
-              </a:spcBef>
-              <a:spcAft>
-                <a:spcPts val="0"/>
-              </a:spcAft>
-              <a:buNone/>
-            </a:pPr>
-            <a:r>
-              <a:rPr lang="en-US" sz="2400" b="0" i="0" u="none" strike="noStrike" cap="none">
-                <a:solidFill>
-                  <a:schemeClr val="dk1"/>
-                </a:solidFill>
-                <a:latin typeface="Consolas"/>
-                <a:ea typeface="Consolas"/>
-                <a:cs typeface="Consolas"/>
-                <a:sym typeface="Consolas"/>
-              </a:rPr>
-              <a:t>Work Description</a:t>
-            </a:r>
-            <a:endParaRPr/>
-          </a:p>
-        </p:txBody>
-      </p:sp>
-      <p:sp>
-        <p:nvSpPr>
-          <p:cNvPr id="97" name="Google Shape;97;p2"/>
-          <p:cNvSpPr txBox="1"/>
-          <p:nvPr/>
-        </p:nvSpPr>
-        <p:spPr>
-          <a:xfrm>
-            <a:off x="2051696" y="1859359"/>
-            <a:ext cx="8088608" cy="3139281"/>
-          </a:xfrm>
-          <a:prstGeom prst="rect">
-            <a:avLst/>
-          </a:prstGeom>
-          <a:noFill/>
-          <a:ln>
-            <a:noFill/>
-          </a:ln>
-        </p:spPr>
-        <p:txBody>
-          <a:bodyPr spcFirstLastPara="1" wrap="square" lIns="91425" tIns="45700" rIns="91425" bIns="45700" anchor="t" anchorCtr="0">
-            <a:spAutoFit/>
-          </a:bodyPr>
-          <a:lstStyle/>
-          <a:p>
-            <a:pPr marL="0" marR="0" lvl="0" indent="0" algn="l" rtl="0">
-              <a:spcBef>
-                <a:spcPts val="0"/>
-              </a:spcBef>
-              <a:spcAft>
-                <a:spcPts val="0"/>
-              </a:spcAft>
-              <a:buNone/>
-            </a:pPr>
-            <a:r>
-              <a:rPr lang="en-US" sz="1800" b="1" i="0" u="none" strike="noStrike" cap="none" dirty="0">
-                <a:solidFill>
-                  <a:schemeClr val="dk1"/>
-                </a:solidFill>
-                <a:latin typeface="Consolas"/>
-                <a:ea typeface="Consolas"/>
-                <a:cs typeface="Consolas"/>
-                <a:sym typeface="Consolas"/>
-              </a:rPr>
-              <a:t>Part_1: Take a look at the tutorial first.</a:t>
-            </a:r>
-          </a:p>
-          <a:p>
-            <a:pPr marL="0" marR="0" lvl="0" indent="0" algn="l" rtl="0">
-              <a:spcBef>
-                <a:spcPts val="0"/>
-              </a:spcBef>
-              <a:spcAft>
-                <a:spcPts val="0"/>
-              </a:spcAft>
-              <a:buNone/>
-            </a:pPr>
-            <a:endParaRPr lang="en-US" sz="1800" b="1" i="0" u="none" strike="noStrike" cap="none" dirty="0">
-              <a:solidFill>
-                <a:schemeClr val="dk1"/>
-              </a:solidFill>
-              <a:latin typeface="Consolas"/>
-              <a:ea typeface="Consolas"/>
-              <a:cs typeface="Consolas"/>
-              <a:sym typeface="Consolas"/>
-            </a:endParaRPr>
-          </a:p>
-          <a:p>
-            <a:pPr marL="0" marR="0" lvl="0" indent="0" algn="l" rtl="0">
-              <a:spcBef>
-                <a:spcPts val="0"/>
-              </a:spcBef>
-              <a:spcAft>
-                <a:spcPts val="0"/>
-              </a:spcAft>
-              <a:buNone/>
-            </a:pPr>
-            <a:r>
-              <a:rPr lang="en-US" sz="1800" b="1" i="0" u="none" strike="noStrike" cap="none" dirty="0">
-                <a:solidFill>
-                  <a:schemeClr val="dk1"/>
-                </a:solidFill>
-                <a:latin typeface="Consolas"/>
-                <a:ea typeface="Consolas"/>
-                <a:cs typeface="Consolas"/>
-                <a:sym typeface="Consolas"/>
-              </a:rPr>
-              <a:t>Part_2: </a:t>
-            </a:r>
-            <a:r>
-              <a:rPr lang="en-US" sz="1800" b="1" dirty="0">
-                <a:solidFill>
-                  <a:schemeClr val="dk1"/>
-                </a:solidFill>
-                <a:latin typeface="Consolas"/>
-                <a:ea typeface="Consolas"/>
-                <a:cs typeface="Consolas"/>
-                <a:sym typeface="Consolas"/>
-              </a:rPr>
-              <a:t>Why </a:t>
-            </a:r>
-            <a:r>
-              <a:rPr lang="en-US" altLang="zh-CN" sz="1800" b="1" dirty="0">
-                <a:solidFill>
-                  <a:schemeClr val="dk1"/>
-                </a:solidFill>
-                <a:latin typeface="Consolas"/>
-                <a:ea typeface="Consolas"/>
-                <a:cs typeface="Consolas"/>
-                <a:sym typeface="Consolas"/>
-              </a:rPr>
-              <a:t>doesn’t </a:t>
-            </a:r>
-            <a:r>
-              <a:rPr lang="en-US" sz="1800" b="1" dirty="0">
-                <a:solidFill>
-                  <a:schemeClr val="dk1"/>
-                </a:solidFill>
-                <a:latin typeface="Consolas"/>
-                <a:ea typeface="Consolas"/>
-                <a:cs typeface="Consolas"/>
-                <a:sym typeface="Consolas"/>
-              </a:rPr>
-              <a:t>FMM work?</a:t>
-            </a:r>
-            <a:endParaRPr lang="en-US" sz="1800" dirty="0">
-              <a:solidFill>
-                <a:schemeClr val="dk1"/>
-              </a:solidFill>
-              <a:latin typeface="Consolas"/>
-              <a:ea typeface="Consolas"/>
-              <a:cs typeface="Consolas"/>
-              <a:sym typeface="Consolas"/>
-            </a:endParaRPr>
-          </a:p>
-          <a:p>
-            <a:pPr marL="0" marR="0" lvl="0" indent="0" algn="l" rtl="0">
-              <a:spcBef>
-                <a:spcPts val="0"/>
-              </a:spcBef>
-              <a:spcAft>
-                <a:spcPts val="0"/>
-              </a:spcAft>
-              <a:buNone/>
-            </a:pPr>
-            <a:endParaRPr lang="en-US" sz="1800" b="0" i="0" u="none" strike="noStrike" cap="none" dirty="0">
-              <a:solidFill>
-                <a:schemeClr val="dk1"/>
-              </a:solidFill>
-              <a:latin typeface="Consolas"/>
-              <a:ea typeface="Consolas"/>
-              <a:cs typeface="Consolas"/>
-              <a:sym typeface="Consolas"/>
-            </a:endParaRPr>
-          </a:p>
-          <a:p>
-            <a:pPr marL="0" marR="0" lvl="0" indent="0" algn="l" rtl="0">
-              <a:spcBef>
-                <a:spcPts val="0"/>
-              </a:spcBef>
-              <a:spcAft>
-                <a:spcPts val="0"/>
-              </a:spcAft>
-              <a:buNone/>
-            </a:pPr>
-            <a:r>
-              <a:rPr lang="en-US" sz="1800" b="1" dirty="0">
-                <a:solidFill>
-                  <a:schemeClr val="dk1"/>
-                </a:solidFill>
-                <a:latin typeface="Consolas"/>
-                <a:ea typeface="Consolas"/>
-                <a:cs typeface="Consolas"/>
-                <a:sym typeface="Consolas"/>
-              </a:rPr>
-              <a:t>Part_3: An easy experiment about sampling rate.</a:t>
-            </a:r>
-            <a:endParaRPr lang="en-US" b="1" dirty="0"/>
-          </a:p>
-          <a:p>
-            <a:pPr marL="0" marR="0" lvl="0" indent="0" algn="l" rtl="0">
-              <a:spcBef>
-                <a:spcPts val="0"/>
-              </a:spcBef>
-              <a:spcAft>
-                <a:spcPts val="0"/>
-              </a:spcAft>
-              <a:buNone/>
-            </a:pPr>
-            <a:endParaRPr sz="1800" dirty="0">
-              <a:solidFill>
-                <a:schemeClr val="dk1"/>
-              </a:solidFill>
-              <a:latin typeface="Consolas"/>
-              <a:ea typeface="Consolas"/>
-              <a:cs typeface="Consolas"/>
-              <a:sym typeface="Consolas"/>
-            </a:endParaRPr>
-          </a:p>
-          <a:p>
-            <a:pPr marL="0" marR="0" lvl="0" indent="0" algn="l" rtl="0">
-              <a:spcBef>
-                <a:spcPts val="0"/>
-              </a:spcBef>
-              <a:spcAft>
-                <a:spcPts val="0"/>
-              </a:spcAft>
-              <a:buNone/>
-            </a:pPr>
-            <a:r>
-              <a:rPr lang="en-US" sz="1800" b="1" dirty="0">
-                <a:solidFill>
-                  <a:schemeClr val="dk1"/>
-                </a:solidFill>
-                <a:latin typeface="Consolas"/>
-                <a:ea typeface="Consolas"/>
-                <a:cs typeface="Consolas"/>
-                <a:sym typeface="Consolas"/>
-              </a:rPr>
-              <a:t>Part_4: </a:t>
-            </a:r>
-            <a:r>
-              <a:rPr lang="en-US" altLang="zh-CN" sz="1800" b="1" dirty="0">
-                <a:solidFill>
-                  <a:schemeClr val="dk1"/>
-                </a:solidFill>
-                <a:latin typeface="Consolas"/>
-                <a:ea typeface="Consolas"/>
-                <a:cs typeface="Consolas"/>
-                <a:sym typeface="Consolas"/>
-              </a:rPr>
-              <a:t>Cut, realign, and extract templates from real signals.</a:t>
-            </a:r>
-          </a:p>
-          <a:p>
-            <a:pPr marL="0" marR="0" lvl="0" indent="0" algn="l" rtl="0">
-              <a:spcBef>
-                <a:spcPts val="0"/>
-              </a:spcBef>
-              <a:spcAft>
-                <a:spcPts val="0"/>
-              </a:spcAft>
-              <a:buNone/>
-            </a:pPr>
-            <a:endParaRPr sz="1800" dirty="0">
-              <a:solidFill>
-                <a:schemeClr val="dk1"/>
-              </a:solidFill>
-              <a:latin typeface="Consolas"/>
-              <a:ea typeface="Consolas"/>
-              <a:cs typeface="Consolas"/>
-              <a:sym typeface="Consolas"/>
-            </a:endParaRPr>
-          </a:p>
-          <a:p>
-            <a:r>
-              <a:rPr lang="en-US" sz="1800" b="1" dirty="0">
-                <a:solidFill>
-                  <a:schemeClr val="dk1"/>
-                </a:solidFill>
-                <a:latin typeface="Consolas"/>
-                <a:sym typeface="Consolas"/>
-              </a:rPr>
-              <a:t>Part_5: </a:t>
-            </a:r>
-            <a:r>
-              <a:rPr lang="en-US" altLang="zh-CN" sz="1800" b="1" dirty="0">
-                <a:solidFill>
-                  <a:schemeClr val="dk1"/>
-                </a:solidFill>
-                <a:latin typeface="Consolas"/>
-              </a:rPr>
-              <a:t>The possible research directions for the next step.</a:t>
-            </a:r>
-          </a:p>
-          <a:p>
-            <a:endParaRPr lang="en-US" sz="1800" b="1" dirty="0">
-              <a:solidFill>
-                <a:schemeClr val="dk1"/>
-              </a:solidFill>
-              <a:latin typeface="Consolas"/>
-              <a:sym typeface="Consolas"/>
-            </a:endParaRPr>
-          </a:p>
-          <a:p>
-            <a:pPr marL="0" marR="0" lvl="0" indent="0" algn="l" rtl="0">
-              <a:spcBef>
-                <a:spcPts val="0"/>
-              </a:spcBef>
-              <a:spcAft>
-                <a:spcPts val="0"/>
-              </a:spcAft>
-              <a:buNone/>
-            </a:pPr>
-            <a:r>
-              <a:rPr lang="en-US" altLang="zh-CN" sz="1800" b="1" dirty="0">
-                <a:solidFill>
-                  <a:schemeClr val="dk1"/>
-                </a:solidFill>
-                <a:latin typeface="Consolas"/>
-                <a:sym typeface="Consolas"/>
-              </a:rPr>
-              <a:t>Part_6: Questions</a:t>
-            </a:r>
-            <a:endParaRPr dirty="0"/>
-          </a:p>
-        </p:txBody>
-      </p:sp>
-    </p:spTree>
-  </p:cSld>
-  <p:clrMapOvr>
-    <a:masterClrMapping/>
-  </p:clrMapOvr>
-</p:sld>
-</file>
-
-<file path=ppt/slides/slide20.xml><?xml version="1.0" encoding="utf-8"?>
+<file path=ppt/slides/slide21.xml><?xml version="1.0" encoding="utf-8"?>
 <p:sld xmlns:a="http://schemas.openxmlformats.org/drawingml/2006/main" xmlns:r="http://schemas.openxmlformats.org/officeDocument/2006/relationships" xmlns:p="http://schemas.openxmlformats.org/presentationml/2006/main">
   <p:cSld>
     <p:spTree>
@@ -21887,49 +22919,6 @@
           </a:p>
         </p:txBody>
       </p:sp>
-      <p:sp>
-        <p:nvSpPr>
-          <p:cNvPr id="5" name="文本框 4">
-            <a:extLst>
-              <a:ext uri="{FF2B5EF4-FFF2-40B4-BE49-F238E27FC236}">
-                <a16:creationId xmlns:a16="http://schemas.microsoft.com/office/drawing/2014/main" id="{34EB3053-53EE-70F9-B848-A21600AB0119}"/>
-              </a:ext>
-            </a:extLst>
-          </p:cNvPr>
-          <p:cNvSpPr txBox="1"/>
-          <p:nvPr/>
-        </p:nvSpPr>
-        <p:spPr>
-          <a:xfrm>
-            <a:off x="1937982" y="546100"/>
-            <a:ext cx="10140286" cy="523220"/>
-          </a:xfrm>
-          <a:prstGeom prst="rect">
-            <a:avLst/>
-          </a:prstGeom>
-          <a:noFill/>
-        </p:spPr>
-        <p:txBody>
-          <a:bodyPr wrap="square" rtlCol="0">
-            <a:spAutoFit/>
-          </a:bodyPr>
-          <a:lstStyle/>
-          <a:p>
-            <a:r>
-              <a:rPr lang="zh-CN" altLang="en-US" dirty="0"/>
-              <a:t>同一段信号中，每个周期多个峰的相对高度都不一样。</a:t>
-            </a:r>
-            <a:endParaRPr lang="en-US" altLang="zh-CN" dirty="0"/>
-          </a:p>
-          <a:p>
-            <a:r>
-              <a:rPr lang="zh-CN" altLang="en-US" dirty="0"/>
-              <a:t>用这个东西，去提取出一段完美的信号，可能不太靠谱。</a:t>
-            </a:r>
-            <a:endParaRPr lang="en-US" altLang="zh-CN" dirty="0"/>
-          </a:p>
-        </p:txBody>
-      </p:sp>
       <p:cxnSp>
         <p:nvCxnSpPr>
           <p:cNvPr id="6" name="直接连接符 5">
@@ -23093,21 +24082,42 @@
             <a:avLst/>
           </a:prstGeom>
           <a:noFill/>
+          <a:ln>
+            <a:noFill/>
+          </a:ln>
         </p:spPr>
         <p:txBody>
-          <a:bodyPr wrap="square">
+          <a:bodyPr spcFirstLastPara="1" wrap="square" lIns="91425" tIns="45700" rIns="91425" bIns="45700" anchor="t" anchorCtr="0">
             <a:spAutoFit/>
           </a:bodyPr>
-          <a:lstStyle/>
+          <a:lstStyle>
+            <a:defPPr marR="0" lvl="0" algn="l" rtl="0">
+              <a:lnSpc>
+                <a:spcPct val="100000"/>
+              </a:lnSpc>
+              <a:spcBef>
+                <a:spcPts val="0"/>
+              </a:spcBef>
+              <a:spcAft>
+                <a:spcPts val="0"/>
+              </a:spcAft>
+              <a:defRPr/>
+            </a:defPPr>
+            <a:lvl1pPr marL="0" indent="0">
+              <a:buNone/>
+              <a:defRPr sz="1800">
+                <a:solidFill>
+                  <a:schemeClr val="dk1"/>
+                </a:solidFill>
+                <a:latin typeface="Consolas"/>
+                <a:ea typeface="Consolas"/>
+                <a:cs typeface="Consolas"/>
+              </a:defRPr>
+            </a:lvl1pPr>
+          </a:lstStyle>
           <a:p>
             <a:r>
-              <a:rPr lang="en-US" altLang="zh-CN" b="0" i="0" dirty="0">
-                <a:solidFill>
-                  <a:srgbClr val="D1D5DB"/>
-                </a:solidFill>
-                <a:effectLst/>
-                <a:latin typeface="Söhne"/>
-              </a:rPr>
+              <a:rPr lang="en-US" altLang="zh-CN" dirty="0"/>
               <a:t>Error Interval</a:t>
             </a:r>
             <a:endParaRPr lang="zh-CN" altLang="en-US" dirty="0"/>
@@ -23135,20 +24145,42 @@
             <a:avLst/>
           </a:prstGeom>
           <a:noFill/>
+          <a:ln>
+            <a:noFill/>
+          </a:ln>
         </p:spPr>
         <p:txBody>
-          <a:bodyPr wrap="square">
+          <a:bodyPr spcFirstLastPara="1" wrap="square" lIns="91425" tIns="45700" rIns="91425" bIns="45700" anchor="t" anchorCtr="0">
             <a:spAutoFit/>
           </a:bodyPr>
-          <a:lstStyle/>
+          <a:lstStyle>
+            <a:defPPr marR="0" lvl="0" algn="l" rtl="0">
+              <a:lnSpc>
+                <a:spcPct val="100000"/>
+              </a:lnSpc>
+              <a:spcBef>
+                <a:spcPts val="0"/>
+              </a:spcBef>
+              <a:spcAft>
+                <a:spcPts val="0"/>
+              </a:spcAft>
+              <a:defRPr/>
+            </a:defPPr>
+            <a:lvl1pPr marL="0" indent="0">
+              <a:buNone/>
+              <a:defRPr sz="1800">
+                <a:solidFill>
+                  <a:schemeClr val="dk1"/>
+                </a:solidFill>
+                <a:latin typeface="Consolas"/>
+                <a:ea typeface="Consolas"/>
+                <a:cs typeface="Consolas"/>
+              </a:defRPr>
+            </a:lvl1pPr>
+          </a:lstStyle>
           <a:p>
             <a:r>
-              <a:rPr lang="en-US" altLang="zh-CN" dirty="0">
-                <a:solidFill>
-                  <a:srgbClr val="D1D5DB"/>
-                </a:solidFill>
-                <a:latin typeface="Söhne"/>
-              </a:rPr>
+              <a:rPr lang="en-US" altLang="zh-CN" dirty="0"/>
               <a:t>Template</a:t>
             </a:r>
             <a:endParaRPr lang="zh-CN" altLang="en-US" dirty="0"/>
@@ -23528,12 +24560,39 @@
             <a:avLst/>
           </a:prstGeom>
           <a:noFill/>
+          <a:ln>
+            <a:noFill/>
+          </a:ln>
         </p:spPr>
         <p:txBody>
-          <a:bodyPr wrap="square">
+          <a:bodyPr spcFirstLastPara="1" wrap="square" lIns="91425" tIns="45700" rIns="91425" bIns="45700" anchor="t" anchorCtr="0">
             <a:spAutoFit/>
           </a:bodyPr>
-          <a:lstStyle/>
+          <a:lstStyle>
+            <a:defPPr marR="0" lvl="0" algn="l" rtl="0">
+              <a:lnSpc>
+                <a:spcPct val="100000"/>
+              </a:lnSpc>
+              <a:spcBef>
+                <a:spcPts val="0"/>
+              </a:spcBef>
+              <a:spcAft>
+                <a:spcPts val="0"/>
+              </a:spcAft>
+              <a:defRPr/>
+            </a:defPPr>
+            <a:lvl1pPr marL="0" indent="0">
+              <a:buNone/>
+              <a:defRPr sz="1800">
+                <a:solidFill>
+                  <a:schemeClr val="dk1"/>
+                </a:solidFill>
+                <a:latin typeface="Consolas"/>
+                <a:ea typeface="Consolas"/>
+                <a:cs typeface="Consolas"/>
+              </a:defRPr>
+            </a:lvl1pPr>
+          </a:lstStyle>
           <a:p>
             <a:r>
               <a:rPr lang="en-US" altLang="zh-CN" dirty="0"/>
@@ -23604,54 +24663,69 @@
         <p:spPr>
           <a:xfrm>
             <a:off x="1624085" y="5499262"/>
-            <a:ext cx="5985864" cy="738664"/>
+            <a:ext cx="5985864" cy="1169551"/>
           </a:xfrm>
           <a:prstGeom prst="rect">
             <a:avLst/>
           </a:prstGeom>
           <a:noFill/>
+          <a:ln>
+            <a:noFill/>
+          </a:ln>
         </p:spPr>
         <p:txBody>
-          <a:bodyPr wrap="square" rtlCol="0">
+          <a:bodyPr spcFirstLastPara="1" wrap="square" lIns="91425" tIns="45700" rIns="91425" bIns="45700" anchor="t" anchorCtr="0">
             <a:spAutoFit/>
           </a:bodyPr>
-          <a:lstStyle/>
+          <a:lstStyle>
+            <a:defPPr marR="0" lvl="0" algn="l" rtl="0">
+              <a:lnSpc>
+                <a:spcPct val="100000"/>
+              </a:lnSpc>
+              <a:spcBef>
+                <a:spcPts val="0"/>
+              </a:spcBef>
+              <a:spcAft>
+                <a:spcPts val="0"/>
+              </a:spcAft>
+              <a:defRPr/>
+            </a:defPPr>
+            <a:lvl1pPr marL="0" indent="0">
+              <a:buNone/>
+              <a:defRPr sz="1800">
+                <a:solidFill>
+                  <a:schemeClr val="dk1"/>
+                </a:solidFill>
+                <a:latin typeface="Consolas"/>
+                <a:ea typeface="Consolas"/>
+                <a:cs typeface="Consolas"/>
+              </a:defRPr>
+            </a:lvl1pPr>
+          </a:lstStyle>
           <a:p>
             <a:r>
-              <a:rPr lang="zh-CN" altLang="en-US" dirty="0"/>
-              <a:t>比起</a:t>
+              <a:rPr lang="en-US" altLang="zh-CN" dirty="0"/>
+              <a:t>Compared to the template, it is even more critical to pay attention to the Error Interval. </a:t>
+            </a:r>
+          </a:p>
+          <a:p>
+            <a:r>
+              <a:rPr lang="en-US" altLang="zh-CN" dirty="0"/>
+              <a:t>How to generate the Error Interval</a:t>
+            </a:r>
+          </a:p>
+          <a:p>
+            <a:r>
+              <a:rPr lang="en-US" altLang="zh-CN"/>
+              <a:t>H</a:t>
             </a:r>
             <a:r>
               <a:rPr lang="en-US" altLang="zh-CN" dirty="0"/>
-              <a:t>template</a:t>
+              <a:t>ow to sample to obtain a probability distribution of features are important </a:t>
             </a:r>
             <a:r>
-              <a:rPr lang="zh-CN" altLang="en-US" dirty="0"/>
-              <a:t>，也更加需要注意</a:t>
-            </a:r>
-            <a:endParaRPr lang="en-US" altLang="zh-CN" dirty="0"/>
-          </a:p>
-          <a:p>
-            <a:pPr marL="342900" indent="-342900">
-              <a:buAutoNum type="arabicPeriod"/>
-            </a:pPr>
-            <a:r>
-              <a:rPr lang="en-US" altLang="zh-CN" dirty="0"/>
-              <a:t>Error Interval</a:t>
-            </a:r>
-            <a:r>
-              <a:rPr lang="zh-CN" altLang="en-US" dirty="0"/>
-              <a:t>该如何生成</a:t>
-            </a:r>
-            <a:endParaRPr lang="en-US" altLang="zh-CN" dirty="0"/>
-          </a:p>
-          <a:p>
-            <a:pPr marL="342900" indent="-342900">
-              <a:buAutoNum type="arabicPeriod"/>
-            </a:pPr>
-            <a:r>
-              <a:rPr lang="zh-CN" altLang="en-US" dirty="0"/>
-              <a:t>该如何去采样从而得到一个特征的概率分布</a:t>
+              <a:rPr lang="en-US" altLang="zh-CN"/>
+              <a:t>considerations.</a:t>
             </a:r>
             <a:endParaRPr lang="en-US" altLang="zh-CN" dirty="0"/>
           </a:p>
@@ -23670,7 +24744,7 @@
 </p:sld>
 </file>
 
-<file path=ppt/slides/slide21.xml><?xml version="1.0" encoding="utf-8"?>
+<file path=ppt/slides/slide22.xml><?xml version="1.0" encoding="utf-8"?>
 <p:sld xmlns:a="http://schemas.openxmlformats.org/drawingml/2006/main" xmlns:r="http://schemas.openxmlformats.org/officeDocument/2006/relationships" xmlns:p="http://schemas.openxmlformats.org/presentationml/2006/main">
   <p:cSld>
     <p:spTree>
@@ -23789,37 +24863,66 @@
         <p:spPr>
           <a:xfrm>
             <a:off x="1937982" y="546100"/>
-            <a:ext cx="10140286" cy="523220"/>
+            <a:ext cx="10140286" cy="954107"/>
           </a:xfrm>
           <a:prstGeom prst="rect">
             <a:avLst/>
           </a:prstGeom>
           <a:noFill/>
+          <a:ln>
+            <a:noFill/>
+          </a:ln>
         </p:spPr>
         <p:txBody>
-          <a:bodyPr wrap="square" rtlCol="0">
+          <a:bodyPr spcFirstLastPara="1" wrap="square" lIns="91425" tIns="45700" rIns="91425" bIns="45700" anchor="t" anchorCtr="0">
             <a:spAutoFit/>
           </a:bodyPr>
-          <a:lstStyle/>
+          <a:lstStyle>
+            <a:defPPr marR="0" lvl="0" algn="l" rtl="0">
+              <a:lnSpc>
+                <a:spcPct val="100000"/>
+              </a:lnSpc>
+              <a:spcBef>
+                <a:spcPts val="0"/>
+              </a:spcBef>
+              <a:spcAft>
+                <a:spcPts val="0"/>
+              </a:spcAft>
+              <a:defRPr/>
+            </a:defPPr>
+            <a:lvl1pPr marL="0" indent="0">
+              <a:buNone/>
+              <a:defRPr sz="1800">
+                <a:solidFill>
+                  <a:schemeClr val="dk1"/>
+                </a:solidFill>
+                <a:latin typeface="Consolas"/>
+                <a:ea typeface="Consolas"/>
+                <a:cs typeface="Consolas"/>
+              </a:defRPr>
+            </a:lvl1pPr>
+          </a:lstStyle>
           <a:p>
             <a:r>
-              <a:rPr lang="zh-CN" altLang="en-US" dirty="0"/>
-              <a:t>卡尔曼滤波有许多非常非常棒的性质，但是卡尔曼滤波只能时间单元之间一一对应的进行滤波</a:t>
+              <a:rPr lang="en-US" altLang="zh-CN" dirty="0"/>
+              <a:t>Kalman filtering has many nice properties, but it can only filter correspondingly between time units. </a:t>
             </a:r>
+          </a:p>
+          <a:p>
             <a:endParaRPr lang="en-US" altLang="zh-CN" dirty="0"/>
           </a:p>
           <a:p>
             <a:r>
-              <a:rPr lang="zh-CN" altLang="en-US" dirty="0"/>
-              <a:t>如果能将卡尔曼滤波扩展到</a:t>
+              <a:rPr lang="en-US" altLang="zh-CN" dirty="0"/>
+              <a:t>If Kalman filtering can be extended to the domain of Dynamic Time Warping (DTW), it should greatly enhance the effectiveness of Kalman filtering for our specific problem</a:t>
             </a:r>
             <a:r>
-              <a:rPr lang="en-US" altLang="zh-CN" dirty="0"/>
-              <a:t>DTW</a:t>
+              <a:rPr lang="en-US" altLang="zh-CN"/>
+              <a:t>. </a:t>
             </a:r>
             <a:r>
-              <a:rPr lang="zh-CN" altLang="en-US" dirty="0"/>
-              <a:t>域中，那应该能够大大的提升卡尔曼滤波的对于我们这个问题的效果。</a:t>
+              <a:rPr lang="zh-CN" altLang="en-US"/>
+              <a:t>。</a:t>
             </a:r>
             <a:endParaRPr lang="en-US" altLang="zh-CN" dirty="0"/>
           </a:p>
@@ -25554,12 +26657,39 @@
             <a:avLst/>
           </a:prstGeom>
           <a:noFill/>
+          <a:ln>
+            <a:noFill/>
+          </a:ln>
         </p:spPr>
         <p:txBody>
-          <a:bodyPr wrap="square" rtlCol="0">
+          <a:bodyPr spcFirstLastPara="1" wrap="square" lIns="91425" tIns="45700" rIns="91425" bIns="45700" anchor="t" anchorCtr="0">
             <a:spAutoFit/>
           </a:bodyPr>
-          <a:lstStyle/>
+          <a:lstStyle>
+            <a:defPPr marR="0" lvl="0" algn="l" rtl="0">
+              <a:lnSpc>
+                <a:spcPct val="100000"/>
+              </a:lnSpc>
+              <a:spcBef>
+                <a:spcPts val="0"/>
+              </a:spcBef>
+              <a:spcAft>
+                <a:spcPts val="0"/>
+              </a:spcAft>
+              <a:defRPr/>
+            </a:defPPr>
+            <a:lvl1pPr marL="0" indent="0">
+              <a:buNone/>
+              <a:defRPr sz="1800">
+                <a:solidFill>
+                  <a:schemeClr val="dk1"/>
+                </a:solidFill>
+                <a:latin typeface="Consolas"/>
+                <a:ea typeface="Consolas"/>
+                <a:cs typeface="Consolas"/>
+              </a:defRPr>
+            </a:lvl1pPr>
+          </a:lstStyle>
           <a:p>
             <a:r>
               <a:rPr lang="en-US" altLang="zh-CN" dirty="0"/>
@@ -25590,12 +26720,39 @@
             <a:avLst/>
           </a:prstGeom>
           <a:noFill/>
+          <a:ln>
+            <a:noFill/>
+          </a:ln>
         </p:spPr>
         <p:txBody>
-          <a:bodyPr wrap="square" rtlCol="0">
+          <a:bodyPr spcFirstLastPara="1" wrap="square" lIns="91425" tIns="45700" rIns="91425" bIns="45700" anchor="t" anchorCtr="0">
             <a:spAutoFit/>
           </a:bodyPr>
-          <a:lstStyle/>
+          <a:lstStyle>
+            <a:defPPr marR="0" lvl="0" algn="l" rtl="0">
+              <a:lnSpc>
+                <a:spcPct val="100000"/>
+              </a:lnSpc>
+              <a:spcBef>
+                <a:spcPts val="0"/>
+              </a:spcBef>
+              <a:spcAft>
+                <a:spcPts val="0"/>
+              </a:spcAft>
+              <a:defRPr/>
+            </a:defPPr>
+            <a:lvl1pPr marL="0" indent="0">
+              <a:buNone/>
+              <a:defRPr sz="1800">
+                <a:solidFill>
+                  <a:schemeClr val="dk1"/>
+                </a:solidFill>
+                <a:latin typeface="Consolas"/>
+                <a:ea typeface="Consolas"/>
+                <a:cs typeface="Consolas"/>
+              </a:defRPr>
+            </a:lvl1pPr>
+          </a:lstStyle>
           <a:p>
             <a:r>
               <a:rPr lang="en-US" altLang="zh-CN" dirty="0"/>
@@ -25617,7 +26774,7 @@
 </p:sld>
 </file>
 
-<file path=ppt/slides/slide22.xml><?xml version="1.0" encoding="utf-8"?>
+<file path=ppt/slides/slide23.xml><?xml version="1.0" encoding="utf-8"?>
 <p:sld xmlns:a="http://schemas.openxmlformats.org/drawingml/2006/main" xmlns:r="http://schemas.openxmlformats.org/officeDocument/2006/relationships" xmlns:p="http://schemas.openxmlformats.org/presentationml/2006/main">
   <p:cSld>
     <p:spTree>
@@ -25701,7 +26858,7 @@
         <p:spPr>
           <a:xfrm>
             <a:off x="1122219" y="1443841"/>
-            <a:ext cx="10111839" cy="3970318"/>
+            <a:ext cx="10111839" cy="1477287"/>
           </a:xfrm>
           <a:prstGeom prst="rect">
             <a:avLst/>
@@ -25752,174 +26909,34 @@
               <a:buAutoNum type="arabicPeriod"/>
             </a:pPr>
             <a:r>
-              <a:rPr lang="en-US" sz="1800" dirty="0">
+              <a:rPr lang="en-US" altLang="zh-CN" sz="1800" dirty="0">
                 <a:solidFill>
                   <a:schemeClr val="dk1"/>
                 </a:solidFill>
                 <a:latin typeface="Consolas"/>
-                <a:ea typeface="Consolas"/>
-                <a:cs typeface="Consolas"/>
                 <a:sym typeface="Consolas"/>
               </a:rPr>
-              <a:t>To what extent should my research reach? What will the results be compared against? Will testing be done on publicly available datasets of real signals? Currently, even if we extract templates from our mixed signals, we can't find corresponding indicators for S and D.</a:t>
+              <a:t>If we want to precisely understand the </a:t>
             </a:r>
-            <a:endParaRPr dirty="0"/>
-          </a:p>
-          <a:p>
-            <a:pPr marL="342900" marR="0" lvl="0" indent="-228600" algn="l" rtl="0">
-              <a:spcBef>
-                <a:spcPts val="0"/>
-              </a:spcBef>
-              <a:spcAft>
-                <a:spcPts val="0"/>
-              </a:spcAft>
-              <a:buClr>
-                <a:schemeClr val="dk1"/>
-              </a:buClr>
-              <a:buSzPts val="1800"/>
-              <a:buFont typeface="Consolas"/>
-              <a:buNone/>
-            </a:pPr>
-            <a:endParaRPr sz="1800" dirty="0">
-              <a:solidFill>
-                <a:schemeClr val="dk1"/>
-              </a:solidFill>
-              <a:latin typeface="Consolas"/>
-              <a:ea typeface="Consolas"/>
-              <a:cs typeface="Consolas"/>
-              <a:sym typeface="Consolas"/>
-            </a:endParaRPr>
-          </a:p>
-          <a:p>
-            <a:pPr marL="342900" marR="0" lvl="0" indent="-228600" algn="l" rtl="0">
-              <a:spcBef>
-                <a:spcPts val="0"/>
-              </a:spcBef>
-              <a:spcAft>
-                <a:spcPts val="0"/>
-              </a:spcAft>
-              <a:buClr>
-                <a:schemeClr val="dk1"/>
-              </a:buClr>
-              <a:buSzPts val="1800"/>
-              <a:buFont typeface="Consolas"/>
-              <a:buNone/>
-            </a:pPr>
-            <a:endParaRPr sz="1800" dirty="0">
-              <a:solidFill>
-                <a:schemeClr val="dk1"/>
-              </a:solidFill>
-              <a:latin typeface="Consolas"/>
-              <a:ea typeface="Consolas"/>
-              <a:cs typeface="Consolas"/>
-              <a:sym typeface="Consolas"/>
-            </a:endParaRPr>
-          </a:p>
-          <a:p>
-            <a:pPr marL="342900" marR="0" lvl="0" indent="-342900" algn="l" rtl="0">
-              <a:spcBef>
-                <a:spcPts val="0"/>
-              </a:spcBef>
-              <a:spcAft>
-                <a:spcPts val="0"/>
-              </a:spcAft>
-              <a:buClr>
-                <a:schemeClr val="dk1"/>
-              </a:buClr>
-              <a:buSzPts val="1800"/>
-              <a:buFont typeface="Consolas"/>
-              <a:buAutoNum type="arabicPeriod"/>
-            </a:pPr>
             <a:r>
-              <a:rPr lang="en-US" sz="1800" dirty="0">
+              <a:rPr lang="en-US" altLang="zh-CN" sz="1800" dirty="0" err="1">
                 <a:solidFill>
                   <a:schemeClr val="dk1"/>
                 </a:solidFill>
                 <a:latin typeface="Consolas"/>
-                <a:ea typeface="Consolas"/>
-                <a:cs typeface="Consolas"/>
                 <a:sym typeface="Consolas"/>
               </a:rPr>
-              <a:t>Regarding the TS-LLM project, is it already decided to proceed, or are we still in the observation stage? What level of knowledge should be acquired for the foundation?</a:t>
+              <a:t>BedDot</a:t>
             </a:r>
-            <a:endParaRPr dirty="0"/>
-          </a:p>
-          <a:p>
-            <a:pPr marL="342900" marR="0" lvl="0" indent="-228600" algn="l" rtl="0">
-              <a:spcBef>
-                <a:spcPts val="0"/>
-              </a:spcBef>
-              <a:spcAft>
-                <a:spcPts val="0"/>
-              </a:spcAft>
-              <a:buClr>
-                <a:schemeClr val="dk1"/>
-              </a:buClr>
-              <a:buSzPts val="1800"/>
-              <a:buFont typeface="Consolas"/>
-              <a:buNone/>
-            </a:pPr>
-            <a:endParaRPr sz="1800" dirty="0">
-              <a:solidFill>
-                <a:schemeClr val="dk1"/>
-              </a:solidFill>
-              <a:latin typeface="Consolas"/>
-              <a:ea typeface="Consolas"/>
-              <a:cs typeface="Consolas"/>
-              <a:sym typeface="Consolas"/>
-            </a:endParaRPr>
-          </a:p>
-          <a:p>
-            <a:pPr marL="342900" marR="0" lvl="0" indent="-228600" algn="l" rtl="0">
-              <a:spcBef>
-                <a:spcPts val="0"/>
-              </a:spcBef>
-              <a:spcAft>
-                <a:spcPts val="0"/>
-              </a:spcAft>
-              <a:buClr>
-                <a:schemeClr val="dk1"/>
-              </a:buClr>
-              <a:buSzPts val="1800"/>
-              <a:buFont typeface="Consolas"/>
-              <a:buNone/>
-            </a:pPr>
-            <a:endParaRPr sz="1800" dirty="0">
-              <a:solidFill>
-                <a:schemeClr val="dk1"/>
-              </a:solidFill>
-              <a:latin typeface="Consolas"/>
-              <a:ea typeface="Consolas"/>
-              <a:cs typeface="Consolas"/>
-              <a:sym typeface="Consolas"/>
-            </a:endParaRPr>
-          </a:p>
-          <a:p>
-            <a:pPr marL="342900" marR="0" lvl="0" indent="-342900" algn="l" rtl="0">
-              <a:spcBef>
-                <a:spcPts val="0"/>
-              </a:spcBef>
-              <a:spcAft>
-                <a:spcPts val="0"/>
-              </a:spcAft>
-              <a:buClr>
-                <a:schemeClr val="dk1"/>
-              </a:buClr>
-              <a:buSzPts val="1800"/>
-              <a:buFont typeface="Consolas"/>
-              <a:buAutoNum type="arabicPeriod"/>
-            </a:pPr>
             <a:r>
-              <a:rPr lang="en-US" sz="1800" dirty="0">
+              <a:rPr lang="en-US" altLang="zh-CN" sz="1800" dirty="0">
                 <a:solidFill>
                   <a:schemeClr val="dk1"/>
                 </a:solidFill>
                 <a:latin typeface="Consolas"/>
-                <a:ea typeface="Consolas"/>
-                <a:cs typeface="Consolas"/>
                 <a:sym typeface="Consolas"/>
               </a:rPr>
-              <a:t>Do we have the latest real data? I noticed many signals in IOT2023 are 30 seconds long.</a:t>
+              <a:t> BSG signal, do we need to simultaneously measure a person's SCG, BCG, and BSG signals to explore the relationships between these three signals? Are there any papers that have simultaneously measured SCG and BCG signals? I haven't found relevant papers.</a:t>
             </a:r>
             <a:endParaRPr dirty="0"/>
           </a:p>
@@ -25933,7 +26950,7 @@
 </p:sld>
 </file>
 
-<file path=ppt/slides/slide23.xml><?xml version="1.0" encoding="utf-8"?>
+<file path=ppt/slides/slide24.xml><?xml version="1.0" encoding="utf-8"?>
 <p:sld xmlns:a="http://schemas.openxmlformats.org/drawingml/2006/main" xmlns:r="http://schemas.openxmlformats.org/officeDocument/2006/relationships" xmlns:p="http://schemas.openxmlformats.org/presentationml/2006/main">
   <p:cSld>
     <p:spTree>
@@ -26448,7 +27465,7 @@
         <p:spPr>
           <a:xfrm>
             <a:off x="1103086" y="2967222"/>
-            <a:ext cx="10977350" cy="2523727"/>
+            <a:ext cx="10977350" cy="2369839"/>
           </a:xfrm>
           <a:prstGeom prst="rect">
             <a:avLst/>
@@ -26507,78 +27524,49 @@
             </a:endParaRPr>
           </a:p>
           <a:p>
-            <a:pPr marL="457200" marR="0" lvl="0" indent="-457200" algn="l" rtl="0">
-              <a:spcBef>
-                <a:spcPts val="0"/>
-              </a:spcBef>
-              <a:spcAft>
-                <a:spcPts val="0"/>
-              </a:spcAft>
+            <a:pPr marL="342900" indent="-342900">
+              <a:buFont typeface="Arial"/>
               <a:buAutoNum type="arabicPeriod"/>
             </a:pPr>
             <a:r>
-              <a:rPr lang="en-US" altLang="zh-CN" sz="2000" b="1" dirty="0">
+              <a:rPr lang="en-US" altLang="zh-CN" sz="1800" dirty="0">
                 <a:solidFill>
                   <a:schemeClr val="dk1"/>
                 </a:solidFill>
                 <a:latin typeface="Consolas"/>
-                <a:ea typeface="Consolas"/>
-                <a:cs typeface="Consolas"/>
                 <a:sym typeface="Consolas"/>
               </a:rPr>
               <a:t>It is necessary to decompose a single-cycle signal into a sufficient number of components, if we want to focus on smaller peaks.</a:t>
             </a:r>
           </a:p>
           <a:p>
-            <a:pPr marR="0" lvl="0" algn="l" rtl="0">
-              <a:spcBef>
-                <a:spcPts val="0"/>
-              </a:spcBef>
-              <a:spcAft>
-                <a:spcPts val="0"/>
-              </a:spcAft>
+            <a:pPr marL="342900" indent="-342900">
+              <a:buFont typeface="Arial"/>
+              <a:buAutoNum type="arabicPeriod"/>
             </a:pPr>
-            <a:endParaRPr lang="en-US" altLang="zh-CN" sz="2000" b="1" dirty="0">
-              <a:solidFill>
-                <a:schemeClr val="dk1"/>
-              </a:solidFill>
-              <a:latin typeface="Consolas"/>
-              <a:ea typeface="Consolas"/>
-              <a:cs typeface="Consolas"/>
-              <a:sym typeface="Consolas"/>
-            </a:endParaRPr>
-          </a:p>
-          <a:p>
-            <a:pPr marL="0" marR="0" lvl="0" indent="0" algn="l" rtl="0">
-              <a:spcBef>
-                <a:spcPts val="0"/>
-              </a:spcBef>
-              <a:spcAft>
-                <a:spcPts val="0"/>
-              </a:spcAft>
-              <a:buNone/>
-            </a:pPr>
-            <a:r>
-              <a:rPr lang="en-US" altLang="zh-CN" sz="2000" b="1" dirty="0">
-                <a:solidFill>
-                  <a:schemeClr val="dk1"/>
-                </a:solidFill>
-                <a:latin typeface="Consolas"/>
-                <a:ea typeface="Consolas"/>
-                <a:cs typeface="Consolas"/>
-                <a:sym typeface="Consolas"/>
-              </a:rPr>
-              <a:t>2. After decomposition, the relationship between various components becomes chaotic. There is a loss of interpretability in decomposed components.</a:t>
-            </a:r>
             <a:endParaRPr lang="en-US" altLang="zh-CN" sz="1800" dirty="0">
               <a:solidFill>
                 <a:schemeClr val="dk1"/>
               </a:solidFill>
               <a:latin typeface="Consolas"/>
-              <a:ea typeface="Consolas"/>
-              <a:cs typeface="Consolas"/>
               <a:sym typeface="Consolas"/>
             </a:endParaRPr>
+          </a:p>
+          <a:p>
+            <a:pPr marL="342900" indent="-342900">
+              <a:buFont typeface="Arial"/>
+              <a:buAutoNum type="arabicPeriod"/>
+            </a:pPr>
+            <a:r>
+              <a:rPr lang="en-US" altLang="zh-CN" sz="1800" dirty="0">
+                <a:solidFill>
+                  <a:schemeClr val="dk1"/>
+                </a:solidFill>
+                <a:latin typeface="Consolas"/>
+                <a:sym typeface="Consolas"/>
+              </a:rPr>
+              <a:t>2. After decomposition, the relationship between various components becomes chaotic. There is a loss of interpretability in decomposed components.</a:t>
+            </a:r>
           </a:p>
           <a:p>
             <a:pPr marL="342900" marR="0" lvl="0" indent="-342900" algn="l" rtl="0">
@@ -29050,8 +30038,8 @@
         </p:nvSpPr>
         <p:spPr>
           <a:xfrm>
-            <a:off x="835819" y="5372100"/>
-            <a:ext cx="10086975" cy="954107"/>
+            <a:off x="828995" y="5228798"/>
+            <a:ext cx="11119620" cy="1477328"/>
           </a:xfrm>
           <a:prstGeom prst="rect">
             <a:avLst/>
@@ -29065,7 +30053,12 @@
           <a:lstStyle/>
           <a:p>
             <a:r>
-              <a:rPr lang="en-US" altLang="zh-CN" dirty="0"/>
+              <a:rPr lang="en-US" altLang="zh-CN" sz="1800" dirty="0">
+                <a:solidFill>
+                  <a:schemeClr val="dk1"/>
+                </a:solidFill>
+                <a:latin typeface="Consolas"/>
+              </a:rPr>
               <a:t>Conclusion:</a:t>
             </a:r>
           </a:p>
@@ -29074,7 +30067,12 @@
               <a:buAutoNum type="arabicPeriod"/>
             </a:pPr>
             <a:r>
-              <a:rPr lang="en-US" altLang="zh-CN" dirty="0"/>
+              <a:rPr lang="en-US" altLang="zh-CN" sz="1800" dirty="0">
+                <a:solidFill>
+                  <a:schemeClr val="dk1"/>
+                </a:solidFill>
+                <a:latin typeface="Consolas"/>
+              </a:rPr>
               <a:t>Resampling signals with low sampling rates can significantly improve the model's performance. Within a certain range, a higher sampling rate is better. </a:t>
             </a:r>
           </a:p>
@@ -29083,7 +30081,12 @@
               <a:buAutoNum type="arabicPeriod"/>
             </a:pPr>
             <a:r>
-              <a:rPr lang="en-US" altLang="zh-CN" dirty="0"/>
+              <a:rPr lang="en-US" altLang="zh-CN" sz="1800" dirty="0">
+                <a:solidFill>
+                  <a:schemeClr val="dk1"/>
+                </a:solidFill>
+                <a:latin typeface="Consolas"/>
+              </a:rPr>
               <a:t>The resampling mode has a significant impact on the results, with FFT and POLY yielding completely different effects.</a:t>
             </a:r>
           </a:p>
@@ -29178,7 +30181,7 @@
         </p:nvCxnSpPr>
         <p:spPr>
           <a:xfrm flipV="1">
-            <a:off x="2849336" y="776380"/>
+            <a:off x="1301181" y="737957"/>
             <a:ext cx="754743" cy="1915886"/>
           </a:xfrm>
           <a:prstGeom prst="line">
@@ -29216,7 +30219,7 @@
         </p:nvCxnSpPr>
         <p:spPr>
           <a:xfrm flipH="1" flipV="1">
-            <a:off x="3604079" y="776380"/>
+            <a:off x="2055924" y="737957"/>
             <a:ext cx="645886" cy="1915886"/>
           </a:xfrm>
           <a:prstGeom prst="line">
@@ -29252,7 +30255,7 @@
         </p:nvCxnSpPr>
         <p:spPr>
           <a:xfrm flipV="1">
-            <a:off x="3328307" y="776380"/>
+            <a:off x="1780152" y="737957"/>
             <a:ext cx="754743" cy="1915886"/>
           </a:xfrm>
           <a:prstGeom prst="line">
@@ -29290,7 +30293,7 @@
         </p:nvCxnSpPr>
         <p:spPr>
           <a:xfrm flipH="1" flipV="1">
-            <a:off x="4083050" y="776380"/>
+            <a:off x="2534895" y="737957"/>
             <a:ext cx="645886" cy="1915886"/>
           </a:xfrm>
           <a:prstGeom prst="line">
@@ -29326,7 +30329,7 @@
         </p:nvSpPr>
         <p:spPr>
           <a:xfrm>
-            <a:off x="3509736" y="689294"/>
+            <a:off x="1961581" y="650871"/>
             <a:ext cx="181429" cy="195943"/>
           </a:xfrm>
           <a:prstGeom prst="ellipse">
@@ -29373,7 +30376,7 @@
         </p:nvSpPr>
         <p:spPr>
           <a:xfrm>
-            <a:off x="3738335" y="1335180"/>
+            <a:off x="2190180" y="1296757"/>
             <a:ext cx="181429" cy="195943"/>
           </a:xfrm>
           <a:prstGeom prst="ellipse">
@@ -29420,7 +30423,7 @@
         </p:nvSpPr>
         <p:spPr>
           <a:xfrm>
-            <a:off x="3937906" y="1944780"/>
+            <a:off x="2389751" y="1906357"/>
             <a:ext cx="181429" cy="195943"/>
           </a:xfrm>
           <a:prstGeom prst="ellipse">
@@ -29467,7 +30470,7 @@
         </p:nvSpPr>
         <p:spPr>
           <a:xfrm>
-            <a:off x="4141106" y="2507209"/>
+            <a:off x="2592951" y="2468786"/>
             <a:ext cx="181429" cy="195943"/>
           </a:xfrm>
           <a:prstGeom prst="ellipse">
@@ -29514,7 +30517,7 @@
         </p:nvSpPr>
         <p:spPr>
           <a:xfrm>
-            <a:off x="3239406" y="1335180"/>
+            <a:off x="1691251" y="1296757"/>
             <a:ext cx="181429" cy="195943"/>
           </a:xfrm>
           <a:prstGeom prst="ellipse">
@@ -29561,7 +30564,7 @@
         </p:nvSpPr>
         <p:spPr>
           <a:xfrm>
-            <a:off x="2992665" y="1944779"/>
+            <a:off x="1444510" y="1906356"/>
             <a:ext cx="181429" cy="195943"/>
           </a:xfrm>
           <a:prstGeom prst="ellipse">
@@ -29608,7 +30611,7 @@
         </p:nvSpPr>
         <p:spPr>
           <a:xfrm>
-            <a:off x="2762250" y="2536237"/>
+            <a:off x="1214095" y="2497814"/>
             <a:ext cx="181429" cy="195943"/>
           </a:xfrm>
           <a:prstGeom prst="ellipse">
@@ -29655,7 +30658,7 @@
         </p:nvSpPr>
         <p:spPr>
           <a:xfrm>
-            <a:off x="3738334" y="1335180"/>
+            <a:off x="2190179" y="1296757"/>
             <a:ext cx="181429" cy="195943"/>
           </a:xfrm>
           <a:prstGeom prst="ellipse">
@@ -29707,7 +30710,7 @@
         </p:nvSpPr>
         <p:spPr>
           <a:xfrm>
-            <a:off x="3506107" y="1944778"/>
+            <a:off x="1957952" y="1906355"/>
             <a:ext cx="181429" cy="195943"/>
           </a:xfrm>
           <a:prstGeom prst="ellipse">
@@ -29759,7 +30762,7 @@
         </p:nvSpPr>
         <p:spPr>
           <a:xfrm>
-            <a:off x="3237592" y="2539869"/>
+            <a:off x="1689437" y="2501446"/>
             <a:ext cx="181429" cy="195943"/>
           </a:xfrm>
           <a:prstGeom prst="ellipse">
@@ -29811,7 +30814,7 @@
         </p:nvSpPr>
         <p:spPr>
           <a:xfrm>
-            <a:off x="3992335" y="712468"/>
+            <a:off x="2444180" y="674045"/>
             <a:ext cx="181429" cy="195943"/>
           </a:xfrm>
           <a:prstGeom prst="ellipse">
@@ -29863,7 +30866,7 @@
         </p:nvSpPr>
         <p:spPr>
           <a:xfrm>
-            <a:off x="4231822" y="1335179"/>
+            <a:off x="2683667" y="1296756"/>
             <a:ext cx="181429" cy="195943"/>
           </a:xfrm>
           <a:prstGeom prst="ellipse">
@@ -29915,7 +30918,7 @@
         </p:nvSpPr>
         <p:spPr>
           <a:xfrm>
-            <a:off x="4424134" y="1944778"/>
+            <a:off x="2875979" y="1906355"/>
             <a:ext cx="181429" cy="195943"/>
           </a:xfrm>
           <a:prstGeom prst="ellipse">
@@ -29967,7 +30970,7 @@
         </p:nvSpPr>
         <p:spPr>
           <a:xfrm>
-            <a:off x="4645479" y="2503583"/>
+            <a:off x="3097324" y="2465160"/>
             <a:ext cx="181429" cy="195943"/>
           </a:xfrm>
           <a:prstGeom prst="ellipse">
@@ -30019,7 +31022,7 @@
         </p:nvCxnSpPr>
         <p:spPr>
           <a:xfrm flipV="1">
-            <a:off x="6103257" y="755438"/>
+            <a:off x="5074494" y="717814"/>
             <a:ext cx="754743" cy="1915886"/>
           </a:xfrm>
           <a:prstGeom prst="line">
@@ -30057,7 +31060,7 @@
         </p:nvCxnSpPr>
         <p:spPr>
           <a:xfrm flipH="1" flipV="1">
-            <a:off x="6858000" y="755438"/>
+            <a:off x="5829237" y="717814"/>
             <a:ext cx="645886" cy="1915886"/>
           </a:xfrm>
           <a:prstGeom prst="line">
@@ -30093,7 +31096,7 @@
         </p:nvCxnSpPr>
         <p:spPr>
           <a:xfrm flipV="1">
-            <a:off x="6371770" y="697380"/>
+            <a:off x="5343007" y="659756"/>
             <a:ext cx="754743" cy="1915886"/>
           </a:xfrm>
           <a:prstGeom prst="line">
@@ -30131,7 +31134,7 @@
         </p:nvCxnSpPr>
         <p:spPr>
           <a:xfrm flipH="1" flipV="1">
-            <a:off x="7135582" y="662910"/>
+            <a:off x="6106819" y="625286"/>
             <a:ext cx="645886" cy="1915886"/>
           </a:xfrm>
           <a:prstGeom prst="line">
@@ -30167,7 +31170,7 @@
         </p:nvSpPr>
         <p:spPr>
           <a:xfrm>
-            <a:off x="6763657" y="668352"/>
+            <a:off x="5734894" y="630728"/>
             <a:ext cx="181429" cy="195943"/>
           </a:xfrm>
           <a:prstGeom prst="ellipse">
@@ -30214,7 +31217,7 @@
         </p:nvSpPr>
         <p:spPr>
           <a:xfrm>
-            <a:off x="6992256" y="1314238"/>
+            <a:off x="5963493" y="1276614"/>
             <a:ext cx="181429" cy="195943"/>
           </a:xfrm>
           <a:prstGeom prst="ellipse">
@@ -30261,7 +31264,7 @@
         </p:nvSpPr>
         <p:spPr>
           <a:xfrm>
-            <a:off x="7191827" y="1923838"/>
+            <a:off x="6163064" y="1886214"/>
             <a:ext cx="181429" cy="195943"/>
           </a:xfrm>
           <a:prstGeom prst="ellipse">
@@ -30308,7 +31311,7 @@
         </p:nvSpPr>
         <p:spPr>
           <a:xfrm>
-            <a:off x="7395027" y="2486267"/>
+            <a:off x="6366264" y="2448643"/>
             <a:ext cx="181429" cy="195943"/>
           </a:xfrm>
           <a:prstGeom prst="ellipse">
@@ -30355,7 +31358,7 @@
         </p:nvSpPr>
         <p:spPr>
           <a:xfrm>
-            <a:off x="6493327" y="1314238"/>
+            <a:off x="5464564" y="1276614"/>
             <a:ext cx="181429" cy="195943"/>
           </a:xfrm>
           <a:prstGeom prst="ellipse">
@@ -30402,7 +31405,7 @@
         </p:nvSpPr>
         <p:spPr>
           <a:xfrm>
-            <a:off x="6246586" y="1923837"/>
+            <a:off x="5217823" y="1886213"/>
             <a:ext cx="181429" cy="195943"/>
           </a:xfrm>
           <a:prstGeom prst="ellipse">
@@ -30449,7 +31452,7 @@
         </p:nvSpPr>
         <p:spPr>
           <a:xfrm>
-            <a:off x="6016171" y="2515295"/>
+            <a:off x="4987408" y="2477671"/>
             <a:ext cx="181429" cy="195943"/>
           </a:xfrm>
           <a:prstGeom prst="ellipse">
@@ -30496,7 +31499,7 @@
         </p:nvSpPr>
         <p:spPr>
           <a:xfrm>
-            <a:off x="6992255" y="1314238"/>
+            <a:off x="5963492" y="1276614"/>
             <a:ext cx="181429" cy="195943"/>
           </a:xfrm>
           <a:prstGeom prst="ellipse">
@@ -30548,7 +31551,7 @@
         </p:nvSpPr>
         <p:spPr>
           <a:xfrm>
-            <a:off x="6520543" y="1923836"/>
+            <a:off x="5491780" y="1886212"/>
             <a:ext cx="181429" cy="195943"/>
           </a:xfrm>
           <a:prstGeom prst="ellipse">
@@ -30600,7 +31603,7 @@
         </p:nvSpPr>
         <p:spPr>
           <a:xfrm>
-            <a:off x="6303734" y="2511665"/>
+            <a:off x="5274971" y="2474041"/>
             <a:ext cx="181429" cy="195943"/>
           </a:xfrm>
           <a:prstGeom prst="ellipse">
@@ -30652,7 +31655,7 @@
         </p:nvSpPr>
         <p:spPr>
           <a:xfrm>
-            <a:off x="7035797" y="646580"/>
+            <a:off x="6007034" y="608956"/>
             <a:ext cx="181429" cy="195943"/>
           </a:xfrm>
           <a:prstGeom prst="ellipse">
@@ -30704,7 +31707,7 @@
         </p:nvSpPr>
         <p:spPr>
           <a:xfrm>
-            <a:off x="7264399" y="1300629"/>
+            <a:off x="6235636" y="1263005"/>
             <a:ext cx="181429" cy="195943"/>
           </a:xfrm>
           <a:prstGeom prst="ellipse">
@@ -30756,7 +31759,7 @@
         </p:nvSpPr>
         <p:spPr>
           <a:xfrm>
-            <a:off x="7546515" y="2228632"/>
+            <a:off x="6517752" y="2191008"/>
             <a:ext cx="181429" cy="195943"/>
           </a:xfrm>
           <a:prstGeom prst="ellipse">
@@ -30808,7 +31811,7 @@
         </p:nvSpPr>
         <p:spPr>
           <a:xfrm>
-            <a:off x="7659914" y="2475381"/>
+            <a:off x="6631151" y="2437757"/>
             <a:ext cx="181429" cy="195943"/>
           </a:xfrm>
           <a:prstGeom prst="ellipse">
@@ -30860,7 +31863,7 @@
         </p:nvSpPr>
         <p:spPr>
           <a:xfrm>
-            <a:off x="6874327" y="1005810"/>
+            <a:off x="5845564" y="968186"/>
             <a:ext cx="181429" cy="195943"/>
           </a:xfrm>
           <a:prstGeom prst="ellipse">
@@ -30907,7 +31910,7 @@
         </p:nvSpPr>
         <p:spPr>
           <a:xfrm>
-            <a:off x="6627585" y="1020323"/>
+            <a:off x="5598822" y="982699"/>
             <a:ext cx="181429" cy="195943"/>
           </a:xfrm>
           <a:prstGeom prst="ellipse">
@@ -30954,7 +31957,7 @@
         </p:nvSpPr>
         <p:spPr>
           <a:xfrm>
-            <a:off x="6380841" y="1637178"/>
+            <a:off x="5352078" y="1599554"/>
             <a:ext cx="181429" cy="195943"/>
           </a:xfrm>
           <a:prstGeom prst="ellipse">
@@ -31001,7 +32004,7 @@
         </p:nvSpPr>
         <p:spPr>
           <a:xfrm>
-            <a:off x="6154057" y="2232267"/>
+            <a:off x="5125294" y="2194643"/>
             <a:ext cx="181429" cy="195943"/>
           </a:xfrm>
           <a:prstGeom prst="ellipse">
@@ -31048,7 +32051,7 @@
         </p:nvSpPr>
         <p:spPr>
           <a:xfrm>
-            <a:off x="7082970" y="1615409"/>
+            <a:off x="6054207" y="1577785"/>
             <a:ext cx="181429" cy="195943"/>
           </a:xfrm>
           <a:prstGeom prst="ellipse">
@@ -31095,7 +32098,7 @@
         </p:nvSpPr>
         <p:spPr>
           <a:xfrm>
-            <a:off x="7282541" y="2250406"/>
+            <a:off x="6253778" y="2212782"/>
             <a:ext cx="181429" cy="195943"/>
           </a:xfrm>
           <a:prstGeom prst="ellipse">
@@ -31142,7 +32145,7 @@
         </p:nvSpPr>
         <p:spPr>
           <a:xfrm>
-            <a:off x="6389914" y="2228633"/>
+            <a:off x="5361151" y="2191009"/>
             <a:ext cx="181429" cy="195943"/>
           </a:xfrm>
           <a:prstGeom prst="ellipse">
@@ -31194,7 +32197,7 @@
         </p:nvSpPr>
         <p:spPr>
           <a:xfrm>
-            <a:off x="6635749" y="1642619"/>
+            <a:off x="5606986" y="1604995"/>
             <a:ext cx="181429" cy="195943"/>
           </a:xfrm>
           <a:prstGeom prst="ellipse">
@@ -31246,7 +32249,7 @@
         </p:nvSpPr>
         <p:spPr>
           <a:xfrm>
-            <a:off x="6766377" y="1332378"/>
+            <a:off x="5737614" y="1294754"/>
             <a:ext cx="181429" cy="195943"/>
           </a:xfrm>
           <a:prstGeom prst="ellipse">
@@ -31298,7 +32301,7 @@
         </p:nvSpPr>
         <p:spPr>
           <a:xfrm>
-            <a:off x="6881585" y="1013063"/>
+            <a:off x="5852822" y="975439"/>
             <a:ext cx="181429" cy="195943"/>
           </a:xfrm>
           <a:prstGeom prst="ellipse">
@@ -31350,7 +32353,7 @@
         </p:nvSpPr>
         <p:spPr>
           <a:xfrm>
-            <a:off x="7476666" y="1902762"/>
+            <a:off x="6447903" y="1865138"/>
             <a:ext cx="181429" cy="195943"/>
           </a:xfrm>
           <a:prstGeom prst="ellipse">
@@ -31402,7 +32405,7 @@
         </p:nvSpPr>
         <p:spPr>
           <a:xfrm>
-            <a:off x="7385951" y="1612476"/>
+            <a:off x="6357188" y="1574852"/>
             <a:ext cx="181429" cy="195943"/>
           </a:xfrm>
           <a:prstGeom prst="ellipse">
@@ -31454,7 +32457,7 @@
         </p:nvSpPr>
         <p:spPr>
           <a:xfrm>
-            <a:off x="7173685" y="1012158"/>
+            <a:off x="6144922" y="974534"/>
             <a:ext cx="181429" cy="195943"/>
           </a:xfrm>
           <a:prstGeom prst="ellipse">
@@ -31514,7 +32517,7 @@
         </p:blipFill>
         <p:spPr>
           <a:xfrm>
-            <a:off x="312557" y="3031443"/>
+            <a:off x="401092" y="3600882"/>
             <a:ext cx="4322037" cy="2881358"/>
           </a:xfrm>
           <a:prstGeom prst="rect">
@@ -31544,7 +32547,7 @@
         </p:blipFill>
         <p:spPr>
           <a:xfrm>
-            <a:off x="3946829" y="3041011"/>
+            <a:off x="4035364" y="3610450"/>
             <a:ext cx="4322037" cy="2881358"/>
           </a:xfrm>
           <a:prstGeom prst="rect">
@@ -31574,7 +32577,7 @@
         </p:blipFill>
         <p:spPr>
           <a:xfrm>
-            <a:off x="7576456" y="3048414"/>
+            <a:off x="7664991" y="3617853"/>
             <a:ext cx="4330868" cy="2887245"/>
           </a:xfrm>
           <a:prstGeom prst="rect">
@@ -31598,7 +32601,7 @@
         </p:nvCxnSpPr>
         <p:spPr>
           <a:xfrm flipH="1">
-            <a:off x="0" y="2895600"/>
+            <a:off x="-11694" y="3569037"/>
             <a:ext cx="12192000" cy="0"/>
           </a:xfrm>
           <a:prstGeom prst="line">
@@ -31642,7 +32645,7 @@
         </p:nvSpPr>
         <p:spPr>
           <a:xfrm>
-            <a:off x="2090136" y="4198076"/>
+            <a:off x="2178671" y="4767515"/>
             <a:ext cx="257175" cy="174625"/>
           </a:xfrm>
           <a:prstGeom prst="rect">
@@ -31690,7 +32693,7 @@
         </p:nvSpPr>
         <p:spPr>
           <a:xfrm>
-            <a:off x="2313634" y="4471533"/>
+            <a:off x="2402169" y="5040972"/>
             <a:ext cx="257175" cy="174625"/>
           </a:xfrm>
           <a:prstGeom prst="rect">
@@ -31738,7 +32741,7 @@
         </p:nvSpPr>
         <p:spPr>
           <a:xfrm>
-            <a:off x="1465909" y="4384220"/>
+            <a:off x="1554444" y="4953659"/>
             <a:ext cx="257175" cy="174625"/>
           </a:xfrm>
           <a:prstGeom prst="rect">
@@ -31786,7 +32789,7 @@
         </p:nvSpPr>
         <p:spPr>
           <a:xfrm>
-            <a:off x="5738596" y="4188067"/>
+            <a:off x="5827131" y="4757506"/>
             <a:ext cx="257175" cy="174625"/>
           </a:xfrm>
           <a:prstGeom prst="rect">
@@ -31834,7 +32837,7 @@
         </p:nvSpPr>
         <p:spPr>
           <a:xfrm>
-            <a:off x="5962094" y="4461524"/>
+            <a:off x="6050629" y="5030963"/>
             <a:ext cx="257175" cy="174625"/>
           </a:xfrm>
           <a:prstGeom prst="rect">
@@ -31882,7 +32885,7 @@
         </p:nvSpPr>
         <p:spPr>
           <a:xfrm>
-            <a:off x="5114369" y="4374211"/>
+            <a:off x="5202904" y="4943650"/>
             <a:ext cx="257175" cy="174625"/>
           </a:xfrm>
           <a:prstGeom prst="rect">
@@ -31930,7 +32933,7 @@
         </p:nvSpPr>
         <p:spPr>
           <a:xfrm>
-            <a:off x="9363434" y="4195572"/>
+            <a:off x="9451969" y="4765011"/>
             <a:ext cx="257175" cy="174625"/>
           </a:xfrm>
           <a:prstGeom prst="rect">
@@ -31978,7 +32981,7 @@
         </p:nvSpPr>
         <p:spPr>
           <a:xfrm>
-            <a:off x="9586932" y="4469029"/>
+            <a:off x="9675467" y="5038468"/>
             <a:ext cx="257175" cy="174625"/>
           </a:xfrm>
           <a:prstGeom prst="rect">
@@ -32026,7 +33029,7 @@
         </p:nvSpPr>
         <p:spPr>
           <a:xfrm>
-            <a:off x="8739207" y="4381716"/>
+            <a:off x="8827742" y="4951155"/>
             <a:ext cx="257175" cy="174625"/>
           </a:xfrm>
           <a:prstGeom prst="rect">
@@ -32057,6 +33060,312 @@
           <a:p>
             <a:pPr algn="ctr"/>
             <a:endParaRPr lang="zh-CN" altLang="en-US"/>
+          </a:p>
+        </p:txBody>
+      </p:sp>
+      <p:sp>
+        <p:nvSpPr>
+          <p:cNvPr id="2" name="文本框 1">
+            <a:extLst>
+              <a:ext uri="{FF2B5EF4-FFF2-40B4-BE49-F238E27FC236}">
+                <a16:creationId xmlns:a16="http://schemas.microsoft.com/office/drawing/2014/main" id="{3360DE6C-3C2D-C8A4-74AA-6C3724BD35CB}"/>
+              </a:ext>
+            </a:extLst>
+          </p:cNvPr>
+          <p:cNvSpPr txBox="1"/>
+          <p:nvPr/>
+        </p:nvSpPr>
+        <p:spPr>
+          <a:xfrm>
+            <a:off x="1112824" y="3026196"/>
+            <a:ext cx="2517567" cy="369291"/>
+          </a:xfrm>
+          <a:prstGeom prst="rect">
+            <a:avLst/>
+          </a:prstGeom>
+          <a:noFill/>
+          <a:ln>
+            <a:noFill/>
+          </a:ln>
+        </p:spPr>
+        <p:txBody>
+          <a:bodyPr spcFirstLastPara="1" wrap="square" lIns="91425" tIns="45700" rIns="91425" bIns="45700" anchor="t" anchorCtr="0">
+            <a:spAutoFit/>
+          </a:bodyPr>
+          <a:lstStyle>
+            <a:defPPr marR="0" lvl="0" algn="l" rtl="0">
+              <a:lnSpc>
+                <a:spcPct val="100000"/>
+              </a:lnSpc>
+              <a:spcBef>
+                <a:spcPts val="0"/>
+              </a:spcBef>
+              <a:spcAft>
+                <a:spcPts val="0"/>
+              </a:spcAft>
+            </a:defPPr>
+            <a:lvl1pPr marL="0" indent="0">
+              <a:buNone/>
+              <a:defRPr sz="1800">
+                <a:solidFill>
+                  <a:schemeClr val="dk1"/>
+                </a:solidFill>
+                <a:latin typeface="Consolas"/>
+                <a:ea typeface="Consolas"/>
+                <a:cs typeface="Consolas"/>
+              </a:defRPr>
+            </a:lvl1pPr>
+          </a:lstStyle>
+          <a:p>
+            <a:r>
+              <a:rPr lang="en-US" altLang="zh-CN" dirty="0"/>
+              <a:t>Low Sampling Rate</a:t>
+            </a:r>
+            <a:endParaRPr lang="zh-CN" altLang="en-US" dirty="0"/>
+          </a:p>
+        </p:txBody>
+      </p:sp>
+      <p:sp>
+        <p:nvSpPr>
+          <p:cNvPr id="3" name="文本框 2">
+            <a:extLst>
+              <a:ext uri="{FF2B5EF4-FFF2-40B4-BE49-F238E27FC236}">
+                <a16:creationId xmlns:a16="http://schemas.microsoft.com/office/drawing/2014/main" id="{5A2103B1-3F1F-BD21-5229-42EDCC2C15E5}"/>
+              </a:ext>
+            </a:extLst>
+          </p:cNvPr>
+          <p:cNvSpPr txBox="1"/>
+          <p:nvPr/>
+        </p:nvSpPr>
+        <p:spPr>
+          <a:xfrm>
+            <a:off x="4748250" y="3028919"/>
+            <a:ext cx="2517567" cy="369291"/>
+          </a:xfrm>
+          <a:prstGeom prst="rect">
+            <a:avLst/>
+          </a:prstGeom>
+          <a:noFill/>
+          <a:ln>
+            <a:noFill/>
+          </a:ln>
+        </p:spPr>
+        <p:txBody>
+          <a:bodyPr spcFirstLastPara="1" wrap="square" lIns="91425" tIns="45700" rIns="91425" bIns="45700" anchor="t" anchorCtr="0">
+            <a:spAutoFit/>
+          </a:bodyPr>
+          <a:lstStyle>
+            <a:defPPr marR="0" lvl="0" algn="l" rtl="0">
+              <a:lnSpc>
+                <a:spcPct val="100000"/>
+              </a:lnSpc>
+              <a:spcBef>
+                <a:spcPts val="0"/>
+              </a:spcBef>
+              <a:spcAft>
+                <a:spcPts val="0"/>
+              </a:spcAft>
+            </a:defPPr>
+            <a:lvl1pPr marL="0" indent="0">
+              <a:buNone/>
+              <a:defRPr sz="1800">
+                <a:solidFill>
+                  <a:schemeClr val="dk1"/>
+                </a:solidFill>
+                <a:latin typeface="Consolas"/>
+                <a:ea typeface="Consolas"/>
+                <a:cs typeface="Consolas"/>
+              </a:defRPr>
+            </a:lvl1pPr>
+          </a:lstStyle>
+          <a:p>
+            <a:r>
+              <a:rPr lang="en-US" altLang="zh-CN" dirty="0"/>
+              <a:t>High Sampling Rate</a:t>
+            </a:r>
+            <a:endParaRPr lang="zh-CN" altLang="en-US" dirty="0"/>
+          </a:p>
+        </p:txBody>
+      </p:sp>
+      <p:sp>
+        <p:nvSpPr>
+          <p:cNvPr id="4" name="箭头: 右 3">
+            <a:extLst>
+              <a:ext uri="{FF2B5EF4-FFF2-40B4-BE49-F238E27FC236}">
+                <a16:creationId xmlns:a16="http://schemas.microsoft.com/office/drawing/2014/main" id="{A2C1CD20-36F4-CDA8-8F94-7D5BD94BF6AA}"/>
+              </a:ext>
+            </a:extLst>
+          </p:cNvPr>
+          <p:cNvSpPr/>
+          <p:nvPr/>
+        </p:nvSpPr>
+        <p:spPr>
+          <a:xfrm>
+            <a:off x="3536640" y="1599554"/>
+            <a:ext cx="1370939" cy="171240"/>
+          </a:xfrm>
+          <a:prstGeom prst="rightArrow">
+            <a:avLst/>
+          </a:prstGeom>
+          <a:noFill/>
+        </p:spPr>
+        <p:style>
+          <a:lnRef idx="2">
+            <a:schemeClr val="accent1">
+              <a:shade val="15000"/>
+            </a:schemeClr>
+          </a:lnRef>
+          <a:fillRef idx="1">
+            <a:schemeClr val="accent1"/>
+          </a:fillRef>
+          <a:effectRef idx="0">
+            <a:schemeClr val="accent1"/>
+          </a:effectRef>
+          <a:fontRef idx="minor">
+            <a:schemeClr val="lt1"/>
+          </a:fontRef>
+        </p:style>
+        <p:txBody>
+          <a:bodyPr rtlCol="0" anchor="ctr"/>
+          <a:lstStyle/>
+          <a:p>
+            <a:pPr algn="ctr"/>
+            <a:endParaRPr lang="zh-CN" altLang="en-US"/>
+          </a:p>
+        </p:txBody>
+      </p:sp>
+      <p:sp>
+        <p:nvSpPr>
+          <p:cNvPr id="6" name="文本框 5">
+            <a:extLst>
+              <a:ext uri="{FF2B5EF4-FFF2-40B4-BE49-F238E27FC236}">
+                <a16:creationId xmlns:a16="http://schemas.microsoft.com/office/drawing/2014/main" id="{FF57755F-C197-D412-F1A4-E013F99469AB}"/>
+              </a:ext>
+            </a:extLst>
+          </p:cNvPr>
+          <p:cNvSpPr txBox="1"/>
+          <p:nvPr/>
+        </p:nvSpPr>
+        <p:spPr>
+          <a:xfrm>
+            <a:off x="3531091" y="1244380"/>
+            <a:ext cx="1370939" cy="369332"/>
+          </a:xfrm>
+          <a:prstGeom prst="rect">
+            <a:avLst/>
+          </a:prstGeom>
+          <a:noFill/>
+          <a:ln>
+            <a:noFill/>
+          </a:ln>
+        </p:spPr>
+        <p:txBody>
+          <a:bodyPr spcFirstLastPara="1" wrap="square" lIns="91425" tIns="45700" rIns="91425" bIns="45700" anchor="t" anchorCtr="0">
+            <a:spAutoFit/>
+          </a:bodyPr>
+          <a:lstStyle>
+            <a:defPPr marR="0" lvl="0" algn="l" rtl="0">
+              <a:lnSpc>
+                <a:spcPct val="100000"/>
+              </a:lnSpc>
+              <a:spcBef>
+                <a:spcPts val="0"/>
+              </a:spcBef>
+              <a:spcAft>
+                <a:spcPts val="0"/>
+              </a:spcAft>
+            </a:defPPr>
+            <a:lvl1pPr marL="0" indent="0">
+              <a:buNone/>
+              <a:defRPr sz="1800">
+                <a:solidFill>
+                  <a:schemeClr val="dk1"/>
+                </a:solidFill>
+                <a:latin typeface="Consolas"/>
+                <a:ea typeface="Consolas"/>
+                <a:cs typeface="Consolas"/>
+              </a:defRPr>
+            </a:lvl1pPr>
+          </a:lstStyle>
+          <a:p>
+            <a:pPr algn="ctr"/>
+            <a:r>
+              <a:rPr lang="en-US" altLang="zh-CN" dirty="0"/>
+              <a:t>Resample</a:t>
+            </a:r>
+            <a:endParaRPr lang="zh-CN" altLang="en-US" dirty="0"/>
+          </a:p>
+        </p:txBody>
+      </p:sp>
+      <p:sp>
+        <p:nvSpPr>
+          <p:cNvPr id="7" name="文本框 6">
+            <a:extLst>
+              <a:ext uri="{FF2B5EF4-FFF2-40B4-BE49-F238E27FC236}">
+                <a16:creationId xmlns:a16="http://schemas.microsoft.com/office/drawing/2014/main" id="{E59F1A6F-4873-0E62-B8F5-EA673A8696D0}"/>
+              </a:ext>
+            </a:extLst>
+          </p:cNvPr>
+          <p:cNvSpPr txBox="1"/>
+          <p:nvPr/>
+        </p:nvSpPr>
+        <p:spPr>
+          <a:xfrm>
+            <a:off x="7377373" y="879414"/>
+            <a:ext cx="4748202" cy="1754286"/>
+          </a:xfrm>
+          <a:prstGeom prst="rect">
+            <a:avLst/>
+          </a:prstGeom>
+          <a:noFill/>
+          <a:ln>
+            <a:noFill/>
+          </a:ln>
+        </p:spPr>
+        <p:txBody>
+          <a:bodyPr spcFirstLastPara="1" wrap="square" lIns="91425" tIns="45700" rIns="91425" bIns="45700" anchor="t" anchorCtr="0">
+            <a:spAutoFit/>
+          </a:bodyPr>
+          <a:lstStyle>
+            <a:defPPr marR="0" lvl="0" algn="l" rtl="0">
+              <a:lnSpc>
+                <a:spcPct val="100000"/>
+              </a:lnSpc>
+              <a:spcBef>
+                <a:spcPts val="0"/>
+              </a:spcBef>
+              <a:spcAft>
+                <a:spcPts val="0"/>
+              </a:spcAft>
+              <a:defRPr/>
+            </a:defPPr>
+            <a:lvl1pPr marL="0" indent="0">
+              <a:buNone/>
+              <a:defRPr sz="1800">
+                <a:solidFill>
+                  <a:schemeClr val="dk1"/>
+                </a:solidFill>
+                <a:latin typeface="Consolas"/>
+                <a:ea typeface="Consolas"/>
+                <a:cs typeface="Consolas"/>
+              </a:defRPr>
+            </a:lvl1pPr>
+          </a:lstStyle>
+          <a:p>
+            <a:r>
+              <a:rPr lang="en-US" altLang="zh-CN" dirty="0"/>
+              <a:t>Principle of accuracy improvement</a:t>
+            </a:r>
+          </a:p>
+          <a:p>
+            <a:endParaRPr lang="en-US" altLang="zh-CN" dirty="0"/>
+          </a:p>
+          <a:p>
+            <a:r>
+              <a:rPr lang="en-US" altLang="zh-CN" dirty="0"/>
+              <a:t>With the increase in sampling rate, originally relatively separated peaks gradually come closer together. So the error decreases.</a:t>
+            </a:r>
+            <a:endParaRPr lang="zh-CN" altLang="en-US" dirty="0"/>
           </a:p>
         </p:txBody>
       </p:sp>
